--- a/Belikov_Virtual_machine_fuzzing_types_and_approaches.pptx
+++ b/Belikov_Virtual_machine_fuzzing_types_and_approaches.pptx
@@ -5,20 +5,25 @@
     <p:sldMasterId id="2147483648" r:id="rId1"/>
   </p:sldMasterIdLst>
   <p:notesMasterIdLst>
-    <p:notesMasterId r:id="rId10"/>
+    <p:notesMasterId r:id="rId15"/>
   </p:notesMasterIdLst>
   <p:handoutMasterIdLst>
-    <p:handoutMasterId r:id="rId11"/>
+    <p:handoutMasterId r:id="rId16"/>
   </p:handoutMasterIdLst>
   <p:sldIdLst>
     <p:sldId id="256" r:id="rId2"/>
     <p:sldId id="286" r:id="rId3"/>
     <p:sldId id="336" r:id="rId4"/>
     <p:sldId id="340" r:id="rId5"/>
-    <p:sldId id="339" r:id="rId6"/>
-    <p:sldId id="338" r:id="rId7"/>
-    <p:sldId id="337" r:id="rId8"/>
-    <p:sldId id="260" r:id="rId9"/>
+    <p:sldId id="341" r:id="rId6"/>
+    <p:sldId id="343" r:id="rId7"/>
+    <p:sldId id="342" r:id="rId8"/>
+    <p:sldId id="345" r:id="rId9"/>
+    <p:sldId id="344" r:id="rId10"/>
+    <p:sldId id="339" r:id="rId11"/>
+    <p:sldId id="338" r:id="rId12"/>
+    <p:sldId id="337" r:id="rId13"/>
+    <p:sldId id="260" r:id="rId14"/>
   </p:sldIdLst>
   <p:sldSz cx="12192000" cy="6858000"/>
   <p:notesSz cx="6858000" cy="9144000"/>
@@ -15503,6 +15508,622 @@
 </p:sld>
 </file>
 
+<file path=ppt/slides/slide10.xml><?xml version="1.0" encoding="utf-8"?>
+<p:sld xmlns:a="http://schemas.openxmlformats.org/drawingml/2006/main" xmlns:r="http://schemas.openxmlformats.org/officeDocument/2006/relationships" xmlns:p="http://schemas.openxmlformats.org/presentationml/2006/main">
+  <p:cSld>
+    <p:spTree>
+      <p:nvGrpSpPr>
+        <p:cNvPr id="1" name=""/>
+        <p:cNvGrpSpPr/>
+        <p:nvPr/>
+      </p:nvGrpSpPr>
+      <p:grpSpPr>
+        <a:xfrm>
+          <a:off x="0" y="0"/>
+          <a:ext cx="0" cy="0"/>
+          <a:chOff x="0" y="0"/>
+          <a:chExt cx="0" cy="0"/>
+        </a:xfrm>
+      </p:grpSpPr>
+      <p:sp>
+        <p:nvSpPr>
+          <p:cNvPr id="2" name="Текст 1">
+            <a:extLst>
+              <a:ext uri="{FF2B5EF4-FFF2-40B4-BE49-F238E27FC236}">
+                <a16:creationId xmlns:a16="http://schemas.microsoft.com/office/drawing/2014/main" id="{34CF7266-1A7A-9629-D9A6-5784F0346D64}"/>
+              </a:ext>
+            </a:extLst>
+          </p:cNvPr>
+          <p:cNvSpPr>
+            <a:spLocks noGrp="1"/>
+          </p:cNvSpPr>
+          <p:nvPr>
+            <p:ph type="body" sz="half" idx="11"/>
+          </p:nvPr>
+        </p:nvSpPr>
+        <p:spPr/>
+        <p:txBody>
+          <a:bodyPr/>
+          <a:lstStyle/>
+          <a:p>
+            <a:r>
+              <a:rPr lang="ru-RU" dirty="0"/>
+              <a:t>ССЫЛКИ</a:t>
+            </a:r>
+          </a:p>
+        </p:txBody>
+      </p:sp>
+      <p:sp>
+        <p:nvSpPr>
+          <p:cNvPr id="4" name="Текст 3">
+            <a:extLst>
+              <a:ext uri="{FF2B5EF4-FFF2-40B4-BE49-F238E27FC236}">
+                <a16:creationId xmlns:a16="http://schemas.microsoft.com/office/drawing/2014/main" id="{8A2D0C14-EAD0-9B0E-6354-FD1A4344047A}"/>
+              </a:ext>
+            </a:extLst>
+          </p:cNvPr>
+          <p:cNvSpPr>
+            <a:spLocks noGrp="1"/>
+          </p:cNvSpPr>
+          <p:nvPr>
+            <p:ph type="body" sz="half" idx="14"/>
+          </p:nvPr>
+        </p:nvSpPr>
+        <p:spPr/>
+        <p:txBody>
+          <a:bodyPr/>
+          <a:lstStyle/>
+          <a:p>
+            <a:r>
+              <a:rPr lang="ru-RU" dirty="0"/>
+              <a:t>Заключение</a:t>
+            </a:r>
+          </a:p>
+        </p:txBody>
+      </p:sp>
+      <p:sp>
+        <p:nvSpPr>
+          <p:cNvPr id="3" name="TextBox 2"/>
+          <p:cNvSpPr txBox="1"/>
+          <p:nvPr/>
+        </p:nvSpPr>
+        <p:spPr>
+          <a:xfrm>
+            <a:off x="5015880" y="2933945"/>
+            <a:ext cx="1170130" cy="369332"/>
+          </a:xfrm>
+          <a:prstGeom prst="rect">
+            <a:avLst/>
+          </a:prstGeom>
+          <a:noFill/>
+        </p:spPr>
+        <p:txBody>
+          <a:bodyPr wrap="square" rtlCol="0">
+            <a:spAutoFit/>
+          </a:bodyPr>
+          <a:lstStyle/>
+          <a:p>
+            <a:r>
+              <a:rPr lang="en-US" dirty="0" smtClean="0"/>
+              <a:t>QR here</a:t>
+            </a:r>
+            <a:endParaRPr lang="ru-RU" dirty="0"/>
+          </a:p>
+        </p:txBody>
+      </p:sp>
+    </p:spTree>
+    <p:extLst>
+      <p:ext uri="{BB962C8B-B14F-4D97-AF65-F5344CB8AC3E}">
+        <p14:creationId xmlns:p14="http://schemas.microsoft.com/office/powerpoint/2010/main" val="2906767701"/>
+      </p:ext>
+    </p:extLst>
+  </p:cSld>
+  <p:clrMapOvr>
+    <a:masterClrMapping/>
+  </p:clrMapOvr>
+  <p:timing>
+    <p:tnLst>
+      <p:par>
+        <p:cTn id="1" dur="indefinite" restart="never" nodeType="tmRoot"/>
+      </p:par>
+    </p:tnLst>
+  </p:timing>
+</p:sld>
+</file>
+
+<file path=ppt/slides/slide11.xml><?xml version="1.0" encoding="utf-8"?>
+<p:sld xmlns:a="http://schemas.openxmlformats.org/drawingml/2006/main" xmlns:r="http://schemas.openxmlformats.org/officeDocument/2006/relationships" xmlns:p="http://schemas.openxmlformats.org/presentationml/2006/main">
+  <p:cSld>
+    <p:spTree>
+      <p:nvGrpSpPr>
+        <p:cNvPr id="1" name=""/>
+        <p:cNvGrpSpPr/>
+        <p:nvPr/>
+      </p:nvGrpSpPr>
+      <p:grpSpPr>
+        <a:xfrm>
+          <a:off x="0" y="0"/>
+          <a:ext cx="0" cy="0"/>
+          <a:chOff x="0" y="0"/>
+          <a:chExt cx="0" cy="0"/>
+        </a:xfrm>
+      </p:grpSpPr>
+      <p:sp>
+        <p:nvSpPr>
+          <p:cNvPr id="2" name="Текст 1">
+            <a:extLst>
+              <a:ext uri="{FF2B5EF4-FFF2-40B4-BE49-F238E27FC236}">
+                <a16:creationId xmlns:a16="http://schemas.microsoft.com/office/drawing/2014/main" id="{34CF7266-1A7A-9629-D9A6-5784F0346D64}"/>
+              </a:ext>
+            </a:extLst>
+          </p:cNvPr>
+          <p:cNvSpPr>
+            <a:spLocks noGrp="1"/>
+          </p:cNvSpPr>
+          <p:nvPr>
+            <p:ph type="body" sz="half" idx="11"/>
+          </p:nvPr>
+        </p:nvSpPr>
+        <p:spPr/>
+        <p:txBody>
+          <a:bodyPr/>
+          <a:lstStyle/>
+          <a:p>
+            <a:r>
+              <a:rPr lang="ru-RU" dirty="0" smtClean="0"/>
+              <a:t>ЗАГОЛОВОК</a:t>
+            </a:r>
+            <a:endParaRPr lang="ru-RU" dirty="0"/>
+          </a:p>
+        </p:txBody>
+      </p:sp>
+      <p:sp>
+        <p:nvSpPr>
+          <p:cNvPr id="4" name="Текст 3">
+            <a:extLst>
+              <a:ext uri="{FF2B5EF4-FFF2-40B4-BE49-F238E27FC236}">
+                <a16:creationId xmlns:a16="http://schemas.microsoft.com/office/drawing/2014/main" id="{8A2D0C14-EAD0-9B0E-6354-FD1A4344047A}"/>
+              </a:ext>
+            </a:extLst>
+          </p:cNvPr>
+          <p:cNvSpPr>
+            <a:spLocks noGrp="1"/>
+          </p:cNvSpPr>
+          <p:nvPr>
+            <p:ph type="body" sz="half" idx="14"/>
+          </p:nvPr>
+        </p:nvSpPr>
+        <p:spPr/>
+        <p:txBody>
+          <a:bodyPr/>
+          <a:lstStyle/>
+          <a:p>
+            <a:r>
+              <a:rPr lang="ru-RU" dirty="0" smtClean="0"/>
+              <a:t>Раздел</a:t>
+            </a:r>
+            <a:endParaRPr lang="ru-RU" dirty="0"/>
+          </a:p>
+        </p:txBody>
+      </p:sp>
+    </p:spTree>
+    <p:extLst>
+      <p:ext uri="{BB962C8B-B14F-4D97-AF65-F5344CB8AC3E}">
+        <p14:creationId xmlns:p14="http://schemas.microsoft.com/office/powerpoint/2010/main" val="421904790"/>
+      </p:ext>
+    </p:extLst>
+  </p:cSld>
+  <p:clrMapOvr>
+    <a:masterClrMapping/>
+  </p:clrMapOvr>
+  <p:timing>
+    <p:tnLst>
+      <p:par>
+        <p:cTn id="1" dur="indefinite" restart="never" nodeType="tmRoot"/>
+      </p:par>
+    </p:tnLst>
+  </p:timing>
+</p:sld>
+</file>
+
+<file path=ppt/slides/slide12.xml><?xml version="1.0" encoding="utf-8"?>
+<p:sld xmlns:a="http://schemas.openxmlformats.org/drawingml/2006/main" xmlns:r="http://schemas.openxmlformats.org/officeDocument/2006/relationships" xmlns:p="http://schemas.openxmlformats.org/presentationml/2006/main">
+  <p:cSld>
+    <p:spTree>
+      <p:nvGrpSpPr>
+        <p:cNvPr id="1" name=""/>
+        <p:cNvGrpSpPr/>
+        <p:nvPr/>
+      </p:nvGrpSpPr>
+      <p:grpSpPr>
+        <a:xfrm>
+          <a:off x="0" y="0"/>
+          <a:ext cx="0" cy="0"/>
+          <a:chOff x="0" y="0"/>
+          <a:chExt cx="0" cy="0"/>
+        </a:xfrm>
+      </p:grpSpPr>
+      <p:sp>
+        <p:nvSpPr>
+          <p:cNvPr id="2" name="Текст 1">
+            <a:extLst>
+              <a:ext uri="{FF2B5EF4-FFF2-40B4-BE49-F238E27FC236}">
+                <a16:creationId xmlns:a16="http://schemas.microsoft.com/office/drawing/2014/main" id="{34CF7266-1A7A-9629-D9A6-5784F0346D64}"/>
+              </a:ext>
+            </a:extLst>
+          </p:cNvPr>
+          <p:cNvSpPr>
+            <a:spLocks noGrp="1"/>
+          </p:cNvSpPr>
+          <p:nvPr>
+            <p:ph type="body" sz="half" idx="11"/>
+          </p:nvPr>
+        </p:nvSpPr>
+        <p:spPr/>
+        <p:txBody>
+          <a:bodyPr/>
+          <a:lstStyle/>
+          <a:p>
+            <a:r>
+              <a:rPr lang="ru-RU" dirty="0"/>
+              <a:t>ССЫЛКИ</a:t>
+            </a:r>
+          </a:p>
+        </p:txBody>
+      </p:sp>
+      <p:sp>
+        <p:nvSpPr>
+          <p:cNvPr id="4" name="Текст 3">
+            <a:extLst>
+              <a:ext uri="{FF2B5EF4-FFF2-40B4-BE49-F238E27FC236}">
+                <a16:creationId xmlns:a16="http://schemas.microsoft.com/office/drawing/2014/main" id="{8A2D0C14-EAD0-9B0E-6354-FD1A4344047A}"/>
+              </a:ext>
+            </a:extLst>
+          </p:cNvPr>
+          <p:cNvSpPr>
+            <a:spLocks noGrp="1"/>
+          </p:cNvSpPr>
+          <p:nvPr>
+            <p:ph type="body" sz="half" idx="14"/>
+          </p:nvPr>
+        </p:nvSpPr>
+        <p:spPr/>
+        <p:txBody>
+          <a:bodyPr/>
+          <a:lstStyle/>
+          <a:p>
+            <a:r>
+              <a:rPr lang="ru-RU" dirty="0"/>
+              <a:t>Заключение</a:t>
+            </a:r>
+          </a:p>
+        </p:txBody>
+      </p:sp>
+      <p:sp>
+        <p:nvSpPr>
+          <p:cNvPr id="5" name="TextBox 4"/>
+          <p:cNvSpPr txBox="1"/>
+          <p:nvPr/>
+        </p:nvSpPr>
+        <p:spPr>
+          <a:xfrm>
+            <a:off x="605390" y="1538790"/>
+            <a:ext cx="11296255" cy="646331"/>
+          </a:xfrm>
+          <a:prstGeom prst="rect">
+            <a:avLst/>
+          </a:prstGeom>
+          <a:noFill/>
+        </p:spPr>
+        <p:txBody>
+          <a:bodyPr wrap="square" rtlCol="0">
+            <a:spAutoFit/>
+          </a:bodyPr>
+          <a:lstStyle/>
+          <a:p>
+            <a:pPr marL="342900" indent="-342900">
+              <a:buAutoNum type="arabicPeriod"/>
+            </a:pPr>
+            <a:r>
+              <a:rPr lang="en-US" dirty="0"/>
+              <a:t>h</a:t>
+            </a:r>
+            <a:r>
+              <a:rPr lang="en-US" dirty="0" smtClean="0"/>
+              <a:t>ttps</a:t>
+            </a:r>
+            <a:r>
+              <a:rPr lang="en-US" dirty="0"/>
+              <a:t>://</a:t>
+            </a:r>
+            <a:r>
+              <a:rPr lang="en-US" dirty="0" smtClean="0"/>
+              <a:t>ru.wikipedia.org/wiki/</a:t>
+            </a:r>
+            <a:r>
+              <a:rPr lang="ru-RU" dirty="0" err="1" smtClean="0"/>
+              <a:t>Фаззинг</a:t>
+            </a:r>
+            <a:endParaRPr lang="ru-RU" dirty="0" smtClean="0"/>
+          </a:p>
+          <a:p>
+            <a:pPr marL="342900" indent="-342900">
+              <a:buAutoNum type="arabicPeriod"/>
+            </a:pPr>
+            <a:endParaRPr lang="ru-RU" dirty="0"/>
+          </a:p>
+        </p:txBody>
+      </p:sp>
+    </p:spTree>
+    <p:extLst>
+      <p:ext uri="{BB962C8B-B14F-4D97-AF65-F5344CB8AC3E}">
+        <p14:creationId xmlns:p14="http://schemas.microsoft.com/office/powerpoint/2010/main" val="757873035"/>
+      </p:ext>
+    </p:extLst>
+  </p:cSld>
+  <p:clrMapOvr>
+    <a:masterClrMapping/>
+  </p:clrMapOvr>
+  <p:timing>
+    <p:tnLst>
+      <p:par>
+        <p:cTn id="1" dur="indefinite" restart="never" nodeType="tmRoot"/>
+      </p:par>
+    </p:tnLst>
+  </p:timing>
+</p:sld>
+</file>
+
+<file path=ppt/slides/slide13.xml><?xml version="1.0" encoding="utf-8"?>
+<p:sld xmlns:a="http://schemas.openxmlformats.org/drawingml/2006/main" xmlns:r="http://schemas.openxmlformats.org/officeDocument/2006/relationships" xmlns:p="http://schemas.openxmlformats.org/presentationml/2006/main">
+  <p:cSld>
+    <p:spTree>
+      <p:nvGrpSpPr>
+        <p:cNvPr id="1" name=""/>
+        <p:cNvGrpSpPr/>
+        <p:nvPr/>
+      </p:nvGrpSpPr>
+      <p:grpSpPr>
+        <a:xfrm>
+          <a:off x="0" y="0"/>
+          <a:ext cx="0" cy="0"/>
+          <a:chOff x="0" y="0"/>
+          <a:chExt cx="0" cy="0"/>
+        </a:xfrm>
+      </p:grpSpPr>
+      <p:sp>
+        <p:nvSpPr>
+          <p:cNvPr id="3" name="Текст 3">
+            <a:extLst>
+              <a:ext uri="{FF2B5EF4-FFF2-40B4-BE49-F238E27FC236}">
+                <a16:creationId xmlns:a16="http://schemas.microsoft.com/office/drawing/2014/main" id="{8A2D0C14-EAD0-9B0E-6354-FD1A4344047A}"/>
+              </a:ext>
+            </a:extLst>
+          </p:cNvPr>
+          <p:cNvSpPr txBox="1">
+            <a:spLocks/>
+          </p:cNvSpPr>
+          <p:nvPr/>
+        </p:nvSpPr>
+        <p:spPr>
+          <a:xfrm>
+            <a:off x="5780965" y="3519010"/>
+            <a:ext cx="4815535" cy="675075"/>
+          </a:xfrm>
+          <a:prstGeom prst="rect">
+            <a:avLst/>
+          </a:prstGeom>
+        </p:spPr>
+        <p:txBody>
+          <a:bodyPr/>
+          <a:lstStyle>
+            <a:lvl1pPr marL="228600" indent="-228600" algn="l" defTabSz="914400" rtl="0" eaLnBrk="1" latinLnBrk="0" hangingPunct="1">
+              <a:lnSpc>
+                <a:spcPct val="90000"/>
+              </a:lnSpc>
+              <a:spcBef>
+                <a:spcPts val="1000"/>
+              </a:spcBef>
+              <a:buFont typeface="Arial" panose="020B0604020202020204" pitchFamily="34" charset="0"/>
+              <a:buChar char="•"/>
+              <a:defRPr sz="2800" kern="1200">
+                <a:solidFill>
+                  <a:schemeClr val="tx1"/>
+                </a:solidFill>
+                <a:latin typeface="+mn-lt"/>
+                <a:ea typeface="+mn-ea"/>
+                <a:cs typeface="+mn-cs"/>
+              </a:defRPr>
+            </a:lvl1pPr>
+            <a:lvl2pPr marL="685800" indent="-228600" algn="l" defTabSz="914400" rtl="0" eaLnBrk="1" latinLnBrk="0" hangingPunct="1">
+              <a:lnSpc>
+                <a:spcPct val="90000"/>
+              </a:lnSpc>
+              <a:spcBef>
+                <a:spcPts val="500"/>
+              </a:spcBef>
+              <a:buFont typeface="Arial" panose="020B0604020202020204" pitchFamily="34" charset="0"/>
+              <a:buChar char="•"/>
+              <a:defRPr sz="2400" kern="1200">
+                <a:solidFill>
+                  <a:schemeClr val="tx1"/>
+                </a:solidFill>
+                <a:latin typeface="+mn-lt"/>
+                <a:ea typeface="+mn-ea"/>
+                <a:cs typeface="+mn-cs"/>
+              </a:defRPr>
+            </a:lvl2pPr>
+            <a:lvl3pPr marL="1143000" indent="-228600" algn="l" defTabSz="914400" rtl="0" eaLnBrk="1" latinLnBrk="0" hangingPunct="1">
+              <a:lnSpc>
+                <a:spcPct val="90000"/>
+              </a:lnSpc>
+              <a:spcBef>
+                <a:spcPts val="500"/>
+              </a:spcBef>
+              <a:buFont typeface="Arial" panose="020B0604020202020204" pitchFamily="34" charset="0"/>
+              <a:buChar char="•"/>
+              <a:defRPr sz="2000" kern="1200">
+                <a:solidFill>
+                  <a:schemeClr val="tx1"/>
+                </a:solidFill>
+                <a:latin typeface="+mn-lt"/>
+                <a:ea typeface="+mn-ea"/>
+                <a:cs typeface="+mn-cs"/>
+              </a:defRPr>
+            </a:lvl3pPr>
+            <a:lvl4pPr marL="1600200" indent="-228600" algn="l" defTabSz="914400" rtl="0" eaLnBrk="1" latinLnBrk="0" hangingPunct="1">
+              <a:lnSpc>
+                <a:spcPct val="90000"/>
+              </a:lnSpc>
+              <a:spcBef>
+                <a:spcPts val="500"/>
+              </a:spcBef>
+              <a:buFont typeface="Arial" panose="020B0604020202020204" pitchFamily="34" charset="0"/>
+              <a:buChar char="•"/>
+              <a:defRPr sz="1800" kern="1200">
+                <a:solidFill>
+                  <a:schemeClr val="tx1"/>
+                </a:solidFill>
+                <a:latin typeface="+mn-lt"/>
+                <a:ea typeface="+mn-ea"/>
+                <a:cs typeface="+mn-cs"/>
+              </a:defRPr>
+            </a:lvl4pPr>
+            <a:lvl5pPr marL="2057400" indent="-228600" algn="l" defTabSz="914400" rtl="0" eaLnBrk="1" latinLnBrk="0" hangingPunct="1">
+              <a:lnSpc>
+                <a:spcPct val="90000"/>
+              </a:lnSpc>
+              <a:spcBef>
+                <a:spcPts val="500"/>
+              </a:spcBef>
+              <a:buFont typeface="Arial" panose="020B0604020202020204" pitchFamily="34" charset="0"/>
+              <a:buChar char="•"/>
+              <a:defRPr sz="1800" kern="1200">
+                <a:solidFill>
+                  <a:schemeClr val="tx1"/>
+                </a:solidFill>
+                <a:latin typeface="+mn-lt"/>
+                <a:ea typeface="+mn-ea"/>
+                <a:cs typeface="+mn-cs"/>
+              </a:defRPr>
+            </a:lvl5pPr>
+            <a:lvl6pPr marL="2514600" indent="-228600" algn="l" defTabSz="914400" rtl="0" eaLnBrk="1" latinLnBrk="0" hangingPunct="1">
+              <a:lnSpc>
+                <a:spcPct val="90000"/>
+              </a:lnSpc>
+              <a:spcBef>
+                <a:spcPts val="500"/>
+              </a:spcBef>
+              <a:buFont typeface="Arial" panose="020B0604020202020204" pitchFamily="34" charset="0"/>
+              <a:buChar char="•"/>
+              <a:defRPr sz="1800" kern="1200">
+                <a:solidFill>
+                  <a:schemeClr val="tx1"/>
+                </a:solidFill>
+                <a:latin typeface="+mn-lt"/>
+                <a:ea typeface="+mn-ea"/>
+                <a:cs typeface="+mn-cs"/>
+              </a:defRPr>
+            </a:lvl6pPr>
+            <a:lvl7pPr marL="2971800" indent="-228600" algn="l" defTabSz="914400" rtl="0" eaLnBrk="1" latinLnBrk="0" hangingPunct="1">
+              <a:lnSpc>
+                <a:spcPct val="90000"/>
+              </a:lnSpc>
+              <a:spcBef>
+                <a:spcPts val="500"/>
+              </a:spcBef>
+              <a:buFont typeface="Arial" panose="020B0604020202020204" pitchFamily="34" charset="0"/>
+              <a:buChar char="•"/>
+              <a:defRPr sz="1800" kern="1200">
+                <a:solidFill>
+                  <a:schemeClr val="tx1"/>
+                </a:solidFill>
+                <a:latin typeface="+mn-lt"/>
+                <a:ea typeface="+mn-ea"/>
+                <a:cs typeface="+mn-cs"/>
+              </a:defRPr>
+            </a:lvl7pPr>
+            <a:lvl8pPr marL="3429000" indent="-228600" algn="l" defTabSz="914400" rtl="0" eaLnBrk="1" latinLnBrk="0" hangingPunct="1">
+              <a:lnSpc>
+                <a:spcPct val="90000"/>
+              </a:lnSpc>
+              <a:spcBef>
+                <a:spcPts val="500"/>
+              </a:spcBef>
+              <a:buFont typeface="Arial" panose="020B0604020202020204" pitchFamily="34" charset="0"/>
+              <a:buChar char="•"/>
+              <a:defRPr sz="1800" kern="1200">
+                <a:solidFill>
+                  <a:schemeClr val="tx1"/>
+                </a:solidFill>
+                <a:latin typeface="+mn-lt"/>
+                <a:ea typeface="+mn-ea"/>
+                <a:cs typeface="+mn-cs"/>
+              </a:defRPr>
+            </a:lvl8pPr>
+            <a:lvl9pPr marL="3886200" indent="-228600" algn="l" defTabSz="914400" rtl="0" eaLnBrk="1" latinLnBrk="0" hangingPunct="1">
+              <a:lnSpc>
+                <a:spcPct val="90000"/>
+              </a:lnSpc>
+              <a:spcBef>
+                <a:spcPts val="500"/>
+              </a:spcBef>
+              <a:buFont typeface="Arial" panose="020B0604020202020204" pitchFamily="34" charset="0"/>
+              <a:buChar char="•"/>
+              <a:defRPr sz="1800" kern="1200">
+                <a:solidFill>
+                  <a:schemeClr val="tx1"/>
+                </a:solidFill>
+                <a:latin typeface="+mn-lt"/>
+                <a:ea typeface="+mn-ea"/>
+                <a:cs typeface="+mn-cs"/>
+              </a:defRPr>
+            </a:lvl9pPr>
+          </a:lstStyle>
+          <a:p>
+            <a:pPr marL="0" indent="0">
+              <a:buNone/>
+            </a:pPr>
+            <a:r>
+              <a:rPr lang="ru-RU" sz="3200" b="1" dirty="0" smtClean="0">
+                <a:solidFill>
+                  <a:schemeClr val="bg1"/>
+                </a:solidFill>
+                <a:latin typeface="Segoe UI Semilight" panose="020B0402040204020203" pitchFamily="34" charset="0"/>
+                <a:cs typeface="Segoe UI Semilight" panose="020B0402040204020203" pitchFamily="34" charset="0"/>
+              </a:rPr>
+              <a:t>Спасибо за внимание!</a:t>
+            </a:r>
+            <a:endParaRPr lang="ru-RU" sz="3200" b="1" dirty="0">
+              <a:solidFill>
+                <a:schemeClr val="bg1"/>
+              </a:solidFill>
+              <a:latin typeface="Segoe UI Semilight" panose="020B0402040204020203" pitchFamily="34" charset="0"/>
+              <a:cs typeface="Segoe UI Semilight" panose="020B0402040204020203" pitchFamily="34" charset="0"/>
+            </a:endParaRPr>
+          </a:p>
+        </p:txBody>
+      </p:sp>
+    </p:spTree>
+    <p:extLst>
+      <p:ext uri="{BB962C8B-B14F-4D97-AF65-F5344CB8AC3E}">
+        <p14:creationId xmlns:p14="http://schemas.microsoft.com/office/powerpoint/2010/main" val="2203234034"/>
+      </p:ext>
+    </p:extLst>
+  </p:cSld>
+  <p:clrMapOvr>
+    <a:masterClrMapping/>
+  </p:clrMapOvr>
+  <p:timing>
+    <p:tnLst>
+      <p:par>
+        <p:cTn id="1" dur="indefinite" restart="never" nodeType="tmRoot"/>
+      </p:par>
+    </p:tnLst>
+  </p:timing>
+</p:sld>
+</file>
+
 <file path=ppt/slides/slide2.xml><?xml version="1.0" encoding="utf-8"?>
 <p:sld xmlns:a="http://schemas.openxmlformats.org/drawingml/2006/main" xmlns:r="http://schemas.openxmlformats.org/officeDocument/2006/relationships" xmlns:p="http://schemas.openxmlformats.org/presentationml/2006/main">
   <p:cSld>
@@ -16717,6 +17338,45 @@
           <a:chExt cx="0" cy="0"/>
         </a:xfrm>
       </p:grpSpPr>
+      <p:pic>
+        <p:nvPicPr>
+          <p:cNvPr id="2050" name="Picture 2" descr="https://prosoftsystems.ru/uploads/public/images/Catalog/DAES/11xx/ARIS-1105_left.jpg"/>
+          <p:cNvPicPr>
+            <a:picLocks noChangeAspect="1" noChangeArrowheads="1"/>
+          </p:cNvPicPr>
+          <p:nvPr/>
+        </p:nvPicPr>
+        <p:blipFill rotWithShape="1">
+          <a:blip r:embed="rId2">
+            <a:extLst>
+              <a:ext uri="{28A0092B-C50C-407E-A947-70E740481C1C}">
+                <a14:useLocalDpi xmlns:a14="http://schemas.microsoft.com/office/drawing/2010/main" val="0"/>
+              </a:ext>
+            </a:extLst>
+          </a:blip>
+          <a:srcRect l="18454" t="29894" r="18793" b="29340"/>
+          <a:stretch/>
+        </p:blipFill>
+        <p:spPr bwMode="auto">
+          <a:xfrm flipH="1">
+            <a:off x="7446150" y="2888940"/>
+            <a:ext cx="4590511" cy="3735415"/>
+          </a:xfrm>
+          <a:prstGeom prst="rect">
+            <a:avLst/>
+          </a:prstGeom>
+          <a:noFill/>
+          <a:extLst>
+            <a:ext uri="{909E8E84-426E-40DD-AFC4-6F175D3DCCD1}">
+              <a14:hiddenFill xmlns:a14="http://schemas.microsoft.com/office/drawing/2010/main">
+                <a:solidFill>
+                  <a:srgbClr val="FFFFFF"/>
+                </a:solidFill>
+              </a14:hiddenFill>
+            </a:ext>
+          </a:extLst>
+        </p:spPr>
+      </p:pic>
       <p:sp>
         <p:nvSpPr>
           <p:cNvPr id="2" name="Текст 1">
@@ -16739,9 +17399,10 @@
           <a:lstStyle/>
           <a:p>
             <a:r>
-              <a:rPr lang="ru-RU" dirty="0"/>
-              <a:t>ССЫЛКИ</a:t>
-            </a:r>
+              <a:rPr lang="ru-RU" dirty="0" smtClean="0"/>
+              <a:t>ЗАДАЧА</a:t>
+            </a:r>
+            <a:endParaRPr lang="ru-RU" dirty="0"/>
           </a:p>
         </p:txBody>
       </p:sp>
@@ -16767,22 +17428,23 @@
           <a:lstStyle/>
           <a:p>
             <a:r>
-              <a:rPr lang="ru-RU" dirty="0"/>
-              <a:t>Заключение</a:t>
-            </a:r>
-          </a:p>
-        </p:txBody>
-      </p:sp>
-      <p:sp>
-        <p:nvSpPr>
-          <p:cNvPr id="3" name="TextBox 2"/>
+              <a:rPr lang="ru-RU" dirty="0" smtClean="0"/>
+              <a:t>Введение</a:t>
+            </a:r>
+            <a:endParaRPr lang="ru-RU" dirty="0"/>
+          </a:p>
+        </p:txBody>
+      </p:sp>
+      <p:sp>
+        <p:nvSpPr>
+          <p:cNvPr id="5" name="TextBox 4"/>
           <p:cNvSpPr txBox="1"/>
           <p:nvPr/>
         </p:nvSpPr>
         <p:spPr>
           <a:xfrm>
-            <a:off x="5015880" y="2933945"/>
-            <a:ext cx="1170130" cy="369332"/>
+            <a:off x="442912" y="1752341"/>
+            <a:ext cx="7318273" cy="3416320"/>
           </a:xfrm>
           <a:prstGeom prst="rect">
             <a:avLst/>
@@ -16796,17 +17458,291 @@
           <a:lstStyle/>
           <a:p>
             <a:r>
-              <a:rPr lang="en-US" dirty="0" smtClean="0"/>
-              <a:t>QR here</a:t>
-            </a:r>
-            <a:endParaRPr lang="ru-RU" dirty="0"/>
+              <a:rPr lang="ru-RU" dirty="0" err="1" smtClean="0">
+                <a:solidFill>
+                  <a:sysClr val="windowText" lastClr="000000"/>
+                </a:solidFill>
+              </a:rPr>
+              <a:t>Фаззинг</a:t>
+            </a:r>
+            <a:r>
+              <a:rPr lang="ru-RU" dirty="0" smtClean="0">
+                <a:solidFill>
+                  <a:sysClr val="windowText" lastClr="000000"/>
+                </a:solidFill>
+              </a:rPr>
+              <a:t> многофункционального контроллера автоматизации электрических сетей «</a:t>
+            </a:r>
+            <a:r>
+              <a:rPr lang="en-US" dirty="0" smtClean="0">
+                <a:solidFill>
+                  <a:sysClr val="windowText" lastClr="000000"/>
+                </a:solidFill>
+              </a:rPr>
+              <a:t>ARIS</a:t>
+            </a:r>
+            <a:r>
+              <a:rPr lang="ru-RU" dirty="0" smtClean="0">
+                <a:solidFill>
+                  <a:sysClr val="windowText" lastClr="000000"/>
+                </a:solidFill>
+              </a:rPr>
+              <a:t>»</a:t>
+            </a:r>
+          </a:p>
+          <a:p>
+            <a:endParaRPr lang="ru-RU" dirty="0">
+              <a:solidFill>
+                <a:sysClr val="windowText" lastClr="000000"/>
+              </a:solidFill>
+            </a:endParaRPr>
+          </a:p>
+          <a:p>
+            <a:r>
+              <a:rPr lang="ru-RU" b="1" dirty="0" smtClean="0">
+                <a:solidFill>
+                  <a:sysClr val="windowText" lastClr="000000"/>
+                </a:solidFill>
+              </a:rPr>
+              <a:t>Сложности:</a:t>
+            </a:r>
+          </a:p>
+          <a:p>
+            <a:pPr marL="285750" indent="-285750">
+              <a:buFont typeface="Arial" panose="020B0604020202020204" pitchFamily="34" charset="0"/>
+              <a:buChar char="•"/>
+            </a:pPr>
+            <a:r>
+              <a:rPr lang="ru-RU" dirty="0" smtClean="0">
+                <a:solidFill>
+                  <a:sysClr val="windowText" lastClr="000000"/>
+                </a:solidFill>
+              </a:rPr>
+              <a:t>Ограниченные ресурсы платформы –</a:t>
+            </a:r>
+            <a:r>
+              <a:rPr lang="en-US" dirty="0" smtClean="0">
+                <a:solidFill>
+                  <a:sysClr val="windowText" lastClr="000000"/>
+                </a:solidFill>
+              </a:rPr>
+              <a:t>&gt;</a:t>
+            </a:r>
+            <a:r>
+              <a:rPr lang="ru-RU" dirty="0" smtClean="0">
+                <a:solidFill>
+                  <a:sysClr val="windowText" lastClr="000000"/>
+                </a:solidFill>
+              </a:rPr>
+              <a:t> медленное тестирование</a:t>
+            </a:r>
+            <a:endParaRPr lang="en-US" dirty="0" smtClean="0">
+              <a:solidFill>
+                <a:sysClr val="windowText" lastClr="000000"/>
+              </a:solidFill>
+            </a:endParaRPr>
+          </a:p>
+          <a:p>
+            <a:pPr marL="285750" indent="-285750">
+              <a:buFont typeface="Arial" panose="020B0604020202020204" pitchFamily="34" charset="0"/>
+              <a:buChar char="•"/>
+            </a:pPr>
+            <a:r>
+              <a:rPr lang="kk-KZ" dirty="0" smtClean="0">
+                <a:solidFill>
+                  <a:sysClr val="windowText" lastClr="000000"/>
+                </a:solidFill>
+              </a:rPr>
+              <a:t>Ограниченная обратная связь </a:t>
+            </a:r>
+            <a:r>
+              <a:rPr lang="ru-RU" dirty="0" smtClean="0">
+                <a:solidFill>
+                  <a:sysClr val="windowText" lastClr="000000"/>
+                </a:solidFill>
+              </a:rPr>
+              <a:t>–</a:t>
+            </a:r>
+            <a:r>
+              <a:rPr lang="en-US" dirty="0" smtClean="0">
+                <a:solidFill>
+                  <a:sysClr val="windowText" lastClr="000000"/>
+                </a:solidFill>
+              </a:rPr>
+              <a:t>&gt; </a:t>
+            </a:r>
+            <a:r>
+              <a:rPr lang="kk-KZ" dirty="0" smtClean="0">
+                <a:solidFill>
+                  <a:sysClr val="windowText" lastClr="000000"/>
+                </a:solidFill>
+              </a:rPr>
+              <a:t>только </a:t>
+            </a:r>
+            <a:r>
+              <a:rPr lang="en-US" dirty="0" err="1" smtClean="0">
+                <a:solidFill>
+                  <a:sysClr val="windowText" lastClr="000000"/>
+                </a:solidFill>
+              </a:rPr>
+              <a:t>blackbox</a:t>
+            </a:r>
+            <a:r>
+              <a:rPr lang="en-US" dirty="0" smtClean="0">
+                <a:solidFill>
+                  <a:sysClr val="windowText" lastClr="000000"/>
+                </a:solidFill>
+              </a:rPr>
+              <a:t> fuzzing</a:t>
+            </a:r>
+            <a:endParaRPr lang="ru-RU" dirty="0" smtClean="0">
+              <a:solidFill>
+                <a:sysClr val="windowText" lastClr="000000"/>
+              </a:solidFill>
+            </a:endParaRPr>
+          </a:p>
+          <a:p>
+            <a:pPr marL="285750" indent="-285750">
+              <a:buFont typeface="Arial" panose="020B0604020202020204" pitchFamily="34" charset="0"/>
+              <a:buChar char="•"/>
+            </a:pPr>
+            <a:r>
+              <a:rPr lang="ru-RU" dirty="0" smtClean="0">
+                <a:solidFill>
+                  <a:sysClr val="windowText" lastClr="000000"/>
+                </a:solidFill>
+              </a:rPr>
+              <a:t>Тесная интеграция </a:t>
+            </a:r>
+            <a:r>
+              <a:rPr lang="en-US" dirty="0" smtClean="0">
+                <a:solidFill>
+                  <a:sysClr val="windowText" lastClr="000000"/>
+                </a:solidFill>
+              </a:rPr>
+              <a:t>software &amp; hardware</a:t>
+            </a:r>
+            <a:r>
+              <a:rPr lang="ru-RU" dirty="0" smtClean="0">
+                <a:solidFill>
+                  <a:sysClr val="windowText" lastClr="000000"/>
+                </a:solidFill>
+              </a:rPr>
+              <a:t> компонентов системы</a:t>
+            </a:r>
+            <a:endParaRPr lang="kk-KZ" dirty="0" smtClean="0">
+              <a:solidFill>
+                <a:sysClr val="windowText" lastClr="000000"/>
+              </a:solidFill>
+            </a:endParaRPr>
+          </a:p>
+          <a:p>
+            <a:pPr marL="285750" indent="-285750">
+              <a:buFont typeface="Arial" panose="020B0604020202020204" pitchFamily="34" charset="0"/>
+              <a:buChar char="•"/>
+            </a:pPr>
+            <a:r>
+              <a:rPr lang="ru-RU" dirty="0" smtClean="0">
+                <a:solidFill>
+                  <a:sysClr val="windowText" lastClr="000000"/>
+                </a:solidFill>
+              </a:rPr>
+              <a:t>Трудности с</a:t>
+            </a:r>
+            <a:r>
+              <a:rPr lang="en-US" dirty="0" smtClean="0">
+                <a:solidFill>
+                  <a:sysClr val="windowText" lastClr="000000"/>
+                </a:solidFill>
+              </a:rPr>
+              <a:t> </a:t>
+            </a:r>
+            <a:r>
+              <a:rPr lang="ru-RU" dirty="0" smtClean="0">
+                <a:solidFill>
+                  <a:sysClr val="windowText" lastClr="000000"/>
+                </a:solidFill>
+              </a:rPr>
+              <a:t>коммуникацией, </a:t>
+            </a:r>
+            <a:r>
+              <a:rPr lang="ru-RU" dirty="0" err="1" smtClean="0">
+                <a:solidFill>
+                  <a:sysClr val="windowText" lastClr="000000"/>
+                </a:solidFill>
+              </a:rPr>
+              <a:t>воспроизводимостью</a:t>
+            </a:r>
+            <a:r>
+              <a:rPr lang="ru-RU" dirty="0" smtClean="0">
+                <a:solidFill>
+                  <a:sysClr val="windowText" lastClr="000000"/>
+                </a:solidFill>
+              </a:rPr>
+              <a:t> и отладкой</a:t>
+            </a:r>
+            <a:endParaRPr lang="en-US" dirty="0" smtClean="0">
+              <a:solidFill>
+                <a:sysClr val="windowText" lastClr="000000"/>
+              </a:solidFill>
+            </a:endParaRPr>
+          </a:p>
+          <a:p>
+            <a:pPr marL="285750" indent="-285750">
+              <a:buFont typeface="Arial" panose="020B0604020202020204" pitchFamily="34" charset="0"/>
+              <a:buChar char="•"/>
+            </a:pPr>
+            <a:r>
+              <a:rPr lang="kk-KZ" dirty="0" smtClean="0">
+                <a:solidFill>
+                  <a:sysClr val="windowText" lastClr="000000"/>
+                </a:solidFill>
+              </a:rPr>
+              <a:t>Плохая масштабируемость</a:t>
+            </a:r>
+          </a:p>
+          <a:p>
+            <a:pPr marL="285750" indent="-285750">
+              <a:buFont typeface="Arial" panose="020B0604020202020204" pitchFamily="34" charset="0"/>
+              <a:buChar char="•"/>
+            </a:pPr>
+            <a:endParaRPr lang="kk-KZ" dirty="0">
+              <a:solidFill>
+                <a:sysClr val="windowText" lastClr="000000"/>
+              </a:solidFill>
+            </a:endParaRPr>
+          </a:p>
+          <a:p>
+            <a:r>
+              <a:rPr lang="kk-KZ" b="1" dirty="0" smtClean="0">
+                <a:solidFill>
+                  <a:sysClr val="windowText" lastClr="000000"/>
+                </a:solidFill>
+              </a:rPr>
+              <a:t>Решение:</a:t>
+            </a:r>
+          </a:p>
+          <a:p>
+            <a:r>
+              <a:rPr lang="kk-KZ" dirty="0" smtClean="0">
+                <a:solidFill>
+                  <a:sysClr val="windowText" lastClr="000000"/>
+                </a:solidFill>
+              </a:rPr>
+              <a:t>Фаззинг виртуальной машины</a:t>
+            </a:r>
+            <a:endParaRPr lang="ru-RU" dirty="0">
+              <a:solidFill>
+                <a:sysClr val="windowText" lastClr="000000"/>
+              </a:solidFill>
+            </a:endParaRPr>
           </a:p>
         </p:txBody>
       </p:sp>
     </p:spTree>
     <p:extLst>
       <p:ext uri="{BB962C8B-B14F-4D97-AF65-F5344CB8AC3E}">
-        <p14:creationId xmlns:p14="http://schemas.microsoft.com/office/powerpoint/2010/main" val="2906767701"/>
+        <p14:creationId xmlns:p14="http://schemas.microsoft.com/office/powerpoint/2010/main" val="2320379428"/>
       </p:ext>
     </p:extLst>
   </p:cSld>
@@ -16856,14 +17792,19 @@
             <p:ph type="body" sz="half" idx="11"/>
           </p:nvPr>
         </p:nvSpPr>
-        <p:spPr/>
+        <p:spPr>
+          <a:xfrm>
+            <a:off x="442912" y="818710"/>
+            <a:ext cx="9974262" cy="381000"/>
+          </a:xfrm>
+        </p:spPr>
         <p:txBody>
           <a:bodyPr/>
           <a:lstStyle/>
           <a:p>
             <a:r>
-              <a:rPr lang="ru-RU" dirty="0" smtClean="0"/>
-              <a:t>ЗАГОЛОВОК</a:t>
+              <a:rPr lang="en-US" dirty="0" err="1" smtClean="0"/>
+              <a:t>TriforceAFL</a:t>
             </a:r>
             <a:endParaRPr lang="ru-RU" dirty="0"/>
           </a:p>
@@ -16891,17 +17832,198 @@
           <a:lstStyle/>
           <a:p>
             <a:r>
+              <a:rPr lang="kk-KZ" dirty="0" smtClean="0">
+                <a:solidFill>
+                  <a:sysClr val="windowText" lastClr="000000"/>
+                </a:solidFill>
+              </a:rPr>
+              <a:t>Фаззинг виртуальной машины</a:t>
+            </a:r>
+            <a:r>
+              <a:rPr lang="ru-RU" dirty="0" smtClean="0">
+                <a:solidFill>
+                  <a:sysClr val="windowText" lastClr="000000"/>
+                </a:solidFill>
+              </a:rPr>
+              <a:t>. Типы</a:t>
+            </a:r>
+            <a:endParaRPr lang="ru-RU" dirty="0">
+              <a:solidFill>
+                <a:sysClr val="windowText" lastClr="000000"/>
+              </a:solidFill>
+            </a:endParaRPr>
+          </a:p>
+        </p:txBody>
+      </p:sp>
+      <p:sp>
+        <p:nvSpPr>
+          <p:cNvPr id="5" name="TextBox 4"/>
+          <p:cNvSpPr txBox="1"/>
+          <p:nvPr/>
+        </p:nvSpPr>
+        <p:spPr>
+          <a:xfrm>
+            <a:off x="442912" y="1382939"/>
+            <a:ext cx="8578413" cy="2616101"/>
+          </a:xfrm>
+          <a:prstGeom prst="rect">
+            <a:avLst/>
+          </a:prstGeom>
+          <a:noFill/>
+        </p:spPr>
+        <p:txBody>
+          <a:bodyPr wrap="square" rtlCol="0">
+            <a:spAutoFit/>
+          </a:bodyPr>
+          <a:lstStyle/>
+          <a:p>
+            <a:r>
+              <a:rPr lang="ru-RU" dirty="0"/>
+              <a:t>Также, например, если файл собран </a:t>
+            </a:r>
+            <a:r>
+              <a:rPr lang="ru-RU" dirty="0" err="1"/>
+              <a:t>toolchain</a:t>
+            </a:r>
+            <a:r>
+              <a:rPr lang="ru-RU" dirty="0"/>
+              <a:t>, использующим аппаратные </a:t>
+            </a:r>
+            <a:r>
+              <a:rPr lang="ru-RU" dirty="0" err="1"/>
+              <a:t>фичи</a:t>
+            </a:r>
+            <a:r>
+              <a:rPr lang="ru-RU" dirty="0"/>
+              <a:t> </a:t>
+            </a:r>
+            <a:r>
+              <a:rPr lang="ru-RU" dirty="0" err="1"/>
+              <a:t>SoC</a:t>
+            </a:r>
+            <a:r>
+              <a:rPr lang="ru-RU" dirty="0"/>
+              <a:t>, на котором запускается </a:t>
+            </a:r>
+            <a:r>
+              <a:rPr lang="ru-RU" dirty="0" err="1"/>
+              <a:t>бинарь</a:t>
+            </a:r>
+            <a:r>
+              <a:rPr lang="ru-RU" dirty="0"/>
+              <a:t> и который не поддерживается </a:t>
+            </a:r>
+            <a:r>
+              <a:rPr lang="ru-RU" dirty="0" err="1"/>
+              <a:t>qemu</a:t>
+            </a:r>
+            <a:r>
+              <a:rPr lang="ru-RU" dirty="0"/>
+              <a:t>, </a:t>
+            </a:r>
+            <a:r>
+              <a:rPr lang="ru-RU" dirty="0" err="1"/>
+              <a:t>фаззинг</a:t>
+            </a:r>
+            <a:r>
+              <a:rPr lang="ru-RU" dirty="0"/>
+              <a:t> оборвется, как только встретится специфическая инструкция, или, например, будет использован специфический </a:t>
+            </a:r>
+            <a:r>
               <a:rPr lang="ru-RU" dirty="0" smtClean="0"/>
-              <a:t>Раздел</a:t>
-            </a:r>
-            <a:endParaRPr lang="ru-RU" dirty="0"/>
+              <a:t>MMIO</a:t>
+            </a:r>
+          </a:p>
+          <a:p>
+            <a:endParaRPr lang="ru-RU" sz="2000" dirty="0">
+              <a:solidFill>
+                <a:sysClr val="windowText" lastClr="000000"/>
+              </a:solidFill>
+            </a:endParaRPr>
+          </a:p>
+          <a:p>
+            <a:r>
+              <a:rPr lang="ru-RU" dirty="0"/>
+              <a:t>AFL/QEMU </a:t>
+            </a:r>
+            <a:r>
+              <a:rPr lang="ru-RU" dirty="0" err="1"/>
+              <a:t>фаззинг</a:t>
+            </a:r>
+            <a:r>
+              <a:rPr lang="ru-RU" dirty="0"/>
+              <a:t> с полной эмуляцией </a:t>
+            </a:r>
+            <a:r>
+              <a:rPr lang="ru-RU" dirty="0">
+                <a:hlinkClick r:id="rId2"/>
+              </a:rPr>
+              <a:t>системы</a:t>
+            </a:r>
+            <a:r>
+              <a:rPr lang="ru-RU" dirty="0"/>
+              <a:t>. </a:t>
+            </a:r>
+            <a:r>
+              <a:rPr lang="ru-RU" dirty="0" err="1"/>
+              <a:t>Форк</a:t>
+            </a:r>
+            <a:r>
+              <a:rPr lang="ru-RU" dirty="0"/>
+              <a:t> от </a:t>
+            </a:r>
+            <a:r>
+              <a:rPr lang="ru-RU" dirty="0" err="1"/>
+              <a:t>nccgroup</a:t>
+            </a:r>
+            <a:r>
+              <a:rPr lang="ru-RU" dirty="0"/>
+              <a:t>. Позволяет в </a:t>
+            </a:r>
+            <a:r>
+              <a:rPr lang="ru-RU" dirty="0" err="1"/>
+              <a:t>qemu</a:t>
+            </a:r>
+            <a:r>
+              <a:rPr lang="ru-RU" dirty="0"/>
+              <a:t> режиме </a:t>
+            </a:r>
+            <a:r>
+              <a:rPr lang="ru-RU" dirty="0" err="1"/>
+              <a:t>фаззить</a:t>
+            </a:r>
+            <a:r>
+              <a:rPr lang="ru-RU" dirty="0"/>
+              <a:t> операционную систему целиком. Реализован через специальную инструкцию (</a:t>
+            </a:r>
+            <a:r>
+              <a:rPr lang="ru-RU" dirty="0" err="1"/>
+              <a:t>aflCall</a:t>
+            </a:r>
+            <a:r>
+              <a:rPr lang="ru-RU" dirty="0"/>
+              <a:t> (0f 24)), которая была добавлена в QEMU x64 CPU. К сожалению, уже не поддерживается, последняя версия </a:t>
+            </a:r>
+            <a:r>
+              <a:rPr lang="ru-RU" dirty="0" err="1"/>
+              <a:t>afl</a:t>
+            </a:r>
+            <a:r>
+              <a:rPr lang="ru-RU" dirty="0"/>
+              <a:t> в нем 2.06b.</a:t>
+            </a:r>
+            <a:endParaRPr lang="ru-RU" sz="2000" dirty="0">
+              <a:solidFill>
+                <a:sysClr val="windowText" lastClr="000000"/>
+              </a:solidFill>
+            </a:endParaRPr>
           </a:p>
         </p:txBody>
       </p:sp>
     </p:spTree>
     <p:extLst>
       <p:ext uri="{BB962C8B-B14F-4D97-AF65-F5344CB8AC3E}">
-        <p14:creationId xmlns:p14="http://schemas.microsoft.com/office/powerpoint/2010/main" val="421904790"/>
+        <p14:creationId xmlns:p14="http://schemas.microsoft.com/office/powerpoint/2010/main" val="352092235"/>
       </p:ext>
     </p:extLst>
   </p:cSld>
@@ -16951,15 +18073,21 @@
             <p:ph type="body" sz="half" idx="11"/>
           </p:nvPr>
         </p:nvSpPr>
-        <p:spPr/>
+        <p:spPr>
+          <a:xfrm>
+            <a:off x="442912" y="818710"/>
+            <a:ext cx="9974262" cy="381000"/>
+          </a:xfrm>
+        </p:spPr>
         <p:txBody>
           <a:bodyPr/>
           <a:lstStyle/>
           <a:p>
             <a:r>
-              <a:rPr lang="ru-RU" dirty="0"/>
-              <a:t>ССЫЛКИ</a:t>
-            </a:r>
+              <a:rPr lang="ru-RU" dirty="0" smtClean="0"/>
+              <a:t>НЕДОСТАТКИ</a:t>
+            </a:r>
+            <a:endParaRPr lang="ru-RU" dirty="0"/>
           </a:p>
         </p:txBody>
       </p:sp>
@@ -16985,9 +18113,26 @@
           <a:lstStyle/>
           <a:p>
             <a:r>
-              <a:rPr lang="ru-RU" dirty="0"/>
-              <a:t>Заключение</a:t>
-            </a:r>
+              <a:rPr lang="kk-KZ" dirty="0">
+                <a:solidFill>
+                  <a:sysClr val="windowText" lastClr="000000"/>
+                </a:solidFill>
+              </a:rPr>
+              <a:t>Фаззинг виртуальной </a:t>
+            </a:r>
+            <a:r>
+              <a:rPr lang="kk-KZ" dirty="0" smtClean="0">
+                <a:solidFill>
+                  <a:sysClr val="windowText" lastClr="000000"/>
+                </a:solidFill>
+              </a:rPr>
+              <a:t>машины</a:t>
+            </a:r>
+            <a:endParaRPr lang="ru-RU" dirty="0">
+              <a:solidFill>
+                <a:sysClr val="windowText" lastClr="000000"/>
+              </a:solidFill>
+            </a:endParaRPr>
           </a:p>
         </p:txBody>
       </p:sp>
@@ -16999,8 +18144,8 @@
         </p:nvSpPr>
         <p:spPr>
           <a:xfrm>
-            <a:off x="605390" y="1538790"/>
-            <a:ext cx="11296255" cy="646331"/>
+            <a:off x="442912" y="1382939"/>
+            <a:ext cx="8578413" cy="4401205"/>
           </a:xfrm>
           <a:prstGeom prst="rect">
             <a:avLst/>
@@ -17013,43 +18158,191 @@
           </a:bodyPr>
           <a:lstStyle/>
           <a:p>
-            <a:pPr marL="342900" indent="-342900">
-              <a:buAutoNum type="arabicPeriod"/>
+            <a:pPr marL="285750" indent="-285750">
+              <a:buFont typeface="Arial" panose="020B0604020202020204" pitchFamily="34" charset="0"/>
+              <a:buChar char="•"/>
             </a:pPr>
             <a:r>
-              <a:rPr lang="en-US" dirty="0"/>
-              <a:t>h</a:t>
-            </a:r>
-            <a:r>
-              <a:rPr lang="en-US" dirty="0" smtClean="0"/>
-              <a:t>ttps</a:t>
-            </a:r>
-            <a:r>
-              <a:rPr lang="en-US" dirty="0"/>
-              <a:t>://</a:t>
-            </a:r>
-            <a:r>
-              <a:rPr lang="en-US" dirty="0" smtClean="0"/>
-              <a:t>ru.wikipedia.org/wiki/</a:t>
-            </a:r>
-            <a:r>
-              <a:rPr lang="ru-RU" dirty="0" err="1" smtClean="0"/>
-              <a:t>Фаззинг</a:t>
-            </a:r>
-            <a:endParaRPr lang="ru-RU" dirty="0" smtClean="0"/>
-          </a:p>
-          <a:p>
-            <a:pPr marL="342900" indent="-342900">
-              <a:buAutoNum type="arabicPeriod"/>
+              <a:rPr lang="ru-RU" sz="2000" dirty="0" smtClean="0">
+                <a:solidFill>
+                  <a:sysClr val="windowText" lastClr="000000"/>
+                </a:solidFill>
+              </a:rPr>
+              <a:t>Отсутствие </a:t>
+            </a:r>
+            <a:r>
+              <a:rPr lang="ru-RU" sz="2000" dirty="0" err="1" smtClean="0">
+                <a:solidFill>
+                  <a:sysClr val="windowText" lastClr="000000"/>
+                </a:solidFill>
+              </a:rPr>
+              <a:t>инструментации</a:t>
+            </a:r>
+            <a:r>
+              <a:rPr lang="ru-RU" sz="2000" dirty="0" smtClean="0">
+                <a:solidFill>
+                  <a:sysClr val="windowText" lastClr="000000"/>
+                </a:solidFill>
+              </a:rPr>
+              <a:t> не позволяет отследить ошибочные обращения к памяти</a:t>
+            </a:r>
+          </a:p>
+          <a:p>
+            <a:pPr marL="285750" indent="-285750">
+              <a:buFont typeface="Arial" panose="020B0604020202020204" pitchFamily="34" charset="0"/>
+              <a:buChar char="•"/>
             </a:pPr>
-            <a:endParaRPr lang="ru-RU" dirty="0"/>
+            <a:endParaRPr lang="ru-RU" sz="2000" dirty="0" smtClean="0">
+              <a:solidFill>
+                <a:sysClr val="windowText" lastClr="000000"/>
+              </a:solidFill>
+            </a:endParaRPr>
+          </a:p>
+          <a:p>
+            <a:pPr marL="285750" indent="-285750">
+              <a:buFont typeface="Arial" panose="020B0604020202020204" pitchFamily="34" charset="0"/>
+              <a:buChar char="•"/>
+            </a:pPr>
+            <a:r>
+              <a:rPr lang="ru-RU" sz="2000" dirty="0" smtClean="0">
+                <a:solidFill>
+                  <a:sysClr val="windowText" lastClr="000000"/>
+                </a:solidFill>
+              </a:rPr>
+              <a:t>Для воспроизведения ошибки может потребоваться повторить в точности всю историю </a:t>
+            </a:r>
+            <a:r>
+              <a:rPr lang="ru-RU" sz="2000" dirty="0" err="1" smtClean="0">
+                <a:solidFill>
+                  <a:sysClr val="windowText" lastClr="000000"/>
+                </a:solidFill>
+              </a:rPr>
+              <a:t>фаззинга</a:t>
+            </a:r>
+            <a:endParaRPr lang="ru-RU" sz="2000" dirty="0" smtClean="0">
+              <a:solidFill>
+                <a:sysClr val="windowText" lastClr="000000"/>
+              </a:solidFill>
+            </a:endParaRPr>
+          </a:p>
+          <a:p>
+            <a:pPr marL="285750" indent="-285750">
+              <a:buFont typeface="Arial" panose="020B0604020202020204" pitchFamily="34" charset="0"/>
+              <a:buChar char="•"/>
+            </a:pPr>
+            <a:endParaRPr lang="ru-RU" sz="2000" dirty="0" smtClean="0">
+              <a:solidFill>
+                <a:sysClr val="windowText" lastClr="000000"/>
+              </a:solidFill>
+            </a:endParaRPr>
+          </a:p>
+          <a:p>
+            <a:pPr marL="285750" indent="-285750">
+              <a:buFont typeface="Arial" panose="020B0604020202020204" pitchFamily="34" charset="0"/>
+              <a:buChar char="•"/>
+            </a:pPr>
+            <a:r>
+              <a:rPr lang="ru-RU" sz="2000" dirty="0" smtClean="0">
+                <a:solidFill>
+                  <a:sysClr val="windowText" lastClr="000000"/>
+                </a:solidFill>
+              </a:rPr>
+              <a:t>Нивелирует этот недостаток </a:t>
+            </a:r>
+            <a:r>
+              <a:rPr lang="en-US" sz="2000" dirty="0" smtClean="0">
+                <a:solidFill>
+                  <a:sysClr val="windowText" lastClr="000000"/>
+                </a:solidFill>
+              </a:rPr>
+              <a:t>snapshot-based </a:t>
+            </a:r>
+            <a:r>
+              <a:rPr lang="kk-KZ" sz="2000" dirty="0" smtClean="0">
+                <a:solidFill>
+                  <a:sysClr val="windowText" lastClr="000000"/>
+                </a:solidFill>
+              </a:rPr>
+              <a:t>подход</a:t>
+            </a:r>
+            <a:r>
+              <a:rPr lang="ru-RU" sz="2000" dirty="0" smtClean="0">
+                <a:solidFill>
+                  <a:sysClr val="windowText" lastClr="000000"/>
+                </a:solidFill>
+              </a:rPr>
+              <a:t>, который позволяет каждый прогон запускать на дампе виртуальной машины</a:t>
+            </a:r>
+          </a:p>
+          <a:p>
+            <a:pPr marL="285750" indent="-285750">
+              <a:buFont typeface="Arial" panose="020B0604020202020204" pitchFamily="34" charset="0"/>
+              <a:buChar char="•"/>
+            </a:pPr>
+            <a:endParaRPr lang="ru-RU" sz="2000" dirty="0" smtClean="0">
+              <a:solidFill>
+                <a:sysClr val="windowText" lastClr="000000"/>
+              </a:solidFill>
+            </a:endParaRPr>
+          </a:p>
+          <a:p>
+            <a:pPr marL="285750" indent="-285750">
+              <a:buFont typeface="Arial" panose="020B0604020202020204" pitchFamily="34" charset="0"/>
+              <a:buChar char="•"/>
+            </a:pPr>
+            <a:r>
+              <a:rPr lang="ru-RU" sz="2000" dirty="0" smtClean="0">
+                <a:solidFill>
+                  <a:sysClr val="windowText" lastClr="000000"/>
+                </a:solidFill>
+              </a:rPr>
+              <a:t>Все еще невозможно отследить ошибки памяти</a:t>
+            </a:r>
+          </a:p>
+          <a:p>
+            <a:pPr marL="285750" indent="-285750">
+              <a:buFont typeface="Arial" panose="020B0604020202020204" pitchFamily="34" charset="0"/>
+              <a:buChar char="•"/>
+            </a:pPr>
+            <a:endParaRPr lang="ru-RU" sz="2000" dirty="0" smtClean="0">
+              <a:solidFill>
+                <a:sysClr val="windowText" lastClr="000000"/>
+              </a:solidFill>
+            </a:endParaRPr>
+          </a:p>
+          <a:p>
+            <a:pPr marL="285750" indent="-285750">
+              <a:buFont typeface="Arial" panose="020B0604020202020204" pitchFamily="34" charset="0"/>
+              <a:buChar char="•"/>
+            </a:pPr>
+            <a:r>
+              <a:rPr lang="ru-RU" sz="2000" dirty="0" smtClean="0">
+                <a:solidFill>
+                  <a:sysClr val="windowText" lastClr="000000"/>
+                </a:solidFill>
+              </a:rPr>
+              <a:t>Требуется написание агента, который будет запускаться внутри виртуальной машины и являться ключевым звеном, определяющим эффективность </a:t>
+            </a:r>
+            <a:r>
+              <a:rPr lang="ru-RU" sz="2000" dirty="0" err="1" smtClean="0">
+                <a:solidFill>
+                  <a:sysClr val="windowText" lastClr="000000"/>
+                </a:solidFill>
+              </a:rPr>
+              <a:t>фаззинга</a:t>
+            </a:r>
+            <a:endParaRPr lang="ru-RU" sz="2000" dirty="0">
+              <a:solidFill>
+                <a:sysClr val="windowText" lastClr="000000"/>
+              </a:solidFill>
+            </a:endParaRPr>
           </a:p>
         </p:txBody>
       </p:sp>
     </p:spTree>
     <p:extLst>
       <p:ext uri="{BB962C8B-B14F-4D97-AF65-F5344CB8AC3E}">
-        <p14:creationId xmlns:p14="http://schemas.microsoft.com/office/powerpoint/2010/main" val="757873035"/>
+        <p14:creationId xmlns:p14="http://schemas.microsoft.com/office/powerpoint/2010/main" val="3304444939"/>
       </p:ext>
     </p:extLst>
   </p:cSld>
@@ -17083,223 +18376,419 @@
           <a:chExt cx="0" cy="0"/>
         </a:xfrm>
       </p:grpSpPr>
-      <p:sp>
-        <p:nvSpPr>
-          <p:cNvPr id="3" name="Текст 3">
+      <p:pic>
+        <p:nvPicPr>
+          <p:cNvPr id="3074" name="Picture 2" descr="Выпуск новых процессоров Intel Broadwell задерживается - 4PDA"/>
+          <p:cNvPicPr>
+            <a:picLocks noChangeAspect="1" noChangeArrowheads="1"/>
+          </p:cNvPicPr>
+          <p:nvPr/>
+        </p:nvPicPr>
+        <p:blipFill>
+          <a:blip r:embed="rId2">
+            <a:extLst>
+              <a:ext uri="{28A0092B-C50C-407E-A947-70E740481C1C}">
+                <a14:useLocalDpi xmlns:a14="http://schemas.microsoft.com/office/drawing/2010/main" val="0"/>
+              </a:ext>
+            </a:extLst>
+          </a:blip>
+          <a:srcRect/>
+          <a:stretch>
+            <a:fillRect/>
+          </a:stretch>
+        </p:blipFill>
+        <p:spPr bwMode="auto">
+          <a:xfrm>
+            <a:off x="7851195" y="3406497"/>
+            <a:ext cx="4260050" cy="3195038"/>
+          </a:xfrm>
+          <a:prstGeom prst="rect">
+            <a:avLst/>
+          </a:prstGeom>
+          <a:noFill/>
+          <a:extLst>
+            <a:ext uri="{909E8E84-426E-40DD-AFC4-6F175D3DCCD1}">
+              <a14:hiddenFill xmlns:a14="http://schemas.microsoft.com/office/drawing/2010/main">
+                <a:solidFill>
+                  <a:srgbClr val="FFFFFF"/>
+                </a:solidFill>
+              </a14:hiddenFill>
+            </a:ext>
+          </a:extLst>
+        </p:spPr>
+      </p:pic>
+      <p:sp>
+        <p:nvSpPr>
+          <p:cNvPr id="2" name="Текст 1">
+            <a:extLst>
+              <a:ext uri="{FF2B5EF4-FFF2-40B4-BE49-F238E27FC236}">
+                <a16:creationId xmlns:a16="http://schemas.microsoft.com/office/drawing/2014/main" id="{34CF7266-1A7A-9629-D9A6-5784F0346D64}"/>
+              </a:ext>
+            </a:extLst>
+          </p:cNvPr>
+          <p:cNvSpPr>
+            <a:spLocks noGrp="1"/>
+          </p:cNvSpPr>
+          <p:nvPr>
+            <p:ph type="body" sz="half" idx="11"/>
+          </p:nvPr>
+        </p:nvSpPr>
+        <p:spPr/>
+        <p:txBody>
+          <a:bodyPr/>
+          <a:lstStyle/>
+          <a:p>
+            <a:r>
+              <a:rPr lang="en-US" dirty="0" smtClean="0"/>
+              <a:t>Intel Processor Tracing</a:t>
+            </a:r>
+            <a:endParaRPr lang="ru-RU" dirty="0"/>
+          </a:p>
+        </p:txBody>
+      </p:sp>
+      <p:sp>
+        <p:nvSpPr>
+          <p:cNvPr id="4" name="Текст 3">
             <a:extLst>
               <a:ext uri="{FF2B5EF4-FFF2-40B4-BE49-F238E27FC236}">
                 <a16:creationId xmlns:a16="http://schemas.microsoft.com/office/drawing/2014/main" id="{8A2D0C14-EAD0-9B0E-6354-FD1A4344047A}"/>
               </a:ext>
             </a:extLst>
           </p:cNvPr>
-          <p:cNvSpPr txBox="1">
-            <a:spLocks/>
+          <p:cNvSpPr>
+            <a:spLocks noGrp="1"/>
           </p:cNvSpPr>
+          <p:nvPr>
+            <p:ph type="body" sz="half" idx="14"/>
+          </p:nvPr>
+        </p:nvSpPr>
+        <p:spPr/>
+        <p:txBody>
+          <a:bodyPr/>
+          <a:lstStyle/>
+          <a:p>
+            <a:r>
+              <a:rPr lang="kk-KZ" dirty="0"/>
+              <a:t>Фаззинг виртуальной машины</a:t>
+            </a:r>
+            <a:r>
+              <a:rPr lang="ru-RU" dirty="0"/>
+              <a:t>. Покрытие</a:t>
+            </a:r>
+            <a:endParaRPr lang="ru-RU" dirty="0"/>
+          </a:p>
+        </p:txBody>
+      </p:sp>
+      <p:sp>
+        <p:nvSpPr>
+          <p:cNvPr id="3" name="TextBox 2"/>
+          <p:cNvSpPr txBox="1"/>
           <p:nvPr/>
         </p:nvSpPr>
         <p:spPr>
           <a:xfrm>
-            <a:off x="5780965" y="3519010"/>
-            <a:ext cx="4815535" cy="675075"/>
-          </a:xfrm>
-          <a:prstGeom prst="rect">
-            <a:avLst/>
-          </a:prstGeom>
-        </p:spPr>
-        <p:txBody>
-          <a:bodyPr/>
-          <a:lstStyle>
-            <a:lvl1pPr marL="228600" indent="-228600" algn="l" defTabSz="914400" rtl="0" eaLnBrk="1" latinLnBrk="0" hangingPunct="1">
-              <a:lnSpc>
-                <a:spcPct val="90000"/>
-              </a:lnSpc>
-              <a:spcBef>
-                <a:spcPts val="1000"/>
-              </a:spcBef>
+            <a:off x="442912" y="1385084"/>
+            <a:ext cx="7740860" cy="3693319"/>
+          </a:xfrm>
+          <a:prstGeom prst="rect">
+            <a:avLst/>
+          </a:prstGeom>
+          <a:noFill/>
+        </p:spPr>
+        <p:txBody>
+          <a:bodyPr wrap="square" rtlCol="0">
+            <a:spAutoFit/>
+          </a:bodyPr>
+          <a:lstStyle/>
+          <a:p>
+            <a:pPr marL="285750" indent="-285750">
               <a:buFont typeface="Arial" panose="020B0604020202020204" pitchFamily="34" charset="0"/>
               <a:buChar char="•"/>
-              <a:defRPr sz="2800" kern="1200">
-                <a:solidFill>
-                  <a:schemeClr val="tx1"/>
-                </a:solidFill>
-                <a:latin typeface="+mn-lt"/>
-                <a:ea typeface="+mn-ea"/>
-                <a:cs typeface="+mn-cs"/>
-              </a:defRPr>
-            </a:lvl1pPr>
-            <a:lvl2pPr marL="685800" indent="-228600" algn="l" defTabSz="914400" rtl="0" eaLnBrk="1" latinLnBrk="0" hangingPunct="1">
-              <a:lnSpc>
-                <a:spcPct val="90000"/>
-              </a:lnSpc>
-              <a:spcBef>
-                <a:spcPts val="500"/>
-              </a:spcBef>
+            </a:pPr>
+            <a:r>
+              <a:rPr lang="ru-RU" dirty="0" err="1"/>
+              <a:t>Intel</a:t>
+            </a:r>
+            <a:r>
+              <a:rPr lang="ru-RU" dirty="0"/>
+              <a:t> </a:t>
+            </a:r>
+            <a:r>
+              <a:rPr lang="ru-RU" dirty="0" smtClean="0"/>
+              <a:t>PT </a:t>
+            </a:r>
+            <a:r>
+              <a:rPr lang="ru-RU" dirty="0"/>
+              <a:t>— это функция современных процессоров </a:t>
+            </a:r>
+            <a:r>
+              <a:rPr lang="ru-RU" dirty="0" err="1" smtClean="0"/>
+              <a:t>Intel</a:t>
+            </a:r>
+            <a:r>
+              <a:rPr lang="ru-RU" dirty="0" smtClean="0"/>
+              <a:t> начиная с 5 поколения </a:t>
+            </a:r>
+            <a:r>
+              <a:rPr lang="en-US" dirty="0" err="1" smtClean="0"/>
+              <a:t>Broadwell</a:t>
+            </a:r>
+            <a:r>
+              <a:rPr lang="en-US" dirty="0" smtClean="0"/>
+              <a:t> (2015 </a:t>
+            </a:r>
+            <a:r>
+              <a:rPr lang="ru-RU" dirty="0" smtClean="0"/>
+              <a:t>год)</a:t>
+            </a:r>
+            <a:endParaRPr lang="en-US" dirty="0" smtClean="0"/>
+          </a:p>
+          <a:p>
+            <a:pPr marL="285750" indent="-285750">
               <a:buFont typeface="Arial" panose="020B0604020202020204" pitchFamily="34" charset="0"/>
               <a:buChar char="•"/>
-              <a:defRPr sz="2400" kern="1200">
-                <a:solidFill>
-                  <a:schemeClr val="tx1"/>
-                </a:solidFill>
-                <a:latin typeface="+mn-lt"/>
-                <a:ea typeface="+mn-ea"/>
-                <a:cs typeface="+mn-cs"/>
-              </a:defRPr>
-            </a:lvl2pPr>
-            <a:lvl3pPr marL="1143000" indent="-228600" algn="l" defTabSz="914400" rtl="0" eaLnBrk="1" latinLnBrk="0" hangingPunct="1">
-              <a:lnSpc>
-                <a:spcPct val="90000"/>
-              </a:lnSpc>
-              <a:spcBef>
-                <a:spcPts val="500"/>
-              </a:spcBef>
+            </a:pPr>
+            <a:endParaRPr lang="en-US" dirty="0"/>
+          </a:p>
+          <a:p>
+            <a:pPr marL="285750" indent="-285750">
               <a:buFont typeface="Arial" panose="020B0604020202020204" pitchFamily="34" charset="0"/>
               <a:buChar char="•"/>
-              <a:defRPr sz="2000" kern="1200">
-                <a:solidFill>
-                  <a:schemeClr val="tx1"/>
-                </a:solidFill>
-                <a:latin typeface="+mn-lt"/>
-                <a:ea typeface="+mn-ea"/>
-                <a:cs typeface="+mn-cs"/>
-              </a:defRPr>
-            </a:lvl3pPr>
-            <a:lvl4pPr marL="1600200" indent="-228600" algn="l" defTabSz="914400" rtl="0" eaLnBrk="1" latinLnBrk="0" hangingPunct="1">
-              <a:lnSpc>
-                <a:spcPct val="90000"/>
-              </a:lnSpc>
-              <a:spcBef>
-                <a:spcPts val="500"/>
-              </a:spcBef>
+            </a:pPr>
+            <a:r>
+              <a:rPr lang="ru-RU" dirty="0" err="1"/>
+              <a:t>Intel</a:t>
+            </a:r>
+            <a:r>
+              <a:rPr lang="ru-RU" dirty="0"/>
+              <a:t> PT позволяет получить полный поток исполнения </a:t>
+            </a:r>
+            <a:r>
+              <a:rPr lang="ru-RU" dirty="0" smtClean="0"/>
+              <a:t>отлаживаемого </a:t>
+            </a:r>
+            <a:r>
+              <a:rPr lang="ru-RU" dirty="0"/>
+              <a:t>приложения с минимальным </a:t>
+            </a:r>
+            <a:r>
+              <a:rPr lang="ru-RU" dirty="0" err="1"/>
+              <a:t>оверхедом</a:t>
+            </a:r>
+            <a:r>
+              <a:rPr lang="ru-RU" dirty="0"/>
+              <a:t> (&lt;5%). При этом она поддерживает </a:t>
+            </a:r>
+            <a:r>
+              <a:rPr lang="ru-RU" dirty="0" err="1"/>
+              <a:t>многопоточность</a:t>
+            </a:r>
+            <a:r>
+              <a:rPr lang="ru-RU" dirty="0"/>
+              <a:t> и может помочь в установлении ошибок типа "состояние </a:t>
+            </a:r>
+            <a:r>
+              <a:rPr lang="ru-RU" dirty="0" smtClean="0"/>
+              <a:t>гонки</a:t>
+            </a:r>
+            <a:r>
+              <a:rPr lang="en-US" dirty="0" smtClean="0"/>
+              <a:t> </a:t>
+            </a:r>
+            <a:r>
+              <a:rPr lang="ru-RU" dirty="0" smtClean="0"/>
+              <a:t>благодаря </a:t>
+            </a:r>
+            <a:r>
+              <a:rPr lang="ru-RU" dirty="0"/>
+              <a:t>отметкам времени при записи трассы </a:t>
+            </a:r>
+            <a:r>
+              <a:rPr lang="ru-RU" dirty="0" smtClean="0"/>
+              <a:t>приложения</a:t>
+            </a:r>
+          </a:p>
+          <a:p>
+            <a:pPr marL="285750" indent="-285750">
               <a:buFont typeface="Arial" panose="020B0604020202020204" pitchFamily="34" charset="0"/>
               <a:buChar char="•"/>
-              <a:defRPr sz="1800" kern="1200">
-                <a:solidFill>
-                  <a:schemeClr val="tx1"/>
-                </a:solidFill>
-                <a:latin typeface="+mn-lt"/>
-                <a:ea typeface="+mn-ea"/>
-                <a:cs typeface="+mn-cs"/>
-              </a:defRPr>
-            </a:lvl4pPr>
-            <a:lvl5pPr marL="2057400" indent="-228600" algn="l" defTabSz="914400" rtl="0" eaLnBrk="1" latinLnBrk="0" hangingPunct="1">
-              <a:lnSpc>
-                <a:spcPct val="90000"/>
-              </a:lnSpc>
-              <a:spcBef>
-                <a:spcPts val="500"/>
-              </a:spcBef>
+            </a:pPr>
+            <a:endParaRPr lang="ru-RU" dirty="0"/>
+          </a:p>
+          <a:p>
+            <a:pPr marL="285750" indent="-285750">
               <a:buFont typeface="Arial" panose="020B0604020202020204" pitchFamily="34" charset="0"/>
               <a:buChar char="•"/>
-              <a:defRPr sz="1800" kern="1200">
-                <a:solidFill>
-                  <a:schemeClr val="tx1"/>
-                </a:solidFill>
-                <a:latin typeface="+mn-lt"/>
-                <a:ea typeface="+mn-ea"/>
-                <a:cs typeface="+mn-cs"/>
-              </a:defRPr>
-            </a:lvl5pPr>
-            <a:lvl6pPr marL="2514600" indent="-228600" algn="l" defTabSz="914400" rtl="0" eaLnBrk="1" latinLnBrk="0" hangingPunct="1">
-              <a:lnSpc>
-                <a:spcPct val="90000"/>
-              </a:lnSpc>
-              <a:spcBef>
-                <a:spcPts val="500"/>
-              </a:spcBef>
-              <a:buFont typeface="Arial" panose="020B0604020202020204" pitchFamily="34" charset="0"/>
-              <a:buChar char="•"/>
-              <a:defRPr sz="1800" kern="1200">
-                <a:solidFill>
-                  <a:schemeClr val="tx1"/>
-                </a:solidFill>
-                <a:latin typeface="+mn-lt"/>
-                <a:ea typeface="+mn-ea"/>
-                <a:cs typeface="+mn-cs"/>
-              </a:defRPr>
-            </a:lvl6pPr>
-            <a:lvl7pPr marL="2971800" indent="-228600" algn="l" defTabSz="914400" rtl="0" eaLnBrk="1" latinLnBrk="0" hangingPunct="1">
-              <a:lnSpc>
-                <a:spcPct val="90000"/>
-              </a:lnSpc>
-              <a:spcBef>
-                <a:spcPts val="500"/>
-              </a:spcBef>
-              <a:buFont typeface="Arial" panose="020B0604020202020204" pitchFamily="34" charset="0"/>
-              <a:buChar char="•"/>
-              <a:defRPr sz="1800" kern="1200">
-                <a:solidFill>
-                  <a:schemeClr val="tx1"/>
-                </a:solidFill>
-                <a:latin typeface="+mn-lt"/>
-                <a:ea typeface="+mn-ea"/>
-                <a:cs typeface="+mn-cs"/>
-              </a:defRPr>
-            </a:lvl7pPr>
-            <a:lvl8pPr marL="3429000" indent="-228600" algn="l" defTabSz="914400" rtl="0" eaLnBrk="1" latinLnBrk="0" hangingPunct="1">
-              <a:lnSpc>
-                <a:spcPct val="90000"/>
-              </a:lnSpc>
-              <a:spcBef>
-                <a:spcPts val="500"/>
-              </a:spcBef>
-              <a:buFont typeface="Arial" panose="020B0604020202020204" pitchFamily="34" charset="0"/>
-              <a:buChar char="•"/>
-              <a:defRPr sz="1800" kern="1200">
-                <a:solidFill>
-                  <a:schemeClr val="tx1"/>
-                </a:solidFill>
-                <a:latin typeface="+mn-lt"/>
-                <a:ea typeface="+mn-ea"/>
-                <a:cs typeface="+mn-cs"/>
-              </a:defRPr>
-            </a:lvl8pPr>
-            <a:lvl9pPr marL="3886200" indent="-228600" algn="l" defTabSz="914400" rtl="0" eaLnBrk="1" latinLnBrk="0" hangingPunct="1">
-              <a:lnSpc>
-                <a:spcPct val="90000"/>
-              </a:lnSpc>
-              <a:spcBef>
-                <a:spcPts val="500"/>
-              </a:spcBef>
-              <a:buFont typeface="Arial" panose="020B0604020202020204" pitchFamily="34" charset="0"/>
-              <a:buChar char="•"/>
-              <a:defRPr sz="1800" kern="1200">
-                <a:solidFill>
-                  <a:schemeClr val="tx1"/>
-                </a:solidFill>
-                <a:latin typeface="+mn-lt"/>
-                <a:ea typeface="+mn-ea"/>
-                <a:cs typeface="+mn-cs"/>
-              </a:defRPr>
-            </a:lvl9pPr>
-          </a:lstStyle>
-          <a:p>
-            <a:pPr marL="0" indent="0">
-              <a:buNone/>
             </a:pPr>
             <a:r>
-              <a:rPr lang="ru-RU" sz="3200" b="1" dirty="0" smtClean="0">
-                <a:solidFill>
-                  <a:schemeClr val="bg1"/>
-                </a:solidFill>
-                <a:latin typeface="Segoe UI Semilight" panose="020B0402040204020203" pitchFamily="34" charset="0"/>
-                <a:cs typeface="Segoe UI Semilight" panose="020B0402040204020203" pitchFamily="34" charset="0"/>
-              </a:rPr>
-              <a:t>Спасибо за внимание!</a:t>
-            </a:r>
-            <a:endParaRPr lang="ru-RU" sz="3200" b="1" dirty="0">
-              <a:solidFill>
-                <a:schemeClr val="bg1"/>
-              </a:solidFill>
-              <a:latin typeface="Segoe UI Semilight" panose="020B0402040204020203" pitchFamily="34" charset="0"/>
-              <a:cs typeface="Segoe UI Semilight" panose="020B0402040204020203" pitchFamily="34" charset="0"/>
-            </a:endParaRPr>
+              <a:rPr lang="ru-RU" dirty="0" smtClean="0"/>
+              <a:t>Когда </a:t>
+            </a:r>
+            <a:r>
+              <a:rPr lang="ru-RU" dirty="0"/>
+              <a:t>цель </a:t>
+            </a:r>
+            <a:r>
+              <a:rPr lang="ru-RU" dirty="0" err="1"/>
+              <a:t>фаззится</a:t>
+            </a:r>
+            <a:r>
+              <a:rPr lang="ru-RU" dirty="0"/>
+              <a:t> в режиме </a:t>
+            </a:r>
+            <a:r>
+              <a:rPr lang="ru-RU" dirty="0" err="1"/>
+              <a:t>Intel</a:t>
+            </a:r>
+            <a:r>
+              <a:rPr lang="ru-RU" dirty="0"/>
+              <a:t> PT, она открывается в отладчике. Перед каждой итерацией отладчик включает трассировку </a:t>
+            </a:r>
+            <a:r>
+              <a:rPr lang="ru-RU" dirty="0" err="1"/>
+              <a:t>Intel</a:t>
+            </a:r>
+            <a:r>
+              <a:rPr lang="ru-RU" dirty="0"/>
+              <a:t> PT для целевого процесса, а после завершения итерации трассировка извлекается и анализируется, обновляя карту </a:t>
+            </a:r>
+            <a:r>
+              <a:rPr lang="ru-RU" dirty="0" smtClean="0"/>
+              <a:t>покрытия</a:t>
+            </a:r>
+            <a:endParaRPr lang="ru-RU" dirty="0"/>
           </a:p>
         </p:txBody>
       </p:sp>
     </p:spTree>
     <p:extLst>
       <p:ext uri="{BB962C8B-B14F-4D97-AF65-F5344CB8AC3E}">
-        <p14:creationId xmlns:p14="http://schemas.microsoft.com/office/powerpoint/2010/main" val="2203234034"/>
+        <p14:creationId xmlns:p14="http://schemas.microsoft.com/office/powerpoint/2010/main" val="3595810813"/>
+      </p:ext>
+    </p:extLst>
+  </p:cSld>
+  <p:clrMapOvr>
+    <a:masterClrMapping/>
+  </p:clrMapOvr>
+  <p:timing>
+    <p:tnLst>
+      <p:par>
+        <p:cTn id="1" dur="indefinite" restart="never" nodeType="tmRoot"/>
+      </p:par>
+    </p:tnLst>
+  </p:timing>
+</p:sld>
+</file>
+
+<file path=ppt/slides/slide9.xml><?xml version="1.0" encoding="utf-8"?>
+<p:sld xmlns:a="http://schemas.openxmlformats.org/drawingml/2006/main" xmlns:r="http://schemas.openxmlformats.org/officeDocument/2006/relationships" xmlns:p="http://schemas.openxmlformats.org/presentationml/2006/main">
+  <p:cSld>
+    <p:spTree>
+      <p:nvGrpSpPr>
+        <p:cNvPr id="1" name=""/>
+        <p:cNvGrpSpPr/>
+        <p:nvPr/>
+      </p:nvGrpSpPr>
+      <p:grpSpPr>
+        <a:xfrm>
+          <a:off x="0" y="0"/>
+          <a:ext cx="0" cy="0"/>
+          <a:chOff x="0" y="0"/>
+          <a:chExt cx="0" cy="0"/>
+        </a:xfrm>
+      </p:grpSpPr>
+      <p:sp>
+        <p:nvSpPr>
+          <p:cNvPr id="2" name="Текст 1">
+            <a:extLst>
+              <a:ext uri="{FF2B5EF4-FFF2-40B4-BE49-F238E27FC236}">
+                <a16:creationId xmlns:a16="http://schemas.microsoft.com/office/drawing/2014/main" id="{34CF7266-1A7A-9629-D9A6-5784F0346D64}"/>
+              </a:ext>
+            </a:extLst>
+          </p:cNvPr>
+          <p:cNvSpPr>
+            <a:spLocks noGrp="1"/>
+          </p:cNvSpPr>
+          <p:nvPr>
+            <p:ph type="body" sz="half" idx="11"/>
+          </p:nvPr>
+        </p:nvSpPr>
+        <p:spPr/>
+        <p:txBody>
+          <a:bodyPr/>
+          <a:lstStyle/>
+          <a:p>
+            <a:r>
+              <a:rPr lang="ru-RU" dirty="0" smtClean="0"/>
+              <a:t>ЗАГОЛОВОК</a:t>
+            </a:r>
+            <a:endParaRPr lang="ru-RU" dirty="0"/>
+          </a:p>
+        </p:txBody>
+      </p:sp>
+      <p:sp>
+        <p:nvSpPr>
+          <p:cNvPr id="4" name="Текст 3">
+            <a:extLst>
+              <a:ext uri="{FF2B5EF4-FFF2-40B4-BE49-F238E27FC236}">
+                <a16:creationId xmlns:a16="http://schemas.microsoft.com/office/drawing/2014/main" id="{8A2D0C14-EAD0-9B0E-6354-FD1A4344047A}"/>
+              </a:ext>
+            </a:extLst>
+          </p:cNvPr>
+          <p:cNvSpPr>
+            <a:spLocks noGrp="1"/>
+          </p:cNvSpPr>
+          <p:nvPr>
+            <p:ph type="body" sz="half" idx="14"/>
+          </p:nvPr>
+        </p:nvSpPr>
+        <p:spPr/>
+        <p:txBody>
+          <a:bodyPr/>
+          <a:lstStyle/>
+          <a:p>
+            <a:r>
+              <a:rPr lang="kk-KZ" dirty="0" smtClean="0"/>
+              <a:t>Фаззинг виртуальной машины</a:t>
+            </a:r>
+            <a:r>
+              <a:rPr lang="ru-RU" dirty="0" smtClean="0"/>
+              <a:t>. Покрытие</a:t>
+            </a:r>
+            <a:endParaRPr lang="ru-RU" dirty="0"/>
+          </a:p>
+        </p:txBody>
+      </p:sp>
+      <p:sp>
+        <p:nvSpPr>
+          <p:cNvPr id="3" name="TextBox 2"/>
+          <p:cNvSpPr txBox="1"/>
+          <p:nvPr/>
+        </p:nvSpPr>
+        <p:spPr>
+          <a:xfrm>
+            <a:off x="1820525" y="2303875"/>
+            <a:ext cx="3375375" cy="2835315"/>
+          </a:xfrm>
+          <a:prstGeom prst="rect">
+            <a:avLst/>
+          </a:prstGeom>
+          <a:noFill/>
+        </p:spPr>
+        <p:txBody>
+          <a:bodyPr wrap="square" rtlCol="0">
+            <a:spAutoFit/>
+          </a:bodyPr>
+          <a:lstStyle/>
+          <a:p>
+            <a:endParaRPr lang="ru-RU" dirty="0"/>
+          </a:p>
+        </p:txBody>
+      </p:sp>
+    </p:spTree>
+    <p:extLst>
+      <p:ext uri="{BB962C8B-B14F-4D97-AF65-F5344CB8AC3E}">
+        <p14:creationId xmlns:p14="http://schemas.microsoft.com/office/powerpoint/2010/main" val="1741556976"/>
       </p:ext>
     </p:extLst>
   </p:cSld>

--- a/Belikov_Virtual_machine_fuzzing_types_and_approaches.pptx
+++ b/Belikov_Virtual_machine_fuzzing_types_and_approaches.pptx
@@ -5,10 +5,10 @@
     <p:sldMasterId id="2147483648" r:id="rId1"/>
   </p:sldMasterIdLst>
   <p:notesMasterIdLst>
-    <p:notesMasterId r:id="rId15"/>
+    <p:notesMasterId r:id="rId17"/>
   </p:notesMasterIdLst>
   <p:handoutMasterIdLst>
-    <p:handoutMasterId r:id="rId16"/>
+    <p:handoutMasterId r:id="rId18"/>
   </p:handoutMasterIdLst>
   <p:sldIdLst>
     <p:sldId id="256" r:id="rId2"/>
@@ -16,14 +16,16 @@
     <p:sldId id="336" r:id="rId4"/>
     <p:sldId id="340" r:id="rId5"/>
     <p:sldId id="341" r:id="rId6"/>
-    <p:sldId id="343" r:id="rId7"/>
-    <p:sldId id="342" r:id="rId8"/>
-    <p:sldId id="345" r:id="rId9"/>
-    <p:sldId id="344" r:id="rId10"/>
-    <p:sldId id="339" r:id="rId11"/>
-    <p:sldId id="338" r:id="rId12"/>
-    <p:sldId id="337" r:id="rId13"/>
-    <p:sldId id="260" r:id="rId14"/>
+    <p:sldId id="348" r:id="rId7"/>
+    <p:sldId id="343" r:id="rId8"/>
+    <p:sldId id="347" r:id="rId9"/>
+    <p:sldId id="346" r:id="rId10"/>
+    <p:sldId id="345" r:id="rId11"/>
+    <p:sldId id="342" r:id="rId12"/>
+    <p:sldId id="339" r:id="rId13"/>
+    <p:sldId id="338" r:id="rId14"/>
+    <p:sldId id="337" r:id="rId15"/>
+    <p:sldId id="260" r:id="rId16"/>
   </p:sldIdLst>
   <p:sldSz cx="12192000" cy="6858000"/>
   <p:notesSz cx="6858000" cy="9144000"/>
@@ -15547,9 +15549,10 @@
           <a:lstStyle/>
           <a:p>
             <a:r>
-              <a:rPr lang="ru-RU" dirty="0"/>
-              <a:t>ССЫЛКИ</a:t>
-            </a:r>
+              <a:rPr lang="en-US" dirty="0" smtClean="0"/>
+              <a:t>Intel Processor Tracing</a:t>
+            </a:r>
+            <a:endParaRPr lang="ru-RU" dirty="0"/>
           </a:p>
         </p:txBody>
       </p:sp>
@@ -15575,9 +15578,14 @@
           <a:lstStyle/>
           <a:p>
             <a:r>
+              <a:rPr lang="kk-KZ" dirty="0"/>
+              <a:t>Фаззинг виртуальной машины</a:t>
+            </a:r>
+            <a:r>
               <a:rPr lang="ru-RU" dirty="0"/>
-              <a:t>Заключение</a:t>
-            </a:r>
+              <a:t>. Покрытие</a:t>
+            </a:r>
+            <a:endParaRPr lang="ru-RU" dirty="0"/>
           </a:p>
         </p:txBody>
       </p:sp>
@@ -15589,8 +15597,8 @@
         </p:nvSpPr>
         <p:spPr>
           <a:xfrm>
-            <a:off x="5015880" y="2933945"/>
-            <a:ext cx="1170130" cy="369332"/>
+            <a:off x="442912" y="1385084"/>
+            <a:ext cx="11323718" cy="2585323"/>
           </a:xfrm>
           <a:prstGeom prst="rect">
             <a:avLst/>
@@ -15603,18 +15611,198 @@
           </a:bodyPr>
           <a:lstStyle/>
           <a:p>
+            <a:pPr marL="285750" indent="-285750">
+              <a:buFont typeface="Arial" panose="020B0604020202020204" pitchFamily="34" charset="0"/>
+              <a:buChar char="•"/>
+            </a:pPr>
+            <a:r>
+              <a:rPr lang="ru-RU" dirty="0" err="1"/>
+              <a:t>Intel</a:t>
+            </a:r>
+            <a:r>
+              <a:rPr lang="ru-RU" dirty="0"/>
+              <a:t> </a:t>
+            </a:r>
+            <a:r>
+              <a:rPr lang="ru-RU" dirty="0" smtClean="0"/>
+              <a:t>PT </a:t>
+            </a:r>
+            <a:r>
+              <a:rPr lang="ru-RU" dirty="0"/>
+              <a:t>— это функция современных процессоров </a:t>
+            </a:r>
+            <a:r>
+              <a:rPr lang="ru-RU" dirty="0" err="1" smtClean="0"/>
+              <a:t>Intel</a:t>
+            </a:r>
+            <a:r>
+              <a:rPr lang="ru-RU" dirty="0" smtClean="0"/>
+              <a:t> начиная с 5 поколения </a:t>
+            </a:r>
+            <a:r>
+              <a:rPr lang="en-US" dirty="0" err="1" smtClean="0"/>
+              <a:t>Broadwell</a:t>
+            </a:r>
             <a:r>
               <a:rPr lang="en-US" dirty="0" smtClean="0"/>
-              <a:t>QR here</a:t>
-            </a:r>
+              <a:t> (2015 </a:t>
+            </a:r>
+            <a:r>
+              <a:rPr lang="ru-RU" dirty="0" smtClean="0"/>
+              <a:t>год)</a:t>
+            </a:r>
+            <a:endParaRPr lang="en-US" dirty="0" smtClean="0"/>
+          </a:p>
+          <a:p>
+            <a:pPr marL="285750" indent="-285750">
+              <a:buFont typeface="Arial" panose="020B0604020202020204" pitchFamily="34" charset="0"/>
+              <a:buChar char="•"/>
+            </a:pPr>
+            <a:endParaRPr lang="en-US" dirty="0"/>
+          </a:p>
+          <a:p>
+            <a:pPr marL="285750" indent="-285750">
+              <a:buFont typeface="Arial" panose="020B0604020202020204" pitchFamily="34" charset="0"/>
+              <a:buChar char="•"/>
+            </a:pPr>
+            <a:r>
+              <a:rPr lang="ru-RU" dirty="0" err="1"/>
+              <a:t>Intel</a:t>
+            </a:r>
+            <a:r>
+              <a:rPr lang="ru-RU" dirty="0"/>
+              <a:t> PT позволяет получить полный поток исполнения </a:t>
+            </a:r>
+            <a:r>
+              <a:rPr lang="ru-RU" dirty="0" smtClean="0"/>
+              <a:t>отлаживаемого </a:t>
+            </a:r>
+            <a:r>
+              <a:rPr lang="ru-RU" dirty="0"/>
+              <a:t>приложения с минимальным </a:t>
+            </a:r>
+            <a:r>
+              <a:rPr lang="ru-RU" dirty="0" err="1"/>
+              <a:t>оверхедом</a:t>
+            </a:r>
+            <a:r>
+              <a:rPr lang="ru-RU" dirty="0"/>
+              <a:t> (&lt;5%). При этом она поддерживает </a:t>
+            </a:r>
+            <a:r>
+              <a:rPr lang="ru-RU" dirty="0" err="1"/>
+              <a:t>многопоточность</a:t>
+            </a:r>
+            <a:r>
+              <a:rPr lang="ru-RU" dirty="0"/>
+              <a:t> и может помочь в установлении ошибок типа "состояние </a:t>
+            </a:r>
+            <a:r>
+              <a:rPr lang="ru-RU" dirty="0" smtClean="0"/>
+              <a:t>гонки</a:t>
+            </a:r>
+            <a:r>
+              <a:rPr lang="en-US" dirty="0" smtClean="0"/>
+              <a:t> </a:t>
+            </a:r>
+            <a:r>
+              <a:rPr lang="ru-RU" dirty="0" smtClean="0"/>
+              <a:t>благодаря </a:t>
+            </a:r>
+            <a:r>
+              <a:rPr lang="ru-RU" dirty="0"/>
+              <a:t>отметкам времени при записи трассы </a:t>
+            </a:r>
+            <a:r>
+              <a:rPr lang="ru-RU" dirty="0" smtClean="0"/>
+              <a:t>приложения</a:t>
+            </a:r>
+          </a:p>
+          <a:p>
+            <a:pPr marL="285750" indent="-285750">
+              <a:buFont typeface="Arial" panose="020B0604020202020204" pitchFamily="34" charset="0"/>
+              <a:buChar char="•"/>
+            </a:pPr>
             <a:endParaRPr lang="ru-RU" dirty="0"/>
           </a:p>
-        </p:txBody>
-      </p:sp>
+          <a:p>
+            <a:pPr marL="285750" indent="-285750">
+              <a:buFont typeface="Arial" panose="020B0604020202020204" pitchFamily="34" charset="0"/>
+              <a:buChar char="•"/>
+            </a:pPr>
+            <a:r>
+              <a:rPr lang="ru-RU" dirty="0" smtClean="0"/>
+              <a:t>Когда </a:t>
+            </a:r>
+            <a:r>
+              <a:rPr lang="ru-RU" dirty="0"/>
+              <a:t>цель </a:t>
+            </a:r>
+            <a:r>
+              <a:rPr lang="ru-RU" dirty="0" err="1"/>
+              <a:t>фаззится</a:t>
+            </a:r>
+            <a:r>
+              <a:rPr lang="ru-RU" dirty="0"/>
+              <a:t> в режиме </a:t>
+            </a:r>
+            <a:r>
+              <a:rPr lang="ru-RU" dirty="0" err="1"/>
+              <a:t>Intel</a:t>
+            </a:r>
+            <a:r>
+              <a:rPr lang="ru-RU" dirty="0"/>
+              <a:t> PT, она открывается в отладчике. Перед каждой итерацией отладчик включает трассировку </a:t>
+            </a:r>
+            <a:r>
+              <a:rPr lang="ru-RU" dirty="0" err="1"/>
+              <a:t>Intel</a:t>
+            </a:r>
+            <a:r>
+              <a:rPr lang="ru-RU" dirty="0"/>
+              <a:t> PT для целевого процесса, а после завершения итерации трассировка извлекается и анализируется, обновляя карту </a:t>
+            </a:r>
+            <a:r>
+              <a:rPr lang="ru-RU" dirty="0" smtClean="0"/>
+              <a:t>покрытия</a:t>
+            </a:r>
+            <a:endParaRPr lang="ru-RU" dirty="0"/>
+          </a:p>
+        </p:txBody>
+      </p:sp>
+      <p:pic>
+        <p:nvPicPr>
+          <p:cNvPr id="5" name="Рисунок 4"/>
+          <p:cNvPicPr>
+            <a:picLocks noChangeAspect="1"/>
+          </p:cNvPicPr>
+          <p:nvPr/>
+        </p:nvPicPr>
+        <p:blipFill>
+          <a:blip r:embed="rId2"/>
+          <a:stretch>
+            <a:fillRect/>
+          </a:stretch>
+        </p:blipFill>
+        <p:spPr>
+          <a:xfrm>
+            <a:off x="2237621" y="4174839"/>
+            <a:ext cx="7734300" cy="2371725"/>
+          </a:xfrm>
+          <a:prstGeom prst="rect">
+            <a:avLst/>
+          </a:prstGeom>
+          <a:ln w="57150">
+            <a:solidFill>
+              <a:srgbClr val="005096"/>
+            </a:solidFill>
+          </a:ln>
+        </p:spPr>
+      </p:pic>
     </p:spTree>
     <p:extLst>
       <p:ext uri="{BB962C8B-B14F-4D97-AF65-F5344CB8AC3E}">
-        <p14:creationId xmlns:p14="http://schemas.microsoft.com/office/powerpoint/2010/main" val="2906767701"/>
+        <p14:creationId xmlns:p14="http://schemas.microsoft.com/office/powerpoint/2010/main" val="3595810813"/>
       </p:ext>
     </p:extLst>
   </p:cSld>
@@ -15664,14 +15852,19 @@
             <p:ph type="body" sz="half" idx="11"/>
           </p:nvPr>
         </p:nvSpPr>
-        <p:spPr/>
+        <p:spPr>
+          <a:xfrm>
+            <a:off x="442912" y="818710"/>
+            <a:ext cx="9974262" cy="381000"/>
+          </a:xfrm>
+        </p:spPr>
         <p:txBody>
           <a:bodyPr/>
           <a:lstStyle/>
           <a:p>
             <a:r>
               <a:rPr lang="ru-RU" dirty="0" smtClean="0"/>
-              <a:t>ЗАГОЛОВОК</a:t>
+              <a:t>НЕДОСТАТКИ</a:t>
             </a:r>
             <a:endParaRPr lang="ru-RU" dirty="0"/>
           </a:p>
@@ -15699,17 +15892,236 @@
           <a:lstStyle/>
           <a:p>
             <a:r>
-              <a:rPr lang="ru-RU" dirty="0" smtClean="0"/>
-              <a:t>Раздел</a:t>
-            </a:r>
-            <a:endParaRPr lang="ru-RU" dirty="0"/>
+              <a:rPr lang="kk-KZ" dirty="0">
+                <a:solidFill>
+                  <a:sysClr val="windowText" lastClr="000000"/>
+                </a:solidFill>
+              </a:rPr>
+              <a:t>Фаззинг виртуальной </a:t>
+            </a:r>
+            <a:r>
+              <a:rPr lang="kk-KZ" dirty="0" smtClean="0">
+                <a:solidFill>
+                  <a:sysClr val="windowText" lastClr="000000"/>
+                </a:solidFill>
+              </a:rPr>
+              <a:t>машины</a:t>
+            </a:r>
+            <a:endParaRPr lang="ru-RU" dirty="0">
+              <a:solidFill>
+                <a:sysClr val="windowText" lastClr="000000"/>
+              </a:solidFill>
+            </a:endParaRPr>
+          </a:p>
+        </p:txBody>
+      </p:sp>
+      <p:sp>
+        <p:nvSpPr>
+          <p:cNvPr id="5" name="TextBox 4"/>
+          <p:cNvSpPr txBox="1"/>
+          <p:nvPr/>
+        </p:nvSpPr>
+        <p:spPr>
+          <a:xfrm>
+            <a:off x="442912" y="1382939"/>
+            <a:ext cx="8578413" cy="4401205"/>
+          </a:xfrm>
+          <a:prstGeom prst="rect">
+            <a:avLst/>
+          </a:prstGeom>
+          <a:noFill/>
+        </p:spPr>
+        <p:txBody>
+          <a:bodyPr wrap="square" rtlCol="0">
+            <a:spAutoFit/>
+          </a:bodyPr>
+          <a:lstStyle/>
+          <a:p>
+            <a:pPr marL="285750" indent="-285750">
+              <a:buFont typeface="Arial" panose="020B0604020202020204" pitchFamily="34" charset="0"/>
+              <a:buChar char="•"/>
+            </a:pPr>
+            <a:r>
+              <a:rPr lang="ru-RU" sz="2000" dirty="0" smtClean="0">
+                <a:solidFill>
+                  <a:sysClr val="windowText" lastClr="000000"/>
+                </a:solidFill>
+              </a:rPr>
+              <a:t>Отсутствие </a:t>
+            </a:r>
+            <a:r>
+              <a:rPr lang="ru-RU" sz="2000" dirty="0" err="1" smtClean="0">
+                <a:solidFill>
+                  <a:sysClr val="windowText" lastClr="000000"/>
+                </a:solidFill>
+              </a:rPr>
+              <a:t>инструментации</a:t>
+            </a:r>
+            <a:r>
+              <a:rPr lang="ru-RU" sz="2000" dirty="0" smtClean="0">
+                <a:solidFill>
+                  <a:sysClr val="windowText" lastClr="000000"/>
+                </a:solidFill>
+              </a:rPr>
+              <a:t> не позволяет отследить ошибочные обращения к памяти</a:t>
+            </a:r>
+          </a:p>
+          <a:p>
+            <a:pPr marL="285750" indent="-285750">
+              <a:buFont typeface="Arial" panose="020B0604020202020204" pitchFamily="34" charset="0"/>
+              <a:buChar char="•"/>
+            </a:pPr>
+            <a:endParaRPr lang="ru-RU" sz="2000" dirty="0" smtClean="0">
+              <a:solidFill>
+                <a:sysClr val="windowText" lastClr="000000"/>
+              </a:solidFill>
+            </a:endParaRPr>
+          </a:p>
+          <a:p>
+            <a:pPr marL="285750" indent="-285750">
+              <a:buFont typeface="Arial" panose="020B0604020202020204" pitchFamily="34" charset="0"/>
+              <a:buChar char="•"/>
+            </a:pPr>
+            <a:r>
+              <a:rPr lang="ru-RU" sz="2000" dirty="0" smtClean="0">
+                <a:solidFill>
+                  <a:sysClr val="windowText" lastClr="000000"/>
+                </a:solidFill>
+              </a:rPr>
+              <a:t>Для воспроизведения ошибки может потребоваться повторить в точности всю историю </a:t>
+            </a:r>
+            <a:r>
+              <a:rPr lang="ru-RU" sz="2000" dirty="0" err="1" smtClean="0">
+                <a:solidFill>
+                  <a:sysClr val="windowText" lastClr="000000"/>
+                </a:solidFill>
+              </a:rPr>
+              <a:t>фаззинга</a:t>
+            </a:r>
+            <a:endParaRPr lang="ru-RU" sz="2000" dirty="0" smtClean="0">
+              <a:solidFill>
+                <a:sysClr val="windowText" lastClr="000000"/>
+              </a:solidFill>
+            </a:endParaRPr>
+          </a:p>
+          <a:p>
+            <a:pPr marL="285750" indent="-285750">
+              <a:buFont typeface="Arial" panose="020B0604020202020204" pitchFamily="34" charset="0"/>
+              <a:buChar char="•"/>
+            </a:pPr>
+            <a:endParaRPr lang="ru-RU" sz="2000" dirty="0" smtClean="0">
+              <a:solidFill>
+                <a:sysClr val="windowText" lastClr="000000"/>
+              </a:solidFill>
+            </a:endParaRPr>
+          </a:p>
+          <a:p>
+            <a:pPr marL="285750" indent="-285750">
+              <a:buFont typeface="Arial" panose="020B0604020202020204" pitchFamily="34" charset="0"/>
+              <a:buChar char="•"/>
+            </a:pPr>
+            <a:r>
+              <a:rPr lang="ru-RU" sz="2000" dirty="0" smtClean="0">
+                <a:solidFill>
+                  <a:sysClr val="windowText" lastClr="000000"/>
+                </a:solidFill>
+              </a:rPr>
+              <a:t>Нивелирует этот недостаток </a:t>
+            </a:r>
+            <a:r>
+              <a:rPr lang="en-US" sz="2000" dirty="0" smtClean="0">
+                <a:solidFill>
+                  <a:sysClr val="windowText" lastClr="000000"/>
+                </a:solidFill>
+              </a:rPr>
+              <a:t>snapshot-based </a:t>
+            </a:r>
+            <a:r>
+              <a:rPr lang="kk-KZ" sz="2000" dirty="0" smtClean="0">
+                <a:solidFill>
+                  <a:sysClr val="windowText" lastClr="000000"/>
+                </a:solidFill>
+              </a:rPr>
+              <a:t>подход</a:t>
+            </a:r>
+            <a:r>
+              <a:rPr lang="ru-RU" sz="2000" dirty="0" smtClean="0">
+                <a:solidFill>
+                  <a:sysClr val="windowText" lastClr="000000"/>
+                </a:solidFill>
+              </a:rPr>
+              <a:t>, который позволяет каждый прогон запускать на дампе виртуальной машины</a:t>
+            </a:r>
+          </a:p>
+          <a:p>
+            <a:pPr marL="285750" indent="-285750">
+              <a:buFont typeface="Arial" panose="020B0604020202020204" pitchFamily="34" charset="0"/>
+              <a:buChar char="•"/>
+            </a:pPr>
+            <a:endParaRPr lang="ru-RU" sz="2000" dirty="0" smtClean="0">
+              <a:solidFill>
+                <a:sysClr val="windowText" lastClr="000000"/>
+              </a:solidFill>
+            </a:endParaRPr>
+          </a:p>
+          <a:p>
+            <a:pPr marL="285750" indent="-285750">
+              <a:buFont typeface="Arial" panose="020B0604020202020204" pitchFamily="34" charset="0"/>
+              <a:buChar char="•"/>
+            </a:pPr>
+            <a:r>
+              <a:rPr lang="ru-RU" sz="2000" dirty="0" smtClean="0">
+                <a:solidFill>
+                  <a:sysClr val="windowText" lastClr="000000"/>
+                </a:solidFill>
+              </a:rPr>
+              <a:t>Все еще невозможно отследить ошибки памяти</a:t>
+            </a:r>
+          </a:p>
+          <a:p>
+            <a:pPr marL="285750" indent="-285750">
+              <a:buFont typeface="Arial" panose="020B0604020202020204" pitchFamily="34" charset="0"/>
+              <a:buChar char="•"/>
+            </a:pPr>
+            <a:endParaRPr lang="ru-RU" sz="2000" dirty="0" smtClean="0">
+              <a:solidFill>
+                <a:sysClr val="windowText" lastClr="000000"/>
+              </a:solidFill>
+            </a:endParaRPr>
+          </a:p>
+          <a:p>
+            <a:pPr marL="285750" indent="-285750">
+              <a:buFont typeface="Arial" panose="020B0604020202020204" pitchFamily="34" charset="0"/>
+              <a:buChar char="•"/>
+            </a:pPr>
+            <a:r>
+              <a:rPr lang="ru-RU" sz="2000" dirty="0" smtClean="0">
+                <a:solidFill>
+                  <a:sysClr val="windowText" lastClr="000000"/>
+                </a:solidFill>
+              </a:rPr>
+              <a:t>Требуется написание агента, который будет запускаться внутри виртуальной машины и являться ключевым звеном, определяющим эффективность </a:t>
+            </a:r>
+            <a:r>
+              <a:rPr lang="ru-RU" sz="2000" dirty="0" err="1" smtClean="0">
+                <a:solidFill>
+                  <a:sysClr val="windowText" lastClr="000000"/>
+                </a:solidFill>
+              </a:rPr>
+              <a:t>фаззинга</a:t>
+            </a:r>
+            <a:endParaRPr lang="ru-RU" sz="2000" dirty="0">
+              <a:solidFill>
+                <a:sysClr val="windowText" lastClr="000000"/>
+              </a:solidFill>
+            </a:endParaRPr>
           </a:p>
         </p:txBody>
       </p:sp>
     </p:spTree>
     <p:extLst>
       <p:ext uri="{BB962C8B-B14F-4D97-AF65-F5344CB8AC3E}">
-        <p14:creationId xmlns:p14="http://schemas.microsoft.com/office/powerpoint/2010/main" val="421904790"/>
+        <p14:creationId xmlns:p14="http://schemas.microsoft.com/office/powerpoint/2010/main" val="3304444939"/>
       </p:ext>
     </p:extLst>
   </p:cSld>
@@ -15801,6 +16213,224 @@
       </p:sp>
       <p:sp>
         <p:nvSpPr>
+          <p:cNvPr id="3" name="TextBox 2"/>
+          <p:cNvSpPr txBox="1"/>
+          <p:nvPr/>
+        </p:nvSpPr>
+        <p:spPr>
+          <a:xfrm>
+            <a:off x="5015880" y="2933945"/>
+            <a:ext cx="1170130" cy="369332"/>
+          </a:xfrm>
+          <a:prstGeom prst="rect">
+            <a:avLst/>
+          </a:prstGeom>
+          <a:noFill/>
+        </p:spPr>
+        <p:txBody>
+          <a:bodyPr wrap="square" rtlCol="0">
+            <a:spAutoFit/>
+          </a:bodyPr>
+          <a:lstStyle/>
+          <a:p>
+            <a:r>
+              <a:rPr lang="en-US" dirty="0" smtClean="0"/>
+              <a:t>QR here</a:t>
+            </a:r>
+            <a:endParaRPr lang="ru-RU" dirty="0"/>
+          </a:p>
+        </p:txBody>
+      </p:sp>
+    </p:spTree>
+    <p:extLst>
+      <p:ext uri="{BB962C8B-B14F-4D97-AF65-F5344CB8AC3E}">
+        <p14:creationId xmlns:p14="http://schemas.microsoft.com/office/powerpoint/2010/main" val="2906767701"/>
+      </p:ext>
+    </p:extLst>
+  </p:cSld>
+  <p:clrMapOvr>
+    <a:masterClrMapping/>
+  </p:clrMapOvr>
+  <p:timing>
+    <p:tnLst>
+      <p:par>
+        <p:cTn id="1" dur="indefinite" restart="never" nodeType="tmRoot"/>
+      </p:par>
+    </p:tnLst>
+  </p:timing>
+</p:sld>
+</file>
+
+<file path=ppt/slides/slide13.xml><?xml version="1.0" encoding="utf-8"?>
+<p:sld xmlns:a="http://schemas.openxmlformats.org/drawingml/2006/main" xmlns:r="http://schemas.openxmlformats.org/officeDocument/2006/relationships" xmlns:p="http://schemas.openxmlformats.org/presentationml/2006/main">
+  <p:cSld>
+    <p:spTree>
+      <p:nvGrpSpPr>
+        <p:cNvPr id="1" name=""/>
+        <p:cNvGrpSpPr/>
+        <p:nvPr/>
+      </p:nvGrpSpPr>
+      <p:grpSpPr>
+        <a:xfrm>
+          <a:off x="0" y="0"/>
+          <a:ext cx="0" cy="0"/>
+          <a:chOff x="0" y="0"/>
+          <a:chExt cx="0" cy="0"/>
+        </a:xfrm>
+      </p:grpSpPr>
+      <p:sp>
+        <p:nvSpPr>
+          <p:cNvPr id="2" name="Текст 1">
+            <a:extLst>
+              <a:ext uri="{FF2B5EF4-FFF2-40B4-BE49-F238E27FC236}">
+                <a16:creationId xmlns:a16="http://schemas.microsoft.com/office/drawing/2014/main" id="{34CF7266-1A7A-9629-D9A6-5784F0346D64}"/>
+              </a:ext>
+            </a:extLst>
+          </p:cNvPr>
+          <p:cNvSpPr>
+            <a:spLocks noGrp="1"/>
+          </p:cNvSpPr>
+          <p:nvPr>
+            <p:ph type="body" sz="half" idx="11"/>
+          </p:nvPr>
+        </p:nvSpPr>
+        <p:spPr/>
+        <p:txBody>
+          <a:bodyPr/>
+          <a:lstStyle/>
+          <a:p>
+            <a:r>
+              <a:rPr lang="ru-RU" dirty="0" smtClean="0"/>
+              <a:t>ЗАГОЛОВОК</a:t>
+            </a:r>
+            <a:endParaRPr lang="ru-RU" dirty="0"/>
+          </a:p>
+        </p:txBody>
+      </p:sp>
+      <p:sp>
+        <p:nvSpPr>
+          <p:cNvPr id="4" name="Текст 3">
+            <a:extLst>
+              <a:ext uri="{FF2B5EF4-FFF2-40B4-BE49-F238E27FC236}">
+                <a16:creationId xmlns:a16="http://schemas.microsoft.com/office/drawing/2014/main" id="{8A2D0C14-EAD0-9B0E-6354-FD1A4344047A}"/>
+              </a:ext>
+            </a:extLst>
+          </p:cNvPr>
+          <p:cNvSpPr>
+            <a:spLocks noGrp="1"/>
+          </p:cNvSpPr>
+          <p:nvPr>
+            <p:ph type="body" sz="half" idx="14"/>
+          </p:nvPr>
+        </p:nvSpPr>
+        <p:spPr/>
+        <p:txBody>
+          <a:bodyPr/>
+          <a:lstStyle/>
+          <a:p>
+            <a:r>
+              <a:rPr lang="ru-RU" dirty="0" smtClean="0"/>
+              <a:t>Раздел</a:t>
+            </a:r>
+            <a:endParaRPr lang="ru-RU" dirty="0"/>
+          </a:p>
+        </p:txBody>
+      </p:sp>
+    </p:spTree>
+    <p:extLst>
+      <p:ext uri="{BB962C8B-B14F-4D97-AF65-F5344CB8AC3E}">
+        <p14:creationId xmlns:p14="http://schemas.microsoft.com/office/powerpoint/2010/main" val="421904790"/>
+      </p:ext>
+    </p:extLst>
+  </p:cSld>
+  <p:clrMapOvr>
+    <a:masterClrMapping/>
+  </p:clrMapOvr>
+  <p:timing>
+    <p:tnLst>
+      <p:par>
+        <p:cTn id="1" dur="indefinite" restart="never" nodeType="tmRoot"/>
+      </p:par>
+    </p:tnLst>
+  </p:timing>
+</p:sld>
+</file>
+
+<file path=ppt/slides/slide14.xml><?xml version="1.0" encoding="utf-8"?>
+<p:sld xmlns:a="http://schemas.openxmlformats.org/drawingml/2006/main" xmlns:r="http://schemas.openxmlformats.org/officeDocument/2006/relationships" xmlns:p="http://schemas.openxmlformats.org/presentationml/2006/main">
+  <p:cSld>
+    <p:spTree>
+      <p:nvGrpSpPr>
+        <p:cNvPr id="1" name=""/>
+        <p:cNvGrpSpPr/>
+        <p:nvPr/>
+      </p:nvGrpSpPr>
+      <p:grpSpPr>
+        <a:xfrm>
+          <a:off x="0" y="0"/>
+          <a:ext cx="0" cy="0"/>
+          <a:chOff x="0" y="0"/>
+          <a:chExt cx="0" cy="0"/>
+        </a:xfrm>
+      </p:grpSpPr>
+      <p:sp>
+        <p:nvSpPr>
+          <p:cNvPr id="2" name="Текст 1">
+            <a:extLst>
+              <a:ext uri="{FF2B5EF4-FFF2-40B4-BE49-F238E27FC236}">
+                <a16:creationId xmlns:a16="http://schemas.microsoft.com/office/drawing/2014/main" id="{34CF7266-1A7A-9629-D9A6-5784F0346D64}"/>
+              </a:ext>
+            </a:extLst>
+          </p:cNvPr>
+          <p:cNvSpPr>
+            <a:spLocks noGrp="1"/>
+          </p:cNvSpPr>
+          <p:nvPr>
+            <p:ph type="body" sz="half" idx="11"/>
+          </p:nvPr>
+        </p:nvSpPr>
+        <p:spPr/>
+        <p:txBody>
+          <a:bodyPr/>
+          <a:lstStyle/>
+          <a:p>
+            <a:r>
+              <a:rPr lang="ru-RU" dirty="0"/>
+              <a:t>ССЫЛКИ</a:t>
+            </a:r>
+          </a:p>
+        </p:txBody>
+      </p:sp>
+      <p:sp>
+        <p:nvSpPr>
+          <p:cNvPr id="4" name="Текст 3">
+            <a:extLst>
+              <a:ext uri="{FF2B5EF4-FFF2-40B4-BE49-F238E27FC236}">
+                <a16:creationId xmlns:a16="http://schemas.microsoft.com/office/drawing/2014/main" id="{8A2D0C14-EAD0-9B0E-6354-FD1A4344047A}"/>
+              </a:ext>
+            </a:extLst>
+          </p:cNvPr>
+          <p:cNvSpPr>
+            <a:spLocks noGrp="1"/>
+          </p:cNvSpPr>
+          <p:nvPr>
+            <p:ph type="body" sz="half" idx="14"/>
+          </p:nvPr>
+        </p:nvSpPr>
+        <p:spPr/>
+        <p:txBody>
+          <a:bodyPr/>
+          <a:lstStyle/>
+          <a:p>
+            <a:r>
+              <a:rPr lang="ru-RU" dirty="0"/>
+              <a:t>Заключение</a:t>
+            </a:r>
+          </a:p>
+        </p:txBody>
+      </p:sp>
+      <p:sp>
+        <p:nvSpPr>
           <p:cNvPr id="5" name="TextBox 4"/>
           <p:cNvSpPr txBox="1"/>
           <p:nvPr/>
@@ -15874,7 +16504,7 @@
 </p:sld>
 </file>
 
-<file path=ppt/slides/slide13.xml><?xml version="1.0" encoding="utf-8"?>
+<file path=ppt/slides/slide15.xml><?xml version="1.0" encoding="utf-8"?>
 <p:sld xmlns:a="http://schemas.openxmlformats.org/drawingml/2006/main" xmlns:r="http://schemas.openxmlformats.org/officeDocument/2006/relationships" xmlns:p="http://schemas.openxmlformats.org/presentationml/2006/main">
   <p:cSld>
     <p:spTree>
@@ -17863,8 +18493,8 @@
         </p:nvSpPr>
         <p:spPr>
           <a:xfrm>
-            <a:off x="442912" y="1382939"/>
-            <a:ext cx="8578413" cy="2616101"/>
+            <a:off x="442912" y="1403775"/>
+            <a:ext cx="8731664" cy="3970318"/>
           </a:xfrm>
           <a:prstGeom prst="rect">
             <a:avLst/>
@@ -17877,153 +18507,316 @@
           </a:bodyPr>
           <a:lstStyle/>
           <a:p>
-            <a:r>
-              <a:rPr lang="ru-RU" dirty="0"/>
-              <a:t>Также, например, если файл собран </a:t>
-            </a:r>
-            <a:r>
-              <a:rPr lang="ru-RU" dirty="0" err="1"/>
-              <a:t>toolchain</a:t>
-            </a:r>
-            <a:r>
-              <a:rPr lang="ru-RU" dirty="0"/>
-              <a:t>, использующим аппаратные </a:t>
-            </a:r>
-            <a:r>
-              <a:rPr lang="ru-RU" dirty="0" err="1"/>
-              <a:t>фичи</a:t>
-            </a:r>
-            <a:r>
-              <a:rPr lang="ru-RU" dirty="0"/>
-              <a:t> </a:t>
-            </a:r>
-            <a:r>
-              <a:rPr lang="ru-RU" dirty="0" err="1"/>
-              <a:t>SoC</a:t>
-            </a:r>
-            <a:r>
-              <a:rPr lang="ru-RU" dirty="0"/>
-              <a:t>, на котором запускается </a:t>
-            </a:r>
-            <a:r>
-              <a:rPr lang="ru-RU" dirty="0" err="1"/>
-              <a:t>бинарь</a:t>
-            </a:r>
-            <a:r>
-              <a:rPr lang="ru-RU" dirty="0"/>
-              <a:t> и который не поддерживается </a:t>
-            </a:r>
-            <a:r>
-              <a:rPr lang="ru-RU" dirty="0" err="1"/>
+            <a:pPr marL="285750" indent="-285750">
+              <a:buFont typeface="Arial" panose="020B0604020202020204" pitchFamily="34" charset="0"/>
+              <a:buChar char="•"/>
+            </a:pPr>
+            <a:r>
+              <a:rPr lang="ru-RU" dirty="0">
+                <a:solidFill>
+                  <a:sysClr val="windowText" lastClr="000000"/>
+                </a:solidFill>
+              </a:rPr>
+              <a:t>AFL/QEMU </a:t>
+            </a:r>
+            <a:r>
+              <a:rPr lang="ru-RU" dirty="0" err="1">
+                <a:solidFill>
+                  <a:sysClr val="windowText" lastClr="000000"/>
+                </a:solidFill>
+              </a:rPr>
+              <a:t>фаззинг</a:t>
+            </a:r>
+            <a:r>
+              <a:rPr lang="ru-RU" dirty="0">
+                <a:solidFill>
+                  <a:sysClr val="windowText" lastClr="000000"/>
+                </a:solidFill>
+              </a:rPr>
+              <a:t> с полной эмуляцией системы. </a:t>
+            </a:r>
+            <a:r>
+              <a:rPr lang="ru-RU" dirty="0" err="1">
+                <a:solidFill>
+                  <a:sysClr val="windowText" lastClr="000000"/>
+                </a:solidFill>
+              </a:rPr>
+              <a:t>Форк</a:t>
+            </a:r>
+            <a:r>
+              <a:rPr lang="ru-RU" dirty="0">
+                <a:solidFill>
+                  <a:sysClr val="windowText" lastClr="000000"/>
+                </a:solidFill>
+              </a:rPr>
+              <a:t> от </a:t>
+            </a:r>
+            <a:r>
+              <a:rPr lang="ru-RU" dirty="0" err="1">
+                <a:solidFill>
+                  <a:sysClr val="windowText" lastClr="000000"/>
+                </a:solidFill>
+              </a:rPr>
+              <a:t>nccgroup</a:t>
+            </a:r>
+            <a:r>
+              <a:rPr lang="ru-RU" dirty="0">
+                <a:solidFill>
+                  <a:sysClr val="windowText" lastClr="000000"/>
+                </a:solidFill>
+              </a:rPr>
+              <a:t>. Позволяет в </a:t>
+            </a:r>
+            <a:r>
+              <a:rPr lang="ru-RU" dirty="0" err="1">
+                <a:solidFill>
+                  <a:sysClr val="windowText" lastClr="000000"/>
+                </a:solidFill>
+              </a:rPr>
               <a:t>qemu</a:t>
             </a:r>
             <a:r>
-              <a:rPr lang="ru-RU" dirty="0"/>
-              <a:t>, </a:t>
-            </a:r>
-            <a:r>
-              <a:rPr lang="ru-RU" dirty="0" err="1"/>
-              <a:t>фаззинг</a:t>
-            </a:r>
-            <a:r>
-              <a:rPr lang="ru-RU" dirty="0"/>
-              <a:t> оборвется, как только встретится специфическая инструкция, или, например, будет использован специфический </a:t>
-            </a:r>
-            <a:r>
-              <a:rPr lang="ru-RU" dirty="0" smtClean="0"/>
-              <a:t>MMIO</a:t>
-            </a:r>
-          </a:p>
-          <a:p>
-            <a:endParaRPr lang="ru-RU" sz="2000" dirty="0">
+              <a:rPr lang="ru-RU" dirty="0">
+                <a:solidFill>
+                  <a:sysClr val="windowText" lastClr="000000"/>
+                </a:solidFill>
+              </a:rPr>
+              <a:t> режиме </a:t>
+            </a:r>
+            <a:r>
+              <a:rPr lang="ru-RU" dirty="0" err="1">
+                <a:solidFill>
+                  <a:sysClr val="windowText" lastClr="000000"/>
+                </a:solidFill>
+              </a:rPr>
+              <a:t>фаззить</a:t>
+            </a:r>
+            <a:r>
+              <a:rPr lang="ru-RU" dirty="0">
+                <a:solidFill>
+                  <a:sysClr val="windowText" lastClr="000000"/>
+                </a:solidFill>
+              </a:rPr>
+              <a:t> операционную систему целиком. Реализован через специальную инструкцию (</a:t>
+            </a:r>
+            <a:r>
+              <a:rPr lang="ru-RU" dirty="0" err="1">
+                <a:solidFill>
+                  <a:sysClr val="windowText" lastClr="000000"/>
+                </a:solidFill>
+              </a:rPr>
+              <a:t>aflCall</a:t>
+            </a:r>
+            <a:r>
+              <a:rPr lang="ru-RU" dirty="0">
+                <a:solidFill>
+                  <a:sysClr val="windowText" lastClr="000000"/>
+                </a:solidFill>
+              </a:rPr>
+              <a:t> (0f 24)), которая была добавлена в QEMU x64 </a:t>
+            </a:r>
+            <a:r>
+              <a:rPr lang="ru-RU" dirty="0" smtClean="0">
+                <a:solidFill>
+                  <a:sysClr val="windowText" lastClr="000000"/>
+                </a:solidFill>
+              </a:rPr>
+              <a:t>CPU</a:t>
+            </a:r>
+          </a:p>
+          <a:p>
+            <a:pPr marL="285750" indent="-285750">
+              <a:buFont typeface="Arial" panose="020B0604020202020204" pitchFamily="34" charset="0"/>
+              <a:buChar char="•"/>
+            </a:pPr>
+            <a:endParaRPr lang="ru-RU" dirty="0">
               <a:solidFill>
                 <a:sysClr val="windowText" lastClr="000000"/>
               </a:solidFill>
             </a:endParaRPr>
           </a:p>
           <a:p>
-            <a:r>
-              <a:rPr lang="ru-RU" dirty="0"/>
-              <a:t>AFL/QEMU </a:t>
-            </a:r>
-            <a:r>
-              <a:rPr lang="ru-RU" dirty="0" err="1"/>
-              <a:t>фаззинг</a:t>
-            </a:r>
-            <a:r>
-              <a:rPr lang="ru-RU" dirty="0"/>
-              <a:t> с полной эмуляцией </a:t>
+            <a:pPr marL="285750" indent="-285750">
+              <a:buFont typeface="Arial" panose="020B0604020202020204" pitchFamily="34" charset="0"/>
+              <a:buChar char="•"/>
+            </a:pPr>
+            <a:r>
+              <a:rPr lang="ru-RU" dirty="0" err="1">
+                <a:solidFill>
+                  <a:sysClr val="windowText" lastClr="000000"/>
+                </a:solidFill>
+              </a:rPr>
+              <a:t>Фаззинг</a:t>
             </a:r>
             <a:r>
               <a:rPr lang="ru-RU" dirty="0">
-                <a:hlinkClick r:id="rId2"/>
-              </a:rPr>
-              <a:t>системы</a:t>
-            </a:r>
-            <a:r>
-              <a:rPr lang="ru-RU" dirty="0"/>
-              <a:t>. </a:t>
-            </a:r>
-            <a:r>
-              <a:rPr lang="ru-RU" dirty="0" err="1"/>
-              <a:t>Форк</a:t>
-            </a:r>
-            <a:r>
-              <a:rPr lang="ru-RU" dirty="0"/>
-              <a:t> от </a:t>
-            </a:r>
-            <a:r>
-              <a:rPr lang="ru-RU" dirty="0" err="1"/>
-              <a:t>nccgroup</a:t>
-            </a:r>
-            <a:r>
-              <a:rPr lang="ru-RU" dirty="0"/>
-              <a:t>. Позволяет в </a:t>
-            </a:r>
-            <a:r>
-              <a:rPr lang="ru-RU" dirty="0" err="1"/>
-              <a:t>qemu</a:t>
-            </a:r>
-            <a:r>
-              <a:rPr lang="ru-RU" dirty="0"/>
-              <a:t> режиме </a:t>
-            </a:r>
-            <a:r>
-              <a:rPr lang="ru-RU" dirty="0" err="1"/>
-              <a:t>фаззить</a:t>
-            </a:r>
-            <a:r>
-              <a:rPr lang="ru-RU" dirty="0"/>
-              <a:t> операционную систему целиком. Реализован через специальную инструкцию (</a:t>
-            </a:r>
-            <a:r>
-              <a:rPr lang="ru-RU" dirty="0" err="1"/>
-              <a:t>aflCall</a:t>
-            </a:r>
-            <a:r>
-              <a:rPr lang="ru-RU" dirty="0"/>
-              <a:t> (0f 24)), которая была добавлена в QEMU x64 CPU. К сожалению, уже не поддерживается, последняя версия </a:t>
-            </a:r>
-            <a:r>
-              <a:rPr lang="ru-RU" dirty="0" err="1"/>
-              <a:t>afl</a:t>
-            </a:r>
-            <a:r>
-              <a:rPr lang="ru-RU" dirty="0"/>
-              <a:t> в нем 2.06b.</a:t>
-            </a:r>
-            <a:endParaRPr lang="ru-RU" sz="2000" dirty="0">
+                <a:solidFill>
+                  <a:sysClr val="windowText" lastClr="000000"/>
+                </a:solidFill>
+              </a:rPr>
+              <a:t> выполняется в </a:t>
+            </a:r>
+            <a:r>
+              <a:rPr lang="ru-RU" dirty="0" smtClean="0">
+                <a:solidFill>
+                  <a:sysClr val="windowText" lastClr="000000"/>
+                </a:solidFill>
+              </a:rPr>
+              <a:t>RAM-памяти, что позволяет значительно увеличить производительность </a:t>
+            </a:r>
+            <a:r>
+              <a:rPr lang="ru-RU" dirty="0" err="1" smtClean="0">
+                <a:solidFill>
+                  <a:sysClr val="windowText" lastClr="000000"/>
+                </a:solidFill>
+              </a:rPr>
+              <a:t>фаззинга</a:t>
+            </a:r>
+            <a:endParaRPr lang="ru-RU" dirty="0" smtClean="0">
               <a:solidFill>
                 <a:sysClr val="windowText" lastClr="000000"/>
               </a:solidFill>
             </a:endParaRPr>
           </a:p>
+          <a:p>
+            <a:pPr marL="285750" indent="-285750">
+              <a:buFont typeface="Arial" panose="020B0604020202020204" pitchFamily="34" charset="0"/>
+              <a:buChar char="•"/>
+            </a:pPr>
+            <a:endParaRPr lang="ru-RU" dirty="0">
+              <a:solidFill>
+                <a:sysClr val="windowText" lastClr="000000"/>
+              </a:solidFill>
+            </a:endParaRPr>
+          </a:p>
+          <a:p>
+            <a:pPr marL="285750" indent="-285750">
+              <a:buFont typeface="Arial" panose="020B0604020202020204" pitchFamily="34" charset="0"/>
+              <a:buChar char="•"/>
+            </a:pPr>
+            <a:r>
+              <a:rPr lang="ru-RU" dirty="0" smtClean="0">
+                <a:solidFill>
+                  <a:sysClr val="windowText" lastClr="000000"/>
+                </a:solidFill>
+              </a:rPr>
+              <a:t>Имеет инструмент </a:t>
+            </a:r>
+            <a:r>
+              <a:rPr lang="en-US" dirty="0" err="1" smtClean="0">
+                <a:solidFill>
+                  <a:sysClr val="windowText" lastClr="000000"/>
+                </a:solidFill>
+              </a:rPr>
+              <a:t>TriforceLinuxSyscallFuzzer</a:t>
+            </a:r>
+            <a:r>
+              <a:rPr lang="ru-RU" dirty="0" smtClean="0">
+                <a:solidFill>
+                  <a:sysClr val="windowText" lastClr="000000"/>
+                </a:solidFill>
+              </a:rPr>
+              <a:t>, предназначенный для </a:t>
+            </a:r>
+            <a:r>
+              <a:rPr lang="ru-RU" dirty="0" err="1" smtClean="0">
+                <a:solidFill>
+                  <a:sysClr val="windowText" lastClr="000000"/>
+                </a:solidFill>
+              </a:rPr>
+              <a:t>фаззинга</a:t>
+            </a:r>
+            <a:r>
+              <a:rPr lang="ru-RU" dirty="0" smtClean="0">
+                <a:solidFill>
+                  <a:sysClr val="windowText" lastClr="000000"/>
+                </a:solidFill>
+              </a:rPr>
+              <a:t> системных вызовов ядра </a:t>
+            </a:r>
+            <a:r>
+              <a:rPr lang="en-US" dirty="0" smtClean="0">
+                <a:solidFill>
+                  <a:sysClr val="windowText" lastClr="000000"/>
+                </a:solidFill>
+              </a:rPr>
+              <a:t>Linux, </a:t>
+            </a:r>
+            <a:r>
+              <a:rPr lang="kk-KZ" dirty="0" smtClean="0">
+                <a:solidFill>
+                  <a:sysClr val="windowText" lastClr="000000"/>
+                </a:solidFill>
+              </a:rPr>
+              <a:t>который может быть портирован под </a:t>
+            </a:r>
+            <a:r>
+              <a:rPr lang="en-US" dirty="0" smtClean="0">
+                <a:solidFill>
+                  <a:sysClr val="windowText" lastClr="000000"/>
+                </a:solidFill>
+              </a:rPr>
+              <a:t>QNX</a:t>
+            </a:r>
+            <a:endParaRPr lang="ru-RU" dirty="0" smtClean="0">
+              <a:solidFill>
+                <a:sysClr val="windowText" lastClr="000000"/>
+              </a:solidFill>
+            </a:endParaRPr>
+          </a:p>
+          <a:p>
+            <a:pPr marL="285750" indent="-285750">
+              <a:buFont typeface="Arial" panose="020B0604020202020204" pitchFamily="34" charset="0"/>
+              <a:buChar char="•"/>
+            </a:pPr>
+            <a:endParaRPr lang="ru-RU" dirty="0">
+              <a:solidFill>
+                <a:sysClr val="windowText" lastClr="000000"/>
+              </a:solidFill>
+            </a:endParaRPr>
+          </a:p>
+          <a:p>
+            <a:pPr marL="285750" indent="-285750">
+              <a:buFont typeface="Arial" panose="020B0604020202020204" pitchFamily="34" charset="0"/>
+              <a:buChar char="•"/>
+            </a:pPr>
+            <a:r>
+              <a:rPr lang="ru-RU" dirty="0" smtClean="0">
+                <a:solidFill>
+                  <a:sysClr val="windowText" lastClr="000000"/>
+                </a:solidFill>
+              </a:rPr>
+              <a:t>Позволяет получать отчеты о падении или зависании системы</a:t>
+            </a:r>
+          </a:p>
+          <a:p>
+            <a:pPr marL="285750" indent="-285750">
+              <a:buFont typeface="Arial" panose="020B0604020202020204" pitchFamily="34" charset="0"/>
+              <a:buChar char="•"/>
+            </a:pPr>
+            <a:endParaRPr lang="ru-RU" dirty="0">
+              <a:solidFill>
+                <a:sysClr val="windowText" lastClr="000000"/>
+              </a:solidFill>
+            </a:endParaRPr>
+          </a:p>
+          <a:p>
+            <a:pPr marL="285750" indent="-285750">
+              <a:buFont typeface="Arial" panose="020B0604020202020204" pitchFamily="34" charset="0"/>
+              <a:buChar char="•"/>
+            </a:pPr>
+            <a:endParaRPr lang="ru-RU" dirty="0">
+              <a:solidFill>
+                <a:sysClr val="windowText" lastClr="000000"/>
+              </a:solidFill>
+            </a:endParaRPr>
+          </a:p>
         </p:txBody>
       </p:sp>
     </p:spTree>
     <p:extLst>
       <p:ext uri="{BB962C8B-B14F-4D97-AF65-F5344CB8AC3E}">
-        <p14:creationId xmlns:p14="http://schemas.microsoft.com/office/powerpoint/2010/main" val="352092235"/>
+        <p14:creationId xmlns:p14="http://schemas.microsoft.com/office/powerpoint/2010/main" val="1693940509"/>
       </p:ext>
     </p:extLst>
   </p:cSld>
@@ -18084,8 +18877,12 @@
           <a:lstStyle/>
           <a:p>
             <a:r>
-              <a:rPr lang="ru-RU" dirty="0" smtClean="0"/>
-              <a:t>НЕДОСТАТКИ</a:t>
+              <a:rPr lang="en-US" dirty="0" err="1" smtClean="0"/>
+              <a:t>TriforceAFL</a:t>
+            </a:r>
+            <a:r>
+              <a:rPr lang="en-US" dirty="0" smtClean="0"/>
+              <a:t> – DRIVER (AGENT)</a:t>
             </a:r>
             <a:endParaRPr lang="ru-RU" dirty="0"/>
           </a:p>
@@ -18113,20 +18910,20 @@
           <a:lstStyle/>
           <a:p>
             <a:r>
-              <a:rPr lang="kk-KZ" dirty="0">
-                <a:solidFill>
-                  <a:sysClr val="windowText" lastClr="000000"/>
-                </a:solidFill>
-              </a:rPr>
-              <a:t>Фаззинг виртуальной </a:t>
-            </a:r>
-            <a:r>
               <a:rPr lang="kk-KZ" dirty="0" smtClean="0">
                 <a:solidFill>
                   <a:sysClr val="windowText" lastClr="000000"/>
                 </a:solidFill>
               </a:rPr>
-              <a:t>машины</a:t>
+              <a:t>Фаззинг виртуальной машины</a:t>
+            </a:r>
+            <a:r>
+              <a:rPr lang="ru-RU" dirty="0" smtClean="0">
+                <a:solidFill>
+                  <a:sysClr val="windowText" lastClr="000000"/>
+                </a:solidFill>
+              </a:rPr>
+              <a:t>. Типы</a:t>
             </a:r>
             <a:endParaRPr lang="ru-RU" dirty="0">
               <a:solidFill>
@@ -18136,16 +18933,40 @@
           </a:p>
         </p:txBody>
       </p:sp>
-      <p:sp>
-        <p:nvSpPr>
-          <p:cNvPr id="5" name="TextBox 4"/>
+      <p:pic>
+        <p:nvPicPr>
+          <p:cNvPr id="3" name="Рисунок 2"/>
+          <p:cNvPicPr>
+            <a:picLocks noChangeAspect="1"/>
+          </p:cNvPicPr>
+          <p:nvPr/>
+        </p:nvPicPr>
+        <p:blipFill>
+          <a:blip r:embed="rId2"/>
+          <a:stretch>
+            <a:fillRect/>
+          </a:stretch>
+        </p:blipFill>
+        <p:spPr>
+          <a:xfrm>
+            <a:off x="1959283" y="1402243"/>
+            <a:ext cx="6941520" cy="3178206"/>
+          </a:xfrm>
+          <a:prstGeom prst="rect">
+            <a:avLst/>
+          </a:prstGeom>
+        </p:spPr>
+      </p:pic>
+      <p:sp>
+        <p:nvSpPr>
+          <p:cNvPr id="6" name="TextBox 5"/>
           <p:cNvSpPr txBox="1"/>
           <p:nvPr/>
         </p:nvSpPr>
         <p:spPr>
           <a:xfrm>
-            <a:off x="442912" y="1382939"/>
-            <a:ext cx="8578413" cy="4401205"/>
+            <a:off x="3224798" y="4782982"/>
+            <a:ext cx="4410490" cy="369332"/>
           </a:xfrm>
           <a:prstGeom prst="rect">
             <a:avLst/>
@@ -18158,191 +18979,203 @@
           </a:bodyPr>
           <a:lstStyle/>
           <a:p>
-            <a:pPr marL="285750" indent="-285750">
-              <a:buFont typeface="Arial" panose="020B0604020202020204" pitchFamily="34" charset="0"/>
-              <a:buChar char="•"/>
-            </a:pPr>
-            <a:r>
-              <a:rPr lang="ru-RU" sz="2000" dirty="0" smtClean="0">
-                <a:solidFill>
-                  <a:sysClr val="windowText" lastClr="000000"/>
-                </a:solidFill>
-              </a:rPr>
-              <a:t>Отсутствие </a:t>
-            </a:r>
-            <a:r>
-              <a:rPr lang="ru-RU" sz="2000" dirty="0" err="1" smtClean="0">
-                <a:solidFill>
-                  <a:sysClr val="windowText" lastClr="000000"/>
-                </a:solidFill>
-              </a:rPr>
-              <a:t>инструментации</a:t>
-            </a:r>
-            <a:r>
-              <a:rPr lang="ru-RU" sz="2000" dirty="0" smtClean="0">
-                <a:solidFill>
-                  <a:sysClr val="windowText" lastClr="000000"/>
-                </a:solidFill>
-              </a:rPr>
-              <a:t> не позволяет отследить ошибочные обращения к памяти</a:t>
-            </a:r>
-          </a:p>
-          <a:p>
-            <a:pPr marL="285750" indent="-285750">
-              <a:buFont typeface="Arial" panose="020B0604020202020204" pitchFamily="34" charset="0"/>
-              <a:buChar char="•"/>
-            </a:pPr>
-            <a:endParaRPr lang="ru-RU" sz="2000" dirty="0" smtClean="0">
+            <a:pPr algn="ctr"/>
+            <a:r>
+              <a:rPr lang="kk-KZ" dirty="0" smtClean="0">
+                <a:solidFill>
+                  <a:sysClr val="windowText" lastClr="000000"/>
+                </a:solidFill>
+              </a:rPr>
+              <a:t>Рис</a:t>
+            </a:r>
+            <a:r>
+              <a:rPr lang="ru-RU" dirty="0" smtClean="0">
+                <a:solidFill>
+                  <a:sysClr val="windowText" lastClr="000000"/>
+                </a:solidFill>
+              </a:rPr>
+              <a:t>1. Архитектура </a:t>
+            </a:r>
+            <a:r>
+              <a:rPr lang="en-US" dirty="0" err="1" smtClean="0">
+                <a:solidFill>
+                  <a:sysClr val="windowText" lastClr="000000"/>
+                </a:solidFill>
+              </a:rPr>
+              <a:t>TriforceAFL</a:t>
+            </a:r>
+            <a:endParaRPr lang="ru-RU" dirty="0">
               <a:solidFill>
                 <a:sysClr val="windowText" lastClr="000000"/>
               </a:solidFill>
             </a:endParaRPr>
           </a:p>
-          <a:p>
-            <a:pPr marL="285750" indent="-285750">
-              <a:buFont typeface="Arial" panose="020B0604020202020204" pitchFamily="34" charset="0"/>
-              <a:buChar char="•"/>
-            </a:pPr>
-            <a:r>
-              <a:rPr lang="ru-RU" sz="2000" dirty="0" smtClean="0">
-                <a:solidFill>
-                  <a:sysClr val="windowText" lastClr="000000"/>
-                </a:solidFill>
-              </a:rPr>
-              <a:t>Для воспроизведения ошибки может потребоваться повторить в точности всю историю </a:t>
-            </a:r>
-            <a:r>
-              <a:rPr lang="ru-RU" sz="2000" dirty="0" err="1" smtClean="0">
-                <a:solidFill>
-                  <a:sysClr val="windowText" lastClr="000000"/>
-                </a:solidFill>
-              </a:rPr>
-              <a:t>фаззинга</a:t>
-            </a:r>
-            <a:endParaRPr lang="ru-RU" sz="2000" dirty="0" smtClean="0">
+        </p:txBody>
+      </p:sp>
+      <p:sp>
+        <p:nvSpPr>
+          <p:cNvPr id="7" name="Овал 6"/>
+          <p:cNvSpPr/>
+          <p:nvPr/>
+        </p:nvSpPr>
+        <p:spPr>
+          <a:xfrm>
+            <a:off x="3224799" y="1808820"/>
+            <a:ext cx="1431042" cy="450050"/>
+          </a:xfrm>
+          <a:prstGeom prst="ellipse">
+            <a:avLst/>
+          </a:prstGeom>
+          <a:noFill/>
+          <a:ln w="57150">
+            <a:solidFill>
+              <a:schemeClr val="accent2">
+                <a:lumMod val="40000"/>
+                <a:lumOff val="60000"/>
+              </a:schemeClr>
+            </a:solidFill>
+          </a:ln>
+        </p:spPr>
+        <p:style>
+          <a:lnRef idx="2">
+            <a:schemeClr val="accent1">
+              <a:shade val="50000"/>
+            </a:schemeClr>
+          </a:lnRef>
+          <a:fillRef idx="1">
+            <a:schemeClr val="accent1"/>
+          </a:fillRef>
+          <a:effectRef idx="0">
+            <a:schemeClr val="accent1"/>
+          </a:effectRef>
+          <a:fontRef idx="minor">
+            <a:schemeClr val="lt1"/>
+          </a:fontRef>
+        </p:style>
+        <p:txBody>
+          <a:bodyPr rtlCol="0" anchor="ctr"/>
+          <a:lstStyle/>
+          <a:p>
+            <a:pPr algn="ctr"/>
+            <a:endParaRPr lang="ru-RU"/>
+          </a:p>
+        </p:txBody>
+      </p:sp>
+      <p:sp>
+        <p:nvSpPr>
+          <p:cNvPr id="8" name="TextBox 7"/>
+          <p:cNvSpPr txBox="1"/>
+          <p:nvPr/>
+        </p:nvSpPr>
+        <p:spPr>
+          <a:xfrm>
+            <a:off x="862035" y="6264315"/>
+            <a:ext cx="9136015" cy="523220"/>
+          </a:xfrm>
+          <a:prstGeom prst="rect">
+            <a:avLst/>
+          </a:prstGeom>
+          <a:noFill/>
+        </p:spPr>
+        <p:txBody>
+          <a:bodyPr wrap="square" rtlCol="0">
+            <a:spAutoFit/>
+          </a:bodyPr>
+          <a:lstStyle/>
+          <a:p>
+            <a:pPr algn="just"/>
+            <a:r>
+              <a:rPr lang="en-US" sz="1400" dirty="0">
+                <a:solidFill>
+                  <a:sysClr val="windowText" lastClr="000000"/>
+                </a:solidFill>
+              </a:rPr>
+              <a:t>P. Pandey, A. Sarkar and A. Banerjee, "</a:t>
+            </a:r>
+            <a:r>
+              <a:rPr lang="en-US" sz="1400" dirty="0" err="1">
+                <a:solidFill>
+                  <a:sysClr val="windowText" lastClr="000000"/>
+                </a:solidFill>
+              </a:rPr>
+              <a:t>Triforce</a:t>
+            </a:r>
+            <a:r>
+              <a:rPr lang="en-US" sz="1400" dirty="0">
+                <a:solidFill>
+                  <a:sysClr val="windowText" lastClr="000000"/>
+                </a:solidFill>
+              </a:rPr>
+              <a:t> QNX </a:t>
+            </a:r>
+            <a:r>
+              <a:rPr lang="en-US" sz="1400" dirty="0" err="1">
+                <a:solidFill>
+                  <a:sysClr val="windowText" lastClr="000000"/>
+                </a:solidFill>
+              </a:rPr>
+              <a:t>Syscall</a:t>
+            </a:r>
+            <a:r>
+              <a:rPr lang="en-US" sz="1400" dirty="0">
+                <a:solidFill>
+                  <a:sysClr val="windowText" lastClr="000000"/>
+                </a:solidFill>
+              </a:rPr>
+              <a:t> </a:t>
+            </a:r>
+            <a:r>
+              <a:rPr lang="en-US" sz="1400" dirty="0" err="1">
+                <a:solidFill>
+                  <a:sysClr val="windowText" lastClr="000000"/>
+                </a:solidFill>
+              </a:rPr>
+              <a:t>Fuzzer</a:t>
+            </a:r>
+            <a:r>
+              <a:rPr lang="en-US" sz="1400" dirty="0">
+                <a:solidFill>
+                  <a:sysClr val="windowText" lastClr="000000"/>
+                </a:solidFill>
+              </a:rPr>
+              <a:t>," 2019 IEEE International Symposium on Software Reliability Engineering Workshops (ISSREW), Berlin, Germany, 2019, pp. 59-60, </a:t>
+            </a:r>
+            <a:r>
+              <a:rPr lang="en-US" sz="1400" dirty="0" err="1">
+                <a:solidFill>
+                  <a:sysClr val="windowText" lastClr="000000"/>
+                </a:solidFill>
+              </a:rPr>
+              <a:t>doi</a:t>
+            </a:r>
+            <a:r>
+              <a:rPr lang="en-US" sz="1400" dirty="0">
+                <a:solidFill>
+                  <a:sysClr val="windowText" lastClr="000000"/>
+                </a:solidFill>
+              </a:rPr>
+              <a:t>: </a:t>
+            </a:r>
+            <a:r>
+              <a:rPr lang="en-US" sz="1400" dirty="0" smtClean="0">
+                <a:solidFill>
+                  <a:sysClr val="windowText" lastClr="000000"/>
+                </a:solidFill>
+              </a:rPr>
+              <a:t>10.1109/ISSREW.2019.00043</a:t>
+            </a:r>
+            <a:endParaRPr lang="ru-RU" dirty="0">
               <a:solidFill>
                 <a:sysClr val="windowText" lastClr="000000"/>
               </a:solidFill>
             </a:endParaRPr>
           </a:p>
-          <a:p>
-            <a:pPr marL="285750" indent="-285750">
-              <a:buFont typeface="Arial" panose="020B0604020202020204" pitchFamily="34" charset="0"/>
-              <a:buChar char="•"/>
-            </a:pPr>
-            <a:endParaRPr lang="ru-RU" sz="2000" dirty="0" smtClean="0">
-              <a:solidFill>
-                <a:sysClr val="windowText" lastClr="000000"/>
-              </a:solidFill>
-            </a:endParaRPr>
-          </a:p>
-          <a:p>
-            <a:pPr marL="285750" indent="-285750">
-              <a:buFont typeface="Arial" panose="020B0604020202020204" pitchFamily="34" charset="0"/>
-              <a:buChar char="•"/>
-            </a:pPr>
-            <a:r>
-              <a:rPr lang="ru-RU" sz="2000" dirty="0" smtClean="0">
-                <a:solidFill>
-                  <a:sysClr val="windowText" lastClr="000000"/>
-                </a:solidFill>
-              </a:rPr>
-              <a:t>Нивелирует этот недостаток </a:t>
-            </a:r>
-            <a:r>
-              <a:rPr lang="en-US" sz="2000" dirty="0" smtClean="0">
-                <a:solidFill>
-                  <a:sysClr val="windowText" lastClr="000000"/>
-                </a:solidFill>
-              </a:rPr>
-              <a:t>snapshot-based </a:t>
-            </a:r>
-            <a:r>
-              <a:rPr lang="kk-KZ" sz="2000" dirty="0" smtClean="0">
-                <a:solidFill>
-                  <a:sysClr val="windowText" lastClr="000000"/>
-                </a:solidFill>
-              </a:rPr>
-              <a:t>подход</a:t>
-            </a:r>
-            <a:r>
-              <a:rPr lang="ru-RU" sz="2000" dirty="0" smtClean="0">
-                <a:solidFill>
-                  <a:sysClr val="windowText" lastClr="000000"/>
-                </a:solidFill>
-              </a:rPr>
-              <a:t>, который позволяет каждый прогон запускать на дампе виртуальной машины</a:t>
-            </a:r>
-          </a:p>
-          <a:p>
-            <a:pPr marL="285750" indent="-285750">
-              <a:buFont typeface="Arial" panose="020B0604020202020204" pitchFamily="34" charset="0"/>
-              <a:buChar char="•"/>
-            </a:pPr>
-            <a:endParaRPr lang="ru-RU" sz="2000" dirty="0" smtClean="0">
-              <a:solidFill>
-                <a:sysClr val="windowText" lastClr="000000"/>
-              </a:solidFill>
-            </a:endParaRPr>
-          </a:p>
-          <a:p>
-            <a:pPr marL="285750" indent="-285750">
-              <a:buFont typeface="Arial" panose="020B0604020202020204" pitchFamily="34" charset="0"/>
-              <a:buChar char="•"/>
-            </a:pPr>
-            <a:r>
-              <a:rPr lang="ru-RU" sz="2000" dirty="0" smtClean="0">
-                <a:solidFill>
-                  <a:sysClr val="windowText" lastClr="000000"/>
-                </a:solidFill>
-              </a:rPr>
-              <a:t>Все еще невозможно отследить ошибки памяти</a:t>
-            </a:r>
-          </a:p>
-          <a:p>
-            <a:pPr marL="285750" indent="-285750">
-              <a:buFont typeface="Arial" panose="020B0604020202020204" pitchFamily="34" charset="0"/>
-              <a:buChar char="•"/>
-            </a:pPr>
-            <a:endParaRPr lang="ru-RU" sz="2000" dirty="0" smtClean="0">
-              <a:solidFill>
-                <a:sysClr val="windowText" lastClr="000000"/>
-              </a:solidFill>
-            </a:endParaRPr>
-          </a:p>
-          <a:p>
-            <a:pPr marL="285750" indent="-285750">
-              <a:buFont typeface="Arial" panose="020B0604020202020204" pitchFamily="34" charset="0"/>
-              <a:buChar char="•"/>
-            </a:pPr>
-            <a:r>
-              <a:rPr lang="ru-RU" sz="2000" dirty="0" smtClean="0">
-                <a:solidFill>
-                  <a:sysClr val="windowText" lastClr="000000"/>
-                </a:solidFill>
-              </a:rPr>
-              <a:t>Требуется написание агента, который будет запускаться внутри виртуальной машины и являться ключевым звеном, определяющим эффективность </a:t>
-            </a:r>
-            <a:r>
-              <a:rPr lang="ru-RU" sz="2000" dirty="0" err="1" smtClean="0">
-                <a:solidFill>
-                  <a:sysClr val="windowText" lastClr="000000"/>
-                </a:solidFill>
-              </a:rPr>
-              <a:t>фаззинга</a:t>
-            </a:r>
-            <a:endParaRPr lang="ru-RU" sz="2000" dirty="0">
-              <a:solidFill>
-                <a:sysClr val="windowText" lastClr="000000"/>
-              </a:solidFill>
-            </a:endParaRPr>
-          </a:p>
         </p:txBody>
       </p:sp>
     </p:spTree>
     <p:extLst>
       <p:ext uri="{BB962C8B-B14F-4D97-AF65-F5344CB8AC3E}">
-        <p14:creationId xmlns:p14="http://schemas.microsoft.com/office/powerpoint/2010/main" val="3304444939"/>
+        <p14:creationId xmlns:p14="http://schemas.microsoft.com/office/powerpoint/2010/main" val="352092235"/>
       </p:ext>
     </p:extLst>
   </p:cSld>
@@ -18376,47 +19209,6 @@
           <a:chExt cx="0" cy="0"/>
         </a:xfrm>
       </p:grpSpPr>
-      <p:pic>
-        <p:nvPicPr>
-          <p:cNvPr id="3074" name="Picture 2" descr="Выпуск новых процессоров Intel Broadwell задерживается - 4PDA"/>
-          <p:cNvPicPr>
-            <a:picLocks noChangeAspect="1" noChangeArrowheads="1"/>
-          </p:cNvPicPr>
-          <p:nvPr/>
-        </p:nvPicPr>
-        <p:blipFill>
-          <a:blip r:embed="rId2">
-            <a:extLst>
-              <a:ext uri="{28A0092B-C50C-407E-A947-70E740481C1C}">
-                <a14:useLocalDpi xmlns:a14="http://schemas.microsoft.com/office/drawing/2010/main" val="0"/>
-              </a:ext>
-            </a:extLst>
-          </a:blip>
-          <a:srcRect/>
-          <a:stretch>
-            <a:fillRect/>
-          </a:stretch>
-        </p:blipFill>
-        <p:spPr bwMode="auto">
-          <a:xfrm>
-            <a:off x="7851195" y="3406497"/>
-            <a:ext cx="4260050" cy="3195038"/>
-          </a:xfrm>
-          <a:prstGeom prst="rect">
-            <a:avLst/>
-          </a:prstGeom>
-          <a:noFill/>
-          <a:extLst>
-            <a:ext uri="{909E8E84-426E-40DD-AFC4-6F175D3DCCD1}">
-              <a14:hiddenFill xmlns:a14="http://schemas.microsoft.com/office/drawing/2010/main">
-                <a:solidFill>
-                  <a:srgbClr val="FFFFFF"/>
-                </a:solidFill>
-              </a14:hiddenFill>
-            </a:ext>
-          </a:extLst>
-        </p:spPr>
-      </p:pic>
       <p:sp>
         <p:nvSpPr>
           <p:cNvPr id="2" name="Текст 1">
@@ -18433,14 +19225,27 @@
             <p:ph type="body" sz="half" idx="11"/>
           </p:nvPr>
         </p:nvSpPr>
-        <p:spPr/>
+        <p:spPr>
+          <a:xfrm>
+            <a:off x="442912" y="818710"/>
+            <a:ext cx="9974262" cy="381000"/>
+          </a:xfrm>
+        </p:spPr>
         <p:txBody>
           <a:bodyPr/>
           <a:lstStyle/>
           <a:p>
             <a:r>
+              <a:rPr lang="en-US" dirty="0" err="1" smtClean="0"/>
+              <a:t>TriforceAFL</a:t>
+            </a:r>
+            <a:r>
               <a:rPr lang="en-US" dirty="0" smtClean="0"/>
-              <a:t>Intel Processor Tracing</a:t>
+              <a:t> </a:t>
+            </a:r>
+            <a:r>
+              <a:rPr lang="ru-RU" dirty="0" smtClean="0"/>
+              <a:t>- недостатки</a:t>
             </a:r>
             <a:endParaRPr lang="ru-RU" dirty="0"/>
           </a:p>
@@ -18468,27 +19273,39 @@
           <a:lstStyle/>
           <a:p>
             <a:r>
-              <a:rPr lang="kk-KZ" dirty="0"/>
+              <a:rPr lang="kk-KZ" dirty="0" smtClean="0">
+                <a:solidFill>
+                  <a:sysClr val="windowText" lastClr="000000"/>
+                </a:solidFill>
+              </a:rPr>
               <a:t>Фаззинг виртуальной машины</a:t>
             </a:r>
             <a:r>
-              <a:rPr lang="ru-RU" dirty="0"/>
-              <a:t>. Покрытие</a:t>
-            </a:r>
-            <a:endParaRPr lang="ru-RU" dirty="0"/>
-          </a:p>
-        </p:txBody>
-      </p:sp>
-      <p:sp>
-        <p:nvSpPr>
-          <p:cNvPr id="3" name="TextBox 2"/>
+              <a:rPr lang="ru-RU" dirty="0" smtClean="0">
+                <a:solidFill>
+                  <a:sysClr val="windowText" lastClr="000000"/>
+                </a:solidFill>
+              </a:rPr>
+              <a:t>. Типы</a:t>
+            </a:r>
+            <a:endParaRPr lang="ru-RU" dirty="0">
+              <a:solidFill>
+                <a:sysClr val="windowText" lastClr="000000"/>
+              </a:solidFill>
+            </a:endParaRPr>
+          </a:p>
+        </p:txBody>
+      </p:sp>
+      <p:sp>
+        <p:nvSpPr>
+          <p:cNvPr id="5" name="TextBox 4"/>
           <p:cNvSpPr txBox="1"/>
           <p:nvPr/>
         </p:nvSpPr>
         <p:spPr>
           <a:xfrm>
-            <a:off x="442912" y="1385084"/>
-            <a:ext cx="7740860" cy="3693319"/>
+            <a:off x="442912" y="1403775"/>
+            <a:ext cx="11323718" cy="3200876"/>
           </a:xfrm>
           <a:prstGeom prst="rect">
             <a:avLst/>
@@ -18506,49 +19323,53 @@
               <a:buChar char="•"/>
             </a:pPr>
             <a:r>
-              <a:rPr lang="ru-RU" dirty="0" err="1"/>
-              <a:t>Intel</a:t>
-            </a:r>
-            <a:r>
-              <a:rPr lang="ru-RU" dirty="0"/>
-              <a:t> </a:t>
-            </a:r>
-            <a:r>
-              <a:rPr lang="ru-RU" dirty="0" smtClean="0"/>
-              <a:t>PT </a:t>
-            </a:r>
-            <a:r>
-              <a:rPr lang="ru-RU" dirty="0"/>
-              <a:t>— это функция современных процессоров </a:t>
-            </a:r>
-            <a:r>
-              <a:rPr lang="ru-RU" dirty="0" err="1" smtClean="0"/>
-              <a:t>Intel</a:t>
-            </a:r>
-            <a:r>
-              <a:rPr lang="ru-RU" dirty="0" smtClean="0"/>
-              <a:t> начиная с 5 поколения </a:t>
-            </a:r>
-            <a:r>
-              <a:rPr lang="en-US" dirty="0" err="1" smtClean="0"/>
-              <a:t>Broadwell</a:t>
-            </a:r>
-            <a:r>
-              <a:rPr lang="en-US" dirty="0" smtClean="0"/>
-              <a:t> (2015 </a:t>
-            </a:r>
-            <a:r>
-              <a:rPr lang="ru-RU" dirty="0" smtClean="0"/>
-              <a:t>год)</a:t>
-            </a:r>
-            <a:endParaRPr lang="en-US" dirty="0" smtClean="0"/>
+              <a:rPr lang="ru-RU" dirty="0" smtClean="0">
+                <a:solidFill>
+                  <a:sysClr val="windowText" lastClr="000000"/>
+                </a:solidFill>
+              </a:rPr>
+              <a:t>Предназначен в первую очередь для </a:t>
+            </a:r>
+            <a:r>
+              <a:rPr lang="ru-RU" dirty="0" err="1" smtClean="0">
+                <a:solidFill>
+                  <a:sysClr val="windowText" lastClr="000000"/>
+                </a:solidFill>
+              </a:rPr>
+              <a:t>фаззинга</a:t>
+            </a:r>
+            <a:r>
+              <a:rPr lang="ru-RU" dirty="0" smtClean="0">
+                <a:solidFill>
+                  <a:sysClr val="windowText" lastClr="000000"/>
+                </a:solidFill>
+              </a:rPr>
+              <a:t> системных вызовов ядра </a:t>
+            </a:r>
+            <a:r>
+              <a:rPr lang="en-US" dirty="0" smtClean="0">
+                <a:solidFill>
+                  <a:sysClr val="windowText" lastClr="000000"/>
+                </a:solidFill>
+              </a:rPr>
+              <a:t>Linux</a:t>
+            </a:r>
+            <a:endParaRPr lang="ru-RU" dirty="0" smtClean="0">
+              <a:solidFill>
+                <a:sysClr val="windowText" lastClr="000000"/>
+              </a:solidFill>
+            </a:endParaRPr>
           </a:p>
           <a:p>
             <a:pPr marL="285750" indent="-285750">
               <a:buFont typeface="Arial" panose="020B0604020202020204" pitchFamily="34" charset="0"/>
               <a:buChar char="•"/>
             </a:pPr>
-            <a:endParaRPr lang="en-US" dirty="0"/>
+            <a:endParaRPr lang="ru-RU" dirty="0">
+              <a:solidFill>
+                <a:sysClr val="windowText" lastClr="000000"/>
+              </a:solidFill>
+            </a:endParaRPr>
           </a:p>
           <a:p>
             <a:pPr marL="285750" indent="-285750">
@@ -18556,64 +19377,222 @@
               <a:buChar char="•"/>
             </a:pPr>
             <a:r>
-              <a:rPr lang="ru-RU" dirty="0" err="1"/>
-              <a:t>Intel</a:t>
-            </a:r>
-            <a:r>
-              <a:rPr lang="ru-RU" dirty="0"/>
-              <a:t> PT позволяет получить полный поток исполнения </a:t>
-            </a:r>
-            <a:r>
-              <a:rPr lang="ru-RU" dirty="0" smtClean="0"/>
-              <a:t>отлаживаемого </a:t>
-            </a:r>
-            <a:r>
-              <a:rPr lang="ru-RU" dirty="0"/>
-              <a:t>приложения с минимальным </a:t>
-            </a:r>
-            <a:r>
-              <a:rPr lang="ru-RU" dirty="0" err="1"/>
-              <a:t>оверхедом</a:t>
-            </a:r>
-            <a:r>
-              <a:rPr lang="ru-RU" dirty="0"/>
-              <a:t> (&lt;5%). При этом она поддерживает </a:t>
-            </a:r>
-            <a:r>
-              <a:rPr lang="ru-RU" dirty="0" err="1"/>
-              <a:t>многопоточность</a:t>
-            </a:r>
-            <a:r>
-              <a:rPr lang="ru-RU" dirty="0"/>
-              <a:t> и может помочь в установлении ошибок типа "состояние </a:t>
-            </a:r>
-            <a:r>
-              <a:rPr lang="ru-RU" dirty="0" smtClean="0"/>
-              <a:t>гонки</a:t>
-            </a:r>
-            <a:r>
-              <a:rPr lang="en-US" dirty="0" smtClean="0"/>
+              <a:rPr lang="ru-RU" dirty="0" smtClean="0">
+                <a:solidFill>
+                  <a:sysClr val="windowText" lastClr="000000"/>
+                </a:solidFill>
+              </a:rPr>
+              <a:t>Также</a:t>
+            </a:r>
+            <a:r>
+              <a:rPr lang="ru-RU" dirty="0">
+                <a:solidFill>
+                  <a:sysClr val="windowText" lastClr="000000"/>
+                </a:solidFill>
+              </a:rPr>
+              <a:t>, например, если файл собран </a:t>
+            </a:r>
+            <a:r>
+              <a:rPr lang="ru-RU" dirty="0" err="1">
+                <a:solidFill>
+                  <a:sysClr val="windowText" lastClr="000000"/>
+                </a:solidFill>
+              </a:rPr>
+              <a:t>toolchain</a:t>
+            </a:r>
+            <a:r>
+              <a:rPr lang="ru-RU" dirty="0">
+                <a:solidFill>
+                  <a:sysClr val="windowText" lastClr="000000"/>
+                </a:solidFill>
+              </a:rPr>
+              <a:t>, использующим аппаратные </a:t>
+            </a:r>
+            <a:r>
+              <a:rPr lang="ru-RU" dirty="0" err="1">
+                <a:solidFill>
+                  <a:sysClr val="windowText" lastClr="000000"/>
+                </a:solidFill>
+              </a:rPr>
+              <a:t>фичи</a:t>
+            </a:r>
+            <a:r>
+              <a:rPr lang="ru-RU" dirty="0">
+                <a:solidFill>
+                  <a:sysClr val="windowText" lastClr="000000"/>
+                </a:solidFill>
+              </a:rPr>
               <a:t> </a:t>
             </a:r>
             <a:r>
-              <a:rPr lang="ru-RU" dirty="0" smtClean="0"/>
-              <a:t>благодаря </a:t>
-            </a:r>
-            <a:r>
-              <a:rPr lang="ru-RU" dirty="0"/>
-              <a:t>отметкам времени при записи трассы </a:t>
-            </a:r>
-            <a:r>
-              <a:rPr lang="ru-RU" dirty="0" smtClean="0"/>
-              <a:t>приложения</a:t>
-            </a:r>
+              <a:rPr lang="ru-RU" dirty="0" err="1">
+                <a:solidFill>
+                  <a:sysClr val="windowText" lastClr="000000"/>
+                </a:solidFill>
+              </a:rPr>
+              <a:t>SoC</a:t>
+            </a:r>
+            <a:r>
+              <a:rPr lang="ru-RU" dirty="0">
+                <a:solidFill>
+                  <a:sysClr val="windowText" lastClr="000000"/>
+                </a:solidFill>
+              </a:rPr>
+              <a:t>, на котором запускается </a:t>
+            </a:r>
+            <a:r>
+              <a:rPr lang="ru-RU" dirty="0" err="1">
+                <a:solidFill>
+                  <a:sysClr val="windowText" lastClr="000000"/>
+                </a:solidFill>
+              </a:rPr>
+              <a:t>бинарь</a:t>
+            </a:r>
+            <a:r>
+              <a:rPr lang="ru-RU" dirty="0">
+                <a:solidFill>
+                  <a:sysClr val="windowText" lastClr="000000"/>
+                </a:solidFill>
+              </a:rPr>
+              <a:t> и который не поддерживается </a:t>
+            </a:r>
+            <a:r>
+              <a:rPr lang="ru-RU" dirty="0" err="1">
+                <a:solidFill>
+                  <a:sysClr val="windowText" lastClr="000000"/>
+                </a:solidFill>
+              </a:rPr>
+              <a:t>qemu</a:t>
+            </a:r>
+            <a:r>
+              <a:rPr lang="ru-RU" dirty="0">
+                <a:solidFill>
+                  <a:sysClr val="windowText" lastClr="000000"/>
+                </a:solidFill>
+              </a:rPr>
+              <a:t>, </a:t>
+            </a:r>
+            <a:r>
+              <a:rPr lang="ru-RU" dirty="0" err="1">
+                <a:solidFill>
+                  <a:sysClr val="windowText" lastClr="000000"/>
+                </a:solidFill>
+              </a:rPr>
+              <a:t>фаззинг</a:t>
+            </a:r>
+            <a:r>
+              <a:rPr lang="ru-RU" dirty="0">
+                <a:solidFill>
+                  <a:sysClr val="windowText" lastClr="000000"/>
+                </a:solidFill>
+              </a:rPr>
+              <a:t> оборвется, как только встретится специфическая инструкция, или, например, будет использован специфический </a:t>
+            </a:r>
+            <a:r>
+              <a:rPr lang="ru-RU" dirty="0" smtClean="0">
+                <a:solidFill>
+                  <a:sysClr val="windowText" lastClr="000000"/>
+                </a:solidFill>
+              </a:rPr>
+              <a:t>MMIO</a:t>
+            </a:r>
+          </a:p>
+          <a:p>
+            <a:pPr marL="342900" indent="-342900">
+              <a:buFont typeface="Arial" panose="020B0604020202020204" pitchFamily="34" charset="0"/>
+              <a:buChar char="•"/>
+            </a:pPr>
+            <a:endParaRPr lang="ru-RU" sz="2000" dirty="0">
+              <a:solidFill>
+                <a:sysClr val="windowText" lastClr="000000"/>
+              </a:solidFill>
+            </a:endParaRPr>
           </a:p>
           <a:p>
             <a:pPr marL="285750" indent="-285750">
               <a:buFont typeface="Arial" panose="020B0604020202020204" pitchFamily="34" charset="0"/>
               <a:buChar char="•"/>
             </a:pPr>
-            <a:endParaRPr lang="ru-RU" dirty="0"/>
+            <a:r>
+              <a:rPr lang="ru-RU" dirty="0" smtClean="0">
+                <a:solidFill>
+                  <a:sysClr val="windowText" lastClr="000000"/>
+                </a:solidFill>
+              </a:rPr>
+              <a:t>Больше не </a:t>
+            </a:r>
+            <a:r>
+              <a:rPr lang="ru-RU" dirty="0">
+                <a:solidFill>
+                  <a:sysClr val="windowText" lastClr="000000"/>
+                </a:solidFill>
+              </a:rPr>
+              <a:t>поддерживается, последняя версия </a:t>
+            </a:r>
+            <a:r>
+              <a:rPr lang="ru-RU" dirty="0" err="1">
+                <a:solidFill>
+                  <a:sysClr val="windowText" lastClr="000000"/>
+                </a:solidFill>
+              </a:rPr>
+              <a:t>afl</a:t>
+            </a:r>
+            <a:r>
+              <a:rPr lang="ru-RU" dirty="0">
+                <a:solidFill>
+                  <a:sysClr val="windowText" lastClr="000000"/>
+                </a:solidFill>
+              </a:rPr>
+              <a:t> в нем </a:t>
+            </a:r>
+            <a:r>
+              <a:rPr lang="ru-RU" dirty="0" smtClean="0">
+                <a:solidFill>
+                  <a:sysClr val="windowText" lastClr="000000"/>
+                </a:solidFill>
+              </a:rPr>
+              <a:t>2.06b</a:t>
+            </a:r>
+            <a:r>
+              <a:rPr lang="en-US" dirty="0" smtClean="0">
+                <a:solidFill>
+                  <a:sysClr val="windowText" lastClr="000000"/>
+                </a:solidFill>
+              </a:rPr>
+              <a:t>, </a:t>
+            </a:r>
+            <a:r>
+              <a:rPr lang="en-US" dirty="0" err="1" smtClean="0">
+                <a:solidFill>
+                  <a:sysClr val="windowText" lastClr="000000"/>
+                </a:solidFill>
+              </a:rPr>
+              <a:t>quemu</a:t>
+            </a:r>
+            <a:r>
+              <a:rPr lang="en-US" dirty="0" smtClean="0">
+                <a:solidFill>
+                  <a:sysClr val="windowText" lastClr="000000"/>
+                </a:solidFill>
+              </a:rPr>
+              <a:t> 2.3</a:t>
+            </a:r>
+            <a:endParaRPr lang="ru-RU" dirty="0" smtClean="0">
+              <a:solidFill>
+                <a:sysClr val="windowText" lastClr="000000"/>
+              </a:solidFill>
+            </a:endParaRPr>
+          </a:p>
+          <a:p>
+            <a:pPr marL="342900" indent="-342900">
+              <a:buFont typeface="Arial" panose="020B0604020202020204" pitchFamily="34" charset="0"/>
+              <a:buChar char="•"/>
+            </a:pPr>
+            <a:endParaRPr lang="ru-RU" sz="2000" dirty="0">
+              <a:solidFill>
+                <a:sysClr val="windowText" lastClr="000000"/>
+              </a:solidFill>
+            </a:endParaRPr>
           </a:p>
           <a:p>
             <a:pPr marL="285750" indent="-285750">
@@ -18621,49 +19600,153 @@
               <a:buChar char="•"/>
             </a:pPr>
             <a:r>
-              <a:rPr lang="ru-RU" dirty="0" smtClean="0"/>
-              <a:t>Когда </a:t>
-            </a:r>
-            <a:r>
-              <a:rPr lang="ru-RU" dirty="0"/>
-              <a:t>цель </a:t>
-            </a:r>
-            <a:r>
-              <a:rPr lang="ru-RU" dirty="0" err="1"/>
-              <a:t>фаззится</a:t>
-            </a:r>
-            <a:r>
-              <a:rPr lang="ru-RU" dirty="0"/>
-              <a:t> в режиме </a:t>
-            </a:r>
-            <a:r>
-              <a:rPr lang="ru-RU" dirty="0" err="1"/>
-              <a:t>Intel</a:t>
-            </a:r>
-            <a:r>
-              <a:rPr lang="ru-RU" dirty="0"/>
-              <a:t> PT, она открывается в отладчике. Перед каждой итерацией отладчик включает трассировку </a:t>
-            </a:r>
-            <a:r>
-              <a:rPr lang="ru-RU" dirty="0" err="1"/>
-              <a:t>Intel</a:t>
-            </a:r>
-            <a:r>
-              <a:rPr lang="ru-RU" dirty="0"/>
-              <a:t> PT для целевого процесса, а после завершения итерации трассировка извлекается и анализируется, обновляя карту </a:t>
-            </a:r>
-            <a:r>
-              <a:rPr lang="ru-RU" dirty="0" smtClean="0"/>
-              <a:t>покрытия</a:t>
-            </a:r>
-            <a:endParaRPr lang="ru-RU" dirty="0"/>
+              <a:rPr lang="ru-RU" dirty="0" err="1">
+                <a:solidFill>
+                  <a:sysClr val="windowText" lastClr="000000"/>
+                </a:solidFill>
+              </a:rPr>
+              <a:t>Ф</a:t>
+            </a:r>
+            <a:r>
+              <a:rPr lang="ru-RU" dirty="0" err="1" smtClean="0">
+                <a:solidFill>
+                  <a:sysClr val="windowText" lastClr="000000"/>
+                </a:solidFill>
+              </a:rPr>
+              <a:t>аззинг</a:t>
+            </a:r>
+            <a:r>
+              <a:rPr lang="ru-RU" dirty="0" smtClean="0">
+                <a:solidFill>
+                  <a:sysClr val="windowText" lastClr="000000"/>
+                </a:solidFill>
+              </a:rPr>
+              <a:t> </a:t>
+            </a:r>
+            <a:r>
+              <a:rPr lang="ru-RU" dirty="0">
+                <a:solidFill>
+                  <a:sysClr val="windowText" lastClr="000000"/>
+                </a:solidFill>
+              </a:rPr>
+              <a:t>выполняется </a:t>
+            </a:r>
+            <a:r>
+              <a:rPr lang="ru-RU" dirty="0" smtClean="0">
+                <a:solidFill>
+                  <a:sysClr val="windowText" lastClr="000000"/>
+                </a:solidFill>
+              </a:rPr>
+              <a:t>в RAM-памяти</a:t>
+            </a:r>
+            <a:r>
+              <a:rPr lang="ru-RU" dirty="0">
+                <a:solidFill>
+                  <a:sysClr val="windowText" lastClr="000000"/>
+                </a:solidFill>
+              </a:rPr>
+              <a:t>, на каждом тестовом запуске гостевой системе недоступен жесткий диск, </a:t>
+            </a:r>
+            <a:r>
+              <a:rPr lang="ru-RU" dirty="0" smtClean="0">
+                <a:solidFill>
+                  <a:sysClr val="windowText" lastClr="000000"/>
+                </a:solidFill>
+              </a:rPr>
+              <a:t>что годится </a:t>
+            </a:r>
+            <a:r>
+              <a:rPr lang="ru-RU" dirty="0">
+                <a:solidFill>
+                  <a:sysClr val="windowText" lastClr="000000"/>
+                </a:solidFill>
+              </a:rPr>
+              <a:t>для </a:t>
+            </a:r>
+            <a:r>
+              <a:rPr lang="ru-RU" dirty="0" err="1">
+                <a:solidFill>
+                  <a:sysClr val="windowText" lastClr="000000"/>
+                </a:solidFill>
+              </a:rPr>
+              <a:t>фаззинга</a:t>
+            </a:r>
+            <a:r>
+              <a:rPr lang="ru-RU" dirty="0">
+                <a:solidFill>
+                  <a:sysClr val="windowText" lastClr="000000"/>
+                </a:solidFill>
+              </a:rPr>
+              <a:t> ядра, но может существенно повлиять на достоверность </a:t>
+            </a:r>
+            <a:r>
+              <a:rPr lang="ru-RU" dirty="0" smtClean="0">
+                <a:solidFill>
+                  <a:sysClr val="windowText" lastClr="000000"/>
+                </a:solidFill>
+              </a:rPr>
+              <a:t>результатов </a:t>
+            </a:r>
+            <a:r>
+              <a:rPr lang="ru-RU" dirty="0" err="1" smtClean="0">
+                <a:solidFill>
+                  <a:sysClr val="windowText" lastClr="000000"/>
+                </a:solidFill>
+              </a:rPr>
+              <a:t>фаззинга</a:t>
+            </a:r>
+            <a:r>
+              <a:rPr lang="ru-RU" dirty="0" smtClean="0">
+                <a:solidFill>
+                  <a:sysClr val="windowText" lastClr="000000"/>
+                </a:solidFill>
+              </a:rPr>
+              <a:t> </a:t>
+            </a:r>
+            <a:r>
+              <a:rPr lang="ru-RU" dirty="0">
+                <a:solidFill>
+                  <a:sysClr val="windowText" lastClr="000000"/>
+                </a:solidFill>
+              </a:rPr>
+              <a:t>в случае использования указанного подхода к </a:t>
+            </a:r>
+            <a:r>
+              <a:rPr lang="ru-RU" dirty="0" err="1">
+                <a:solidFill>
+                  <a:sysClr val="windowText" lastClr="000000"/>
+                </a:solidFill>
+              </a:rPr>
+              <a:t>фаззингу</a:t>
+            </a:r>
+            <a:r>
+              <a:rPr lang="ru-RU" dirty="0">
+                <a:solidFill>
+                  <a:sysClr val="windowText" lastClr="000000"/>
+                </a:solidFill>
+              </a:rPr>
+              <a:t> </a:t>
+            </a:r>
+            <a:r>
+              <a:rPr lang="ru-RU" dirty="0" smtClean="0">
+                <a:solidFill>
+                  <a:sysClr val="windowText" lastClr="000000"/>
+                </a:solidFill>
+              </a:rPr>
+              <a:t>пользовательского кода</a:t>
+            </a:r>
+            <a:endParaRPr lang="ru-RU" sz="2000" dirty="0">
+              <a:solidFill>
+                <a:sysClr val="windowText" lastClr="000000"/>
+              </a:solidFill>
+            </a:endParaRPr>
           </a:p>
         </p:txBody>
       </p:sp>
     </p:spTree>
     <p:extLst>
       <p:ext uri="{BB962C8B-B14F-4D97-AF65-F5344CB8AC3E}">
-        <p14:creationId xmlns:p14="http://schemas.microsoft.com/office/powerpoint/2010/main" val="3595810813"/>
+        <p14:creationId xmlns:p14="http://schemas.microsoft.com/office/powerpoint/2010/main" val="3644889408"/>
       </p:ext>
     </p:extLst>
   </p:cSld>
@@ -18719,8 +19802,8 @@
           <a:lstStyle/>
           <a:p>
             <a:r>
-              <a:rPr lang="ru-RU" dirty="0" smtClean="0"/>
-              <a:t>ЗАГОЛОВОК</a:t>
+              <a:rPr lang="en-US" dirty="0" smtClean="0"/>
+              <a:t>EMBEDDED LINUX FUZZ</a:t>
             </a:r>
             <a:endParaRPr lang="ru-RU" dirty="0"/>
           </a:p>
@@ -18767,8 +19850,8 @@
         </p:nvSpPr>
         <p:spPr>
           <a:xfrm>
-            <a:off x="1820525" y="2303875"/>
-            <a:ext cx="3375375" cy="2835315"/>
+            <a:off x="1177070" y="6316079"/>
+            <a:ext cx="8505945" cy="523220"/>
           </a:xfrm>
           <a:prstGeom prst="rect">
             <a:avLst/>
@@ -18781,14 +19864,280 @@
           </a:bodyPr>
           <a:lstStyle/>
           <a:p>
+            <a:pPr algn="just"/>
+            <a:r>
+              <a:rPr lang="ru-RU" sz="1400" dirty="0">
+                <a:solidFill>
+                  <a:sysClr val="windowText" lastClr="000000"/>
+                </a:solidFill>
+              </a:rPr>
+              <a:t>Коваленко Р.Д., Макаров А.Н. Динамический анализ </a:t>
+            </a:r>
+            <a:r>
+              <a:rPr lang="ru-RU" sz="1400" dirty="0" err="1">
+                <a:solidFill>
+                  <a:sysClr val="windowText" lastClr="000000"/>
+                </a:solidFill>
+              </a:rPr>
+              <a:t>IoT</a:t>
+            </a:r>
+            <a:r>
+              <a:rPr lang="ru-RU" sz="1400" dirty="0">
+                <a:solidFill>
+                  <a:sysClr val="windowText" lastClr="000000"/>
+                </a:solidFill>
+              </a:rPr>
+              <a:t>-систем на </a:t>
+            </a:r>
+            <a:r>
+              <a:rPr lang="ru-RU" sz="1400" dirty="0" smtClean="0">
+                <a:solidFill>
+                  <a:sysClr val="windowText" lastClr="000000"/>
+                </a:solidFill>
+              </a:rPr>
+              <a:t>основе</a:t>
+            </a:r>
+            <a:r>
+              <a:rPr lang="en-US" sz="1400" dirty="0" smtClean="0">
+                <a:solidFill>
+                  <a:sysClr val="windowText" lastClr="000000"/>
+                </a:solidFill>
+              </a:rPr>
+              <a:t> </a:t>
+            </a:r>
+            <a:r>
+              <a:rPr lang="ru-RU" sz="1400" dirty="0" smtClean="0">
+                <a:solidFill>
+                  <a:sysClr val="windowText" lastClr="000000"/>
+                </a:solidFill>
+              </a:rPr>
+              <a:t>полносистемной </a:t>
+            </a:r>
+            <a:r>
+              <a:rPr lang="ru-RU" sz="1400" dirty="0">
+                <a:solidFill>
+                  <a:sysClr val="windowText" lastClr="000000"/>
+                </a:solidFill>
+              </a:rPr>
+              <a:t>эмуляции в QEMU. Труды ИСП РАН, том 33, </a:t>
+            </a:r>
+            <a:r>
+              <a:rPr lang="ru-RU" sz="1400" dirty="0" err="1">
+                <a:solidFill>
+                  <a:sysClr val="windowText" lastClr="000000"/>
+                </a:solidFill>
+              </a:rPr>
+              <a:t>вып</a:t>
+            </a:r>
+            <a:r>
+              <a:rPr lang="ru-RU" sz="1400" dirty="0">
+                <a:solidFill>
+                  <a:sysClr val="windowText" lastClr="000000"/>
+                </a:solidFill>
+              </a:rPr>
+              <a:t>. 5, 2021 г., стр. 155-166. DOI</a:t>
+            </a:r>
+            <a:r>
+              <a:rPr lang="ru-RU" sz="1400" dirty="0" smtClean="0">
+                <a:solidFill>
+                  <a:sysClr val="windowText" lastClr="000000"/>
+                </a:solidFill>
+              </a:rPr>
+              <a:t>:</a:t>
+            </a:r>
+            <a:r>
+              <a:rPr lang="en-US" sz="1400" dirty="0" smtClean="0">
+                <a:solidFill>
+                  <a:sysClr val="windowText" lastClr="000000"/>
+                </a:solidFill>
+              </a:rPr>
+              <a:t> 10.15514/ISPRAS–2021–33(5)–9</a:t>
+            </a:r>
+            <a:endParaRPr lang="ru-RU" sz="1400" dirty="0">
+              <a:solidFill>
+                <a:sysClr val="windowText" lastClr="000000"/>
+              </a:solidFill>
+            </a:endParaRPr>
+          </a:p>
+        </p:txBody>
+      </p:sp>
+      <p:sp>
+        <p:nvSpPr>
+          <p:cNvPr id="5" name="TextBox 4"/>
+          <p:cNvSpPr txBox="1"/>
+          <p:nvPr/>
+        </p:nvSpPr>
+        <p:spPr>
+          <a:xfrm>
+            <a:off x="442912" y="1382939"/>
+            <a:ext cx="9478513" cy="4247317"/>
+          </a:xfrm>
+          <a:prstGeom prst="rect">
+            <a:avLst/>
+          </a:prstGeom>
+          <a:noFill/>
+        </p:spPr>
+        <p:txBody>
+          <a:bodyPr wrap="square" rtlCol="0">
+            <a:spAutoFit/>
+          </a:bodyPr>
+          <a:lstStyle/>
+          <a:p>
+            <a:pPr marL="285750" indent="-285750">
+              <a:buFont typeface="Segoe UI" panose="020B0502040204020203" pitchFamily="34" charset="0"/>
+              <a:buChar char="+"/>
+            </a:pPr>
+            <a:r>
+              <a:rPr lang="kk-KZ" dirty="0" smtClean="0"/>
+              <a:t>Основан на </a:t>
+            </a:r>
+            <a:r>
+              <a:rPr lang="en-US" dirty="0" err="1" smtClean="0"/>
+              <a:t>TriforceAFL</a:t>
+            </a:r>
+            <a:r>
+              <a:rPr lang="ru-RU" dirty="0" smtClean="0"/>
+              <a:t>, но расширяет тестовое окружение и предоставляет примеры и инструменты для тестирования настроенной системы перед началом </a:t>
+            </a:r>
+            <a:r>
+              <a:rPr lang="ru-RU" dirty="0" err="1" smtClean="0"/>
+              <a:t>фаззинга</a:t>
+            </a:r>
+            <a:endParaRPr lang="en-US" dirty="0" smtClean="0"/>
+          </a:p>
+          <a:p>
+            <a:pPr marL="285750" indent="-285750">
+              <a:buFont typeface="Segoe UI" panose="020B0502040204020203" pitchFamily="34" charset="0"/>
+              <a:buChar char="+"/>
+            </a:pPr>
+            <a:endParaRPr lang="en-US" dirty="0"/>
+          </a:p>
+          <a:p>
+            <a:pPr marL="285750" indent="-285750">
+              <a:buFont typeface="Segoe UI" panose="020B0502040204020203" pitchFamily="34" charset="0"/>
+              <a:buChar char="+"/>
+            </a:pPr>
+            <a:r>
+              <a:rPr lang="ru-RU" dirty="0" smtClean="0"/>
+              <a:t>Добавляет к отчету о </a:t>
+            </a:r>
+            <a:r>
+              <a:rPr lang="ru-RU" dirty="0" err="1" smtClean="0"/>
+              <a:t>фаззинге</a:t>
+            </a:r>
+            <a:r>
+              <a:rPr lang="ru-RU" dirty="0" smtClean="0"/>
+              <a:t> некоторые данные о покрытии</a:t>
+            </a:r>
+          </a:p>
+          <a:p>
+            <a:pPr marL="285750" indent="-285750">
+              <a:buFont typeface="Segoe UI" panose="020B0502040204020203" pitchFamily="34" charset="0"/>
+              <a:buChar char="+"/>
+            </a:pPr>
             <a:endParaRPr lang="ru-RU" dirty="0"/>
+          </a:p>
+          <a:p>
+            <a:pPr marL="285750" indent="-285750">
+              <a:buFont typeface="Segoe UI" panose="020B0502040204020203" pitchFamily="34" charset="0"/>
+              <a:buChar char="+"/>
+            </a:pPr>
+            <a:r>
+              <a:rPr lang="ru-RU" dirty="0" smtClean="0"/>
+              <a:t>Позволяет </a:t>
+            </a:r>
+            <a:r>
+              <a:rPr lang="ru-RU" dirty="0" err="1" smtClean="0"/>
+              <a:t>фаззить</a:t>
+            </a:r>
+            <a:r>
+              <a:rPr lang="ru-RU" dirty="0" smtClean="0"/>
+              <a:t> любые исполняемые файлы внутри виртуальной машины</a:t>
+            </a:r>
+          </a:p>
+          <a:p>
+            <a:endParaRPr lang="ru-RU" dirty="0"/>
+          </a:p>
+          <a:p>
+            <a:pPr marL="285750" indent="-285750">
+              <a:buFont typeface="Segoe UI" panose="020B0502040204020203" pitchFamily="34" charset="0"/>
+              <a:buChar char="‑"/>
+            </a:pPr>
+            <a:r>
+              <a:rPr lang="ru-RU" dirty="0" smtClean="0"/>
+              <a:t>Все еще привязан к ядру </a:t>
+            </a:r>
+            <a:r>
+              <a:rPr lang="en-US" dirty="0" smtClean="0"/>
+              <a:t>Linux</a:t>
+            </a:r>
+          </a:p>
+          <a:p>
+            <a:pPr marL="285750" indent="-285750">
+              <a:buFont typeface="Segoe UI" panose="020B0502040204020203" pitchFamily="34" charset="0"/>
+              <a:buChar char="‑"/>
+            </a:pPr>
+            <a:endParaRPr lang="en-US" dirty="0"/>
+          </a:p>
+          <a:p>
+            <a:pPr marL="285750" indent="-285750">
+              <a:buFont typeface="Segoe UI" panose="020B0502040204020203" pitchFamily="34" charset="0"/>
+              <a:buChar char="‑"/>
+            </a:pPr>
+            <a:r>
+              <a:rPr lang="ru-RU" dirty="0" err="1" smtClean="0"/>
+              <a:t>Проприетарный</a:t>
+            </a:r>
+            <a:r>
+              <a:rPr lang="ru-RU" dirty="0" smtClean="0"/>
+              <a:t> проект с закрытым исходным кодом</a:t>
+            </a:r>
+          </a:p>
+          <a:p>
+            <a:endParaRPr lang="ru-RU" dirty="0"/>
+          </a:p>
+          <a:p>
+            <a:pPr marL="285750" indent="-285750">
+              <a:buFont typeface="Arial" panose="020B0604020202020204" pitchFamily="34" charset="0"/>
+              <a:buChar char="•"/>
+            </a:pPr>
+            <a:r>
+              <a:rPr lang="ru-RU" dirty="0" smtClean="0"/>
+              <a:t>Дает понять, что при некоторых усилиях от </a:t>
+            </a:r>
+            <a:r>
+              <a:rPr lang="en-US" dirty="0" err="1" smtClean="0"/>
+              <a:t>TriforceAFL</a:t>
+            </a:r>
+            <a:r>
+              <a:rPr lang="ru-RU" dirty="0" smtClean="0"/>
+              <a:t> можно получить более подробные результаты</a:t>
+            </a:r>
+          </a:p>
+          <a:p>
+            <a:pPr marL="285750" indent="-285750">
+              <a:buFont typeface="Arial" panose="020B0604020202020204" pitchFamily="34" charset="0"/>
+              <a:buChar char="•"/>
+            </a:pPr>
+            <a:endParaRPr lang="ru-RU" dirty="0"/>
+          </a:p>
+          <a:p>
+            <a:pPr marL="285750" indent="-285750">
+              <a:buFont typeface="Arial" panose="020B0604020202020204" pitchFamily="34" charset="0"/>
+              <a:buChar char="•"/>
+            </a:pPr>
+            <a:r>
+              <a:rPr lang="ru-RU" dirty="0" smtClean="0"/>
+              <a:t>Но можно ли лучше?</a:t>
+            </a:r>
+            <a:endParaRPr lang="en-US" dirty="0"/>
           </a:p>
         </p:txBody>
       </p:sp>
     </p:spTree>
     <p:extLst>
       <p:ext uri="{BB962C8B-B14F-4D97-AF65-F5344CB8AC3E}">
-        <p14:creationId xmlns:p14="http://schemas.microsoft.com/office/powerpoint/2010/main" val="1741556976"/>
+        <p14:creationId xmlns:p14="http://schemas.microsoft.com/office/powerpoint/2010/main" val="1794853979"/>
       </p:ext>
     </p:extLst>
   </p:cSld>

--- a/Belikov_Virtual_machine_fuzzing_types_and_approaches.pptx
+++ b/Belikov_Virtual_machine_fuzzing_types_and_approaches.pptx
@@ -5,27 +5,32 @@
     <p:sldMasterId id="2147483648" r:id="rId1"/>
   </p:sldMasterIdLst>
   <p:notesMasterIdLst>
-    <p:notesMasterId r:id="rId17"/>
+    <p:notesMasterId r:id="rId22"/>
   </p:notesMasterIdLst>
   <p:handoutMasterIdLst>
-    <p:handoutMasterId r:id="rId18"/>
+    <p:handoutMasterId r:id="rId23"/>
   </p:handoutMasterIdLst>
   <p:sldIdLst>
     <p:sldId id="256" r:id="rId2"/>
     <p:sldId id="286" r:id="rId3"/>
     <p:sldId id="336" r:id="rId4"/>
     <p:sldId id="340" r:id="rId5"/>
-    <p:sldId id="341" r:id="rId6"/>
-    <p:sldId id="348" r:id="rId7"/>
-    <p:sldId id="343" r:id="rId8"/>
-    <p:sldId id="347" r:id="rId9"/>
-    <p:sldId id="346" r:id="rId10"/>
-    <p:sldId id="345" r:id="rId11"/>
-    <p:sldId id="342" r:id="rId12"/>
-    <p:sldId id="339" r:id="rId13"/>
-    <p:sldId id="338" r:id="rId14"/>
-    <p:sldId id="337" r:id="rId15"/>
-    <p:sldId id="260" r:id="rId16"/>
+    <p:sldId id="349" r:id="rId6"/>
+    <p:sldId id="341" r:id="rId7"/>
+    <p:sldId id="348" r:id="rId8"/>
+    <p:sldId id="343" r:id="rId9"/>
+    <p:sldId id="347" r:id="rId10"/>
+    <p:sldId id="346" r:id="rId11"/>
+    <p:sldId id="351" r:id="rId12"/>
+    <p:sldId id="345" r:id="rId13"/>
+    <p:sldId id="352" r:id="rId14"/>
+    <p:sldId id="350" r:id="rId15"/>
+    <p:sldId id="353" r:id="rId16"/>
+    <p:sldId id="354" r:id="rId17"/>
+    <p:sldId id="342" r:id="rId18"/>
+    <p:sldId id="339" r:id="rId19"/>
+    <p:sldId id="355" r:id="rId20"/>
+    <p:sldId id="260" r:id="rId21"/>
   </p:sldIdLst>
   <p:sldSz cx="12192000" cy="6858000"/>
   <p:notesSz cx="6858000" cy="9144000"/>
@@ -15166,7 +15171,7 @@
           <a:lstStyle/>
           <a:p>
             <a:pPr algn="ctr"/>
-            <a:endParaRPr lang="ru-RU"/>
+            <a:endParaRPr lang="ru-RU" dirty="0"/>
           </a:p>
         </p:txBody>
       </p:sp>
@@ -15450,7 +15455,7 @@
         </p:nvSpPr>
         <p:spPr>
           <a:xfrm>
-            <a:off x="470375" y="1223755"/>
+            <a:off x="468948" y="1223755"/>
             <a:ext cx="1599972" cy="900100"/>
           </a:xfrm>
           <a:prstGeom prst="rect">
@@ -15460,9 +15465,7 @@
             <a:srgbClr val="005096"/>
           </a:solidFill>
           <a:ln>
-            <a:solidFill>
-              <a:srgbClr val="005096"/>
-            </a:solidFill>
+            <a:noFill/>
           </a:ln>
         </p:spPr>
         <p:style>
@@ -15550,7 +15553,7 @@
           <a:p>
             <a:r>
               <a:rPr lang="en-US" dirty="0" smtClean="0"/>
-              <a:t>Intel Processor Tracing</a:t>
+              <a:t>EMBEDDED LINUX FUZZ</a:t>
             </a:r>
             <a:endParaRPr lang="ru-RU" dirty="0"/>
           </a:p>
@@ -15578,12 +15581,12 @@
           <a:lstStyle/>
           <a:p>
             <a:r>
-              <a:rPr lang="kk-KZ" dirty="0"/>
+              <a:rPr lang="kk-KZ" dirty="0" smtClean="0"/>
               <a:t>Фаззинг виртуальной машины</a:t>
             </a:r>
             <a:r>
-              <a:rPr lang="ru-RU" dirty="0"/>
-              <a:t>. Покрытие</a:t>
+              <a:rPr lang="ru-RU" dirty="0" smtClean="0"/>
+              <a:t>. Типы</a:t>
             </a:r>
             <a:endParaRPr lang="ru-RU" dirty="0"/>
           </a:p>
@@ -15591,14 +15594,14 @@
       </p:sp>
       <p:sp>
         <p:nvSpPr>
-          <p:cNvPr id="3" name="TextBox 2"/>
+          <p:cNvPr id="5" name="TextBox 4"/>
           <p:cNvSpPr txBox="1"/>
           <p:nvPr/>
         </p:nvSpPr>
         <p:spPr>
           <a:xfrm>
-            <a:off x="442912" y="1385084"/>
-            <a:ext cx="11323718" cy="2585323"/>
+            <a:off x="442912" y="1382939"/>
+            <a:ext cx="9478513" cy="4247317"/>
           </a:xfrm>
           <a:prstGeom prst="rect">
             <a:avLst/>
@@ -15612,197 +15615,277 @@
           <a:lstStyle/>
           <a:p>
             <a:pPr marL="285750" indent="-285750">
-              <a:buFont typeface="Arial" panose="020B0604020202020204" pitchFamily="34" charset="0"/>
-              <a:buChar char="•"/>
+              <a:buFont typeface="Segoe UI" panose="020B0502040204020203" pitchFamily="34" charset="0"/>
+              <a:buChar char="+"/>
             </a:pPr>
             <a:r>
-              <a:rPr lang="ru-RU" dirty="0" err="1"/>
-              <a:t>Intel</a:t>
-            </a:r>
-            <a:r>
-              <a:rPr lang="ru-RU" dirty="0"/>
-              <a:t> </a:t>
-            </a:r>
-            <a:r>
-              <a:rPr lang="ru-RU" dirty="0" smtClean="0"/>
-              <a:t>PT </a:t>
-            </a:r>
-            <a:r>
-              <a:rPr lang="ru-RU" dirty="0"/>
-              <a:t>— это функция современных процессоров </a:t>
-            </a:r>
-            <a:r>
-              <a:rPr lang="ru-RU" dirty="0" err="1" smtClean="0"/>
-              <a:t>Intel</a:t>
-            </a:r>
-            <a:r>
-              <a:rPr lang="ru-RU" dirty="0" smtClean="0"/>
-              <a:t> начиная с 5 поколения </a:t>
-            </a:r>
-            <a:r>
-              <a:rPr lang="en-US" dirty="0" err="1" smtClean="0"/>
-              <a:t>Broadwell</a:t>
-            </a:r>
-            <a:r>
-              <a:rPr lang="en-US" dirty="0" smtClean="0"/>
-              <a:t> (2015 </a:t>
-            </a:r>
-            <a:r>
-              <a:rPr lang="ru-RU" dirty="0" smtClean="0"/>
-              <a:t>год)</a:t>
-            </a:r>
-            <a:endParaRPr lang="en-US" dirty="0" smtClean="0"/>
+              <a:rPr lang="kk-KZ" dirty="0" smtClean="0">
+                <a:solidFill>
+                  <a:sysClr val="windowText" lastClr="000000"/>
+                </a:solidFill>
+              </a:rPr>
+              <a:t>Основан на </a:t>
+            </a:r>
+            <a:r>
+              <a:rPr lang="en-US" dirty="0" err="1" smtClean="0">
+                <a:solidFill>
+                  <a:sysClr val="windowText" lastClr="000000"/>
+                </a:solidFill>
+              </a:rPr>
+              <a:t>TriforceAFL</a:t>
+            </a:r>
+            <a:r>
+              <a:rPr lang="ru-RU" dirty="0" smtClean="0">
+                <a:solidFill>
+                  <a:sysClr val="windowText" lastClr="000000"/>
+                </a:solidFill>
+              </a:rPr>
+              <a:t>, но расширяет тестовое окружение и предоставляет примеры и инструменты для тестирования настроенной системы перед началом </a:t>
+            </a:r>
+            <a:r>
+              <a:rPr lang="ru-RU" dirty="0" err="1" smtClean="0">
+                <a:solidFill>
+                  <a:sysClr val="windowText" lastClr="000000"/>
+                </a:solidFill>
+              </a:rPr>
+              <a:t>фаззинга</a:t>
+            </a:r>
+            <a:endParaRPr lang="en-US" dirty="0" smtClean="0">
+              <a:solidFill>
+                <a:sysClr val="windowText" lastClr="000000"/>
+              </a:solidFill>
+            </a:endParaRPr>
+          </a:p>
+          <a:p>
+            <a:pPr marL="285750" indent="-285750">
+              <a:buFont typeface="Segoe UI" panose="020B0502040204020203" pitchFamily="34" charset="0"/>
+              <a:buChar char="+"/>
+            </a:pPr>
+            <a:endParaRPr lang="en-US" dirty="0">
+              <a:solidFill>
+                <a:sysClr val="windowText" lastClr="000000"/>
+              </a:solidFill>
+            </a:endParaRPr>
+          </a:p>
+          <a:p>
+            <a:pPr marL="285750" indent="-285750">
+              <a:buFont typeface="Segoe UI" panose="020B0502040204020203" pitchFamily="34" charset="0"/>
+              <a:buChar char="+"/>
+            </a:pPr>
+            <a:r>
+              <a:rPr lang="ru-RU" dirty="0" smtClean="0">
+                <a:solidFill>
+                  <a:sysClr val="windowText" lastClr="000000"/>
+                </a:solidFill>
+              </a:rPr>
+              <a:t>Добавляет к отчету о </a:t>
+            </a:r>
+            <a:r>
+              <a:rPr lang="ru-RU" dirty="0" err="1" smtClean="0">
+                <a:solidFill>
+                  <a:sysClr val="windowText" lastClr="000000"/>
+                </a:solidFill>
+              </a:rPr>
+              <a:t>фаззинге</a:t>
+            </a:r>
+            <a:r>
+              <a:rPr lang="ru-RU" dirty="0" smtClean="0">
+                <a:solidFill>
+                  <a:sysClr val="windowText" lastClr="000000"/>
+                </a:solidFill>
+              </a:rPr>
+              <a:t> некоторые данные о покрытии</a:t>
+            </a:r>
+          </a:p>
+          <a:p>
+            <a:pPr marL="285750" indent="-285750">
+              <a:buFont typeface="Segoe UI" panose="020B0502040204020203" pitchFamily="34" charset="0"/>
+              <a:buChar char="+"/>
+            </a:pPr>
+            <a:endParaRPr lang="ru-RU" dirty="0">
+              <a:solidFill>
+                <a:sysClr val="windowText" lastClr="000000"/>
+              </a:solidFill>
+            </a:endParaRPr>
+          </a:p>
+          <a:p>
+            <a:pPr marL="285750" indent="-285750">
+              <a:buFont typeface="Segoe UI" panose="020B0502040204020203" pitchFamily="34" charset="0"/>
+              <a:buChar char="+"/>
+            </a:pPr>
+            <a:r>
+              <a:rPr lang="ru-RU" dirty="0" smtClean="0">
+                <a:solidFill>
+                  <a:sysClr val="windowText" lastClr="000000"/>
+                </a:solidFill>
+              </a:rPr>
+              <a:t>Позволяет </a:t>
+            </a:r>
+            <a:r>
+              <a:rPr lang="ru-RU" dirty="0" err="1" smtClean="0">
+                <a:solidFill>
+                  <a:sysClr val="windowText" lastClr="000000"/>
+                </a:solidFill>
+              </a:rPr>
+              <a:t>фаззить</a:t>
+            </a:r>
+            <a:r>
+              <a:rPr lang="ru-RU" dirty="0" smtClean="0">
+                <a:solidFill>
+                  <a:sysClr val="windowText" lastClr="000000"/>
+                </a:solidFill>
+              </a:rPr>
+              <a:t> любые исполняемые файлы внутри виртуальной машины</a:t>
+            </a:r>
+            <a:r>
+              <a:rPr lang="en-US" dirty="0" smtClean="0">
+                <a:solidFill>
+                  <a:sysClr val="windowText" lastClr="000000"/>
+                </a:solidFill>
+              </a:rPr>
+              <a:t> [3]</a:t>
+            </a:r>
+            <a:endParaRPr lang="ru-RU" dirty="0" smtClean="0">
+              <a:solidFill>
+                <a:sysClr val="windowText" lastClr="000000"/>
+              </a:solidFill>
+            </a:endParaRPr>
+          </a:p>
+          <a:p>
+            <a:endParaRPr lang="ru-RU" dirty="0">
+              <a:solidFill>
+                <a:sysClr val="windowText" lastClr="000000"/>
+              </a:solidFill>
+            </a:endParaRPr>
+          </a:p>
+          <a:p>
+            <a:pPr marL="285750" indent="-285750">
+              <a:buFont typeface="Segoe UI" panose="020B0502040204020203" pitchFamily="34" charset="0"/>
+              <a:buChar char="‑"/>
+            </a:pPr>
+            <a:r>
+              <a:rPr lang="ru-RU" dirty="0" smtClean="0">
+                <a:solidFill>
+                  <a:sysClr val="windowText" lastClr="000000"/>
+                </a:solidFill>
+              </a:rPr>
+              <a:t>Все еще привязан к ядру </a:t>
+            </a:r>
+            <a:r>
+              <a:rPr lang="en-US" dirty="0" smtClean="0">
+                <a:solidFill>
+                  <a:sysClr val="windowText" lastClr="000000"/>
+                </a:solidFill>
+              </a:rPr>
+              <a:t>Linux</a:t>
+            </a:r>
+          </a:p>
+          <a:p>
+            <a:pPr marL="285750" indent="-285750">
+              <a:buFont typeface="Segoe UI" panose="020B0502040204020203" pitchFamily="34" charset="0"/>
+              <a:buChar char="‑"/>
+            </a:pPr>
+            <a:endParaRPr lang="en-US" dirty="0">
+              <a:solidFill>
+                <a:sysClr val="windowText" lastClr="000000"/>
+              </a:solidFill>
+            </a:endParaRPr>
+          </a:p>
+          <a:p>
+            <a:pPr marL="285750" indent="-285750">
+              <a:buFont typeface="Segoe UI" panose="020B0502040204020203" pitchFamily="34" charset="0"/>
+              <a:buChar char="‑"/>
+            </a:pPr>
+            <a:r>
+              <a:rPr lang="ru-RU" dirty="0" err="1" smtClean="0">
+                <a:solidFill>
+                  <a:sysClr val="windowText" lastClr="000000"/>
+                </a:solidFill>
+              </a:rPr>
+              <a:t>Проприетарный</a:t>
+            </a:r>
+            <a:r>
+              <a:rPr lang="ru-RU" dirty="0" smtClean="0">
+                <a:solidFill>
+                  <a:sysClr val="windowText" lastClr="000000"/>
+                </a:solidFill>
+              </a:rPr>
+              <a:t> проект с закрытым исходным кодом</a:t>
+            </a:r>
+          </a:p>
+          <a:p>
+            <a:endParaRPr lang="ru-RU" dirty="0">
+              <a:solidFill>
+                <a:sysClr val="windowText" lastClr="000000"/>
+              </a:solidFill>
+            </a:endParaRPr>
           </a:p>
           <a:p>
             <a:pPr marL="285750" indent="-285750">
               <a:buFont typeface="Arial" panose="020B0604020202020204" pitchFamily="34" charset="0"/>
               <a:buChar char="•"/>
             </a:pPr>
-            <a:endParaRPr lang="en-US" dirty="0"/>
+            <a:r>
+              <a:rPr lang="ru-RU" dirty="0" smtClean="0">
+                <a:solidFill>
+                  <a:sysClr val="windowText" lastClr="000000"/>
+                </a:solidFill>
+              </a:rPr>
+              <a:t>Дает понять, что при некоторых усилиях от </a:t>
+            </a:r>
+            <a:r>
+              <a:rPr lang="en-US" dirty="0" err="1" smtClean="0">
+                <a:solidFill>
+                  <a:sysClr val="windowText" lastClr="000000"/>
+                </a:solidFill>
+              </a:rPr>
+              <a:t>TriforceAFL</a:t>
+            </a:r>
+            <a:r>
+              <a:rPr lang="ru-RU" dirty="0" smtClean="0">
+                <a:solidFill>
+                  <a:sysClr val="windowText" lastClr="000000"/>
+                </a:solidFill>
+              </a:rPr>
+              <a:t> можно получить более подробные результаты</a:t>
+            </a:r>
           </a:p>
           <a:p>
             <a:pPr marL="285750" indent="-285750">
               <a:buFont typeface="Arial" panose="020B0604020202020204" pitchFamily="34" charset="0"/>
               <a:buChar char="•"/>
             </a:pPr>
-            <a:r>
-              <a:rPr lang="ru-RU" dirty="0" err="1"/>
-              <a:t>Intel</a:t>
-            </a:r>
-            <a:r>
-              <a:rPr lang="ru-RU" dirty="0"/>
-              <a:t> PT позволяет получить полный поток исполнения </a:t>
-            </a:r>
-            <a:r>
-              <a:rPr lang="ru-RU" dirty="0" smtClean="0"/>
-              <a:t>отлаживаемого </a:t>
-            </a:r>
-            <a:r>
-              <a:rPr lang="ru-RU" dirty="0"/>
-              <a:t>приложения с минимальным </a:t>
-            </a:r>
-            <a:r>
-              <a:rPr lang="ru-RU" dirty="0" err="1"/>
-              <a:t>оверхедом</a:t>
-            </a:r>
-            <a:r>
-              <a:rPr lang="ru-RU" dirty="0"/>
-              <a:t> (&lt;5%). При этом она поддерживает </a:t>
-            </a:r>
-            <a:r>
-              <a:rPr lang="ru-RU" dirty="0" err="1"/>
-              <a:t>многопоточность</a:t>
-            </a:r>
-            <a:r>
-              <a:rPr lang="ru-RU" dirty="0"/>
-              <a:t> и может помочь в установлении ошибок типа "состояние </a:t>
-            </a:r>
-            <a:r>
-              <a:rPr lang="ru-RU" dirty="0" smtClean="0"/>
-              <a:t>гонки</a:t>
-            </a:r>
-            <a:r>
-              <a:rPr lang="en-US" dirty="0" smtClean="0"/>
-              <a:t> </a:t>
-            </a:r>
-            <a:r>
-              <a:rPr lang="ru-RU" dirty="0" smtClean="0"/>
-              <a:t>благодаря </a:t>
-            </a:r>
-            <a:r>
-              <a:rPr lang="ru-RU" dirty="0"/>
-              <a:t>отметкам времени при записи трассы </a:t>
-            </a:r>
-            <a:r>
-              <a:rPr lang="ru-RU" dirty="0" smtClean="0"/>
-              <a:t>приложения</a:t>
-            </a:r>
+            <a:endParaRPr lang="ru-RU" dirty="0">
+              <a:solidFill>
+                <a:sysClr val="windowText" lastClr="000000"/>
+              </a:solidFill>
+            </a:endParaRPr>
           </a:p>
           <a:p>
             <a:pPr marL="285750" indent="-285750">
               <a:buFont typeface="Arial" panose="020B0604020202020204" pitchFamily="34" charset="0"/>
               <a:buChar char="•"/>
             </a:pPr>
-            <a:endParaRPr lang="ru-RU" dirty="0"/>
-          </a:p>
-          <a:p>
-            <a:pPr marL="285750" indent="-285750">
-              <a:buFont typeface="Arial" panose="020B0604020202020204" pitchFamily="34" charset="0"/>
-              <a:buChar char="•"/>
-            </a:pPr>
-            <a:r>
-              <a:rPr lang="ru-RU" dirty="0" smtClean="0"/>
-              <a:t>Когда </a:t>
-            </a:r>
-            <a:r>
-              <a:rPr lang="ru-RU" dirty="0"/>
-              <a:t>цель </a:t>
-            </a:r>
-            <a:r>
-              <a:rPr lang="ru-RU" dirty="0" err="1"/>
-              <a:t>фаззится</a:t>
-            </a:r>
-            <a:r>
-              <a:rPr lang="ru-RU" dirty="0"/>
-              <a:t> в режиме </a:t>
-            </a:r>
-            <a:r>
-              <a:rPr lang="ru-RU" dirty="0" err="1"/>
-              <a:t>Intel</a:t>
-            </a:r>
-            <a:r>
-              <a:rPr lang="ru-RU" dirty="0"/>
-              <a:t> PT, она открывается в отладчике. Перед каждой итерацией отладчик включает трассировку </a:t>
-            </a:r>
-            <a:r>
-              <a:rPr lang="ru-RU" dirty="0" err="1"/>
-              <a:t>Intel</a:t>
-            </a:r>
-            <a:r>
-              <a:rPr lang="ru-RU" dirty="0"/>
-              <a:t> PT для целевого процесса, а после завершения итерации трассировка извлекается и анализируется, обновляя карту </a:t>
-            </a:r>
-            <a:r>
-              <a:rPr lang="ru-RU" dirty="0" smtClean="0"/>
-              <a:t>покрытия</a:t>
-            </a:r>
-            <a:endParaRPr lang="ru-RU" dirty="0"/>
-          </a:p>
-        </p:txBody>
-      </p:sp>
-      <p:pic>
-        <p:nvPicPr>
-          <p:cNvPr id="5" name="Рисунок 4"/>
-          <p:cNvPicPr>
-            <a:picLocks noChangeAspect="1"/>
-          </p:cNvPicPr>
-          <p:nvPr/>
-        </p:nvPicPr>
-        <p:blipFill>
-          <a:blip r:embed="rId2"/>
-          <a:stretch>
-            <a:fillRect/>
-          </a:stretch>
-        </p:blipFill>
-        <p:spPr>
-          <a:xfrm>
-            <a:off x="2237621" y="4174839"/>
-            <a:ext cx="7734300" cy="2371725"/>
-          </a:xfrm>
-          <a:prstGeom prst="rect">
-            <a:avLst/>
-          </a:prstGeom>
-          <a:ln w="57150">
-            <a:solidFill>
-              <a:srgbClr val="005096"/>
-            </a:solidFill>
-          </a:ln>
-        </p:spPr>
-      </p:pic>
+            <a:r>
+              <a:rPr lang="ru-RU" dirty="0" smtClean="0">
+                <a:solidFill>
+                  <a:sysClr val="windowText" lastClr="000000"/>
+                </a:solidFill>
+              </a:rPr>
+              <a:t>Но можно ли лучше?</a:t>
+            </a:r>
+            <a:endParaRPr lang="en-US" dirty="0">
+              <a:solidFill>
+                <a:sysClr val="windowText" lastClr="000000"/>
+              </a:solidFill>
+            </a:endParaRPr>
+          </a:p>
+        </p:txBody>
+      </p:sp>
     </p:spTree>
     <p:extLst>
       <p:ext uri="{BB962C8B-B14F-4D97-AF65-F5344CB8AC3E}">
-        <p14:creationId xmlns:p14="http://schemas.microsoft.com/office/powerpoint/2010/main" val="3595810813"/>
+        <p14:creationId xmlns:p14="http://schemas.microsoft.com/office/powerpoint/2010/main" val="1794853979"/>
       </p:ext>
     </p:extLst>
   </p:cSld>
@@ -15852,19 +15935,18 @@
             <p:ph type="body" sz="half" idx="11"/>
           </p:nvPr>
         </p:nvSpPr>
-        <p:spPr>
-          <a:xfrm>
-            <a:off x="442912" y="818710"/>
-            <a:ext cx="9974262" cy="381000"/>
-          </a:xfrm>
-        </p:spPr>
+        <p:spPr/>
         <p:txBody>
           <a:bodyPr/>
           <a:lstStyle/>
           <a:p>
             <a:r>
-              <a:rPr lang="ru-RU" dirty="0" smtClean="0"/>
-              <a:t>НЕДОСТАТКИ</a:t>
+              <a:rPr lang="en-US" dirty="0" err="1" smtClean="0"/>
+              <a:t>kAFL</a:t>
+            </a:r>
+            <a:r>
+              <a:rPr lang="en-US" dirty="0" smtClean="0"/>
+              <a:t>/NYX</a:t>
             </a:r>
             <a:endParaRPr lang="ru-RU" dirty="0"/>
           </a:p>
@@ -15892,86 +15974,191 @@
           <a:lstStyle/>
           <a:p>
             <a:r>
-              <a:rPr lang="kk-KZ" dirty="0">
-                <a:solidFill>
-                  <a:sysClr val="windowText" lastClr="000000"/>
-                </a:solidFill>
-              </a:rPr>
-              <a:t>Фаззинг виртуальной </a:t>
-            </a:r>
-            <a:r>
-              <a:rPr lang="kk-KZ" dirty="0" smtClean="0">
-                <a:solidFill>
-                  <a:sysClr val="windowText" lastClr="000000"/>
-                </a:solidFill>
-              </a:rPr>
-              <a:t>машины</a:t>
-            </a:r>
+              <a:rPr lang="ru-RU" dirty="0" err="1" smtClean="0"/>
+              <a:t>Фаззинг</a:t>
+            </a:r>
+            <a:r>
+              <a:rPr lang="ru-RU" dirty="0" smtClean="0"/>
+              <a:t> виртуальной машины. Типы</a:t>
+            </a:r>
+            <a:endParaRPr lang="ru-RU" dirty="0"/>
+          </a:p>
+        </p:txBody>
+      </p:sp>
+      <p:sp>
+        <p:nvSpPr>
+          <p:cNvPr id="3" name="Прямоугольник 2"/>
+          <p:cNvSpPr/>
+          <p:nvPr/>
+        </p:nvSpPr>
+        <p:spPr>
+          <a:xfrm>
+            <a:off x="438474" y="2213865"/>
+            <a:ext cx="7948343" cy="3139321"/>
+          </a:xfrm>
+          <a:prstGeom prst="rect">
+            <a:avLst/>
+          </a:prstGeom>
+        </p:spPr>
+        <p:txBody>
+          <a:bodyPr wrap="square">
+            <a:spAutoFit/>
+          </a:bodyPr>
+          <a:lstStyle/>
+          <a:p>
+            <a:pPr marL="285750" indent="-285750">
+              <a:buFont typeface="Arial" panose="020B0604020202020204" pitchFamily="34" charset="0"/>
+              <a:buChar char="•"/>
+            </a:pPr>
+            <a:r>
+              <a:rPr lang="en-US" dirty="0">
+                <a:solidFill>
+                  <a:sysClr val="windowText" lastClr="000000"/>
+                </a:solidFill>
+                <a:latin typeface="-apple-system"/>
+              </a:rPr>
+              <a:t>kAFL/Nyx is a fast guided </a:t>
+            </a:r>
+            <a:r>
+              <a:rPr lang="en-US" dirty="0" err="1">
+                <a:solidFill>
+                  <a:sysClr val="windowText" lastClr="000000"/>
+                </a:solidFill>
+                <a:latin typeface="-apple-system"/>
+              </a:rPr>
+              <a:t>fuzzer</a:t>
+            </a:r>
+            <a:r>
+              <a:rPr lang="en-US" dirty="0">
+                <a:solidFill>
+                  <a:sysClr val="windowText" lastClr="000000"/>
+                </a:solidFill>
+                <a:latin typeface="-apple-system"/>
+              </a:rPr>
+              <a:t> for the x86 VM. It is great for anything that executes as QEMU/KVM guest, in particular x86 firmware, kernels and full-blown operating </a:t>
+            </a:r>
+            <a:r>
+              <a:rPr lang="en-US" dirty="0" smtClean="0">
+                <a:solidFill>
+                  <a:sysClr val="windowText" lastClr="000000"/>
+                </a:solidFill>
+                <a:latin typeface="-apple-system"/>
+              </a:rPr>
+              <a:t>systems</a:t>
+            </a:r>
+          </a:p>
+          <a:p>
+            <a:pPr marL="285750" indent="-285750">
+              <a:buFont typeface="Arial" panose="020B0604020202020204" pitchFamily="34" charset="0"/>
+              <a:buChar char="•"/>
+            </a:pPr>
+            <a:endParaRPr lang="en-US" dirty="0">
+              <a:solidFill>
+                <a:sysClr val="windowText" lastClr="000000"/>
+              </a:solidFill>
+              <a:latin typeface="-apple-system"/>
+            </a:endParaRPr>
+          </a:p>
+          <a:p>
+            <a:pPr marL="285750" indent="-285750">
+              <a:buFont typeface="Arial" panose="020B0604020202020204" pitchFamily="34" charset="0"/>
+              <a:buChar char="•"/>
+            </a:pPr>
+            <a:r>
+              <a:rPr lang="ru-RU" dirty="0" smtClean="0">
+                <a:solidFill>
+                  <a:sysClr val="windowText" lastClr="000000"/>
+                </a:solidFill>
+                <a:latin typeface="-apple-system"/>
+              </a:rPr>
+              <a:t>Разработка </a:t>
+            </a:r>
+            <a:r>
+              <a:rPr lang="en-US" dirty="0" smtClean="0">
+                <a:solidFill>
+                  <a:sysClr val="windowText" lastClr="000000"/>
+                </a:solidFill>
+                <a:latin typeface="-apple-system"/>
+              </a:rPr>
+              <a:t>Intel</a:t>
+            </a:r>
+          </a:p>
+          <a:p>
+            <a:pPr marL="285750" indent="-285750">
+              <a:buFont typeface="Arial" panose="020B0604020202020204" pitchFamily="34" charset="0"/>
+              <a:buChar char="•"/>
+            </a:pPr>
             <a:endParaRPr lang="ru-RU" dirty="0">
               <a:solidFill>
                 <a:sysClr val="windowText" lastClr="000000"/>
               </a:solidFill>
             </a:endParaRPr>
           </a:p>
-        </p:txBody>
-      </p:sp>
-      <p:sp>
-        <p:nvSpPr>
-          <p:cNvPr id="5" name="TextBox 4"/>
-          <p:cNvSpPr txBox="1"/>
-          <p:nvPr/>
-        </p:nvSpPr>
-        <p:spPr>
-          <a:xfrm>
-            <a:off x="442912" y="1382939"/>
-            <a:ext cx="8578413" cy="4401205"/>
-          </a:xfrm>
-          <a:prstGeom prst="rect">
-            <a:avLst/>
-          </a:prstGeom>
-          <a:noFill/>
-        </p:spPr>
-        <p:txBody>
-          <a:bodyPr wrap="square" rtlCol="0">
-            <a:spAutoFit/>
-          </a:bodyPr>
-          <a:lstStyle/>
           <a:p>
             <a:pPr marL="285750" indent="-285750">
               <a:buFont typeface="Arial" panose="020B0604020202020204" pitchFamily="34" charset="0"/>
               <a:buChar char="•"/>
             </a:pPr>
             <a:r>
-              <a:rPr lang="ru-RU" sz="2000" dirty="0" smtClean="0">
-                <a:solidFill>
-                  <a:sysClr val="windowText" lastClr="000000"/>
-                </a:solidFill>
-              </a:rPr>
-              <a:t>Отсутствие </a:t>
-            </a:r>
-            <a:r>
-              <a:rPr lang="ru-RU" sz="2000" dirty="0" err="1" smtClean="0">
-                <a:solidFill>
-                  <a:sysClr val="windowText" lastClr="000000"/>
-                </a:solidFill>
-              </a:rPr>
-              <a:t>инструментации</a:t>
-            </a:r>
-            <a:r>
-              <a:rPr lang="ru-RU" sz="2000" dirty="0" smtClean="0">
-                <a:solidFill>
-                  <a:sysClr val="windowText" lastClr="000000"/>
-                </a:solidFill>
-              </a:rPr>
-              <a:t> не позволяет отследить ошибочные обращения к памяти</a:t>
-            </a:r>
+              <a:rPr lang="ru-RU" dirty="0" smtClean="0">
+                <a:solidFill>
+                  <a:sysClr val="windowText" lastClr="000000"/>
+                </a:solidFill>
+              </a:rPr>
+              <a:t>Исполнение внутри виртуальной машины позволяет использовать механизм снимков (</a:t>
+            </a:r>
+            <a:r>
+              <a:rPr lang="en-US" dirty="0" smtClean="0">
+                <a:solidFill>
+                  <a:sysClr val="windowText" lastClr="000000"/>
+                </a:solidFill>
+              </a:rPr>
+              <a:t>snapshot) </a:t>
+            </a:r>
+            <a:r>
+              <a:rPr lang="ru-RU" dirty="0" smtClean="0">
+                <a:solidFill>
+                  <a:sysClr val="windowText" lastClr="000000"/>
+                </a:solidFill>
+              </a:rPr>
+              <a:t>для целей </a:t>
+            </a:r>
+            <a:r>
+              <a:rPr lang="ru-RU" dirty="0" err="1" smtClean="0">
+                <a:solidFill>
+                  <a:sysClr val="windowText" lastClr="000000"/>
+                </a:solidFill>
+              </a:rPr>
+              <a:t>консистентности</a:t>
+            </a:r>
+            <a:r>
+              <a:rPr lang="ru-RU" dirty="0" smtClean="0">
+                <a:solidFill>
+                  <a:sysClr val="windowText" lastClr="000000"/>
+                </a:solidFill>
+              </a:rPr>
+              <a:t> </a:t>
+            </a:r>
+            <a:r>
+              <a:rPr lang="ru-RU" dirty="0" err="1" smtClean="0">
+                <a:solidFill>
+                  <a:sysClr val="windowText" lastClr="000000"/>
+                </a:solidFill>
+              </a:rPr>
+              <a:t>фаззинга</a:t>
+            </a:r>
+            <a:endParaRPr lang="en-US" dirty="0" smtClean="0">
+              <a:solidFill>
+                <a:sysClr val="windowText" lastClr="000000"/>
+              </a:solidFill>
+            </a:endParaRPr>
           </a:p>
           <a:p>
             <a:pPr marL="285750" indent="-285750">
               <a:buFont typeface="Arial" panose="020B0604020202020204" pitchFamily="34" charset="0"/>
               <a:buChar char="•"/>
             </a:pPr>
-            <a:endParaRPr lang="ru-RU" sz="2000" dirty="0" smtClean="0">
+            <a:endParaRPr lang="en-US" dirty="0">
               <a:solidFill>
                 <a:sysClr val="windowText" lastClr="000000"/>
               </a:solidFill>
@@ -15983,145 +16170,44 @@
               <a:buChar char="•"/>
             </a:pPr>
             <a:r>
-              <a:rPr lang="ru-RU" sz="2000" dirty="0" smtClean="0">
-                <a:solidFill>
-                  <a:sysClr val="windowText" lastClr="000000"/>
-                </a:solidFill>
-              </a:rPr>
-              <a:t>Для воспроизведения ошибки может потребоваться повторить в точности всю историю </a:t>
-            </a:r>
-            <a:r>
-              <a:rPr lang="ru-RU" sz="2000" dirty="0" err="1" smtClean="0">
-                <a:solidFill>
-                  <a:sysClr val="windowText" lastClr="000000"/>
-                </a:solidFill>
-              </a:rPr>
-              <a:t>фаззинга</a:t>
-            </a:r>
-            <a:endParaRPr lang="ru-RU" sz="2000" dirty="0" smtClean="0">
-              <a:solidFill>
-                <a:sysClr val="windowText" lastClr="000000"/>
-              </a:solidFill>
-            </a:endParaRPr>
-          </a:p>
-          <a:p>
-            <a:pPr marL="285750" indent="-285750">
-              <a:buFont typeface="Arial" panose="020B0604020202020204" pitchFamily="34" charset="0"/>
-              <a:buChar char="•"/>
-            </a:pPr>
-            <a:endParaRPr lang="ru-RU" sz="2000" dirty="0" smtClean="0">
-              <a:solidFill>
-                <a:sysClr val="windowText" lastClr="000000"/>
-              </a:solidFill>
-            </a:endParaRPr>
-          </a:p>
-          <a:p>
-            <a:pPr marL="285750" indent="-285750">
-              <a:buFont typeface="Arial" panose="020B0604020202020204" pitchFamily="34" charset="0"/>
-              <a:buChar char="•"/>
-            </a:pPr>
-            <a:r>
-              <a:rPr lang="ru-RU" sz="2000" dirty="0" smtClean="0">
-                <a:solidFill>
-                  <a:sysClr val="windowText" lastClr="000000"/>
-                </a:solidFill>
-              </a:rPr>
-              <a:t>Нивелирует этот недостаток </a:t>
-            </a:r>
-            <a:r>
-              <a:rPr lang="en-US" sz="2000" dirty="0" smtClean="0">
-                <a:solidFill>
-                  <a:sysClr val="windowText" lastClr="000000"/>
-                </a:solidFill>
-              </a:rPr>
-              <a:t>snapshot-based </a:t>
-            </a:r>
-            <a:r>
-              <a:rPr lang="kk-KZ" sz="2000" dirty="0" smtClean="0">
-                <a:solidFill>
-                  <a:sysClr val="windowText" lastClr="000000"/>
-                </a:solidFill>
-              </a:rPr>
-              <a:t>подход</a:t>
-            </a:r>
-            <a:r>
-              <a:rPr lang="ru-RU" sz="2000" dirty="0" smtClean="0">
-                <a:solidFill>
-                  <a:sysClr val="windowText" lastClr="000000"/>
-                </a:solidFill>
-              </a:rPr>
-              <a:t>, который позволяет каждый прогон запускать на дампе виртуальной машины</a:t>
-            </a:r>
-          </a:p>
-          <a:p>
-            <a:pPr marL="285750" indent="-285750">
-              <a:buFont typeface="Arial" panose="020B0604020202020204" pitchFamily="34" charset="0"/>
-              <a:buChar char="•"/>
-            </a:pPr>
-            <a:endParaRPr lang="ru-RU" sz="2000" dirty="0" smtClean="0">
-              <a:solidFill>
-                <a:sysClr val="windowText" lastClr="000000"/>
-              </a:solidFill>
-            </a:endParaRPr>
-          </a:p>
-          <a:p>
-            <a:pPr marL="285750" indent="-285750">
-              <a:buFont typeface="Arial" panose="020B0604020202020204" pitchFamily="34" charset="0"/>
-              <a:buChar char="•"/>
-            </a:pPr>
-            <a:r>
-              <a:rPr lang="ru-RU" sz="2000" dirty="0" smtClean="0">
-                <a:solidFill>
-                  <a:sysClr val="windowText" lastClr="000000"/>
-                </a:solidFill>
-              </a:rPr>
-              <a:t>Все еще невозможно отследить ошибки памяти</a:t>
-            </a:r>
-          </a:p>
-          <a:p>
-            <a:pPr marL="285750" indent="-285750">
-              <a:buFont typeface="Arial" panose="020B0604020202020204" pitchFamily="34" charset="0"/>
-              <a:buChar char="•"/>
-            </a:pPr>
-            <a:endParaRPr lang="ru-RU" sz="2000" dirty="0" smtClean="0">
-              <a:solidFill>
-                <a:sysClr val="windowText" lastClr="000000"/>
-              </a:solidFill>
-            </a:endParaRPr>
-          </a:p>
-          <a:p>
-            <a:pPr marL="285750" indent="-285750">
-              <a:buFont typeface="Arial" panose="020B0604020202020204" pitchFamily="34" charset="0"/>
-              <a:buChar char="•"/>
-            </a:pPr>
-            <a:r>
-              <a:rPr lang="ru-RU" sz="2000" dirty="0" smtClean="0">
-                <a:solidFill>
-                  <a:sysClr val="windowText" lastClr="000000"/>
-                </a:solidFill>
-              </a:rPr>
-              <a:t>Требуется написание агента, который будет запускаться внутри виртуальной машины и являться ключевым звеном, определяющим эффективность </a:t>
-            </a:r>
-            <a:r>
-              <a:rPr lang="ru-RU" sz="2000" dirty="0" err="1" smtClean="0">
-                <a:solidFill>
-                  <a:sysClr val="windowText" lastClr="000000"/>
-                </a:solidFill>
-              </a:rPr>
-              <a:t>фаззинга</a:t>
-            </a:r>
-            <a:endParaRPr lang="ru-RU" sz="2000" dirty="0">
-              <a:solidFill>
-                <a:sysClr val="windowText" lastClr="000000"/>
-              </a:solidFill>
-            </a:endParaRPr>
+              <a:rPr lang="ru-RU" dirty="0" smtClean="0">
+                <a:solidFill>
+                  <a:sysClr val="windowText" lastClr="000000"/>
+                </a:solidFill>
+              </a:rPr>
+              <a:t>Также это позволяет </a:t>
+            </a:r>
+            <a:r>
+              <a:rPr lang="ru-RU" dirty="0" err="1" smtClean="0">
+                <a:solidFill>
+                  <a:sysClr val="windowText" lastClr="000000"/>
+                </a:solidFill>
+              </a:rPr>
+              <a:t>фаззить</a:t>
+            </a:r>
+            <a:r>
+              <a:rPr lang="ru-RU" dirty="0" smtClean="0">
+                <a:solidFill>
+                  <a:sysClr val="windowText" lastClr="000000"/>
+                </a:solidFill>
+              </a:rPr>
+              <a:t> приложения независимо от вида гостевой операционной системы</a:t>
+            </a:r>
+            <a:r>
+              <a:rPr lang="en-US" dirty="0" smtClean="0">
+                <a:solidFill>
+                  <a:sysClr val="windowText" lastClr="000000"/>
+                </a:solidFill>
+              </a:rPr>
+              <a:t> [4]</a:t>
+            </a:r>
           </a:p>
         </p:txBody>
       </p:sp>
     </p:spTree>
     <p:extLst>
       <p:ext uri="{BB962C8B-B14F-4D97-AF65-F5344CB8AC3E}">
-        <p14:creationId xmlns:p14="http://schemas.microsoft.com/office/powerpoint/2010/main" val="3304444939"/>
+        <p14:creationId xmlns:p14="http://schemas.microsoft.com/office/powerpoint/2010/main" val="696608921"/>
       </p:ext>
     </p:extLst>
   </p:cSld>
@@ -16177,9 +16263,10 @@
           <a:lstStyle/>
           <a:p>
             <a:r>
-              <a:rPr lang="ru-RU" dirty="0"/>
-              <a:t>ССЫЛКИ</a:t>
-            </a:r>
+              <a:rPr lang="en-US" dirty="0" smtClean="0"/>
+              <a:t>Intel Processor Tracing</a:t>
+            </a:r>
+            <a:endParaRPr lang="ru-RU" dirty="0"/>
           </a:p>
         </p:txBody>
       </p:sp>
@@ -16205,9 +16292,14 @@
           <a:lstStyle/>
           <a:p>
             <a:r>
+              <a:rPr lang="kk-KZ" dirty="0"/>
+              <a:t>Фаззинг виртуальной машины</a:t>
+            </a:r>
+            <a:r>
               <a:rPr lang="ru-RU" dirty="0"/>
-              <a:t>Заключение</a:t>
-            </a:r>
+              <a:t>. Покрытие</a:t>
+            </a:r>
+            <a:endParaRPr lang="ru-RU" dirty="0"/>
           </a:p>
         </p:txBody>
       </p:sp>
@@ -16219,8 +16311,8 @@
         </p:nvSpPr>
         <p:spPr>
           <a:xfrm>
-            <a:off x="5015880" y="2933945"/>
-            <a:ext cx="1170130" cy="369332"/>
+            <a:off x="442912" y="1385084"/>
+            <a:ext cx="11323718" cy="2585323"/>
           </a:xfrm>
           <a:prstGeom prst="rect">
             <a:avLst/>
@@ -16233,18 +16325,416 @@
           </a:bodyPr>
           <a:lstStyle/>
           <a:p>
-            <a:r>
-              <a:rPr lang="en-US" dirty="0" smtClean="0"/>
-              <a:t>QR here</a:t>
-            </a:r>
-            <a:endParaRPr lang="ru-RU" dirty="0"/>
+            <a:pPr marL="285750" indent="-285750">
+              <a:buFont typeface="Arial" panose="020B0604020202020204" pitchFamily="34" charset="0"/>
+              <a:buChar char="•"/>
+            </a:pPr>
+            <a:r>
+              <a:rPr lang="ru-RU" dirty="0" err="1">
+                <a:solidFill>
+                  <a:sysClr val="windowText" lastClr="000000"/>
+                </a:solidFill>
+              </a:rPr>
+              <a:t>Intel</a:t>
+            </a:r>
+            <a:r>
+              <a:rPr lang="ru-RU" dirty="0">
+                <a:solidFill>
+                  <a:sysClr val="windowText" lastClr="000000"/>
+                </a:solidFill>
+              </a:rPr>
+              <a:t> </a:t>
+            </a:r>
+            <a:r>
+              <a:rPr lang="ru-RU" dirty="0" smtClean="0">
+                <a:solidFill>
+                  <a:sysClr val="windowText" lastClr="000000"/>
+                </a:solidFill>
+              </a:rPr>
+              <a:t>PT </a:t>
+            </a:r>
+            <a:r>
+              <a:rPr lang="ru-RU" dirty="0">
+                <a:solidFill>
+                  <a:sysClr val="windowText" lastClr="000000"/>
+                </a:solidFill>
+              </a:rPr>
+              <a:t>— это функция современных процессоров </a:t>
+            </a:r>
+            <a:r>
+              <a:rPr lang="ru-RU" dirty="0" err="1" smtClean="0">
+                <a:solidFill>
+                  <a:sysClr val="windowText" lastClr="000000"/>
+                </a:solidFill>
+              </a:rPr>
+              <a:t>Intel</a:t>
+            </a:r>
+            <a:r>
+              <a:rPr lang="ru-RU" dirty="0" smtClean="0">
+                <a:solidFill>
+                  <a:sysClr val="windowText" lastClr="000000"/>
+                </a:solidFill>
+              </a:rPr>
+              <a:t> начиная с 5 поколения </a:t>
+            </a:r>
+            <a:r>
+              <a:rPr lang="en-US" dirty="0" err="1" smtClean="0">
+                <a:solidFill>
+                  <a:sysClr val="windowText" lastClr="000000"/>
+                </a:solidFill>
+              </a:rPr>
+              <a:t>Broadwell</a:t>
+            </a:r>
+            <a:r>
+              <a:rPr lang="en-US" dirty="0" smtClean="0">
+                <a:solidFill>
+                  <a:sysClr val="windowText" lastClr="000000"/>
+                </a:solidFill>
+              </a:rPr>
+              <a:t> (2015 </a:t>
+            </a:r>
+            <a:r>
+              <a:rPr lang="ru-RU" dirty="0" smtClean="0">
+                <a:solidFill>
+                  <a:sysClr val="windowText" lastClr="000000"/>
+                </a:solidFill>
+              </a:rPr>
+              <a:t>год)</a:t>
+            </a:r>
+            <a:endParaRPr lang="en-US" dirty="0" smtClean="0">
+              <a:solidFill>
+                <a:sysClr val="windowText" lastClr="000000"/>
+              </a:solidFill>
+            </a:endParaRPr>
+          </a:p>
+          <a:p>
+            <a:pPr marL="285750" indent="-285750">
+              <a:buFont typeface="Arial" panose="020B0604020202020204" pitchFamily="34" charset="0"/>
+              <a:buChar char="•"/>
+            </a:pPr>
+            <a:endParaRPr lang="en-US" dirty="0">
+              <a:solidFill>
+                <a:sysClr val="windowText" lastClr="000000"/>
+              </a:solidFill>
+            </a:endParaRPr>
+          </a:p>
+          <a:p>
+            <a:pPr marL="285750" indent="-285750">
+              <a:buFont typeface="Arial" panose="020B0604020202020204" pitchFamily="34" charset="0"/>
+              <a:buChar char="•"/>
+            </a:pPr>
+            <a:r>
+              <a:rPr lang="ru-RU" dirty="0" err="1">
+                <a:solidFill>
+                  <a:sysClr val="windowText" lastClr="000000"/>
+                </a:solidFill>
+              </a:rPr>
+              <a:t>Intel</a:t>
+            </a:r>
+            <a:r>
+              <a:rPr lang="ru-RU" dirty="0">
+                <a:solidFill>
+                  <a:sysClr val="windowText" lastClr="000000"/>
+                </a:solidFill>
+              </a:rPr>
+              <a:t> PT позволяет получить полный поток исполнения </a:t>
+            </a:r>
+            <a:r>
+              <a:rPr lang="ru-RU" dirty="0" smtClean="0">
+                <a:solidFill>
+                  <a:sysClr val="windowText" lastClr="000000"/>
+                </a:solidFill>
+              </a:rPr>
+              <a:t>отлаживаемого </a:t>
+            </a:r>
+            <a:r>
+              <a:rPr lang="ru-RU" dirty="0">
+                <a:solidFill>
+                  <a:sysClr val="windowText" lastClr="000000"/>
+                </a:solidFill>
+              </a:rPr>
+              <a:t>приложения с минимальным </a:t>
+            </a:r>
+            <a:r>
+              <a:rPr lang="ru-RU" dirty="0" err="1">
+                <a:solidFill>
+                  <a:sysClr val="windowText" lastClr="000000"/>
+                </a:solidFill>
+              </a:rPr>
+              <a:t>оверхедом</a:t>
+            </a:r>
+            <a:r>
+              <a:rPr lang="ru-RU" dirty="0">
+                <a:solidFill>
+                  <a:sysClr val="windowText" lastClr="000000"/>
+                </a:solidFill>
+              </a:rPr>
+              <a:t> (&lt;5%). При этом она поддерживает </a:t>
+            </a:r>
+            <a:r>
+              <a:rPr lang="ru-RU" dirty="0" err="1">
+                <a:solidFill>
+                  <a:sysClr val="windowText" lastClr="000000"/>
+                </a:solidFill>
+              </a:rPr>
+              <a:t>многопоточность</a:t>
+            </a:r>
+            <a:r>
+              <a:rPr lang="ru-RU" dirty="0">
+                <a:solidFill>
+                  <a:sysClr val="windowText" lastClr="000000"/>
+                </a:solidFill>
+              </a:rPr>
+              <a:t> и может помочь в установлении ошибок типа "состояние </a:t>
+            </a:r>
+            <a:r>
+              <a:rPr lang="ru-RU" dirty="0" smtClean="0">
+                <a:solidFill>
+                  <a:sysClr val="windowText" lastClr="000000"/>
+                </a:solidFill>
+              </a:rPr>
+              <a:t>гонки</a:t>
+            </a:r>
+            <a:r>
+              <a:rPr lang="en-US" dirty="0" smtClean="0">
+                <a:solidFill>
+                  <a:sysClr val="windowText" lastClr="000000"/>
+                </a:solidFill>
+              </a:rPr>
+              <a:t> </a:t>
+            </a:r>
+            <a:r>
+              <a:rPr lang="ru-RU" dirty="0" smtClean="0">
+                <a:solidFill>
+                  <a:sysClr val="windowText" lastClr="000000"/>
+                </a:solidFill>
+              </a:rPr>
+              <a:t>благодаря </a:t>
+            </a:r>
+            <a:r>
+              <a:rPr lang="ru-RU" dirty="0">
+                <a:solidFill>
+                  <a:sysClr val="windowText" lastClr="000000"/>
+                </a:solidFill>
+              </a:rPr>
+              <a:t>отметкам времени при записи трассы </a:t>
+            </a:r>
+            <a:r>
+              <a:rPr lang="ru-RU" dirty="0" smtClean="0">
+                <a:solidFill>
+                  <a:sysClr val="windowText" lastClr="000000"/>
+                </a:solidFill>
+              </a:rPr>
+              <a:t>приложения</a:t>
+            </a:r>
+          </a:p>
+          <a:p>
+            <a:pPr marL="285750" indent="-285750">
+              <a:buFont typeface="Arial" panose="020B0604020202020204" pitchFamily="34" charset="0"/>
+              <a:buChar char="•"/>
+            </a:pPr>
+            <a:endParaRPr lang="ru-RU" dirty="0">
+              <a:solidFill>
+                <a:sysClr val="windowText" lastClr="000000"/>
+              </a:solidFill>
+            </a:endParaRPr>
+          </a:p>
+          <a:p>
+            <a:pPr marL="285750" indent="-285750">
+              <a:buFont typeface="Arial" panose="020B0604020202020204" pitchFamily="34" charset="0"/>
+              <a:buChar char="•"/>
+            </a:pPr>
+            <a:r>
+              <a:rPr lang="ru-RU" dirty="0" smtClean="0">
+                <a:solidFill>
+                  <a:sysClr val="windowText" lastClr="000000"/>
+                </a:solidFill>
+              </a:rPr>
+              <a:t>Когда </a:t>
+            </a:r>
+            <a:r>
+              <a:rPr lang="ru-RU" dirty="0">
+                <a:solidFill>
+                  <a:sysClr val="windowText" lastClr="000000"/>
+                </a:solidFill>
+              </a:rPr>
+              <a:t>цель </a:t>
+            </a:r>
+            <a:r>
+              <a:rPr lang="ru-RU" dirty="0" err="1">
+                <a:solidFill>
+                  <a:sysClr val="windowText" lastClr="000000"/>
+                </a:solidFill>
+              </a:rPr>
+              <a:t>фаззится</a:t>
+            </a:r>
+            <a:r>
+              <a:rPr lang="ru-RU" dirty="0">
+                <a:solidFill>
+                  <a:sysClr val="windowText" lastClr="000000"/>
+                </a:solidFill>
+              </a:rPr>
+              <a:t> в режиме </a:t>
+            </a:r>
+            <a:r>
+              <a:rPr lang="ru-RU" dirty="0" err="1">
+                <a:solidFill>
+                  <a:sysClr val="windowText" lastClr="000000"/>
+                </a:solidFill>
+              </a:rPr>
+              <a:t>Intel</a:t>
+            </a:r>
+            <a:r>
+              <a:rPr lang="ru-RU" dirty="0">
+                <a:solidFill>
+                  <a:sysClr val="windowText" lastClr="000000"/>
+                </a:solidFill>
+              </a:rPr>
+              <a:t> PT, она открывается в отладчике. Перед каждой итерацией отладчик включает трассировку </a:t>
+            </a:r>
+            <a:r>
+              <a:rPr lang="ru-RU" dirty="0" err="1">
+                <a:solidFill>
+                  <a:sysClr val="windowText" lastClr="000000"/>
+                </a:solidFill>
+              </a:rPr>
+              <a:t>Intel</a:t>
+            </a:r>
+            <a:r>
+              <a:rPr lang="ru-RU" dirty="0">
+                <a:solidFill>
+                  <a:sysClr val="windowText" lastClr="000000"/>
+                </a:solidFill>
+              </a:rPr>
+              <a:t> PT для целевого процесса, а после завершения итерации трассировка извлекается и анализируется, обновляя карту </a:t>
+            </a:r>
+            <a:r>
+              <a:rPr lang="ru-RU" dirty="0" smtClean="0">
+                <a:solidFill>
+                  <a:sysClr val="windowText" lastClr="000000"/>
+                </a:solidFill>
+              </a:rPr>
+              <a:t>покрытия</a:t>
+            </a:r>
+            <a:endParaRPr lang="ru-RU" dirty="0">
+              <a:solidFill>
+                <a:sysClr val="windowText" lastClr="000000"/>
+              </a:solidFill>
+            </a:endParaRPr>
+          </a:p>
+        </p:txBody>
+      </p:sp>
+      <p:pic>
+        <p:nvPicPr>
+          <p:cNvPr id="5" name="Рисунок 4"/>
+          <p:cNvPicPr>
+            <a:picLocks noChangeAspect="1"/>
+          </p:cNvPicPr>
+          <p:nvPr/>
+        </p:nvPicPr>
+        <p:blipFill>
+          <a:blip r:embed="rId2"/>
+          <a:stretch>
+            <a:fillRect/>
+          </a:stretch>
+        </p:blipFill>
+        <p:spPr>
+          <a:xfrm>
+            <a:off x="442912" y="4186443"/>
+            <a:ext cx="7734300" cy="2371725"/>
+          </a:xfrm>
+          <a:prstGeom prst="rect">
+            <a:avLst/>
+          </a:prstGeom>
+          <a:ln w="57150">
+            <a:solidFill>
+              <a:srgbClr val="005096"/>
+            </a:solidFill>
+          </a:ln>
+        </p:spPr>
+      </p:pic>
+      <p:sp>
+        <p:nvSpPr>
+          <p:cNvPr id="6" name="TextBox 5"/>
+          <p:cNvSpPr txBox="1"/>
+          <p:nvPr/>
+        </p:nvSpPr>
+        <p:spPr>
+          <a:xfrm>
+            <a:off x="8620040" y="5049139"/>
+            <a:ext cx="3150350" cy="646331"/>
+          </a:xfrm>
+          <a:prstGeom prst="rect">
+            <a:avLst/>
+          </a:prstGeom>
+          <a:noFill/>
+        </p:spPr>
+        <p:txBody>
+          <a:bodyPr wrap="square" rtlCol="0">
+            <a:spAutoFit/>
+          </a:bodyPr>
+          <a:lstStyle/>
+          <a:p>
+            <a:r>
+              <a:rPr lang="ru-RU" dirty="0" smtClean="0">
+                <a:solidFill>
+                  <a:sysClr val="windowText" lastClr="000000"/>
+                </a:solidFill>
+              </a:rPr>
+              <a:t>Рис. 2 – Пример трас</a:t>
+            </a:r>
+            <a:r>
+              <a:rPr lang="en-US" dirty="0" smtClean="0">
+                <a:solidFill>
+                  <a:sysClr val="windowText" lastClr="000000"/>
+                </a:solidFill>
+              </a:rPr>
+              <a:t>-</a:t>
+            </a:r>
+            <a:r>
+              <a:rPr lang="ru-RU" dirty="0" err="1" smtClean="0">
+                <a:solidFill>
+                  <a:sysClr val="windowText" lastClr="000000"/>
+                </a:solidFill>
+              </a:rPr>
+              <a:t>сировки</a:t>
+            </a:r>
+            <a:r>
+              <a:rPr lang="ru-RU" dirty="0" smtClean="0">
+                <a:solidFill>
+                  <a:sysClr val="windowText" lastClr="000000"/>
+                </a:solidFill>
+              </a:rPr>
+              <a:t> процессора </a:t>
+            </a:r>
+            <a:r>
+              <a:rPr lang="en-US" dirty="0" smtClean="0">
+                <a:solidFill>
+                  <a:sysClr val="windowText" lastClr="000000"/>
+                </a:solidFill>
+              </a:rPr>
+              <a:t>Intel</a:t>
+            </a:r>
+            <a:r>
+              <a:rPr lang="ru-RU" dirty="0" smtClean="0">
+                <a:solidFill>
+                  <a:sysClr val="windowText" lastClr="000000"/>
+                </a:solidFill>
+              </a:rPr>
+              <a:t> </a:t>
+            </a:r>
+            <a:endParaRPr lang="ru-RU" dirty="0">
+              <a:solidFill>
+                <a:sysClr val="windowText" lastClr="000000"/>
+              </a:solidFill>
+            </a:endParaRPr>
           </a:p>
         </p:txBody>
       </p:sp>
     </p:spTree>
     <p:extLst>
       <p:ext uri="{BB962C8B-B14F-4D97-AF65-F5344CB8AC3E}">
-        <p14:creationId xmlns:p14="http://schemas.microsoft.com/office/powerpoint/2010/main" val="2906767701"/>
+        <p14:creationId xmlns:p14="http://schemas.microsoft.com/office/powerpoint/2010/main" val="3595810813"/>
       </p:ext>
     </p:extLst>
   </p:cSld>
@@ -16300,8 +16790,12 @@
           <a:lstStyle/>
           <a:p>
             <a:r>
+              <a:rPr lang="en-US" dirty="0" smtClean="0"/>
+              <a:t>kAFL/NYX</a:t>
+            </a:r>
+            <a:r>
               <a:rPr lang="ru-RU" dirty="0" smtClean="0"/>
-              <a:t>ЗАГОЛОВОК</a:t>
+              <a:t>: ПОКРЫТИЕ</a:t>
             </a:r>
             <a:endParaRPr lang="ru-RU" dirty="0"/>
           </a:p>
@@ -16329,17 +16823,230 @@
           <a:lstStyle/>
           <a:p>
             <a:r>
+              <a:rPr lang="ru-RU" dirty="0" err="1" smtClean="0"/>
+              <a:t>Фаззинг</a:t>
+            </a:r>
+            <a:r>
               <a:rPr lang="ru-RU" dirty="0" smtClean="0"/>
-              <a:t>Раздел</a:t>
+              <a:t> виртуальной машины. Оптимизация</a:t>
             </a:r>
             <a:endParaRPr lang="ru-RU" dirty="0"/>
+          </a:p>
+        </p:txBody>
+      </p:sp>
+      <p:sp>
+        <p:nvSpPr>
+          <p:cNvPr id="3" name="Прямоугольник 2"/>
+          <p:cNvSpPr/>
+          <p:nvPr/>
+        </p:nvSpPr>
+        <p:spPr>
+          <a:xfrm>
+            <a:off x="425604" y="2033845"/>
+            <a:ext cx="10350916" cy="3416320"/>
+          </a:xfrm>
+          <a:prstGeom prst="rect">
+            <a:avLst/>
+          </a:prstGeom>
+        </p:spPr>
+        <p:txBody>
+          <a:bodyPr wrap="square">
+            <a:spAutoFit/>
+          </a:bodyPr>
+          <a:lstStyle/>
+          <a:p>
+            <a:pPr marL="285750" indent="-285750">
+              <a:buFont typeface="Arial" panose="020B0604020202020204" pitchFamily="34" charset="0"/>
+              <a:buChar char="•"/>
+            </a:pPr>
+            <a:r>
+              <a:rPr lang="ru-RU" dirty="0" smtClean="0">
+                <a:solidFill>
+                  <a:sysClr val="windowText" lastClr="000000"/>
+                </a:solidFill>
+              </a:rPr>
+              <a:t>Анализ покрытия осуществляется при помощи </a:t>
+            </a:r>
+            <a:r>
+              <a:rPr lang="en-US" dirty="0" err="1" smtClean="0">
+                <a:solidFill>
+                  <a:sysClr val="windowText" lastClr="000000"/>
+                </a:solidFill>
+              </a:rPr>
+              <a:t>IntelPT</a:t>
+            </a:r>
+            <a:endParaRPr lang="en-US" dirty="0" smtClean="0">
+              <a:solidFill>
+                <a:sysClr val="windowText" lastClr="000000"/>
+              </a:solidFill>
+            </a:endParaRPr>
+          </a:p>
+          <a:p>
+            <a:pPr marL="285750" indent="-285750">
+              <a:buFont typeface="Arial" panose="020B0604020202020204" pitchFamily="34" charset="0"/>
+              <a:buChar char="•"/>
+            </a:pPr>
+            <a:endParaRPr lang="ru-RU" dirty="0" smtClean="0">
+              <a:solidFill>
+                <a:sysClr val="windowText" lastClr="000000"/>
+              </a:solidFill>
+            </a:endParaRPr>
+          </a:p>
+          <a:p>
+            <a:pPr marL="285750" indent="-285750">
+              <a:buFont typeface="Arial" panose="020B0604020202020204" pitchFamily="34" charset="0"/>
+              <a:buChar char="•"/>
+            </a:pPr>
+            <a:r>
+              <a:rPr lang="ru-RU" dirty="0" smtClean="0">
+                <a:solidFill>
+                  <a:sysClr val="windowText" lastClr="000000"/>
+                </a:solidFill>
+              </a:rPr>
+              <a:t>Покрытие кода также обеспечивает большее быстродействие вследствие того, что </a:t>
+            </a:r>
+            <a:r>
+              <a:rPr lang="ru-RU" dirty="0" err="1" smtClean="0">
+                <a:solidFill>
+                  <a:sysClr val="windowText" lastClr="000000"/>
+                </a:solidFill>
+              </a:rPr>
+              <a:t>фаззер</a:t>
+            </a:r>
+            <a:r>
+              <a:rPr lang="ru-RU" dirty="0" smtClean="0">
+                <a:solidFill>
+                  <a:sysClr val="windowText" lastClr="000000"/>
+                </a:solidFill>
+              </a:rPr>
+              <a:t> не ждет ответа сервера заданное количество времени (подход, применяемый в </a:t>
+            </a:r>
+            <a:r>
+              <a:rPr lang="en-US" dirty="0" err="1" smtClean="0">
+                <a:solidFill>
+                  <a:sysClr val="windowText" lastClr="000000"/>
+                </a:solidFill>
+              </a:rPr>
+              <a:t>AFLnet</a:t>
+            </a:r>
+            <a:r>
+              <a:rPr lang="en-US" dirty="0" smtClean="0">
+                <a:solidFill>
+                  <a:sysClr val="windowText" lastClr="000000"/>
+                </a:solidFill>
+              </a:rPr>
+              <a:t>), </a:t>
+            </a:r>
+            <a:r>
+              <a:rPr lang="ru-RU" dirty="0" smtClean="0">
+                <a:solidFill>
+                  <a:sysClr val="windowText" lastClr="000000"/>
+                </a:solidFill>
+              </a:rPr>
+              <a:t>а может точно определить этап исполнения запроса</a:t>
+            </a:r>
+          </a:p>
+          <a:p>
+            <a:pPr marL="285750" indent="-285750">
+              <a:buFont typeface="Arial" panose="020B0604020202020204" pitchFamily="34" charset="0"/>
+              <a:buChar char="•"/>
+            </a:pPr>
+            <a:endParaRPr lang="ru-RU" dirty="0">
+              <a:solidFill>
+                <a:sysClr val="windowText" lastClr="000000"/>
+              </a:solidFill>
+            </a:endParaRPr>
+          </a:p>
+          <a:p>
+            <a:pPr marL="285750" indent="-285750">
+              <a:buFont typeface="Arial" panose="020B0604020202020204" pitchFamily="34" charset="0"/>
+              <a:buChar char="•"/>
+            </a:pPr>
+            <a:r>
+              <a:rPr lang="ru-RU" dirty="0" smtClean="0">
+                <a:solidFill>
+                  <a:sysClr val="windowText" lastClr="000000"/>
+                </a:solidFill>
+              </a:rPr>
+              <a:t>Также это дает возможность исполнять тестируемую программу с определенной точки (например, прямо перед тем, как производится чтение из сокета), чтобы пропустить время– и </a:t>
+            </a:r>
+            <a:r>
+              <a:rPr lang="ru-RU" dirty="0" err="1" smtClean="0">
+                <a:solidFill>
+                  <a:sysClr val="windowText" lastClr="000000"/>
+                </a:solidFill>
+              </a:rPr>
+              <a:t>ресурсозатратные</a:t>
+            </a:r>
+            <a:r>
+              <a:rPr lang="ru-RU" dirty="0" smtClean="0">
+                <a:solidFill>
+                  <a:sysClr val="windowText" lastClr="000000"/>
+                </a:solidFill>
+              </a:rPr>
+              <a:t> этапы запуска ОС и инициализации приложения</a:t>
+            </a:r>
+          </a:p>
+          <a:p>
+            <a:pPr marL="285750" indent="-285750">
+              <a:buFont typeface="Arial" panose="020B0604020202020204" pitchFamily="34" charset="0"/>
+              <a:buChar char="•"/>
+            </a:pPr>
+            <a:endParaRPr lang="ru-RU" dirty="0">
+              <a:solidFill>
+                <a:sysClr val="windowText" lastClr="000000"/>
+              </a:solidFill>
+            </a:endParaRPr>
+          </a:p>
+          <a:p>
+            <a:pPr marL="285750" indent="-285750">
+              <a:buFont typeface="Arial" panose="020B0604020202020204" pitchFamily="34" charset="0"/>
+              <a:buChar char="•"/>
+            </a:pPr>
+            <a:r>
+              <a:rPr lang="ru-RU" dirty="0" smtClean="0">
+                <a:solidFill>
+                  <a:sysClr val="windowText" lastClr="000000"/>
+                </a:solidFill>
+              </a:rPr>
+              <a:t>Авторы признают, что стандартный путь </a:t>
+            </a:r>
+            <a:r>
+              <a:rPr lang="ru-RU" dirty="0" err="1" smtClean="0">
+                <a:solidFill>
+                  <a:sysClr val="windowText" lastClr="000000"/>
+                </a:solidFill>
+              </a:rPr>
+              <a:t>инструментации</a:t>
+            </a:r>
+            <a:r>
+              <a:rPr lang="ru-RU" dirty="0" smtClean="0">
+                <a:solidFill>
+                  <a:sysClr val="windowText" lastClr="000000"/>
+                </a:solidFill>
+              </a:rPr>
+              <a:t> приложения обеспечивает более надежные результаты </a:t>
+            </a:r>
+            <a:r>
+              <a:rPr lang="ru-RU" dirty="0" err="1" smtClean="0">
+                <a:solidFill>
+                  <a:sysClr val="windowText" lastClr="000000"/>
+                </a:solidFill>
+              </a:rPr>
+              <a:t>фаззинга</a:t>
+            </a:r>
+            <a:endParaRPr lang="ru-RU" dirty="0">
+              <a:solidFill>
+                <a:sysClr val="windowText" lastClr="000000"/>
+              </a:solidFill>
+            </a:endParaRPr>
           </a:p>
         </p:txBody>
       </p:sp>
     </p:spTree>
     <p:extLst>
       <p:ext uri="{BB962C8B-B14F-4D97-AF65-F5344CB8AC3E}">
-        <p14:creationId xmlns:p14="http://schemas.microsoft.com/office/powerpoint/2010/main" val="421904790"/>
+        <p14:creationId xmlns:p14="http://schemas.microsoft.com/office/powerpoint/2010/main" val="1770513930"/>
       </p:ext>
     </p:extLst>
   </p:cSld>
@@ -16395,9 +17102,10 @@
           <a:lstStyle/>
           <a:p>
             <a:r>
-              <a:rPr lang="ru-RU" dirty="0"/>
-              <a:t>ССЫЛКИ</a:t>
-            </a:r>
+              <a:rPr lang="en-US" dirty="0" smtClean="0"/>
+              <a:t>Nyx-Net</a:t>
+            </a:r>
+            <a:endParaRPr lang="ru-RU" dirty="0"/>
           </a:p>
         </p:txBody>
       </p:sp>
@@ -16423,71 +17131,233 @@
           <a:lstStyle/>
           <a:p>
             <a:r>
+              <a:rPr lang="kk-KZ" dirty="0"/>
+              <a:t>Фаззинг виртуальной машины</a:t>
+            </a:r>
+            <a:r>
               <a:rPr lang="ru-RU" dirty="0"/>
-              <a:t>Заключение</a:t>
-            </a:r>
-          </a:p>
-        </p:txBody>
-      </p:sp>
-      <p:sp>
-        <p:nvSpPr>
-          <p:cNvPr id="5" name="TextBox 4"/>
-          <p:cNvSpPr txBox="1"/>
+              <a:t>. Типы</a:t>
+            </a:r>
+          </a:p>
+          <a:p>
+            <a:endParaRPr lang="ru-RU" dirty="0"/>
+          </a:p>
+        </p:txBody>
+      </p:sp>
+      <p:sp>
+        <p:nvSpPr>
+          <p:cNvPr id="3" name="Прямоугольник 2"/>
+          <p:cNvSpPr/>
           <p:nvPr/>
         </p:nvSpPr>
         <p:spPr>
           <a:xfrm>
-            <a:off x="605390" y="1538790"/>
-            <a:ext cx="11296255" cy="646331"/>
-          </a:xfrm>
-          <a:prstGeom prst="rect">
-            <a:avLst/>
-          </a:prstGeom>
-          <a:noFill/>
-        </p:spPr>
-        <p:txBody>
-          <a:bodyPr wrap="square" rtlCol="0">
+            <a:off x="436782" y="2168860"/>
+            <a:ext cx="8674553" cy="2585323"/>
+          </a:xfrm>
+          <a:prstGeom prst="rect">
+            <a:avLst/>
+          </a:prstGeom>
+        </p:spPr>
+        <p:txBody>
+          <a:bodyPr wrap="square">
             <a:spAutoFit/>
           </a:bodyPr>
           <a:lstStyle/>
           <a:p>
-            <a:pPr marL="342900" indent="-342900">
-              <a:buAutoNum type="arabicPeriod"/>
+            <a:pPr marL="285750" indent="-285750">
+              <a:buFont typeface="Arial" panose="020B0604020202020204" pitchFamily="34" charset="0"/>
+              <a:buChar char="•"/>
             </a:pPr>
             <a:r>
-              <a:rPr lang="en-US" dirty="0"/>
-              <a:t>h</a:t>
-            </a:r>
-            <a:r>
-              <a:rPr lang="en-US" dirty="0" smtClean="0"/>
-              <a:t>ttps</a:t>
-            </a:r>
-            <a:r>
-              <a:rPr lang="en-US" dirty="0"/>
-              <a:t>://</a:t>
-            </a:r>
-            <a:r>
-              <a:rPr lang="en-US" dirty="0" smtClean="0"/>
-              <a:t>ru.wikipedia.org/wiki/</a:t>
-            </a:r>
-            <a:r>
-              <a:rPr lang="ru-RU" dirty="0" err="1" smtClean="0"/>
-              <a:t>Фаззинг</a:t>
-            </a:r>
-            <a:endParaRPr lang="ru-RU" dirty="0" smtClean="0"/>
-          </a:p>
-          <a:p>
-            <a:pPr marL="342900" indent="-342900">
-              <a:buAutoNum type="arabicPeriod"/>
+              <a:rPr lang="en-US" dirty="0">
+                <a:solidFill>
+                  <a:sysClr val="windowText" lastClr="000000"/>
+                </a:solidFill>
+                <a:latin typeface="-apple-system"/>
+              </a:rPr>
+              <a:t>Nyx-Net is fast full-VM snapshot </a:t>
+            </a:r>
+            <a:r>
+              <a:rPr lang="en-US" dirty="0" err="1">
+                <a:solidFill>
+                  <a:sysClr val="windowText" lastClr="000000"/>
+                </a:solidFill>
+                <a:latin typeface="-apple-system"/>
+              </a:rPr>
+              <a:t>fuzzer</a:t>
+            </a:r>
+            <a:r>
+              <a:rPr lang="en-US" dirty="0">
+                <a:solidFill>
+                  <a:sysClr val="windowText" lastClr="000000"/>
+                </a:solidFill>
+                <a:latin typeface="-apple-system"/>
+              </a:rPr>
+              <a:t> for complex network based </a:t>
+            </a:r>
+            <a:r>
+              <a:rPr lang="en-US" dirty="0" smtClean="0">
+                <a:solidFill>
+                  <a:sysClr val="windowText" lastClr="000000"/>
+                </a:solidFill>
+                <a:latin typeface="-apple-system"/>
+              </a:rPr>
+              <a:t>targets</a:t>
+            </a:r>
+          </a:p>
+          <a:p>
+            <a:pPr marL="285750" indent="-285750">
+              <a:buFont typeface="Arial" panose="020B0604020202020204" pitchFamily="34" charset="0"/>
+              <a:buChar char="•"/>
             </a:pPr>
-            <a:endParaRPr lang="ru-RU" dirty="0"/>
+            <a:endParaRPr lang="en-US" dirty="0">
+              <a:solidFill>
+                <a:sysClr val="windowText" lastClr="000000"/>
+              </a:solidFill>
+              <a:latin typeface="-apple-system"/>
+            </a:endParaRPr>
+          </a:p>
+          <a:p>
+            <a:pPr marL="285750" indent="-285750">
+              <a:buFont typeface="Arial" panose="020B0604020202020204" pitchFamily="34" charset="0"/>
+              <a:buChar char="•"/>
+            </a:pPr>
+            <a:r>
+              <a:rPr lang="ru-RU" dirty="0" smtClean="0">
+                <a:solidFill>
+                  <a:sysClr val="windowText" lastClr="000000"/>
+                </a:solidFill>
+                <a:latin typeface="-apple-system"/>
+              </a:rPr>
+              <a:t>Построен на базе </a:t>
+            </a:r>
+            <a:r>
+              <a:rPr lang="en-US" dirty="0" smtClean="0">
+                <a:solidFill>
+                  <a:sysClr val="windowText" lastClr="000000"/>
+                </a:solidFill>
+                <a:latin typeface="-apple-system"/>
+              </a:rPr>
+              <a:t>Nyx </a:t>
+            </a:r>
+            <a:r>
+              <a:rPr lang="ru-RU" dirty="0" smtClean="0">
+                <a:solidFill>
+                  <a:sysClr val="windowText" lastClr="000000"/>
+                </a:solidFill>
+                <a:latin typeface="-apple-system"/>
+              </a:rPr>
+              <a:t>и добавляет к нему инструменты для эффективного </a:t>
+            </a:r>
+            <a:r>
+              <a:rPr lang="ru-RU" dirty="0" err="1" smtClean="0">
+                <a:solidFill>
+                  <a:sysClr val="windowText" lastClr="000000"/>
+                </a:solidFill>
+                <a:latin typeface="-apple-system"/>
+              </a:rPr>
+              <a:t>фаззинга</a:t>
+            </a:r>
+            <a:r>
+              <a:rPr lang="ru-RU" dirty="0" smtClean="0">
+                <a:solidFill>
+                  <a:sysClr val="windowText" lastClr="000000"/>
+                </a:solidFill>
+                <a:latin typeface="-apple-system"/>
+              </a:rPr>
+              <a:t> веб-приложений. Например, библиотека, написанная на языке </a:t>
+            </a:r>
+            <a:r>
+              <a:rPr lang="en-US" dirty="0" smtClean="0">
+                <a:solidFill>
+                  <a:sysClr val="windowText" lastClr="000000"/>
+                </a:solidFill>
+                <a:latin typeface="-apple-system"/>
+              </a:rPr>
+              <a:t>Python, </a:t>
+            </a:r>
+            <a:r>
+              <a:rPr lang="ru-RU" dirty="0" smtClean="0">
+                <a:solidFill>
+                  <a:sysClr val="windowText" lastClr="000000"/>
+                </a:solidFill>
+                <a:latin typeface="-apple-system"/>
+              </a:rPr>
+              <a:t>которая позволяет сформировать тестовый корпус на базе сетевого дампа приложения</a:t>
+            </a:r>
+            <a:r>
+              <a:rPr lang="en-US" dirty="0" smtClean="0">
+                <a:solidFill>
+                  <a:sysClr val="windowText" lastClr="000000"/>
+                </a:solidFill>
+                <a:latin typeface="-apple-system"/>
+              </a:rPr>
+              <a:t> [5]</a:t>
+            </a:r>
+            <a:endParaRPr lang="ru-RU" dirty="0" smtClean="0">
+              <a:solidFill>
+                <a:sysClr val="windowText" lastClr="000000"/>
+              </a:solidFill>
+              <a:latin typeface="-apple-system"/>
+            </a:endParaRPr>
+          </a:p>
+          <a:p>
+            <a:pPr marL="285750" indent="-285750">
+              <a:buFont typeface="Arial" panose="020B0604020202020204" pitchFamily="34" charset="0"/>
+              <a:buChar char="•"/>
+            </a:pPr>
+            <a:endParaRPr lang="ru-RU" dirty="0">
+              <a:solidFill>
+                <a:sysClr val="windowText" lastClr="000000"/>
+              </a:solidFill>
+              <a:latin typeface="-apple-system"/>
+            </a:endParaRPr>
+          </a:p>
+          <a:p>
+            <a:pPr marL="285750" indent="-285750">
+              <a:buFont typeface="Arial" panose="020B0604020202020204" pitchFamily="34" charset="0"/>
+              <a:buChar char="•"/>
+            </a:pPr>
+            <a:r>
+              <a:rPr lang="ru-RU" dirty="0" smtClean="0">
+                <a:solidFill>
+                  <a:sysClr val="windowText" lastClr="000000"/>
+                </a:solidFill>
+                <a:latin typeface="-apple-system"/>
+              </a:rPr>
+              <a:t>Слой сетевой эмуляции обеспечивает совместимость с любой </a:t>
+            </a:r>
+            <a:r>
+              <a:rPr lang="en-US" dirty="0" smtClean="0">
+                <a:solidFill>
+                  <a:sysClr val="windowText" lastClr="000000"/>
+                </a:solidFill>
+                <a:latin typeface="-apple-system"/>
+              </a:rPr>
+              <a:t>POSIX-</a:t>
+            </a:r>
+            <a:r>
+              <a:rPr lang="ru-RU" dirty="0" smtClean="0">
+                <a:solidFill>
+                  <a:sysClr val="windowText" lastClr="000000"/>
+                </a:solidFill>
+                <a:latin typeface="-apple-system"/>
+              </a:rPr>
+              <a:t>совместимой ОС</a:t>
+            </a:r>
+            <a:endParaRPr lang="ru-RU" dirty="0">
+              <a:solidFill>
+                <a:sysClr val="windowText" lastClr="000000"/>
+              </a:solidFill>
+            </a:endParaRPr>
           </a:p>
         </p:txBody>
       </p:sp>
     </p:spTree>
     <p:extLst>
       <p:ext uri="{BB962C8B-B14F-4D97-AF65-F5344CB8AC3E}">
-        <p14:creationId xmlns:p14="http://schemas.microsoft.com/office/powerpoint/2010/main" val="757873035"/>
+        <p14:creationId xmlns:p14="http://schemas.microsoft.com/office/powerpoint/2010/main" val="629736218"/>
       </p:ext>
     </p:extLst>
   </p:cSld>
@@ -16523,213 +17393,2068 @@
       </p:grpSpPr>
       <p:sp>
         <p:nvSpPr>
-          <p:cNvPr id="3" name="Текст 3">
+          <p:cNvPr id="2" name="Текст 1">
+            <a:extLst>
+              <a:ext uri="{FF2B5EF4-FFF2-40B4-BE49-F238E27FC236}">
+                <a16:creationId xmlns:a16="http://schemas.microsoft.com/office/drawing/2014/main" id="{34CF7266-1A7A-9629-D9A6-5784F0346D64}"/>
+              </a:ext>
+            </a:extLst>
+          </p:cNvPr>
+          <p:cNvSpPr>
+            <a:spLocks noGrp="1"/>
+          </p:cNvSpPr>
+          <p:nvPr>
+            <p:ph type="body" sz="half" idx="11"/>
+          </p:nvPr>
+        </p:nvSpPr>
+        <p:spPr/>
+        <p:txBody>
+          <a:bodyPr/>
+          <a:lstStyle/>
+          <a:p>
+            <a:r>
+              <a:rPr lang="en-US" dirty="0" smtClean="0"/>
+              <a:t>Nyx-Net</a:t>
+            </a:r>
+            <a:r>
+              <a:rPr lang="ru-RU" dirty="0" smtClean="0"/>
+              <a:t>: </a:t>
+            </a:r>
+            <a:r>
+              <a:rPr lang="en-US" dirty="0" smtClean="0"/>
+              <a:t>NETWORK OPTIMIZATION</a:t>
+            </a:r>
+            <a:endParaRPr lang="ru-RU" dirty="0"/>
+          </a:p>
+        </p:txBody>
+      </p:sp>
+      <p:sp>
+        <p:nvSpPr>
+          <p:cNvPr id="4" name="Текст 3">
             <a:extLst>
               <a:ext uri="{FF2B5EF4-FFF2-40B4-BE49-F238E27FC236}">
                 <a16:creationId xmlns:a16="http://schemas.microsoft.com/office/drawing/2014/main" id="{8A2D0C14-EAD0-9B0E-6354-FD1A4344047A}"/>
               </a:ext>
             </a:extLst>
           </p:cNvPr>
-          <p:cNvSpPr txBox="1">
-            <a:spLocks/>
+          <p:cNvSpPr>
+            <a:spLocks noGrp="1"/>
           </p:cNvSpPr>
+          <p:nvPr>
+            <p:ph type="body" sz="half" idx="14"/>
+          </p:nvPr>
+        </p:nvSpPr>
+        <p:spPr/>
+        <p:txBody>
+          <a:bodyPr/>
+          <a:lstStyle/>
+          <a:p>
+            <a:r>
+              <a:rPr lang="kk-KZ" dirty="0"/>
+              <a:t>Фаззинг виртуальной машины</a:t>
+            </a:r>
+            <a:r>
+              <a:rPr lang="ru-RU" dirty="0"/>
+              <a:t>. </a:t>
+            </a:r>
+            <a:r>
+              <a:rPr lang="ru-RU" dirty="0" smtClean="0"/>
+              <a:t>Оптимизация</a:t>
+            </a:r>
+            <a:endParaRPr lang="ru-RU" dirty="0"/>
+          </a:p>
+          <a:p>
+            <a:endParaRPr lang="ru-RU" dirty="0"/>
+          </a:p>
+        </p:txBody>
+      </p:sp>
+      <p:sp>
+        <p:nvSpPr>
+          <p:cNvPr id="3" name="Прямоугольник 2"/>
+          <p:cNvSpPr/>
           <p:nvPr/>
         </p:nvSpPr>
         <p:spPr>
           <a:xfrm>
-            <a:off x="5780965" y="3519010"/>
-            <a:ext cx="4815535" cy="675075"/>
-          </a:xfrm>
-          <a:prstGeom prst="rect">
-            <a:avLst/>
-          </a:prstGeom>
-        </p:spPr>
-        <p:txBody>
-          <a:bodyPr/>
-          <a:lstStyle>
-            <a:lvl1pPr marL="228600" indent="-228600" algn="l" defTabSz="914400" rtl="0" eaLnBrk="1" latinLnBrk="0" hangingPunct="1">
-              <a:lnSpc>
-                <a:spcPct val="90000"/>
-              </a:lnSpc>
-              <a:spcBef>
-                <a:spcPts val="1000"/>
-              </a:spcBef>
+            <a:off x="442912" y="1898830"/>
+            <a:ext cx="9889688" cy="3693319"/>
+          </a:xfrm>
+          <a:prstGeom prst="rect">
+            <a:avLst/>
+          </a:prstGeom>
+        </p:spPr>
+        <p:txBody>
+          <a:bodyPr wrap="square">
+            <a:spAutoFit/>
+          </a:bodyPr>
+          <a:lstStyle/>
+          <a:p>
+            <a:pPr marL="285750" indent="-285750">
               <a:buFont typeface="Arial" panose="020B0604020202020204" pitchFamily="34" charset="0"/>
               <a:buChar char="•"/>
-              <a:defRPr sz="2800" kern="1200">
-                <a:solidFill>
-                  <a:schemeClr val="tx1"/>
-                </a:solidFill>
-                <a:latin typeface="+mn-lt"/>
-                <a:ea typeface="+mn-ea"/>
-                <a:cs typeface="+mn-cs"/>
-              </a:defRPr>
-            </a:lvl1pPr>
-            <a:lvl2pPr marL="685800" indent="-228600" algn="l" defTabSz="914400" rtl="0" eaLnBrk="1" latinLnBrk="0" hangingPunct="1">
-              <a:lnSpc>
-                <a:spcPct val="90000"/>
-              </a:lnSpc>
-              <a:spcBef>
-                <a:spcPts val="500"/>
-              </a:spcBef>
+            </a:pPr>
+            <a:r>
+              <a:rPr lang="ru-RU" dirty="0" smtClean="0">
+                <a:solidFill>
+                  <a:sysClr val="windowText" lastClr="000000"/>
+                </a:solidFill>
+                <a:latin typeface="-apple-system"/>
+              </a:rPr>
+              <a:t>Использование сетевого стека значительно медленнее, чем чтение из файла</a:t>
+            </a:r>
+          </a:p>
+          <a:p>
+            <a:pPr marL="285750" indent="-285750">
               <a:buFont typeface="Arial" panose="020B0604020202020204" pitchFamily="34" charset="0"/>
               <a:buChar char="•"/>
-              <a:defRPr sz="2400" kern="1200">
-                <a:solidFill>
-                  <a:schemeClr val="tx1"/>
-                </a:solidFill>
-                <a:latin typeface="+mn-lt"/>
-                <a:ea typeface="+mn-ea"/>
-                <a:cs typeface="+mn-cs"/>
-              </a:defRPr>
-            </a:lvl2pPr>
-            <a:lvl3pPr marL="1143000" indent="-228600" algn="l" defTabSz="914400" rtl="0" eaLnBrk="1" latinLnBrk="0" hangingPunct="1">
-              <a:lnSpc>
-                <a:spcPct val="90000"/>
-              </a:lnSpc>
-              <a:spcBef>
-                <a:spcPts val="500"/>
-              </a:spcBef>
+            </a:pPr>
+            <a:endParaRPr lang="ru-RU" dirty="0">
+              <a:solidFill>
+                <a:sysClr val="windowText" lastClr="000000"/>
+              </a:solidFill>
+              <a:latin typeface="-apple-system"/>
+            </a:endParaRPr>
+          </a:p>
+          <a:p>
+            <a:pPr marL="285750" indent="-285750">
               <a:buFont typeface="Arial" panose="020B0604020202020204" pitchFamily="34" charset="0"/>
               <a:buChar char="•"/>
-              <a:defRPr sz="2000" kern="1200">
-                <a:solidFill>
-                  <a:schemeClr val="tx1"/>
-                </a:solidFill>
-                <a:latin typeface="+mn-lt"/>
-                <a:ea typeface="+mn-ea"/>
-                <a:cs typeface="+mn-cs"/>
-              </a:defRPr>
-            </a:lvl3pPr>
-            <a:lvl4pPr marL="1600200" indent="-228600" algn="l" defTabSz="914400" rtl="0" eaLnBrk="1" latinLnBrk="0" hangingPunct="1">
-              <a:lnSpc>
-                <a:spcPct val="90000"/>
-              </a:lnSpc>
-              <a:spcBef>
-                <a:spcPts val="500"/>
-              </a:spcBef>
+            </a:pPr>
+            <a:r>
+              <a:rPr lang="en-US" dirty="0" smtClean="0">
+                <a:solidFill>
+                  <a:sysClr val="windowText" lastClr="000000"/>
+                </a:solidFill>
+                <a:latin typeface="-apple-system"/>
+              </a:rPr>
+              <a:t>Nyx-Net </a:t>
+            </a:r>
+            <a:r>
+              <a:rPr lang="ru-RU" dirty="0" smtClean="0">
+                <a:solidFill>
+                  <a:sysClr val="windowText" lastClr="000000"/>
+                </a:solidFill>
+                <a:latin typeface="-apple-system"/>
+              </a:rPr>
+              <a:t>предоставляет слой сетевой совместимости в виде библиотеки, которая линкуется к приложению статически или в </a:t>
+            </a:r>
+            <a:r>
+              <a:rPr lang="ru-RU" dirty="0" err="1" smtClean="0">
+                <a:solidFill>
+                  <a:sysClr val="windowText" lastClr="000000"/>
+                </a:solidFill>
+                <a:latin typeface="-apple-system"/>
+              </a:rPr>
+              <a:t>рантайме</a:t>
+            </a:r>
+            <a:r>
+              <a:rPr lang="ru-RU" dirty="0" smtClean="0">
+                <a:solidFill>
+                  <a:sysClr val="windowText" lastClr="000000"/>
+                </a:solidFill>
+                <a:latin typeface="-apple-system"/>
+              </a:rPr>
+              <a:t> используя технику </a:t>
+            </a:r>
+            <a:r>
+              <a:rPr lang="en-US" dirty="0" smtClean="0">
+                <a:solidFill>
+                  <a:sysClr val="windowText" lastClr="000000"/>
+                </a:solidFill>
+                <a:latin typeface="-apple-system"/>
+              </a:rPr>
+              <a:t>LD_PRELOAD</a:t>
+            </a:r>
+            <a:endParaRPr lang="ru-RU" dirty="0" smtClean="0">
+              <a:solidFill>
+                <a:sysClr val="windowText" lastClr="000000"/>
+              </a:solidFill>
+              <a:latin typeface="-apple-system"/>
+            </a:endParaRPr>
+          </a:p>
+          <a:p>
+            <a:pPr marL="285750" indent="-285750">
               <a:buFont typeface="Arial" panose="020B0604020202020204" pitchFamily="34" charset="0"/>
               <a:buChar char="•"/>
-              <a:defRPr sz="1800" kern="1200">
-                <a:solidFill>
-                  <a:schemeClr val="tx1"/>
-                </a:solidFill>
-                <a:latin typeface="+mn-lt"/>
-                <a:ea typeface="+mn-ea"/>
-                <a:cs typeface="+mn-cs"/>
-              </a:defRPr>
-            </a:lvl4pPr>
-            <a:lvl5pPr marL="2057400" indent="-228600" algn="l" defTabSz="914400" rtl="0" eaLnBrk="1" latinLnBrk="0" hangingPunct="1">
-              <a:lnSpc>
-                <a:spcPct val="90000"/>
-              </a:lnSpc>
-              <a:spcBef>
-                <a:spcPts val="500"/>
-              </a:spcBef>
+            </a:pPr>
+            <a:endParaRPr lang="ru-RU" dirty="0" smtClean="0">
+              <a:solidFill>
+                <a:sysClr val="windowText" lastClr="000000"/>
+              </a:solidFill>
+              <a:latin typeface="-apple-system"/>
+            </a:endParaRPr>
+          </a:p>
+          <a:p>
+            <a:pPr marL="285750" indent="-285750">
               <a:buFont typeface="Arial" panose="020B0604020202020204" pitchFamily="34" charset="0"/>
               <a:buChar char="•"/>
-              <a:defRPr sz="1800" kern="1200">
-                <a:solidFill>
-                  <a:schemeClr val="tx1"/>
-                </a:solidFill>
-                <a:latin typeface="+mn-lt"/>
-                <a:ea typeface="+mn-ea"/>
-                <a:cs typeface="+mn-cs"/>
-              </a:defRPr>
-            </a:lvl5pPr>
-            <a:lvl6pPr marL="2514600" indent="-228600" algn="l" defTabSz="914400" rtl="0" eaLnBrk="1" latinLnBrk="0" hangingPunct="1">
-              <a:lnSpc>
-                <a:spcPct val="90000"/>
-              </a:lnSpc>
-              <a:spcBef>
-                <a:spcPts val="500"/>
-              </a:spcBef>
+            </a:pPr>
+            <a:r>
+              <a:rPr lang="ru-RU" dirty="0" smtClean="0">
+                <a:solidFill>
+                  <a:sysClr val="windowText" lastClr="000000"/>
+                </a:solidFill>
+                <a:latin typeface="-apple-system"/>
+              </a:rPr>
+              <a:t>Библиотека перехватывает стандартные вызовы для сетевых взаимодействий (</a:t>
+            </a:r>
+            <a:r>
+              <a:rPr lang="en-US" dirty="0" err="1" smtClean="0">
+                <a:solidFill>
+                  <a:sysClr val="windowText" lastClr="000000"/>
+                </a:solidFill>
+                <a:latin typeface="-apple-system"/>
+              </a:rPr>
+              <a:t>recv</a:t>
+            </a:r>
+            <a:r>
+              <a:rPr lang="en-US" dirty="0" smtClean="0">
+                <a:solidFill>
+                  <a:sysClr val="windowText" lastClr="000000"/>
+                </a:solidFill>
+                <a:latin typeface="-apple-system"/>
+              </a:rPr>
+              <a:t>(), read(), </a:t>
+            </a:r>
+            <a:r>
+              <a:rPr lang="en-US" dirty="0" err="1" smtClean="0">
+                <a:solidFill>
+                  <a:sysClr val="windowText" lastClr="000000"/>
+                </a:solidFill>
+                <a:latin typeface="-apple-system"/>
+              </a:rPr>
+              <a:t>epoll</a:t>
+            </a:r>
+            <a:r>
+              <a:rPr lang="en-US" dirty="0" smtClean="0">
+                <a:solidFill>
+                  <a:sysClr val="windowText" lastClr="000000"/>
+                </a:solidFill>
+                <a:latin typeface="-apple-system"/>
+              </a:rPr>
+              <a:t>(), select(), etc.) </a:t>
+            </a:r>
+            <a:r>
+              <a:rPr lang="ru-RU" dirty="0" smtClean="0">
+                <a:solidFill>
+                  <a:sysClr val="windowText" lastClr="000000"/>
+                </a:solidFill>
+                <a:latin typeface="-apple-system"/>
+              </a:rPr>
+              <a:t>и подает на вход мутированные данные от </a:t>
+            </a:r>
+            <a:r>
+              <a:rPr lang="ru-RU" dirty="0" err="1" smtClean="0">
+                <a:solidFill>
+                  <a:sysClr val="windowText" lastClr="000000"/>
+                </a:solidFill>
+                <a:latin typeface="-apple-system"/>
+              </a:rPr>
+              <a:t>фаззера</a:t>
+            </a:r>
+            <a:endParaRPr lang="en-US" dirty="0" smtClean="0">
+              <a:solidFill>
+                <a:sysClr val="windowText" lastClr="000000"/>
+              </a:solidFill>
+              <a:latin typeface="-apple-system"/>
+            </a:endParaRPr>
+          </a:p>
+          <a:p>
+            <a:pPr marL="285750" indent="-285750">
               <a:buFont typeface="Arial" panose="020B0604020202020204" pitchFamily="34" charset="0"/>
               <a:buChar char="•"/>
-              <a:defRPr sz="1800" kern="1200">
-                <a:solidFill>
-                  <a:schemeClr val="tx1"/>
-                </a:solidFill>
-                <a:latin typeface="+mn-lt"/>
-                <a:ea typeface="+mn-ea"/>
-                <a:cs typeface="+mn-cs"/>
-              </a:defRPr>
-            </a:lvl6pPr>
-            <a:lvl7pPr marL="2971800" indent="-228600" algn="l" defTabSz="914400" rtl="0" eaLnBrk="1" latinLnBrk="0" hangingPunct="1">
-              <a:lnSpc>
-                <a:spcPct val="90000"/>
-              </a:lnSpc>
-              <a:spcBef>
-                <a:spcPts val="500"/>
-              </a:spcBef>
+            </a:pPr>
+            <a:endParaRPr lang="en-US" dirty="0">
+              <a:solidFill>
+                <a:sysClr val="windowText" lastClr="000000"/>
+              </a:solidFill>
+              <a:latin typeface="-apple-system"/>
+            </a:endParaRPr>
+          </a:p>
+          <a:p>
+            <a:pPr marL="285750" indent="-285750">
               <a:buFont typeface="Arial" panose="020B0604020202020204" pitchFamily="34" charset="0"/>
               <a:buChar char="•"/>
-              <a:defRPr sz="1800" kern="1200">
-                <a:solidFill>
-                  <a:schemeClr val="tx1"/>
-                </a:solidFill>
-                <a:latin typeface="+mn-lt"/>
-                <a:ea typeface="+mn-ea"/>
-                <a:cs typeface="+mn-cs"/>
-              </a:defRPr>
-            </a:lvl7pPr>
-            <a:lvl8pPr marL="3429000" indent="-228600" algn="l" defTabSz="914400" rtl="0" eaLnBrk="1" latinLnBrk="0" hangingPunct="1">
-              <a:lnSpc>
-                <a:spcPct val="90000"/>
-              </a:lnSpc>
-              <a:spcBef>
-                <a:spcPts val="500"/>
-              </a:spcBef>
+            </a:pPr>
+            <a:r>
+              <a:rPr lang="ru-RU" dirty="0" smtClean="0">
+                <a:solidFill>
+                  <a:sysClr val="windowText" lastClr="000000"/>
+                </a:solidFill>
+                <a:latin typeface="-apple-system"/>
+              </a:rPr>
+              <a:t>Также она следит за корректностью доставки данных нескольким одновременно запущенным процессам</a:t>
+            </a:r>
+          </a:p>
+          <a:p>
+            <a:pPr marL="285750" indent="-285750">
               <a:buFont typeface="Arial" panose="020B0604020202020204" pitchFamily="34" charset="0"/>
               <a:buChar char="•"/>
-              <a:defRPr sz="1800" kern="1200">
-                <a:solidFill>
-                  <a:schemeClr val="tx1"/>
-                </a:solidFill>
-                <a:latin typeface="+mn-lt"/>
-                <a:ea typeface="+mn-ea"/>
-                <a:cs typeface="+mn-cs"/>
-              </a:defRPr>
-            </a:lvl8pPr>
-            <a:lvl9pPr marL="3886200" indent="-228600" algn="l" defTabSz="914400" rtl="0" eaLnBrk="1" latinLnBrk="0" hangingPunct="1">
-              <a:lnSpc>
-                <a:spcPct val="90000"/>
-              </a:lnSpc>
-              <a:spcBef>
-                <a:spcPts val="500"/>
-              </a:spcBef>
+            </a:pPr>
+            <a:endParaRPr lang="ru-RU" dirty="0">
+              <a:solidFill>
+                <a:sysClr val="windowText" lastClr="000000"/>
+              </a:solidFill>
+              <a:latin typeface="-apple-system"/>
+            </a:endParaRPr>
+          </a:p>
+          <a:p>
+            <a:pPr marL="285750" indent="-285750">
               <a:buFont typeface="Arial" panose="020B0604020202020204" pitchFamily="34" charset="0"/>
               <a:buChar char="•"/>
-              <a:defRPr sz="1800" kern="1200">
-                <a:solidFill>
-                  <a:schemeClr val="tx1"/>
-                </a:solidFill>
-                <a:latin typeface="+mn-lt"/>
-                <a:ea typeface="+mn-ea"/>
-                <a:cs typeface="+mn-cs"/>
-              </a:defRPr>
-            </a:lvl9pPr>
-          </a:lstStyle>
-          <a:p>
-            <a:pPr marL="0" indent="0">
-              <a:buNone/>
             </a:pPr>
             <a:r>
-              <a:rPr lang="ru-RU" sz="3200" b="1" dirty="0" smtClean="0">
+              <a:rPr lang="ru-RU" dirty="0" smtClean="0">
+                <a:solidFill>
+                  <a:sysClr val="windowText" lastClr="000000"/>
+                </a:solidFill>
+                <a:latin typeface="-apple-system"/>
+              </a:rPr>
+              <a:t>Такой подход позволяет точно определить поверхность атаки, а также предоставить приложению тестируемые данные наиболее быстрым способом</a:t>
+            </a:r>
+          </a:p>
+        </p:txBody>
+      </p:sp>
+    </p:spTree>
+    <p:extLst>
+      <p:ext uri="{BB962C8B-B14F-4D97-AF65-F5344CB8AC3E}">
+        <p14:creationId xmlns:p14="http://schemas.microsoft.com/office/powerpoint/2010/main" val="3892508235"/>
+      </p:ext>
+    </p:extLst>
+  </p:cSld>
+  <p:clrMapOvr>
+    <a:masterClrMapping/>
+  </p:clrMapOvr>
+  <p:timing>
+    <p:tnLst>
+      <p:par>
+        <p:cTn id="1" dur="indefinite" restart="never" nodeType="tmRoot"/>
+      </p:par>
+    </p:tnLst>
+  </p:timing>
+</p:sld>
+</file>
+
+<file path=ppt/slides/slide16.xml><?xml version="1.0" encoding="utf-8"?>
+<p:sld xmlns:a="http://schemas.openxmlformats.org/drawingml/2006/main" xmlns:r="http://schemas.openxmlformats.org/officeDocument/2006/relationships" xmlns:p="http://schemas.openxmlformats.org/presentationml/2006/main">
+  <p:cSld>
+    <p:spTree>
+      <p:nvGrpSpPr>
+        <p:cNvPr id="1" name=""/>
+        <p:cNvGrpSpPr/>
+        <p:nvPr/>
+      </p:nvGrpSpPr>
+      <p:grpSpPr>
+        <a:xfrm>
+          <a:off x="0" y="0"/>
+          <a:ext cx="0" cy="0"/>
+          <a:chOff x="0" y="0"/>
+          <a:chExt cx="0" cy="0"/>
+        </a:xfrm>
+      </p:grpSpPr>
+      <p:sp>
+        <p:nvSpPr>
+          <p:cNvPr id="2" name="Текст 1">
+            <a:extLst>
+              <a:ext uri="{FF2B5EF4-FFF2-40B4-BE49-F238E27FC236}">
+                <a16:creationId xmlns:a16="http://schemas.microsoft.com/office/drawing/2014/main" id="{34CF7266-1A7A-9629-D9A6-5784F0346D64}"/>
+              </a:ext>
+            </a:extLst>
+          </p:cNvPr>
+          <p:cNvSpPr>
+            <a:spLocks noGrp="1"/>
+          </p:cNvSpPr>
+          <p:nvPr>
+            <p:ph type="body" sz="half" idx="11"/>
+          </p:nvPr>
+        </p:nvSpPr>
+        <p:spPr/>
+        <p:txBody>
+          <a:bodyPr/>
+          <a:lstStyle/>
+          <a:p>
+            <a:r>
+              <a:rPr lang="en-US" dirty="0" smtClean="0"/>
+              <a:t>Nyx-Net</a:t>
+            </a:r>
+            <a:r>
+              <a:rPr lang="ru-RU" dirty="0" smtClean="0"/>
+              <a:t>: </a:t>
+            </a:r>
+            <a:r>
+              <a:rPr lang="en-US" dirty="0" smtClean="0"/>
+              <a:t>REUSING SAME PROCESS</a:t>
+            </a:r>
+            <a:endParaRPr lang="ru-RU" dirty="0"/>
+          </a:p>
+        </p:txBody>
+      </p:sp>
+      <p:sp>
+        <p:nvSpPr>
+          <p:cNvPr id="4" name="Текст 3">
+            <a:extLst>
+              <a:ext uri="{FF2B5EF4-FFF2-40B4-BE49-F238E27FC236}">
+                <a16:creationId xmlns:a16="http://schemas.microsoft.com/office/drawing/2014/main" id="{8A2D0C14-EAD0-9B0E-6354-FD1A4344047A}"/>
+              </a:ext>
+            </a:extLst>
+          </p:cNvPr>
+          <p:cNvSpPr>
+            <a:spLocks noGrp="1"/>
+          </p:cNvSpPr>
+          <p:nvPr>
+            <p:ph type="body" sz="half" idx="14"/>
+          </p:nvPr>
+        </p:nvSpPr>
+        <p:spPr/>
+        <p:txBody>
+          <a:bodyPr/>
+          <a:lstStyle/>
+          <a:p>
+            <a:r>
+              <a:rPr lang="kk-KZ" dirty="0"/>
+              <a:t>Фаззинг виртуальной машины</a:t>
+            </a:r>
+            <a:r>
+              <a:rPr lang="ru-RU" dirty="0"/>
+              <a:t>. </a:t>
+            </a:r>
+            <a:r>
+              <a:rPr lang="ru-RU" dirty="0" smtClean="0"/>
+              <a:t>Оптимизация</a:t>
+            </a:r>
+            <a:endParaRPr lang="ru-RU" dirty="0"/>
+          </a:p>
+          <a:p>
+            <a:endParaRPr lang="ru-RU" dirty="0"/>
+          </a:p>
+        </p:txBody>
+      </p:sp>
+      <p:sp>
+        <p:nvSpPr>
+          <p:cNvPr id="3" name="Прямоугольник 2"/>
+          <p:cNvSpPr/>
+          <p:nvPr/>
+        </p:nvSpPr>
+        <p:spPr>
+          <a:xfrm>
+            <a:off x="436782" y="1382939"/>
+            <a:ext cx="11239838" cy="3139321"/>
+          </a:xfrm>
+          <a:prstGeom prst="rect">
+            <a:avLst/>
+          </a:prstGeom>
+        </p:spPr>
+        <p:txBody>
+          <a:bodyPr wrap="square">
+            <a:spAutoFit/>
+          </a:bodyPr>
+          <a:lstStyle/>
+          <a:p>
+            <a:pPr marL="285750" indent="-285750">
+              <a:buFont typeface="Arial" panose="020B0604020202020204" pitchFamily="34" charset="0"/>
+              <a:buChar char="•"/>
+            </a:pPr>
+            <a:r>
+              <a:rPr lang="ru-RU" dirty="0" smtClean="0">
+                <a:solidFill>
+                  <a:sysClr val="windowText" lastClr="000000"/>
+                </a:solidFill>
+              </a:rPr>
+              <a:t>Последовательное изменение состояний процесса могут влиять на результаты </a:t>
+            </a:r>
+            <a:r>
+              <a:rPr lang="ru-RU" dirty="0" err="1" smtClean="0">
+                <a:solidFill>
+                  <a:sysClr val="windowText" lastClr="000000"/>
+                </a:solidFill>
+              </a:rPr>
+              <a:t>фаззинга</a:t>
+            </a:r>
+            <a:r>
+              <a:rPr lang="ru-RU" dirty="0" smtClean="0">
+                <a:solidFill>
+                  <a:sysClr val="windowText" lastClr="000000"/>
+                </a:solidFill>
+              </a:rPr>
+              <a:t>, если не озаботиться их «очисткой» (при условии, что полный перезапуск сервера является затратной операцией)</a:t>
+            </a:r>
+          </a:p>
+          <a:p>
+            <a:pPr marL="285750" indent="-285750">
+              <a:buFont typeface="Arial" panose="020B0604020202020204" pitchFamily="34" charset="0"/>
+              <a:buChar char="•"/>
+            </a:pPr>
+            <a:endParaRPr lang="ru-RU" dirty="0">
+              <a:solidFill>
+                <a:sysClr val="windowText" lastClr="000000"/>
+              </a:solidFill>
+            </a:endParaRPr>
+          </a:p>
+          <a:p>
+            <a:pPr marL="285750" indent="-285750">
+              <a:buFont typeface="Arial" panose="020B0604020202020204" pitchFamily="34" charset="0"/>
+              <a:buChar char="•"/>
+            </a:pPr>
+            <a:r>
+              <a:rPr lang="ru-RU" dirty="0" smtClean="0">
+                <a:solidFill>
+                  <a:sysClr val="windowText" lastClr="000000"/>
+                </a:solidFill>
+              </a:rPr>
+              <a:t>Решается это путем создания снимка виртуальной машины прямо перед передачей ей тестовой нагрузки</a:t>
+            </a:r>
+          </a:p>
+          <a:p>
+            <a:pPr marL="285750" indent="-285750">
+              <a:buFont typeface="Arial" panose="020B0604020202020204" pitchFamily="34" charset="0"/>
+              <a:buChar char="•"/>
+            </a:pPr>
+            <a:endParaRPr lang="ru-RU" dirty="0">
+              <a:solidFill>
+                <a:sysClr val="windowText" lastClr="000000"/>
+              </a:solidFill>
+            </a:endParaRPr>
+          </a:p>
+          <a:p>
+            <a:pPr marL="285750" indent="-285750">
+              <a:buFont typeface="Arial" panose="020B0604020202020204" pitchFamily="34" charset="0"/>
+              <a:buChar char="•"/>
+            </a:pPr>
+            <a:r>
+              <a:rPr lang="ru-RU" dirty="0" smtClean="0">
+                <a:solidFill>
+                  <a:sysClr val="windowText" lastClr="000000"/>
+                </a:solidFill>
+              </a:rPr>
+              <a:t>Такой подход показывает себя гораздо более эффективным, чем общепринятый </a:t>
+            </a:r>
+            <a:r>
+              <a:rPr lang="en-US" dirty="0" smtClean="0">
+                <a:solidFill>
+                  <a:sysClr val="windowText" lastClr="000000"/>
+                </a:solidFill>
+              </a:rPr>
+              <a:t>AFL </a:t>
+            </a:r>
+            <a:r>
+              <a:rPr lang="en-US" dirty="0" err="1" smtClean="0">
+                <a:solidFill>
+                  <a:sysClr val="windowText" lastClr="000000"/>
+                </a:solidFill>
+              </a:rPr>
+              <a:t>forkserver</a:t>
+            </a:r>
+            <a:endParaRPr lang="en-US" dirty="0" smtClean="0">
+              <a:solidFill>
+                <a:sysClr val="windowText" lastClr="000000"/>
+              </a:solidFill>
+            </a:endParaRPr>
+          </a:p>
+          <a:p>
+            <a:pPr marL="285750" indent="-285750">
+              <a:buFont typeface="Arial" panose="020B0604020202020204" pitchFamily="34" charset="0"/>
+              <a:buChar char="•"/>
+            </a:pPr>
+            <a:endParaRPr lang="en-US" dirty="0">
+              <a:solidFill>
+                <a:sysClr val="windowText" lastClr="000000"/>
+              </a:solidFill>
+            </a:endParaRPr>
+          </a:p>
+          <a:p>
+            <a:pPr marL="285750" indent="-285750">
+              <a:buFont typeface="Arial" panose="020B0604020202020204" pitchFamily="34" charset="0"/>
+              <a:buChar char="•"/>
+            </a:pPr>
+            <a:r>
+              <a:rPr lang="ru-RU" dirty="0" smtClean="0">
+                <a:solidFill>
+                  <a:sysClr val="windowText" lastClr="000000"/>
+                </a:solidFill>
+              </a:rPr>
+              <a:t>Также он позволяет внедрить множество оптимизаций (работа со страницами памяти, </a:t>
+            </a:r>
+            <a:r>
+              <a:rPr lang="ru-RU" dirty="0" err="1" smtClean="0">
+                <a:solidFill>
+                  <a:sysClr val="windowText" lastClr="000000"/>
+                </a:solidFill>
+              </a:rPr>
+              <a:t>маппинг</a:t>
+            </a:r>
+            <a:r>
+              <a:rPr lang="ru-RU" dirty="0" smtClean="0">
+                <a:solidFill>
+                  <a:sysClr val="windowText" lastClr="000000"/>
+                </a:solidFill>
+              </a:rPr>
+              <a:t> памяти, потребление памяти и т.д.) и стратегий </a:t>
+            </a:r>
+            <a:r>
+              <a:rPr lang="ru-RU" dirty="0" err="1" smtClean="0">
+                <a:solidFill>
+                  <a:sysClr val="windowText" lastClr="000000"/>
+                </a:solidFill>
+              </a:rPr>
+              <a:t>фаззинга</a:t>
+            </a:r>
+            <a:endParaRPr lang="ru-RU" dirty="0">
+              <a:solidFill>
+                <a:sysClr val="windowText" lastClr="000000"/>
+              </a:solidFill>
+            </a:endParaRPr>
+          </a:p>
+        </p:txBody>
+      </p:sp>
+      <p:pic>
+        <p:nvPicPr>
+          <p:cNvPr id="5" name="Рисунок 4"/>
+          <p:cNvPicPr>
+            <a:picLocks noChangeAspect="1"/>
+          </p:cNvPicPr>
+          <p:nvPr/>
+        </p:nvPicPr>
+        <p:blipFill>
+          <a:blip r:embed="rId2"/>
+          <a:stretch>
+            <a:fillRect/>
+          </a:stretch>
+        </p:blipFill>
+        <p:spPr>
+          <a:xfrm>
+            <a:off x="436781" y="4914165"/>
+            <a:ext cx="6787827" cy="1628531"/>
+          </a:xfrm>
+          <a:prstGeom prst="rect">
+            <a:avLst/>
+          </a:prstGeom>
+          <a:ln w="57150">
+            <a:solidFill>
+              <a:schemeClr val="tx1"/>
+            </a:solidFill>
+          </a:ln>
+        </p:spPr>
+      </p:pic>
+      <p:sp>
+        <p:nvSpPr>
+          <p:cNvPr id="6" name="TextBox 5"/>
+          <p:cNvSpPr txBox="1"/>
+          <p:nvPr/>
+        </p:nvSpPr>
+        <p:spPr>
+          <a:xfrm>
+            <a:off x="7224608" y="5634245"/>
+            <a:ext cx="4880865" cy="369332"/>
+          </a:xfrm>
+          <a:prstGeom prst="rect">
+            <a:avLst/>
+          </a:prstGeom>
+          <a:noFill/>
+        </p:spPr>
+        <p:txBody>
+          <a:bodyPr wrap="square" rtlCol="0">
+            <a:spAutoFit/>
+          </a:bodyPr>
+          <a:lstStyle/>
+          <a:p>
+            <a:r>
+              <a:rPr lang="ru-RU" dirty="0" smtClean="0">
+                <a:solidFill>
+                  <a:sysClr val="windowText" lastClr="000000"/>
+                </a:solidFill>
+              </a:rPr>
+              <a:t>Рис. 3 – Механизм накопительных снимков</a:t>
+            </a:r>
+            <a:endParaRPr lang="ru-RU" dirty="0">
+              <a:solidFill>
+                <a:sysClr val="windowText" lastClr="000000"/>
+              </a:solidFill>
+            </a:endParaRPr>
+          </a:p>
+        </p:txBody>
+      </p:sp>
+    </p:spTree>
+    <p:extLst>
+      <p:ext uri="{BB962C8B-B14F-4D97-AF65-F5344CB8AC3E}">
+        <p14:creationId xmlns:p14="http://schemas.microsoft.com/office/powerpoint/2010/main" val="2697680747"/>
+      </p:ext>
+    </p:extLst>
+  </p:cSld>
+  <p:clrMapOvr>
+    <a:masterClrMapping/>
+  </p:clrMapOvr>
+  <p:timing>
+    <p:tnLst>
+      <p:par>
+        <p:cTn id="1" dur="indefinite" restart="never" nodeType="tmRoot"/>
+      </p:par>
+    </p:tnLst>
+  </p:timing>
+</p:sld>
+</file>
+
+<file path=ppt/slides/slide17.xml><?xml version="1.0" encoding="utf-8"?>
+<p:sld xmlns:a="http://schemas.openxmlformats.org/drawingml/2006/main" xmlns:r="http://schemas.openxmlformats.org/officeDocument/2006/relationships" xmlns:p="http://schemas.openxmlformats.org/presentationml/2006/main">
+  <p:cSld>
+    <p:spTree>
+      <p:nvGrpSpPr>
+        <p:cNvPr id="1" name=""/>
+        <p:cNvGrpSpPr/>
+        <p:nvPr/>
+      </p:nvGrpSpPr>
+      <p:grpSpPr>
+        <a:xfrm>
+          <a:off x="0" y="0"/>
+          <a:ext cx="0" cy="0"/>
+          <a:chOff x="0" y="0"/>
+          <a:chExt cx="0" cy="0"/>
+        </a:xfrm>
+      </p:grpSpPr>
+      <p:sp>
+        <p:nvSpPr>
+          <p:cNvPr id="2" name="Текст 1">
+            <a:extLst>
+              <a:ext uri="{FF2B5EF4-FFF2-40B4-BE49-F238E27FC236}">
+                <a16:creationId xmlns:a16="http://schemas.microsoft.com/office/drawing/2014/main" id="{34CF7266-1A7A-9629-D9A6-5784F0346D64}"/>
+              </a:ext>
+            </a:extLst>
+          </p:cNvPr>
+          <p:cNvSpPr>
+            <a:spLocks noGrp="1"/>
+          </p:cNvSpPr>
+          <p:nvPr>
+            <p:ph type="body" sz="half" idx="11"/>
+          </p:nvPr>
+        </p:nvSpPr>
+        <p:spPr>
+          <a:xfrm>
+            <a:off x="442912" y="818710"/>
+            <a:ext cx="9974262" cy="381000"/>
+          </a:xfrm>
+        </p:spPr>
+        <p:txBody>
+          <a:bodyPr/>
+          <a:lstStyle/>
+          <a:p>
+            <a:r>
+              <a:rPr lang="en-US" dirty="0" smtClean="0"/>
+              <a:t>Nyx-Net: </a:t>
+            </a:r>
+            <a:r>
+              <a:rPr lang="ru-RU" dirty="0" smtClean="0"/>
+              <a:t>НЕДОСТАТКИ</a:t>
+            </a:r>
+            <a:endParaRPr lang="ru-RU" dirty="0"/>
+          </a:p>
+        </p:txBody>
+      </p:sp>
+      <p:sp>
+        <p:nvSpPr>
+          <p:cNvPr id="4" name="Текст 3">
+            <a:extLst>
+              <a:ext uri="{FF2B5EF4-FFF2-40B4-BE49-F238E27FC236}">
+                <a16:creationId xmlns:a16="http://schemas.microsoft.com/office/drawing/2014/main" id="{8A2D0C14-EAD0-9B0E-6354-FD1A4344047A}"/>
+              </a:ext>
+            </a:extLst>
+          </p:cNvPr>
+          <p:cNvSpPr>
+            <a:spLocks noGrp="1"/>
+          </p:cNvSpPr>
+          <p:nvPr>
+            <p:ph type="body" sz="half" idx="14"/>
+          </p:nvPr>
+        </p:nvSpPr>
+        <p:spPr/>
+        <p:txBody>
+          <a:bodyPr/>
+          <a:lstStyle/>
+          <a:p>
+            <a:r>
+              <a:rPr lang="kk-KZ" dirty="0">
+                <a:solidFill>
+                  <a:sysClr val="windowText" lastClr="000000"/>
+                </a:solidFill>
+              </a:rPr>
+              <a:t>Фаззинг виртуальной </a:t>
+            </a:r>
+            <a:r>
+              <a:rPr lang="kk-KZ" dirty="0" smtClean="0">
+                <a:solidFill>
+                  <a:sysClr val="windowText" lastClr="000000"/>
+                </a:solidFill>
+              </a:rPr>
+              <a:t>машины. Типы</a:t>
+            </a:r>
+            <a:endParaRPr lang="ru-RU" dirty="0">
+              <a:solidFill>
+                <a:sysClr val="windowText" lastClr="000000"/>
+              </a:solidFill>
+            </a:endParaRPr>
+          </a:p>
+        </p:txBody>
+      </p:sp>
+      <p:sp>
+        <p:nvSpPr>
+          <p:cNvPr id="5" name="TextBox 4"/>
+          <p:cNvSpPr txBox="1"/>
+          <p:nvPr/>
+        </p:nvSpPr>
+        <p:spPr>
+          <a:xfrm>
+            <a:off x="442912" y="1718810"/>
+            <a:ext cx="8578413" cy="4401205"/>
+          </a:xfrm>
+          <a:prstGeom prst="rect">
+            <a:avLst/>
+          </a:prstGeom>
+          <a:noFill/>
+        </p:spPr>
+        <p:txBody>
+          <a:bodyPr wrap="square" rtlCol="0">
+            <a:spAutoFit/>
+          </a:bodyPr>
+          <a:lstStyle/>
+          <a:p>
+            <a:pPr marL="285750" indent="-285750">
+              <a:buFont typeface="Arial" panose="020B0604020202020204" pitchFamily="34" charset="0"/>
+              <a:buChar char="•"/>
+            </a:pPr>
+            <a:r>
+              <a:rPr lang="ru-RU" sz="2000" dirty="0" smtClean="0">
+                <a:solidFill>
+                  <a:sysClr val="windowText" lastClr="000000"/>
+                </a:solidFill>
+              </a:rPr>
+              <a:t>Отсутствие </a:t>
+            </a:r>
+            <a:r>
+              <a:rPr lang="ru-RU" sz="2000" dirty="0" err="1" smtClean="0">
+                <a:solidFill>
+                  <a:sysClr val="windowText" lastClr="000000"/>
+                </a:solidFill>
+              </a:rPr>
+              <a:t>инструментации</a:t>
+            </a:r>
+            <a:r>
+              <a:rPr lang="ru-RU" sz="2000" dirty="0" smtClean="0">
+                <a:solidFill>
+                  <a:sysClr val="windowText" lastClr="000000"/>
+                </a:solidFill>
+              </a:rPr>
+              <a:t> не позволяет отследить ошибочные обращения к памяти</a:t>
+            </a:r>
+          </a:p>
+          <a:p>
+            <a:pPr marL="285750" indent="-285750">
+              <a:buFont typeface="Arial" panose="020B0604020202020204" pitchFamily="34" charset="0"/>
+              <a:buChar char="•"/>
+            </a:pPr>
+            <a:endParaRPr lang="ru-RU" sz="2000" dirty="0" smtClean="0">
+              <a:solidFill>
+                <a:sysClr val="windowText" lastClr="000000"/>
+              </a:solidFill>
+            </a:endParaRPr>
+          </a:p>
+          <a:p>
+            <a:pPr marL="285750" indent="-285750">
+              <a:buFont typeface="Arial" panose="020B0604020202020204" pitchFamily="34" charset="0"/>
+              <a:buChar char="•"/>
+            </a:pPr>
+            <a:r>
+              <a:rPr lang="ru-RU" sz="2000" dirty="0" smtClean="0">
+                <a:solidFill>
+                  <a:sysClr val="windowText" lastClr="000000"/>
+                </a:solidFill>
+              </a:rPr>
+              <a:t>Для воспроизведения ошибки может потребоваться повторить в точности всю историю </a:t>
+            </a:r>
+            <a:r>
+              <a:rPr lang="ru-RU" sz="2000" dirty="0" err="1" smtClean="0">
+                <a:solidFill>
+                  <a:sysClr val="windowText" lastClr="000000"/>
+                </a:solidFill>
+              </a:rPr>
+              <a:t>фаззинга</a:t>
+            </a:r>
+            <a:endParaRPr lang="ru-RU" sz="2000" dirty="0" smtClean="0">
+              <a:solidFill>
+                <a:sysClr val="windowText" lastClr="000000"/>
+              </a:solidFill>
+            </a:endParaRPr>
+          </a:p>
+          <a:p>
+            <a:pPr marL="285750" indent="-285750">
+              <a:buFont typeface="Arial" panose="020B0604020202020204" pitchFamily="34" charset="0"/>
+              <a:buChar char="•"/>
+            </a:pPr>
+            <a:endParaRPr lang="ru-RU" sz="2000" dirty="0" smtClean="0">
+              <a:solidFill>
+                <a:sysClr val="windowText" lastClr="000000"/>
+              </a:solidFill>
+            </a:endParaRPr>
+          </a:p>
+          <a:p>
+            <a:pPr marL="285750" indent="-285750">
+              <a:buFont typeface="Arial" panose="020B0604020202020204" pitchFamily="34" charset="0"/>
+              <a:buChar char="•"/>
+            </a:pPr>
+            <a:r>
+              <a:rPr lang="ru-RU" sz="2000" dirty="0" smtClean="0">
+                <a:solidFill>
+                  <a:sysClr val="windowText" lastClr="000000"/>
+                </a:solidFill>
+              </a:rPr>
+              <a:t>Нивелирует этот недостаток </a:t>
+            </a:r>
+            <a:r>
+              <a:rPr lang="en-US" sz="2000" dirty="0" smtClean="0">
+                <a:solidFill>
+                  <a:sysClr val="windowText" lastClr="000000"/>
+                </a:solidFill>
+              </a:rPr>
+              <a:t>snapshot-based </a:t>
+            </a:r>
+            <a:r>
+              <a:rPr lang="kk-KZ" sz="2000" dirty="0" smtClean="0">
+                <a:solidFill>
+                  <a:sysClr val="windowText" lastClr="000000"/>
+                </a:solidFill>
+              </a:rPr>
+              <a:t>подход</a:t>
+            </a:r>
+            <a:r>
+              <a:rPr lang="ru-RU" sz="2000" dirty="0" smtClean="0">
+                <a:solidFill>
+                  <a:sysClr val="windowText" lastClr="000000"/>
+                </a:solidFill>
+              </a:rPr>
+              <a:t>, который позволяет каждый прогон запускать на дампе виртуальной машины</a:t>
+            </a:r>
+          </a:p>
+          <a:p>
+            <a:pPr marL="285750" indent="-285750">
+              <a:buFont typeface="Arial" panose="020B0604020202020204" pitchFamily="34" charset="0"/>
+              <a:buChar char="•"/>
+            </a:pPr>
+            <a:endParaRPr lang="ru-RU" sz="2000" dirty="0" smtClean="0">
+              <a:solidFill>
+                <a:sysClr val="windowText" lastClr="000000"/>
+              </a:solidFill>
+            </a:endParaRPr>
+          </a:p>
+          <a:p>
+            <a:pPr marL="285750" indent="-285750">
+              <a:buFont typeface="Arial" panose="020B0604020202020204" pitchFamily="34" charset="0"/>
+              <a:buChar char="•"/>
+            </a:pPr>
+            <a:r>
+              <a:rPr lang="ru-RU" sz="2000" dirty="0" smtClean="0">
+                <a:solidFill>
+                  <a:sysClr val="windowText" lastClr="000000"/>
+                </a:solidFill>
+              </a:rPr>
+              <a:t>Все еще невозможно отследить ошибки памяти</a:t>
+            </a:r>
+          </a:p>
+          <a:p>
+            <a:pPr marL="285750" indent="-285750">
+              <a:buFont typeface="Arial" panose="020B0604020202020204" pitchFamily="34" charset="0"/>
+              <a:buChar char="•"/>
+            </a:pPr>
+            <a:endParaRPr lang="ru-RU" sz="2000" dirty="0" smtClean="0">
+              <a:solidFill>
+                <a:sysClr val="windowText" lastClr="000000"/>
+              </a:solidFill>
+            </a:endParaRPr>
+          </a:p>
+          <a:p>
+            <a:pPr marL="285750" indent="-285750">
+              <a:buFont typeface="Arial" panose="020B0604020202020204" pitchFamily="34" charset="0"/>
+              <a:buChar char="•"/>
+            </a:pPr>
+            <a:r>
+              <a:rPr lang="ru-RU" sz="2000" dirty="0" smtClean="0">
+                <a:solidFill>
+                  <a:sysClr val="windowText" lastClr="000000"/>
+                </a:solidFill>
+              </a:rPr>
+              <a:t>Требуется написание агента, который будет запускаться внутри виртуальной машины и являться ключевым звеном, определяющим эффективность </a:t>
+            </a:r>
+            <a:r>
+              <a:rPr lang="ru-RU" sz="2000" dirty="0" err="1" smtClean="0">
+                <a:solidFill>
+                  <a:sysClr val="windowText" lastClr="000000"/>
+                </a:solidFill>
+              </a:rPr>
+              <a:t>фаззинга</a:t>
+            </a:r>
+            <a:endParaRPr lang="ru-RU" sz="2000" dirty="0">
+              <a:solidFill>
+                <a:sysClr val="windowText" lastClr="000000"/>
+              </a:solidFill>
+            </a:endParaRPr>
+          </a:p>
+        </p:txBody>
+      </p:sp>
+    </p:spTree>
+    <p:extLst>
+      <p:ext uri="{BB962C8B-B14F-4D97-AF65-F5344CB8AC3E}">
+        <p14:creationId xmlns:p14="http://schemas.microsoft.com/office/powerpoint/2010/main" val="3304444939"/>
+      </p:ext>
+    </p:extLst>
+  </p:cSld>
+  <p:clrMapOvr>
+    <a:masterClrMapping/>
+  </p:clrMapOvr>
+  <p:timing>
+    <p:tnLst>
+      <p:par>
+        <p:cTn id="1" dur="indefinite" restart="never" nodeType="tmRoot"/>
+      </p:par>
+    </p:tnLst>
+  </p:timing>
+</p:sld>
+</file>
+
+<file path=ppt/slides/slide18.xml><?xml version="1.0" encoding="utf-8"?>
+<p:sld xmlns:a="http://schemas.openxmlformats.org/drawingml/2006/main" xmlns:r="http://schemas.openxmlformats.org/officeDocument/2006/relationships" xmlns:p="http://schemas.openxmlformats.org/presentationml/2006/main">
+  <p:cSld>
+    <p:spTree>
+      <p:nvGrpSpPr>
+        <p:cNvPr id="1" name=""/>
+        <p:cNvGrpSpPr/>
+        <p:nvPr/>
+      </p:nvGrpSpPr>
+      <p:grpSpPr>
+        <a:xfrm>
+          <a:off x="0" y="0"/>
+          <a:ext cx="0" cy="0"/>
+          <a:chOff x="0" y="0"/>
+          <a:chExt cx="0" cy="0"/>
+        </a:xfrm>
+      </p:grpSpPr>
+      <p:sp>
+        <p:nvSpPr>
+          <p:cNvPr id="2" name="Текст 1">
+            <a:extLst>
+              <a:ext uri="{FF2B5EF4-FFF2-40B4-BE49-F238E27FC236}">
+                <a16:creationId xmlns:a16="http://schemas.microsoft.com/office/drawing/2014/main" id="{34CF7266-1A7A-9629-D9A6-5784F0346D64}"/>
+              </a:ext>
+            </a:extLst>
+          </p:cNvPr>
+          <p:cNvSpPr>
+            <a:spLocks noGrp="1"/>
+          </p:cNvSpPr>
+          <p:nvPr>
+            <p:ph type="body" sz="half" idx="11"/>
+          </p:nvPr>
+        </p:nvSpPr>
+        <p:spPr/>
+        <p:txBody>
+          <a:bodyPr/>
+          <a:lstStyle/>
+          <a:p>
+            <a:r>
+              <a:rPr lang="ru-RU" dirty="0" smtClean="0"/>
+              <a:t>РЕЗУЛЬТАТ</a:t>
+            </a:r>
+            <a:endParaRPr lang="ru-RU" dirty="0"/>
+          </a:p>
+        </p:txBody>
+      </p:sp>
+      <p:sp>
+        <p:nvSpPr>
+          <p:cNvPr id="4" name="Текст 3">
+            <a:extLst>
+              <a:ext uri="{FF2B5EF4-FFF2-40B4-BE49-F238E27FC236}">
+                <a16:creationId xmlns:a16="http://schemas.microsoft.com/office/drawing/2014/main" id="{8A2D0C14-EAD0-9B0E-6354-FD1A4344047A}"/>
+              </a:ext>
+            </a:extLst>
+          </p:cNvPr>
+          <p:cNvSpPr>
+            <a:spLocks noGrp="1"/>
+          </p:cNvSpPr>
+          <p:nvPr>
+            <p:ph type="body" sz="half" idx="14"/>
+          </p:nvPr>
+        </p:nvSpPr>
+        <p:spPr/>
+        <p:txBody>
+          <a:bodyPr/>
+          <a:lstStyle/>
+          <a:p>
+            <a:r>
+              <a:rPr lang="ru-RU" dirty="0"/>
+              <a:t>Заключение</a:t>
+            </a:r>
+          </a:p>
+        </p:txBody>
+      </p:sp>
+      <p:sp>
+        <p:nvSpPr>
+          <p:cNvPr id="5" name="TextBox 4"/>
+          <p:cNvSpPr txBox="1"/>
+          <p:nvPr/>
+        </p:nvSpPr>
+        <p:spPr>
+          <a:xfrm>
+            <a:off x="442912" y="2393885"/>
+            <a:ext cx="8392586" cy="2585323"/>
+          </a:xfrm>
+          <a:prstGeom prst="rect">
+            <a:avLst/>
+          </a:prstGeom>
+          <a:noFill/>
+        </p:spPr>
+        <p:txBody>
+          <a:bodyPr wrap="square" rtlCol="0">
+            <a:spAutoFit/>
+          </a:bodyPr>
+          <a:lstStyle/>
+          <a:p>
+            <a:pPr marL="285750" indent="-285750">
+              <a:buFont typeface="Arial" panose="020B0604020202020204" pitchFamily="34" charset="0"/>
+              <a:buChar char="•"/>
+            </a:pPr>
+            <a:r>
+              <a:rPr lang="ru-RU" dirty="0" smtClean="0">
+                <a:solidFill>
+                  <a:sysClr val="windowText" lastClr="000000"/>
+                </a:solidFill>
+              </a:rPr>
+              <a:t>Необходимость получить быстрый результат повлекла за собой промежуточное решение </a:t>
+            </a:r>
+            <a:r>
+              <a:rPr lang="en-US" dirty="0" smtClean="0">
+                <a:solidFill>
+                  <a:sysClr val="windowText" lastClr="000000"/>
+                </a:solidFill>
+              </a:rPr>
+              <a:t>– </a:t>
+            </a:r>
+            <a:r>
+              <a:rPr lang="en-US" dirty="0" err="1" smtClean="0">
+                <a:solidFill>
+                  <a:sysClr val="windowText" lastClr="000000"/>
+                </a:solidFill>
+              </a:rPr>
+              <a:t>greybox</a:t>
+            </a:r>
+            <a:r>
+              <a:rPr lang="en-US" dirty="0" smtClean="0">
+                <a:solidFill>
+                  <a:sysClr val="windowText" lastClr="000000"/>
+                </a:solidFill>
+              </a:rPr>
+              <a:t> fuzzing c </a:t>
+            </a:r>
+            <a:r>
+              <a:rPr lang="ru-RU" dirty="0" smtClean="0">
+                <a:solidFill>
+                  <a:sysClr val="windowText" lastClr="000000"/>
+                </a:solidFill>
+              </a:rPr>
+              <a:t>«неуправляемым»</a:t>
+            </a:r>
+            <a:r>
+              <a:rPr lang="en-US" dirty="0" smtClean="0">
+                <a:solidFill>
+                  <a:sysClr val="windowText" lastClr="000000"/>
+                </a:solidFill>
+              </a:rPr>
+              <a:t> </a:t>
+            </a:r>
+            <a:r>
+              <a:rPr lang="en-US" dirty="0" err="1" smtClean="0">
+                <a:solidFill>
+                  <a:sysClr val="windowText" lastClr="000000"/>
+                </a:solidFill>
+              </a:rPr>
+              <a:t>opensource</a:t>
+            </a:r>
+            <a:r>
+              <a:rPr lang="en-US" dirty="0" smtClean="0">
+                <a:solidFill>
+                  <a:sysClr val="windowText" lastClr="000000"/>
+                </a:solidFill>
+              </a:rPr>
+              <a:t> </a:t>
+            </a:r>
+            <a:r>
+              <a:rPr lang="ru-RU" dirty="0" err="1" smtClean="0">
+                <a:solidFill>
+                  <a:sysClr val="windowText" lastClr="000000"/>
+                </a:solidFill>
+              </a:rPr>
+              <a:t>мутатором</a:t>
+            </a:r>
+            <a:r>
+              <a:rPr lang="ru-RU" dirty="0" smtClean="0">
+                <a:solidFill>
+                  <a:sysClr val="windowText" lastClr="000000"/>
+                </a:solidFill>
+              </a:rPr>
+              <a:t> </a:t>
+            </a:r>
+            <a:r>
+              <a:rPr lang="en-US" dirty="0" err="1" smtClean="0">
+                <a:solidFill>
+                  <a:sysClr val="windowText" lastClr="000000"/>
+                </a:solidFill>
+              </a:rPr>
+              <a:t>radamsa</a:t>
+            </a:r>
+            <a:endParaRPr lang="en-US" dirty="0" smtClean="0">
+              <a:solidFill>
+                <a:sysClr val="windowText" lastClr="000000"/>
+              </a:solidFill>
+            </a:endParaRPr>
+          </a:p>
+          <a:p>
+            <a:pPr marL="285750" indent="-285750">
+              <a:buFont typeface="Arial" panose="020B0604020202020204" pitchFamily="34" charset="0"/>
+              <a:buChar char="•"/>
+            </a:pPr>
+            <a:endParaRPr lang="en-US" dirty="0">
+              <a:solidFill>
+                <a:sysClr val="windowText" lastClr="000000"/>
+              </a:solidFill>
+            </a:endParaRPr>
+          </a:p>
+          <a:p>
+            <a:pPr marL="285750" indent="-285750">
+              <a:buFont typeface="Arial" panose="020B0604020202020204" pitchFamily="34" charset="0"/>
+              <a:buChar char="•"/>
+            </a:pPr>
+            <a:r>
+              <a:rPr lang="ru-RU" dirty="0" smtClean="0">
+                <a:solidFill>
+                  <a:sysClr val="windowText" lastClr="000000"/>
+                </a:solidFill>
+              </a:rPr>
+              <a:t>Сборка веб-приложений под </a:t>
+            </a:r>
+            <a:r>
+              <a:rPr lang="en-US" dirty="0" smtClean="0">
+                <a:solidFill>
+                  <a:sysClr val="windowText" lastClr="000000"/>
+                </a:solidFill>
+              </a:rPr>
+              <a:t>OS Linux</a:t>
+            </a:r>
+          </a:p>
+          <a:p>
+            <a:pPr marL="285750" indent="-285750">
+              <a:buFont typeface="Arial" panose="020B0604020202020204" pitchFamily="34" charset="0"/>
+              <a:buChar char="•"/>
+            </a:pPr>
+            <a:endParaRPr lang="en-US" dirty="0">
+              <a:solidFill>
+                <a:sysClr val="windowText" lastClr="000000"/>
+              </a:solidFill>
+            </a:endParaRPr>
+          </a:p>
+          <a:p>
+            <a:pPr marL="285750" indent="-285750">
+              <a:buFont typeface="Arial" panose="020B0604020202020204" pitchFamily="34" charset="0"/>
+              <a:buChar char="•"/>
+            </a:pPr>
+            <a:r>
+              <a:rPr lang="ru-RU" dirty="0" smtClean="0">
+                <a:solidFill>
+                  <a:sysClr val="windowText" lastClr="000000"/>
+                </a:solidFill>
+              </a:rPr>
+              <a:t>В рамках подготовки доклада ведется работа по запуску </a:t>
+            </a:r>
+            <a:r>
+              <a:rPr lang="ru-RU" dirty="0" err="1" smtClean="0">
+                <a:solidFill>
+                  <a:sysClr val="windowText" lastClr="000000"/>
+                </a:solidFill>
+              </a:rPr>
+              <a:t>фаззинга</a:t>
+            </a:r>
+            <a:r>
+              <a:rPr lang="ru-RU" dirty="0" smtClean="0">
+                <a:solidFill>
+                  <a:sysClr val="windowText" lastClr="000000"/>
+                </a:solidFill>
+              </a:rPr>
+              <a:t> виртуальной машины при помощи инструмента </a:t>
+            </a:r>
+            <a:r>
+              <a:rPr lang="en-US" dirty="0" smtClean="0">
+                <a:solidFill>
+                  <a:sysClr val="windowText" lastClr="000000"/>
+                </a:solidFill>
+              </a:rPr>
+              <a:t>Nyx-Net, </a:t>
+            </a:r>
+            <a:r>
+              <a:rPr lang="ru-RU" dirty="0" smtClean="0">
+                <a:solidFill>
+                  <a:sysClr val="windowText" lastClr="000000"/>
+                </a:solidFill>
+              </a:rPr>
+              <a:t>результаты коротко будут описаны в этом разделе позднее</a:t>
+            </a:r>
+            <a:endParaRPr lang="ru-RU" dirty="0">
+              <a:solidFill>
+                <a:sysClr val="windowText" lastClr="000000"/>
+              </a:solidFill>
+            </a:endParaRPr>
+          </a:p>
+        </p:txBody>
+      </p:sp>
+    </p:spTree>
+    <p:extLst>
+      <p:ext uri="{BB962C8B-B14F-4D97-AF65-F5344CB8AC3E}">
+        <p14:creationId xmlns:p14="http://schemas.microsoft.com/office/powerpoint/2010/main" val="2906767701"/>
+      </p:ext>
+    </p:extLst>
+  </p:cSld>
+  <p:clrMapOvr>
+    <a:masterClrMapping/>
+  </p:clrMapOvr>
+  <p:timing>
+    <p:tnLst>
+      <p:par>
+        <p:cTn id="1" dur="indefinite" restart="never" nodeType="tmRoot"/>
+      </p:par>
+    </p:tnLst>
+  </p:timing>
+</p:sld>
+</file>
+
+<file path=ppt/slides/slide19.xml><?xml version="1.0" encoding="utf-8"?>
+<p:sld xmlns:a="http://schemas.openxmlformats.org/drawingml/2006/main" xmlns:r="http://schemas.openxmlformats.org/officeDocument/2006/relationships" xmlns:p="http://schemas.openxmlformats.org/presentationml/2006/main">
+  <p:cSld>
+    <p:spTree>
+      <p:nvGrpSpPr>
+        <p:cNvPr id="1" name=""/>
+        <p:cNvGrpSpPr/>
+        <p:nvPr/>
+      </p:nvGrpSpPr>
+      <p:grpSpPr>
+        <a:xfrm>
+          <a:off x="0" y="0"/>
+          <a:ext cx="0" cy="0"/>
+          <a:chOff x="0" y="0"/>
+          <a:chExt cx="0" cy="0"/>
+        </a:xfrm>
+      </p:grpSpPr>
+      <p:sp>
+        <p:nvSpPr>
+          <p:cNvPr id="2" name="Текст 1">
+            <a:extLst>
+              <a:ext uri="{FF2B5EF4-FFF2-40B4-BE49-F238E27FC236}">
+                <a16:creationId xmlns:a16="http://schemas.microsoft.com/office/drawing/2014/main" id="{34CF7266-1A7A-9629-D9A6-5784F0346D64}"/>
+              </a:ext>
+            </a:extLst>
+          </p:cNvPr>
+          <p:cNvSpPr>
+            <a:spLocks noGrp="1"/>
+          </p:cNvSpPr>
+          <p:nvPr>
+            <p:ph type="body" sz="half" idx="11"/>
+          </p:nvPr>
+        </p:nvSpPr>
+        <p:spPr/>
+        <p:txBody>
+          <a:bodyPr/>
+          <a:lstStyle/>
+          <a:p>
+            <a:r>
+              <a:rPr lang="ru-RU" dirty="0"/>
+              <a:t>ССЫЛКИ</a:t>
+            </a:r>
+          </a:p>
+        </p:txBody>
+      </p:sp>
+      <p:sp>
+        <p:nvSpPr>
+          <p:cNvPr id="4" name="Текст 3">
+            <a:extLst>
+              <a:ext uri="{FF2B5EF4-FFF2-40B4-BE49-F238E27FC236}">
+                <a16:creationId xmlns:a16="http://schemas.microsoft.com/office/drawing/2014/main" id="{8A2D0C14-EAD0-9B0E-6354-FD1A4344047A}"/>
+              </a:ext>
+            </a:extLst>
+          </p:cNvPr>
+          <p:cNvSpPr>
+            <a:spLocks noGrp="1"/>
+          </p:cNvSpPr>
+          <p:nvPr>
+            <p:ph type="body" sz="half" idx="14"/>
+          </p:nvPr>
+        </p:nvSpPr>
+        <p:spPr/>
+        <p:txBody>
+          <a:bodyPr/>
+          <a:lstStyle/>
+          <a:p>
+            <a:r>
+              <a:rPr lang="ru-RU" dirty="0"/>
+              <a:t>Заключение</a:t>
+            </a:r>
+          </a:p>
+        </p:txBody>
+      </p:sp>
+      <p:sp>
+        <p:nvSpPr>
+          <p:cNvPr id="5" name="TextBox 4"/>
+          <p:cNvSpPr txBox="1"/>
+          <p:nvPr/>
+        </p:nvSpPr>
+        <p:spPr>
+          <a:xfrm>
+            <a:off x="442912" y="1382938"/>
+            <a:ext cx="6778213" cy="5109091"/>
+          </a:xfrm>
+          <a:prstGeom prst="rect">
+            <a:avLst/>
+          </a:prstGeom>
+          <a:noFill/>
+        </p:spPr>
+        <p:txBody>
+          <a:bodyPr wrap="square" rtlCol="0">
+            <a:spAutoFit/>
+          </a:bodyPr>
+          <a:lstStyle/>
+          <a:p>
+            <a:pPr marL="342900" indent="-342900">
+              <a:spcBef>
+                <a:spcPts val="600"/>
+              </a:spcBef>
+              <a:buFont typeface="+mj-lt"/>
+              <a:buAutoNum type="arabicPeriod"/>
+            </a:pPr>
+            <a:r>
+              <a:rPr lang="en-US" dirty="0">
+                <a:solidFill>
+                  <a:srgbClr val="002246"/>
+                </a:solidFill>
+              </a:rPr>
+              <a:t>https://</a:t>
+            </a:r>
+            <a:r>
+              <a:rPr lang="en-US" dirty="0" smtClean="0">
+                <a:solidFill>
+                  <a:srgbClr val="002246"/>
+                </a:solidFill>
+              </a:rPr>
+              <a:t>ru.wikipedia.org/wiki</a:t>
+            </a:r>
+            <a:r>
+              <a:rPr lang="ru-RU" dirty="0" smtClean="0">
+                <a:solidFill>
+                  <a:srgbClr val="002246"/>
+                </a:solidFill>
+              </a:rPr>
+              <a:t>/</a:t>
+            </a:r>
+            <a:r>
+              <a:rPr lang="ru-RU" dirty="0" err="1" smtClean="0">
+                <a:solidFill>
+                  <a:srgbClr val="002246"/>
+                </a:solidFill>
+              </a:rPr>
+              <a:t>Фаззинг</a:t>
+            </a:r>
+            <a:endParaRPr lang="en-US" dirty="0" smtClean="0">
+              <a:solidFill>
+                <a:srgbClr val="002246"/>
+              </a:solidFill>
+            </a:endParaRPr>
+          </a:p>
+          <a:p>
+            <a:pPr marL="342900" indent="-342900">
+              <a:spcBef>
+                <a:spcPts val="600"/>
+              </a:spcBef>
+              <a:buFont typeface="+mj-lt"/>
+              <a:buAutoNum type="arabicPeriod"/>
+            </a:pPr>
+            <a:r>
+              <a:rPr lang="en-US" dirty="0">
+                <a:solidFill>
+                  <a:srgbClr val="002246"/>
+                </a:solidFill>
+              </a:rPr>
+              <a:t>P. Pandey, A. Sarkar and A. Banerjee, "</a:t>
+            </a:r>
+            <a:r>
+              <a:rPr lang="en-US" dirty="0" err="1">
+                <a:solidFill>
+                  <a:srgbClr val="002246"/>
+                </a:solidFill>
+              </a:rPr>
+              <a:t>Triforce</a:t>
+            </a:r>
+            <a:r>
+              <a:rPr lang="en-US" dirty="0">
+                <a:solidFill>
+                  <a:srgbClr val="002246"/>
+                </a:solidFill>
+              </a:rPr>
+              <a:t> QNX </a:t>
+            </a:r>
+            <a:r>
+              <a:rPr lang="en-US" dirty="0" err="1">
+                <a:solidFill>
+                  <a:srgbClr val="002246"/>
+                </a:solidFill>
+              </a:rPr>
+              <a:t>Syscall</a:t>
+            </a:r>
+            <a:r>
+              <a:rPr lang="en-US" dirty="0">
+                <a:solidFill>
+                  <a:srgbClr val="002246"/>
+                </a:solidFill>
+              </a:rPr>
+              <a:t> </a:t>
+            </a:r>
+            <a:r>
+              <a:rPr lang="en-US" dirty="0" err="1">
+                <a:solidFill>
+                  <a:srgbClr val="002246"/>
+                </a:solidFill>
+              </a:rPr>
+              <a:t>Fuzzer</a:t>
+            </a:r>
+            <a:r>
+              <a:rPr lang="en-US" dirty="0">
+                <a:solidFill>
+                  <a:srgbClr val="002246"/>
+                </a:solidFill>
+              </a:rPr>
+              <a:t>," 2019 IEEE International Symposium on Software Reliability Engineering Workshops (ISSREW), Berlin, Germany, 2019, pp. </a:t>
+            </a:r>
+            <a:r>
+              <a:rPr lang="en-US" dirty="0" smtClean="0">
+                <a:solidFill>
+                  <a:srgbClr val="002246"/>
+                </a:solidFill>
+              </a:rPr>
+              <a:t>59-60.</a:t>
+            </a:r>
+          </a:p>
+          <a:p>
+            <a:pPr marL="342900" indent="-342900">
+              <a:spcBef>
+                <a:spcPts val="600"/>
+              </a:spcBef>
+              <a:buFont typeface="+mj-lt"/>
+              <a:buAutoNum type="arabicPeriod"/>
+            </a:pPr>
+            <a:r>
+              <a:rPr lang="ru-RU" dirty="0">
+                <a:solidFill>
+                  <a:srgbClr val="002246"/>
+                </a:solidFill>
+              </a:rPr>
+              <a:t>Коваленко Р.Д., Макаров А.Н. Динамический анализ </a:t>
+            </a:r>
+            <a:r>
+              <a:rPr lang="ru-RU" dirty="0" err="1">
+                <a:solidFill>
+                  <a:srgbClr val="002246"/>
+                </a:solidFill>
+              </a:rPr>
+              <a:t>IoT</a:t>
+            </a:r>
+            <a:r>
+              <a:rPr lang="ru-RU" dirty="0">
+                <a:solidFill>
+                  <a:srgbClr val="002246"/>
+                </a:solidFill>
+              </a:rPr>
+              <a:t>-систем на основе</a:t>
+            </a:r>
+            <a:r>
+              <a:rPr lang="en-US" dirty="0">
+                <a:solidFill>
+                  <a:srgbClr val="002246"/>
+                </a:solidFill>
+              </a:rPr>
+              <a:t> </a:t>
+            </a:r>
+            <a:r>
+              <a:rPr lang="ru-RU" dirty="0">
+                <a:solidFill>
+                  <a:srgbClr val="002246"/>
+                </a:solidFill>
+              </a:rPr>
+              <a:t>полносистемной эмуляции в QEMU. Труды ИСП РАН, том 33, </a:t>
+            </a:r>
+            <a:r>
+              <a:rPr lang="ru-RU" dirty="0" err="1">
+                <a:solidFill>
+                  <a:srgbClr val="002246"/>
+                </a:solidFill>
+              </a:rPr>
+              <a:t>вып</a:t>
+            </a:r>
+            <a:r>
+              <a:rPr lang="ru-RU" dirty="0">
+                <a:solidFill>
+                  <a:srgbClr val="002246"/>
+                </a:solidFill>
+              </a:rPr>
+              <a:t>. 5, 2021 г., стр. </a:t>
+            </a:r>
+            <a:r>
+              <a:rPr lang="ru-RU" dirty="0" smtClean="0">
+                <a:solidFill>
+                  <a:srgbClr val="002246"/>
+                </a:solidFill>
+              </a:rPr>
+              <a:t>155-166.</a:t>
+            </a:r>
+            <a:endParaRPr lang="en-US" dirty="0" smtClean="0">
+              <a:solidFill>
+                <a:srgbClr val="002246"/>
+              </a:solidFill>
+            </a:endParaRPr>
+          </a:p>
+          <a:p>
+            <a:pPr marL="342900" indent="-342900">
+              <a:spcBef>
+                <a:spcPts val="600"/>
+              </a:spcBef>
+              <a:buFont typeface="+mj-lt"/>
+              <a:buAutoNum type="arabicPeriod"/>
+            </a:pPr>
+            <a:r>
+              <a:rPr lang="en-US" dirty="0" err="1">
+                <a:solidFill>
+                  <a:srgbClr val="002246"/>
+                </a:solidFill>
+              </a:rPr>
+              <a:t>Schumilo</a:t>
+            </a:r>
+            <a:r>
+              <a:rPr lang="en-US" dirty="0">
+                <a:solidFill>
+                  <a:srgbClr val="002246"/>
+                </a:solidFill>
+              </a:rPr>
+              <a:t>, </a:t>
+            </a:r>
+            <a:r>
+              <a:rPr lang="en-US" dirty="0" err="1">
+                <a:solidFill>
+                  <a:srgbClr val="002246"/>
+                </a:solidFill>
+              </a:rPr>
+              <a:t>Sergej</a:t>
+            </a:r>
+            <a:r>
+              <a:rPr lang="en-US" dirty="0">
+                <a:solidFill>
+                  <a:srgbClr val="002246"/>
+                </a:solidFill>
+              </a:rPr>
+              <a:t>, Cornelius </a:t>
+            </a:r>
+            <a:r>
+              <a:rPr lang="en-US" dirty="0" err="1">
+                <a:solidFill>
+                  <a:srgbClr val="002246"/>
+                </a:solidFill>
+              </a:rPr>
+              <a:t>Aschermann</a:t>
+            </a:r>
+            <a:r>
+              <a:rPr lang="en-US" dirty="0">
+                <a:solidFill>
+                  <a:srgbClr val="002246"/>
+                </a:solidFill>
+              </a:rPr>
+              <a:t>, Robert </a:t>
+            </a:r>
+            <a:r>
+              <a:rPr lang="en-US" dirty="0" err="1">
+                <a:solidFill>
+                  <a:srgbClr val="002246"/>
+                </a:solidFill>
+              </a:rPr>
+              <a:t>Gawlik</a:t>
+            </a:r>
+            <a:r>
+              <a:rPr lang="en-US" dirty="0">
+                <a:solidFill>
+                  <a:srgbClr val="002246"/>
+                </a:solidFill>
+              </a:rPr>
+              <a:t>, Sebastian </a:t>
+            </a:r>
+            <a:r>
+              <a:rPr lang="en-US" dirty="0" err="1">
+                <a:solidFill>
+                  <a:srgbClr val="002246"/>
+                </a:solidFill>
+              </a:rPr>
+              <a:t>Schinzel</a:t>
+            </a:r>
+            <a:r>
+              <a:rPr lang="en-US" dirty="0">
+                <a:solidFill>
+                  <a:srgbClr val="002246"/>
+                </a:solidFill>
+              </a:rPr>
+              <a:t> and Thorsten </a:t>
+            </a:r>
+            <a:r>
+              <a:rPr lang="en-US" dirty="0" err="1">
+                <a:solidFill>
+                  <a:srgbClr val="002246"/>
+                </a:solidFill>
+              </a:rPr>
+              <a:t>Holz</a:t>
+            </a:r>
+            <a:r>
+              <a:rPr lang="en-US" dirty="0">
+                <a:solidFill>
+                  <a:srgbClr val="002246"/>
+                </a:solidFill>
+              </a:rPr>
+              <a:t>. “kAFL: Hardware-Assisted Feedback Fuzzing for OS Kernels.” </a:t>
+            </a:r>
+            <a:r>
+              <a:rPr lang="en-US" i="1" dirty="0">
+                <a:solidFill>
+                  <a:srgbClr val="002246"/>
+                </a:solidFill>
+              </a:rPr>
+              <a:t>USENIX Security Symposium</a:t>
+            </a:r>
+            <a:r>
+              <a:rPr lang="en-US" dirty="0">
+                <a:solidFill>
+                  <a:srgbClr val="002246"/>
+                </a:solidFill>
+              </a:rPr>
+              <a:t> (2017).</a:t>
+            </a:r>
+            <a:endParaRPr lang="en-US" dirty="0" smtClean="0">
+              <a:solidFill>
+                <a:srgbClr val="002246"/>
+              </a:solidFill>
+            </a:endParaRPr>
+          </a:p>
+          <a:p>
+            <a:pPr marL="342900" indent="-342900">
+              <a:spcBef>
+                <a:spcPts val="600"/>
+              </a:spcBef>
+              <a:buFont typeface="+mj-lt"/>
+              <a:buAutoNum type="arabicPeriod"/>
+            </a:pPr>
+            <a:r>
+              <a:rPr lang="en-US" dirty="0" err="1" smtClean="0">
+                <a:solidFill>
+                  <a:srgbClr val="002246"/>
+                </a:solidFill>
+              </a:rPr>
+              <a:t>Sergej</a:t>
+            </a:r>
+            <a:r>
+              <a:rPr lang="en-US" dirty="0" smtClean="0">
+                <a:solidFill>
+                  <a:srgbClr val="002246"/>
+                </a:solidFill>
+              </a:rPr>
+              <a:t> </a:t>
+            </a:r>
+            <a:r>
+              <a:rPr lang="en-US" dirty="0" err="1">
+                <a:solidFill>
+                  <a:srgbClr val="002246"/>
+                </a:solidFill>
+              </a:rPr>
+              <a:t>Schumilo</a:t>
+            </a:r>
+            <a:r>
+              <a:rPr lang="en-US" dirty="0">
+                <a:solidFill>
+                  <a:srgbClr val="002246"/>
+                </a:solidFill>
+              </a:rPr>
+              <a:t>, Cornelius </a:t>
+            </a:r>
+            <a:r>
+              <a:rPr lang="en-US" dirty="0" err="1">
+                <a:solidFill>
+                  <a:srgbClr val="002246"/>
+                </a:solidFill>
+              </a:rPr>
+              <a:t>Aschermann</a:t>
+            </a:r>
+            <a:r>
+              <a:rPr lang="en-US" dirty="0">
+                <a:solidFill>
+                  <a:srgbClr val="002246"/>
+                </a:solidFill>
+              </a:rPr>
+              <a:t>, Andrea </a:t>
+            </a:r>
+            <a:r>
+              <a:rPr lang="en-US" dirty="0" err="1">
+                <a:solidFill>
+                  <a:srgbClr val="002246"/>
+                </a:solidFill>
+              </a:rPr>
+              <a:t>Jemmett</a:t>
+            </a:r>
+            <a:r>
+              <a:rPr lang="en-US" dirty="0">
+                <a:solidFill>
+                  <a:srgbClr val="002246"/>
+                </a:solidFill>
+              </a:rPr>
+              <a:t>, Ali </a:t>
+            </a:r>
+            <a:r>
+              <a:rPr lang="en-US" dirty="0" err="1" smtClean="0">
+                <a:solidFill>
+                  <a:srgbClr val="002246"/>
+                </a:solidFill>
+              </a:rPr>
+              <a:t>Abbasi</a:t>
+            </a:r>
+            <a:r>
+              <a:rPr lang="en-US" dirty="0" smtClean="0">
+                <a:solidFill>
+                  <a:srgbClr val="002246"/>
+                </a:solidFill>
+              </a:rPr>
+              <a:t>, and </a:t>
+            </a:r>
+            <a:r>
+              <a:rPr lang="en-US" dirty="0">
+                <a:solidFill>
+                  <a:srgbClr val="002246"/>
+                </a:solidFill>
+              </a:rPr>
+              <a:t>Thorsten </a:t>
+            </a:r>
+            <a:r>
+              <a:rPr lang="en-US" dirty="0" err="1">
+                <a:solidFill>
+                  <a:srgbClr val="002246"/>
+                </a:solidFill>
+              </a:rPr>
+              <a:t>Holz</a:t>
+            </a:r>
+            <a:r>
+              <a:rPr lang="en-US" dirty="0">
+                <a:solidFill>
+                  <a:srgbClr val="002246"/>
+                </a:solidFill>
+              </a:rPr>
+              <a:t>. 2022. Nyx-Net: Network Fuzzing </a:t>
+            </a:r>
+            <a:r>
+              <a:rPr lang="en-US" dirty="0" smtClean="0">
+                <a:solidFill>
+                  <a:srgbClr val="002246"/>
+                </a:solidFill>
+              </a:rPr>
+              <a:t>with Incremental </a:t>
+            </a:r>
+            <a:r>
+              <a:rPr lang="en-US" dirty="0">
+                <a:solidFill>
+                  <a:srgbClr val="002246"/>
+                </a:solidFill>
+              </a:rPr>
+              <a:t>Snapshots. In Seventeenth European Conference on </a:t>
+            </a:r>
+            <a:r>
+              <a:rPr lang="en-US" dirty="0" smtClean="0">
+                <a:solidFill>
+                  <a:srgbClr val="002246"/>
+                </a:solidFill>
+              </a:rPr>
+              <a:t>Computer Systems </a:t>
+            </a:r>
+            <a:r>
+              <a:rPr lang="en-US" dirty="0">
+                <a:solidFill>
+                  <a:srgbClr val="002246"/>
+                </a:solidFill>
+              </a:rPr>
+              <a:t>(</a:t>
+            </a:r>
+            <a:r>
+              <a:rPr lang="en-US" dirty="0" err="1">
+                <a:solidFill>
+                  <a:srgbClr val="002246"/>
+                </a:solidFill>
+              </a:rPr>
+              <a:t>EuroSys</a:t>
+            </a:r>
+            <a:r>
+              <a:rPr lang="en-US" dirty="0">
+                <a:solidFill>
+                  <a:srgbClr val="002246"/>
+                </a:solidFill>
+              </a:rPr>
+              <a:t> ’22), April 5–8, 2022, RENNES, France. ACM</a:t>
+            </a:r>
+            <a:r>
+              <a:rPr lang="en-US" dirty="0" smtClean="0">
+                <a:solidFill>
+                  <a:srgbClr val="002246"/>
+                </a:solidFill>
+              </a:rPr>
+              <a:t>, </a:t>
+            </a:r>
+            <a:r>
+              <a:rPr lang="en-US" dirty="0" err="1" smtClean="0">
+                <a:solidFill>
+                  <a:srgbClr val="002246"/>
+                </a:solidFill>
+              </a:rPr>
+              <a:t>NewYork,NY</a:t>
+            </a:r>
+            <a:r>
+              <a:rPr lang="en-US" dirty="0">
+                <a:solidFill>
+                  <a:srgbClr val="002246"/>
+                </a:solidFill>
+              </a:rPr>
+              <a:t>, USA, 15 pages</a:t>
+            </a:r>
+            <a:r>
+              <a:rPr lang="en-US" dirty="0" smtClean="0">
+                <a:solidFill>
+                  <a:srgbClr val="002246"/>
+                </a:solidFill>
+              </a:rPr>
+              <a:t>.</a:t>
+            </a:r>
+            <a:endParaRPr lang="ru-RU" dirty="0">
+              <a:solidFill>
+                <a:srgbClr val="002246"/>
+              </a:solidFill>
+            </a:endParaRPr>
+          </a:p>
+        </p:txBody>
+      </p:sp>
+      <p:sp>
+        <p:nvSpPr>
+          <p:cNvPr id="8" name="Скругленный прямоугольник 7"/>
+          <p:cNvSpPr/>
+          <p:nvPr/>
+        </p:nvSpPr>
+        <p:spPr>
+          <a:xfrm>
+            <a:off x="7446150" y="1382938"/>
+            <a:ext cx="4095455" cy="4791367"/>
+          </a:xfrm>
+          <a:prstGeom prst="roundRect">
+            <a:avLst/>
+          </a:prstGeom>
+          <a:ln w="57150">
+            <a:solidFill>
+              <a:srgbClr val="002246"/>
+            </a:solidFill>
+          </a:ln>
+        </p:spPr>
+        <p:style>
+          <a:lnRef idx="2">
+            <a:schemeClr val="accent1">
+              <a:shade val="50000"/>
+            </a:schemeClr>
+          </a:lnRef>
+          <a:fillRef idx="1">
+            <a:schemeClr val="accent1"/>
+          </a:fillRef>
+          <a:effectRef idx="0">
+            <a:schemeClr val="accent1"/>
+          </a:effectRef>
+          <a:fontRef idx="minor">
+            <a:schemeClr val="lt1"/>
+          </a:fontRef>
+        </p:style>
+        <p:txBody>
+          <a:bodyPr rtlCol="0" anchor="ctr"/>
+          <a:lstStyle/>
+          <a:p>
+            <a:pPr algn="ctr"/>
+            <a:endParaRPr lang="ru-RU"/>
+          </a:p>
+        </p:txBody>
+      </p:sp>
+      <p:pic>
+        <p:nvPicPr>
+          <p:cNvPr id="9" name="Рисунок 8"/>
+          <p:cNvPicPr>
+            <a:picLocks noChangeAspect="1"/>
+          </p:cNvPicPr>
+          <p:nvPr/>
+        </p:nvPicPr>
+        <p:blipFill rotWithShape="1">
+          <a:blip r:embed="rId2"/>
+          <a:srcRect b="1948"/>
+          <a:stretch/>
+        </p:blipFill>
+        <p:spPr>
+          <a:xfrm>
+            <a:off x="7851195" y="1718810"/>
+            <a:ext cx="3285365" cy="3285366"/>
+          </a:xfrm>
+          <a:prstGeom prst="rect">
+            <a:avLst/>
+          </a:prstGeom>
+        </p:spPr>
+      </p:pic>
+      <p:sp>
+        <p:nvSpPr>
+          <p:cNvPr id="10" name="TextBox 9"/>
+          <p:cNvSpPr txBox="1"/>
+          <p:nvPr/>
+        </p:nvSpPr>
+        <p:spPr>
+          <a:xfrm>
+            <a:off x="7446150" y="5405317"/>
+            <a:ext cx="4095455" cy="369332"/>
+          </a:xfrm>
+          <a:prstGeom prst="rect">
+            <a:avLst/>
+          </a:prstGeom>
+          <a:noFill/>
+        </p:spPr>
+        <p:txBody>
+          <a:bodyPr wrap="square" rtlCol="0">
+            <a:spAutoFit/>
+          </a:bodyPr>
+          <a:lstStyle/>
+          <a:p>
+            <a:pPr algn="ctr"/>
+            <a:r>
+              <a:rPr lang="ru-RU" b="1" dirty="0" smtClean="0">
                 <a:solidFill>
                   <a:schemeClr val="bg1"/>
                 </a:solidFill>
-                <a:latin typeface="Segoe UI Semilight" panose="020B0402040204020203" pitchFamily="34" charset="0"/>
-                <a:cs typeface="Segoe UI Semilight" panose="020B0402040204020203" pitchFamily="34" charset="0"/>
-              </a:rPr>
-              <a:t>Спасибо за внимание!</a:t>
-            </a:r>
-            <a:endParaRPr lang="ru-RU" sz="3200" b="1" dirty="0">
+              </a:rPr>
+              <a:t>Материалы на</a:t>
+            </a:r>
+            <a:r>
+              <a:rPr lang="en-US" b="1" dirty="0" smtClean="0">
+                <a:solidFill>
+                  <a:schemeClr val="bg1"/>
+                </a:solidFill>
+              </a:rPr>
+              <a:t> GITHUB</a:t>
+            </a:r>
+            <a:endParaRPr lang="ru-RU" b="1" dirty="0">
               <a:solidFill>
                 <a:schemeClr val="bg1"/>
               </a:solidFill>
-              <a:latin typeface="Segoe UI Semilight" panose="020B0402040204020203" pitchFamily="34" charset="0"/>
-              <a:cs typeface="Segoe UI Semilight" panose="020B0402040204020203" pitchFamily="34" charset="0"/>
             </a:endParaRPr>
           </a:p>
         </p:txBody>
@@ -16737,7 +19462,7 @@
     </p:spTree>
     <p:extLst>
       <p:ext uri="{BB962C8B-B14F-4D97-AF65-F5344CB8AC3E}">
-        <p14:creationId xmlns:p14="http://schemas.microsoft.com/office/powerpoint/2010/main" val="2203234034"/>
+        <p14:creationId xmlns:p14="http://schemas.microsoft.com/office/powerpoint/2010/main" val="1012885040"/>
       </p:ext>
     </p:extLst>
   </p:cSld>
@@ -17075,7 +19800,15 @@
                   <a:sysClr val="windowText" lastClr="000000"/>
                 </a:solidFill>
               </a:rPr>
-              <a:t>системах.</a:t>
+              <a:t>системах </a:t>
+            </a:r>
+            <a:r>
+              <a:rPr lang="en-US" dirty="0" smtClean="0">
+                <a:solidFill>
+                  <a:sysClr val="windowText" lastClr="000000"/>
+                </a:solidFill>
+              </a:rPr>
+              <a:t>[1]</a:t>
             </a:r>
             <a:endParaRPr lang="ru-RU" dirty="0">
               <a:solidFill>
@@ -17089,6 +19822,256 @@
     <p:extLst>
       <p:ext uri="{BB962C8B-B14F-4D97-AF65-F5344CB8AC3E}">
         <p14:creationId xmlns:p14="http://schemas.microsoft.com/office/powerpoint/2010/main" val="2076524728"/>
+      </p:ext>
+    </p:extLst>
+  </p:cSld>
+  <p:clrMapOvr>
+    <a:masterClrMapping/>
+  </p:clrMapOvr>
+  <p:timing>
+    <p:tnLst>
+      <p:par>
+        <p:cTn id="1" dur="indefinite" restart="never" nodeType="tmRoot"/>
+      </p:par>
+    </p:tnLst>
+  </p:timing>
+</p:sld>
+</file>
+
+<file path=ppt/slides/slide20.xml><?xml version="1.0" encoding="utf-8"?>
+<p:sld xmlns:a="http://schemas.openxmlformats.org/drawingml/2006/main" xmlns:r="http://schemas.openxmlformats.org/officeDocument/2006/relationships" xmlns:p="http://schemas.openxmlformats.org/presentationml/2006/main">
+  <p:cSld>
+    <p:spTree>
+      <p:nvGrpSpPr>
+        <p:cNvPr id="1" name=""/>
+        <p:cNvGrpSpPr/>
+        <p:nvPr/>
+      </p:nvGrpSpPr>
+      <p:grpSpPr>
+        <a:xfrm>
+          <a:off x="0" y="0"/>
+          <a:ext cx="0" cy="0"/>
+          <a:chOff x="0" y="0"/>
+          <a:chExt cx="0" cy="0"/>
+        </a:xfrm>
+      </p:grpSpPr>
+      <p:sp>
+        <p:nvSpPr>
+          <p:cNvPr id="3" name="Текст 3">
+            <a:extLst>
+              <a:ext uri="{FF2B5EF4-FFF2-40B4-BE49-F238E27FC236}">
+                <a16:creationId xmlns:a16="http://schemas.microsoft.com/office/drawing/2014/main" id="{8A2D0C14-EAD0-9B0E-6354-FD1A4344047A}"/>
+              </a:ext>
+            </a:extLst>
+          </p:cNvPr>
+          <p:cNvSpPr txBox="1">
+            <a:spLocks/>
+          </p:cNvSpPr>
+          <p:nvPr/>
+        </p:nvSpPr>
+        <p:spPr>
+          <a:xfrm>
+            <a:off x="5780965" y="3519010"/>
+            <a:ext cx="4815535" cy="675075"/>
+          </a:xfrm>
+          <a:prstGeom prst="rect">
+            <a:avLst/>
+          </a:prstGeom>
+        </p:spPr>
+        <p:txBody>
+          <a:bodyPr/>
+          <a:lstStyle>
+            <a:lvl1pPr marL="228600" indent="-228600" algn="l" defTabSz="914400" rtl="0" eaLnBrk="1" latinLnBrk="0" hangingPunct="1">
+              <a:lnSpc>
+                <a:spcPct val="90000"/>
+              </a:lnSpc>
+              <a:spcBef>
+                <a:spcPts val="1000"/>
+              </a:spcBef>
+              <a:buFont typeface="Arial" panose="020B0604020202020204" pitchFamily="34" charset="0"/>
+              <a:buChar char="•"/>
+              <a:defRPr sz="2800" kern="1200">
+                <a:solidFill>
+                  <a:schemeClr val="tx1"/>
+                </a:solidFill>
+                <a:latin typeface="+mn-lt"/>
+                <a:ea typeface="+mn-ea"/>
+                <a:cs typeface="+mn-cs"/>
+              </a:defRPr>
+            </a:lvl1pPr>
+            <a:lvl2pPr marL="685800" indent="-228600" algn="l" defTabSz="914400" rtl="0" eaLnBrk="1" latinLnBrk="0" hangingPunct="1">
+              <a:lnSpc>
+                <a:spcPct val="90000"/>
+              </a:lnSpc>
+              <a:spcBef>
+                <a:spcPts val="500"/>
+              </a:spcBef>
+              <a:buFont typeface="Arial" panose="020B0604020202020204" pitchFamily="34" charset="0"/>
+              <a:buChar char="•"/>
+              <a:defRPr sz="2400" kern="1200">
+                <a:solidFill>
+                  <a:schemeClr val="tx1"/>
+                </a:solidFill>
+                <a:latin typeface="+mn-lt"/>
+                <a:ea typeface="+mn-ea"/>
+                <a:cs typeface="+mn-cs"/>
+              </a:defRPr>
+            </a:lvl2pPr>
+            <a:lvl3pPr marL="1143000" indent="-228600" algn="l" defTabSz="914400" rtl="0" eaLnBrk="1" latinLnBrk="0" hangingPunct="1">
+              <a:lnSpc>
+                <a:spcPct val="90000"/>
+              </a:lnSpc>
+              <a:spcBef>
+                <a:spcPts val="500"/>
+              </a:spcBef>
+              <a:buFont typeface="Arial" panose="020B0604020202020204" pitchFamily="34" charset="0"/>
+              <a:buChar char="•"/>
+              <a:defRPr sz="2000" kern="1200">
+                <a:solidFill>
+                  <a:schemeClr val="tx1"/>
+                </a:solidFill>
+                <a:latin typeface="+mn-lt"/>
+                <a:ea typeface="+mn-ea"/>
+                <a:cs typeface="+mn-cs"/>
+              </a:defRPr>
+            </a:lvl3pPr>
+            <a:lvl4pPr marL="1600200" indent="-228600" algn="l" defTabSz="914400" rtl="0" eaLnBrk="1" latinLnBrk="0" hangingPunct="1">
+              <a:lnSpc>
+                <a:spcPct val="90000"/>
+              </a:lnSpc>
+              <a:spcBef>
+                <a:spcPts val="500"/>
+              </a:spcBef>
+              <a:buFont typeface="Arial" panose="020B0604020202020204" pitchFamily="34" charset="0"/>
+              <a:buChar char="•"/>
+              <a:defRPr sz="1800" kern="1200">
+                <a:solidFill>
+                  <a:schemeClr val="tx1"/>
+                </a:solidFill>
+                <a:latin typeface="+mn-lt"/>
+                <a:ea typeface="+mn-ea"/>
+                <a:cs typeface="+mn-cs"/>
+              </a:defRPr>
+            </a:lvl4pPr>
+            <a:lvl5pPr marL="2057400" indent="-228600" algn="l" defTabSz="914400" rtl="0" eaLnBrk="1" latinLnBrk="0" hangingPunct="1">
+              <a:lnSpc>
+                <a:spcPct val="90000"/>
+              </a:lnSpc>
+              <a:spcBef>
+                <a:spcPts val="500"/>
+              </a:spcBef>
+              <a:buFont typeface="Arial" panose="020B0604020202020204" pitchFamily="34" charset="0"/>
+              <a:buChar char="•"/>
+              <a:defRPr sz="1800" kern="1200">
+                <a:solidFill>
+                  <a:schemeClr val="tx1"/>
+                </a:solidFill>
+                <a:latin typeface="+mn-lt"/>
+                <a:ea typeface="+mn-ea"/>
+                <a:cs typeface="+mn-cs"/>
+              </a:defRPr>
+            </a:lvl5pPr>
+            <a:lvl6pPr marL="2514600" indent="-228600" algn="l" defTabSz="914400" rtl="0" eaLnBrk="1" latinLnBrk="0" hangingPunct="1">
+              <a:lnSpc>
+                <a:spcPct val="90000"/>
+              </a:lnSpc>
+              <a:spcBef>
+                <a:spcPts val="500"/>
+              </a:spcBef>
+              <a:buFont typeface="Arial" panose="020B0604020202020204" pitchFamily="34" charset="0"/>
+              <a:buChar char="•"/>
+              <a:defRPr sz="1800" kern="1200">
+                <a:solidFill>
+                  <a:schemeClr val="tx1"/>
+                </a:solidFill>
+                <a:latin typeface="+mn-lt"/>
+                <a:ea typeface="+mn-ea"/>
+                <a:cs typeface="+mn-cs"/>
+              </a:defRPr>
+            </a:lvl6pPr>
+            <a:lvl7pPr marL="2971800" indent="-228600" algn="l" defTabSz="914400" rtl="0" eaLnBrk="1" latinLnBrk="0" hangingPunct="1">
+              <a:lnSpc>
+                <a:spcPct val="90000"/>
+              </a:lnSpc>
+              <a:spcBef>
+                <a:spcPts val="500"/>
+              </a:spcBef>
+              <a:buFont typeface="Arial" panose="020B0604020202020204" pitchFamily="34" charset="0"/>
+              <a:buChar char="•"/>
+              <a:defRPr sz="1800" kern="1200">
+                <a:solidFill>
+                  <a:schemeClr val="tx1"/>
+                </a:solidFill>
+                <a:latin typeface="+mn-lt"/>
+                <a:ea typeface="+mn-ea"/>
+                <a:cs typeface="+mn-cs"/>
+              </a:defRPr>
+            </a:lvl7pPr>
+            <a:lvl8pPr marL="3429000" indent="-228600" algn="l" defTabSz="914400" rtl="0" eaLnBrk="1" latinLnBrk="0" hangingPunct="1">
+              <a:lnSpc>
+                <a:spcPct val="90000"/>
+              </a:lnSpc>
+              <a:spcBef>
+                <a:spcPts val="500"/>
+              </a:spcBef>
+              <a:buFont typeface="Arial" panose="020B0604020202020204" pitchFamily="34" charset="0"/>
+              <a:buChar char="•"/>
+              <a:defRPr sz="1800" kern="1200">
+                <a:solidFill>
+                  <a:schemeClr val="tx1"/>
+                </a:solidFill>
+                <a:latin typeface="+mn-lt"/>
+                <a:ea typeface="+mn-ea"/>
+                <a:cs typeface="+mn-cs"/>
+              </a:defRPr>
+            </a:lvl8pPr>
+            <a:lvl9pPr marL="3886200" indent="-228600" algn="l" defTabSz="914400" rtl="0" eaLnBrk="1" latinLnBrk="0" hangingPunct="1">
+              <a:lnSpc>
+                <a:spcPct val="90000"/>
+              </a:lnSpc>
+              <a:spcBef>
+                <a:spcPts val="500"/>
+              </a:spcBef>
+              <a:buFont typeface="Arial" panose="020B0604020202020204" pitchFamily="34" charset="0"/>
+              <a:buChar char="•"/>
+              <a:defRPr sz="1800" kern="1200">
+                <a:solidFill>
+                  <a:schemeClr val="tx1"/>
+                </a:solidFill>
+                <a:latin typeface="+mn-lt"/>
+                <a:ea typeface="+mn-ea"/>
+                <a:cs typeface="+mn-cs"/>
+              </a:defRPr>
+            </a:lvl9pPr>
+          </a:lstStyle>
+          <a:p>
+            <a:pPr marL="0" indent="0">
+              <a:buNone/>
+            </a:pPr>
+            <a:r>
+              <a:rPr lang="ru-RU" sz="3200" b="1" dirty="0" smtClean="0">
+                <a:solidFill>
+                  <a:schemeClr val="bg1"/>
+                </a:solidFill>
+                <a:latin typeface="Segoe UI Semilight" panose="020B0402040204020203" pitchFamily="34" charset="0"/>
+                <a:cs typeface="Segoe UI Semilight" panose="020B0402040204020203" pitchFamily="34" charset="0"/>
+              </a:rPr>
+              <a:t>Спасибо за внимание!</a:t>
+            </a:r>
+            <a:endParaRPr lang="ru-RU" sz="3200" b="1" dirty="0">
+              <a:solidFill>
+                <a:schemeClr val="bg1"/>
+              </a:solidFill>
+              <a:latin typeface="Segoe UI Semilight" panose="020B0402040204020203" pitchFamily="34" charset="0"/>
+              <a:cs typeface="Segoe UI Semilight" panose="020B0402040204020203" pitchFamily="34" charset="0"/>
+            </a:endParaRPr>
+          </a:p>
+        </p:txBody>
+      </p:sp>
+    </p:spTree>
+    <p:extLst>
+      <p:ext uri="{BB962C8B-B14F-4D97-AF65-F5344CB8AC3E}">
+        <p14:creationId xmlns:p14="http://schemas.microsoft.com/office/powerpoint/2010/main" val="2203234034"/>
       </p:ext>
     </p:extLst>
   </p:cSld>
@@ -17130,8 +20113,8 @@
         </p:nvSpPr>
         <p:spPr>
           <a:xfrm>
-            <a:off x="7041104" y="1493785"/>
-            <a:ext cx="4766785" cy="4770529"/>
+            <a:off x="7311135" y="1763814"/>
+            <a:ext cx="4496754" cy="4500499"/>
           </a:xfrm>
           <a:prstGeom prst="ellipse">
             <a:avLst/>
@@ -17237,7 +20220,7 @@
         <p:spPr>
           <a:xfrm>
             <a:off x="464587" y="1382939"/>
-            <a:ext cx="6396498" cy="5355312"/>
+            <a:ext cx="6942172" cy="5078313"/>
           </a:xfrm>
           <a:prstGeom prst="rect">
             <a:avLst/>
@@ -17250,6 +20233,10 @@
           </a:bodyPr>
           <a:lstStyle/>
           <a:p>
+            <a:pPr marL="285750" indent="-285750">
+              <a:buFont typeface="Arial" panose="020B0604020202020204" pitchFamily="34" charset="0"/>
+              <a:buChar char="•"/>
+            </a:pPr>
             <a:r>
               <a:rPr lang="en-US" b="1" dirty="0" err="1" smtClean="0">
                 <a:solidFill>
@@ -17345,6 +20332,10 @@
             </a:endParaRPr>
           </a:p>
           <a:p>
+            <a:pPr marL="285750" indent="-285750">
+              <a:buFont typeface="Arial" panose="020B0604020202020204" pitchFamily="34" charset="0"/>
+              <a:buChar char="•"/>
+            </a:pPr>
             <a:endParaRPr lang="ru-RU" dirty="0" smtClean="0">
               <a:solidFill>
                 <a:sysClr val="windowText" lastClr="000000"/>
@@ -17352,6 +20343,10 @@
             </a:endParaRPr>
           </a:p>
           <a:p>
+            <a:pPr marL="285750" indent="-285750">
+              <a:buFont typeface="Arial" panose="020B0604020202020204" pitchFamily="34" charset="0"/>
+              <a:buChar char="•"/>
+            </a:pPr>
             <a:r>
               <a:rPr lang="en-US" b="1" dirty="0" err="1" smtClean="0">
                 <a:solidFill>
@@ -17407,6 +20402,10 @@
             </a:endParaRPr>
           </a:p>
           <a:p>
+            <a:pPr marL="285750" indent="-285750">
+              <a:buFont typeface="Arial" panose="020B0604020202020204" pitchFamily="34" charset="0"/>
+              <a:buChar char="•"/>
+            </a:pPr>
             <a:endParaRPr lang="en-US" dirty="0">
               <a:solidFill>
                 <a:sysClr val="windowText" lastClr="000000"/>
@@ -17414,6 +20413,10 @@
             </a:endParaRPr>
           </a:p>
           <a:p>
+            <a:pPr marL="285750" indent="-285750">
+              <a:buFont typeface="Arial" panose="020B0604020202020204" pitchFamily="34" charset="0"/>
+              <a:buChar char="•"/>
+            </a:pPr>
             <a:r>
               <a:rPr lang="en-US" b="1" dirty="0" err="1" smtClean="0">
                 <a:solidFill>
@@ -17463,12 +20466,12 @@
               <a:t>обратную связь от </a:t>
             </a:r>
             <a:r>
-              <a:rPr lang="ru-RU" dirty="0" err="1">
-                <a:solidFill>
-                  <a:sysClr val="windowText" lastClr="000000"/>
-                </a:solidFill>
-              </a:rPr>
-              <a:t>таргета</a:t>
+              <a:rPr lang="ru-RU" dirty="0" smtClean="0">
+                <a:solidFill>
+                  <a:sysClr val="windowText" lastClr="000000"/>
+                </a:solidFill>
+              </a:rPr>
+              <a:t>приложения для </a:t>
             </a:r>
             <a:r>
               <a:rPr lang="ru-RU" dirty="0">
@@ -17476,7 +20479,7 @@
                   <a:sysClr val="windowText" lastClr="000000"/>
                 </a:solidFill>
               </a:rPr>
-              <a:t> для подготовки тестовых данных для улучшения покрытия </a:t>
+              <a:t>подготовки тестовых данных для улучшения покрытия </a:t>
             </a:r>
             <a:r>
               <a:rPr lang="ru-RU" dirty="0" smtClean="0">
@@ -17573,8 +20576,8 @@
         </p:blipFill>
         <p:spPr bwMode="auto">
           <a:xfrm>
-            <a:off x="7131115" y="1583795"/>
-            <a:ext cx="4676775" cy="4581525"/>
+            <a:off x="7406759" y="1853825"/>
+            <a:ext cx="4401131" cy="4311495"/>
           </a:xfrm>
           <a:prstGeom prst="rect">
             <a:avLst/>
@@ -17591,6 +20594,52 @@
           </a:extLst>
         </p:spPr>
       </p:pic>
+      <p:sp>
+        <p:nvSpPr>
+          <p:cNvPr id="8" name="Прямоугольник 7"/>
+          <p:cNvSpPr/>
+          <p:nvPr/>
+        </p:nvSpPr>
+        <p:spPr>
+          <a:xfrm>
+            <a:off x="8906939" y="3816118"/>
+            <a:ext cx="1305145" cy="180020"/>
+          </a:xfrm>
+          <a:prstGeom prst="rect">
+            <a:avLst/>
+          </a:prstGeom>
+          <a:solidFill>
+            <a:srgbClr val="999999"/>
+          </a:solidFill>
+          <a:ln>
+            <a:noFill/>
+          </a:ln>
+        </p:spPr>
+        <p:style>
+          <a:lnRef idx="2">
+            <a:schemeClr val="accent1">
+              <a:shade val="50000"/>
+            </a:schemeClr>
+          </a:lnRef>
+          <a:fillRef idx="1">
+            <a:schemeClr val="accent1"/>
+          </a:fillRef>
+          <a:effectRef idx="0">
+            <a:schemeClr val="accent1"/>
+          </a:effectRef>
+          <a:fontRef idx="minor">
+            <a:schemeClr val="lt1"/>
+          </a:fontRef>
+        </p:style>
+        <p:txBody>
+          <a:bodyPr rtlCol="0" anchor="ctr"/>
+          <a:lstStyle/>
+          <a:p>
+            <a:pPr algn="ctr"/>
+            <a:endParaRPr lang="ru-RU"/>
+          </a:p>
+        </p:txBody>
+      </p:sp>
     </p:spTree>
     <p:extLst>
       <p:ext uri="{BB962C8B-B14F-4D97-AF65-F5344CB8AC3E}">
@@ -17694,8 +20743,8 @@
         </p:nvSpPr>
         <p:spPr>
           <a:xfrm>
-            <a:off x="462482" y="1988840"/>
-            <a:ext cx="10756196" cy="3693319"/>
+            <a:off x="442912" y="1763815"/>
+            <a:ext cx="10756196" cy="3970318"/>
           </a:xfrm>
           <a:prstGeom prst="rect">
             <a:avLst/>
@@ -17708,21 +20757,161 @@
           </a:bodyPr>
           <a:lstStyle/>
           <a:p>
-            <a:r>
-              <a:rPr lang="ru-RU" b="1" dirty="0" smtClean="0">
-                <a:solidFill>
-                  <a:sysClr val="windowText" lastClr="000000"/>
-                </a:solidFill>
-              </a:rPr>
-              <a:t>Покрытие </a:t>
-            </a:r>
-            <a:r>
-              <a:rPr lang="en-US" dirty="0" smtClean="0">
-                <a:solidFill>
-                  <a:sysClr val="windowText" lastClr="000000"/>
-                </a:solidFill>
-              </a:rPr>
-              <a:t>- </a:t>
+            <a:pPr marL="285750" indent="-285750">
+              <a:buFont typeface="Arial" panose="020B0604020202020204" pitchFamily="34" charset="0"/>
+              <a:buChar char="•"/>
+            </a:pPr>
+            <a:r>
+              <a:rPr lang="en-US" b="1" dirty="0">
+                <a:solidFill>
+                  <a:sysClr val="windowText" lastClr="000000"/>
+                </a:solidFill>
+              </a:rPr>
+              <a:t>AFL (American Fuzzy Lop) </a:t>
+            </a:r>
+            <a:r>
+              <a:rPr lang="en-US" dirty="0">
+                <a:solidFill>
+                  <a:sysClr val="windowText" lastClr="000000"/>
+                </a:solidFill>
+              </a:rPr>
+              <a:t>–</a:t>
+            </a:r>
+            <a:r>
+              <a:rPr lang="ru-RU" dirty="0">
+                <a:solidFill>
+                  <a:sysClr val="windowText" lastClr="000000"/>
+                </a:solidFill>
+              </a:rPr>
+              <a:t> </a:t>
+            </a:r>
+            <a:r>
+              <a:rPr lang="ru-RU" dirty="0" err="1">
+                <a:solidFill>
+                  <a:sysClr val="windowText" lastClr="000000"/>
+                </a:solidFill>
+              </a:rPr>
+              <a:t>фаззер</a:t>
+            </a:r>
+            <a:r>
+              <a:rPr lang="ru-RU" dirty="0">
+                <a:solidFill>
+                  <a:sysClr val="windowText" lastClr="000000"/>
+                </a:solidFill>
+              </a:rPr>
+              <a:t>, представленный </a:t>
+            </a:r>
+            <a:r>
+              <a:rPr lang="en-US" dirty="0">
+                <a:solidFill>
+                  <a:sysClr val="windowText" lastClr="000000"/>
+                </a:solidFill>
+              </a:rPr>
+              <a:t>google. </a:t>
+            </a:r>
+            <a:r>
+              <a:rPr lang="ru-RU" dirty="0">
+                <a:solidFill>
+                  <a:sysClr val="windowText" lastClr="000000"/>
+                </a:solidFill>
+              </a:rPr>
+              <a:t>Один из наиболее популярных </a:t>
+            </a:r>
+            <a:r>
+              <a:rPr lang="ru-RU" dirty="0" err="1">
+                <a:solidFill>
+                  <a:sysClr val="windowText" lastClr="000000"/>
+                </a:solidFill>
+              </a:rPr>
+              <a:t>фаззеров</a:t>
+            </a:r>
+            <a:r>
+              <a:rPr lang="ru-RU" dirty="0">
+                <a:solidFill>
+                  <a:sysClr val="windowText" lastClr="000000"/>
+                </a:solidFill>
+              </a:rPr>
+              <a:t> в мире, наряду с </a:t>
+            </a:r>
+            <a:r>
+              <a:rPr lang="en-US" dirty="0" err="1">
+                <a:solidFill>
+                  <a:sysClr val="windowText" lastClr="000000"/>
+                </a:solidFill>
+              </a:rPr>
+              <a:t>LibFuzzer</a:t>
+            </a:r>
+            <a:r>
+              <a:rPr lang="en-US" dirty="0">
+                <a:solidFill>
+                  <a:sysClr val="windowText" lastClr="000000"/>
+                </a:solidFill>
+              </a:rPr>
+              <a:t> (LLVM). </a:t>
+            </a:r>
+            <a:r>
+              <a:rPr lang="kk-KZ" dirty="0">
+                <a:solidFill>
+                  <a:sysClr val="windowText" lastClr="000000"/>
+                </a:solidFill>
+              </a:rPr>
+              <a:t>В настоящее время не поддерживается</a:t>
+            </a:r>
+            <a:r>
+              <a:rPr lang="ru-RU" dirty="0">
+                <a:solidFill>
+                  <a:sysClr val="windowText" lastClr="000000"/>
+                </a:solidFill>
+              </a:rPr>
+              <a:t>, но стал отправной точкой для множества других </a:t>
+            </a:r>
+            <a:r>
+              <a:rPr lang="ru-RU" dirty="0" err="1">
+                <a:solidFill>
+                  <a:sysClr val="windowText" lastClr="000000"/>
+                </a:solidFill>
+              </a:rPr>
+              <a:t>фаззеров</a:t>
+            </a:r>
+            <a:r>
+              <a:rPr lang="ru-RU" dirty="0">
+                <a:solidFill>
+                  <a:sysClr val="windowText" lastClr="000000"/>
+                </a:solidFill>
+              </a:rPr>
+              <a:t>, используемых в настоящее время (</a:t>
+            </a:r>
+            <a:r>
+              <a:rPr lang="en-US" dirty="0">
+                <a:solidFill>
+                  <a:sysClr val="windowText" lastClr="000000"/>
+                </a:solidFill>
+              </a:rPr>
+              <a:t>AFL++, kAFL, </a:t>
+            </a:r>
+            <a:r>
+              <a:rPr lang="en-US" dirty="0" err="1">
+                <a:solidFill>
+                  <a:sysClr val="windowText" lastClr="000000"/>
+                </a:solidFill>
+              </a:rPr>
+              <a:t>AFLnet</a:t>
+            </a:r>
+            <a:r>
+              <a:rPr lang="en-US" dirty="0">
+                <a:solidFill>
+                  <a:sysClr val="windowText" lastClr="000000"/>
+                </a:solidFill>
+              </a:rPr>
+              <a:t> </a:t>
+            </a:r>
+            <a:r>
+              <a:rPr lang="ru-RU" dirty="0">
+                <a:solidFill>
+                  <a:sysClr val="windowText" lastClr="000000"/>
+                </a:solidFill>
+              </a:rPr>
+              <a:t>и др</a:t>
             </a:r>
             <a:r>
               <a:rPr lang="ru-RU" dirty="0" smtClean="0">
@@ -17730,38 +20919,25 @@
                   <a:sysClr val="windowText" lastClr="000000"/>
                 </a:solidFill>
               </a:rPr>
-              <a:t>сведения </a:t>
-            </a:r>
-            <a:r>
-              <a:rPr lang="ru-RU" dirty="0">
-                <a:solidFill>
-                  <a:sysClr val="windowText" lastClr="000000"/>
-                </a:solidFill>
-              </a:rPr>
-              <a:t>об участках кода программы, которые были выполнены при обработке тех или иных входных данных. Сбор покрытия реализуется посредством фиксирования пройденных участков кода самой исследуемой программой или инструментом </a:t>
-            </a:r>
-            <a:r>
-              <a:rPr lang="ru-RU" dirty="0" smtClean="0">
-                <a:solidFill>
-                  <a:sysClr val="windowText" lastClr="000000"/>
-                </a:solidFill>
-              </a:rPr>
-              <a:t>тестирования</a:t>
-            </a:r>
-            <a:endParaRPr lang="en-US" dirty="0" smtClean="0">
+              <a:t>.)</a:t>
+            </a:r>
+          </a:p>
+          <a:p>
+            <a:pPr marL="285750" indent="-285750">
+              <a:buFont typeface="Arial" panose="020B0604020202020204" pitchFamily="34" charset="0"/>
+              <a:buChar char="•"/>
+            </a:pPr>
+            <a:endParaRPr lang="ru-RU" b="1" dirty="0">
               <a:solidFill>
                 <a:sysClr val="windowText" lastClr="000000"/>
               </a:solidFill>
             </a:endParaRPr>
           </a:p>
           <a:p>
-            <a:endParaRPr lang="ru-RU" dirty="0" smtClean="0">
-              <a:solidFill>
-                <a:sysClr val="windowText" lastClr="000000"/>
-              </a:solidFill>
-            </a:endParaRPr>
-          </a:p>
-          <a:p>
+            <a:pPr marL="285750" indent="-285750">
+              <a:buFont typeface="Arial" panose="020B0604020202020204" pitchFamily="34" charset="0"/>
+              <a:buChar char="•"/>
+            </a:pPr>
             <a:r>
               <a:rPr lang="ru-RU" b="1" dirty="0" smtClean="0">
                 <a:solidFill>
@@ -17852,6 +21028,10 @@
             </a:r>
           </a:p>
           <a:p>
+            <a:pPr marL="285750" indent="-285750">
+              <a:buFont typeface="Arial" panose="020B0604020202020204" pitchFamily="34" charset="0"/>
+              <a:buChar char="•"/>
+            </a:pPr>
             <a:endParaRPr lang="en-US" dirty="0">
               <a:solidFill>
                 <a:sysClr val="windowText" lastClr="000000"/>
@@ -17859,6 +21039,10 @@
             </a:endParaRPr>
           </a:p>
           <a:p>
+            <a:pPr marL="285750" indent="-285750">
+              <a:buFont typeface="Arial" panose="020B0604020202020204" pitchFamily="34" charset="0"/>
+              <a:buChar char="•"/>
+            </a:pPr>
             <a:r>
               <a:rPr lang="ru-RU" b="1" dirty="0" err="1" smtClean="0">
                 <a:solidFill>
@@ -17923,7 +21107,7 @@
               </a:rPr>
               <a:t> может быть как случайным, так и на основе покрытия кода</a:t>
             </a:r>
-            <a:endParaRPr lang="ru-RU" b="1" dirty="0">
+            <a:endParaRPr lang="en-US" dirty="0" smtClean="0">
               <a:solidFill>
                 <a:sysClr val="windowText" lastClr="000000"/>
               </a:solidFill>
@@ -17952,6 +21136,275 @@
 </file>
 
 <file path=ppt/slides/slide5.xml><?xml version="1.0" encoding="utf-8"?>
+<p:sld xmlns:a="http://schemas.openxmlformats.org/drawingml/2006/main" xmlns:r="http://schemas.openxmlformats.org/officeDocument/2006/relationships" xmlns:p="http://schemas.openxmlformats.org/presentationml/2006/main">
+  <p:cSld>
+    <p:spTree>
+      <p:nvGrpSpPr>
+        <p:cNvPr id="1" name=""/>
+        <p:cNvGrpSpPr/>
+        <p:nvPr/>
+      </p:nvGrpSpPr>
+      <p:grpSpPr>
+        <a:xfrm>
+          <a:off x="0" y="0"/>
+          <a:ext cx="0" cy="0"/>
+          <a:chOff x="0" y="0"/>
+          <a:chExt cx="0" cy="0"/>
+        </a:xfrm>
+      </p:grpSpPr>
+      <p:sp>
+        <p:nvSpPr>
+          <p:cNvPr id="2" name="Текст 1">
+            <a:extLst>
+              <a:ext uri="{FF2B5EF4-FFF2-40B4-BE49-F238E27FC236}">
+                <a16:creationId xmlns:a16="http://schemas.microsoft.com/office/drawing/2014/main" id="{34CF7266-1A7A-9629-D9A6-5784F0346D64}"/>
+              </a:ext>
+            </a:extLst>
+          </p:cNvPr>
+          <p:cNvSpPr>
+            <a:spLocks noGrp="1"/>
+          </p:cNvSpPr>
+          <p:nvPr>
+            <p:ph type="body" sz="half" idx="11"/>
+          </p:nvPr>
+        </p:nvSpPr>
+        <p:spPr/>
+        <p:txBody>
+          <a:bodyPr/>
+          <a:lstStyle/>
+          <a:p>
+            <a:r>
+              <a:rPr lang="ru-RU" dirty="0" smtClean="0"/>
+              <a:t>ПОКРЫТИЕ</a:t>
+            </a:r>
+            <a:endParaRPr lang="ru-RU" dirty="0"/>
+          </a:p>
+        </p:txBody>
+      </p:sp>
+      <p:sp>
+        <p:nvSpPr>
+          <p:cNvPr id="4" name="Текст 3">
+            <a:extLst>
+              <a:ext uri="{FF2B5EF4-FFF2-40B4-BE49-F238E27FC236}">
+                <a16:creationId xmlns:a16="http://schemas.microsoft.com/office/drawing/2014/main" id="{8A2D0C14-EAD0-9B0E-6354-FD1A4344047A}"/>
+              </a:ext>
+            </a:extLst>
+          </p:cNvPr>
+          <p:cNvSpPr>
+            <a:spLocks noGrp="1"/>
+          </p:cNvSpPr>
+          <p:nvPr>
+            <p:ph type="body" sz="half" idx="14"/>
+          </p:nvPr>
+        </p:nvSpPr>
+        <p:spPr/>
+        <p:txBody>
+          <a:bodyPr/>
+          <a:lstStyle/>
+          <a:p>
+            <a:r>
+              <a:rPr lang="ru-RU" dirty="0" smtClean="0"/>
+              <a:t>Введение</a:t>
+            </a:r>
+            <a:endParaRPr lang="ru-RU" dirty="0"/>
+          </a:p>
+        </p:txBody>
+      </p:sp>
+      <p:sp>
+        <p:nvSpPr>
+          <p:cNvPr id="3" name="Прямоугольник 2"/>
+          <p:cNvSpPr/>
+          <p:nvPr/>
+        </p:nvSpPr>
+        <p:spPr>
+          <a:xfrm>
+            <a:off x="442912" y="1382939"/>
+            <a:ext cx="10378613" cy="3693319"/>
+          </a:xfrm>
+          <a:prstGeom prst="rect">
+            <a:avLst/>
+          </a:prstGeom>
+        </p:spPr>
+        <p:txBody>
+          <a:bodyPr wrap="square">
+            <a:spAutoFit/>
+          </a:bodyPr>
+          <a:lstStyle/>
+          <a:p>
+            <a:r>
+              <a:rPr lang="ru-RU" b="1" dirty="0">
+                <a:solidFill>
+                  <a:sysClr val="windowText" lastClr="000000"/>
+                </a:solidFill>
+                <a:latin typeface="Segoe UI" panose="020B0502040204020203" pitchFamily="34" charset="0"/>
+              </a:rPr>
+              <a:t>Покрытие </a:t>
+            </a:r>
+            <a:r>
+              <a:rPr lang="en-US" dirty="0">
+                <a:solidFill>
+                  <a:sysClr val="windowText" lastClr="000000"/>
+                </a:solidFill>
+                <a:latin typeface="Segoe UI" panose="020B0502040204020203" pitchFamily="34" charset="0"/>
+              </a:rPr>
+              <a:t>- </a:t>
+            </a:r>
+            <a:r>
+              <a:rPr lang="ru-RU" dirty="0">
+                <a:solidFill>
+                  <a:sysClr val="windowText" lastClr="000000"/>
+                </a:solidFill>
+                <a:latin typeface="Segoe UI" panose="020B0502040204020203" pitchFamily="34" charset="0"/>
+              </a:rPr>
+              <a:t>сведения об участках кода программы, которые были выполнены при обработке тех или иных входных данных. Сбор покрытия реализуется посредством фиксирования пройденных участков кода самой исследуемой программой или инструментом </a:t>
+            </a:r>
+            <a:r>
+              <a:rPr lang="ru-RU" dirty="0" smtClean="0">
+                <a:solidFill>
+                  <a:sysClr val="windowText" lastClr="000000"/>
+                </a:solidFill>
+                <a:latin typeface="Segoe UI" panose="020B0502040204020203" pitchFamily="34" charset="0"/>
+              </a:rPr>
+              <a:t>тестирования</a:t>
+            </a:r>
+          </a:p>
+          <a:p>
+            <a:pPr marL="285750" indent="-285750">
+              <a:buFont typeface="Arial" panose="020B0604020202020204" pitchFamily="34" charset="0"/>
+              <a:buChar char="•"/>
+            </a:pPr>
+            <a:endParaRPr lang="ru-RU" dirty="0">
+              <a:solidFill>
+                <a:sysClr val="windowText" lastClr="000000"/>
+              </a:solidFill>
+              <a:latin typeface="Segoe UI" panose="020B0502040204020203" pitchFamily="34" charset="0"/>
+            </a:endParaRPr>
+          </a:p>
+          <a:p>
+            <a:pPr marL="285750" indent="-285750">
+              <a:buFont typeface="Arial" panose="020B0604020202020204" pitchFamily="34" charset="0"/>
+              <a:buChar char="•"/>
+            </a:pPr>
+            <a:r>
+              <a:rPr lang="ru-RU" dirty="0">
+                <a:solidFill>
+                  <a:sysClr val="windowText" lastClr="000000"/>
+                </a:solidFill>
+              </a:rPr>
+              <a:t>Метрики покрытия кода отслеживают суммарное количество выполненных строк кода, базовых блоков, количество сделанных условных переходов</a:t>
+            </a:r>
+          </a:p>
+          <a:p>
+            <a:endParaRPr lang="ru-RU" dirty="0">
+              <a:solidFill>
+                <a:sysClr val="windowText" lastClr="000000"/>
+              </a:solidFill>
+              <a:effectLst/>
+              <a:latin typeface="Segoe UI" panose="020B0502040204020203" pitchFamily="34" charset="0"/>
+            </a:endParaRPr>
+          </a:p>
+          <a:p>
+            <a:pPr marL="285750" indent="-285750">
+              <a:buFont typeface="Arial" panose="020B0604020202020204" pitchFamily="34" charset="0"/>
+              <a:buChar char="•"/>
+            </a:pPr>
+            <a:r>
+              <a:rPr lang="ru-RU" dirty="0" smtClean="0">
+                <a:solidFill>
+                  <a:sysClr val="windowText" lastClr="000000"/>
+                </a:solidFill>
+                <a:latin typeface="Segoe UI" panose="020B0502040204020203" pitchFamily="34" charset="0"/>
+              </a:rPr>
+              <a:t>Классический подход состоит в том, чтобы инструментировать код программы и отслеживать, как мутация влияет на покрытие в текущем цикле</a:t>
+            </a:r>
+          </a:p>
+          <a:p>
+            <a:pPr marL="285750" indent="-285750">
+              <a:buFont typeface="Arial" panose="020B0604020202020204" pitchFamily="34" charset="0"/>
+              <a:buChar char="•"/>
+            </a:pPr>
+            <a:endParaRPr lang="ru-RU" dirty="0">
+              <a:solidFill>
+                <a:sysClr val="windowText" lastClr="000000"/>
+              </a:solidFill>
+              <a:effectLst/>
+              <a:latin typeface="Segoe UI" panose="020B0502040204020203" pitchFamily="34" charset="0"/>
+            </a:endParaRPr>
+          </a:p>
+          <a:p>
+            <a:pPr marL="285750" indent="-285750">
+              <a:buFont typeface="Arial" panose="020B0604020202020204" pitchFamily="34" charset="0"/>
+              <a:buChar char="•"/>
+            </a:pPr>
+            <a:r>
+              <a:rPr lang="ru-RU" dirty="0" smtClean="0">
+                <a:solidFill>
+                  <a:sysClr val="windowText" lastClr="000000"/>
+                </a:solidFill>
+                <a:latin typeface="Segoe UI" panose="020B0502040204020203" pitchFamily="34" charset="0"/>
+              </a:rPr>
+              <a:t>Стратегия </a:t>
+            </a:r>
+            <a:r>
+              <a:rPr lang="ru-RU" dirty="0" err="1" smtClean="0">
+                <a:solidFill>
+                  <a:sysClr val="windowText" lastClr="000000"/>
+                </a:solidFill>
+                <a:latin typeface="Segoe UI" panose="020B0502040204020203" pitchFamily="34" charset="0"/>
+              </a:rPr>
+              <a:t>фаззинга</a:t>
+            </a:r>
+            <a:r>
+              <a:rPr lang="ru-RU" dirty="0" smtClean="0">
+                <a:solidFill>
+                  <a:sysClr val="windowText" lastClr="000000"/>
+                </a:solidFill>
+                <a:latin typeface="Segoe UI" panose="020B0502040204020203" pitchFamily="34" charset="0"/>
+              </a:rPr>
+              <a:t> состоит в том, чтобы при помощи минимального корпуса достигнуть наибольшего покрытия. В конечном итоге это позволяет проводить </a:t>
+            </a:r>
+            <a:r>
+              <a:rPr lang="ru-RU" dirty="0" err="1" smtClean="0">
+                <a:solidFill>
+                  <a:sysClr val="windowText" lastClr="000000"/>
+                </a:solidFill>
+                <a:latin typeface="Segoe UI" panose="020B0502040204020203" pitchFamily="34" charset="0"/>
+              </a:rPr>
+              <a:t>фаззинг</a:t>
+            </a:r>
+            <a:r>
+              <a:rPr lang="ru-RU" dirty="0" smtClean="0">
+                <a:solidFill>
+                  <a:sysClr val="windowText" lastClr="000000"/>
+                </a:solidFill>
+                <a:latin typeface="Segoe UI" panose="020B0502040204020203" pitchFamily="34" charset="0"/>
+              </a:rPr>
+              <a:t> наиболее эффективно</a:t>
+            </a:r>
+          </a:p>
+        </p:txBody>
+      </p:sp>
+    </p:spTree>
+    <p:extLst>
+      <p:ext uri="{BB962C8B-B14F-4D97-AF65-F5344CB8AC3E}">
+        <p14:creationId xmlns:p14="http://schemas.microsoft.com/office/powerpoint/2010/main" val="1273801212"/>
+      </p:ext>
+    </p:extLst>
+  </p:cSld>
+  <p:clrMapOvr>
+    <a:masterClrMapping/>
+  </p:clrMapOvr>
+  <p:timing>
+    <p:tnLst>
+      <p:par>
+        <p:cTn id="1" dur="indefinite" restart="never" nodeType="tmRoot"/>
+      </p:par>
+    </p:tnLst>
+  </p:timing>
+</p:sld>
+</file>
+
+<file path=ppt/slides/slide6.xml><?xml version="1.0" encoding="utf-8"?>
 <p:sld xmlns:a="http://schemas.openxmlformats.org/drawingml/2006/main" xmlns:r="http://schemas.openxmlformats.org/officeDocument/2006/relationships" xmlns:p="http://schemas.openxmlformats.org/presentationml/2006/main">
   <p:cSld>
     <p:spTree>
@@ -18389,450 +21842,6 @@
 </p:sld>
 </file>
 
-<file path=ppt/slides/slide6.xml><?xml version="1.0" encoding="utf-8"?>
-<p:sld xmlns:a="http://schemas.openxmlformats.org/drawingml/2006/main" xmlns:r="http://schemas.openxmlformats.org/officeDocument/2006/relationships" xmlns:p="http://schemas.openxmlformats.org/presentationml/2006/main">
-  <p:cSld>
-    <p:spTree>
-      <p:nvGrpSpPr>
-        <p:cNvPr id="1" name=""/>
-        <p:cNvGrpSpPr/>
-        <p:nvPr/>
-      </p:nvGrpSpPr>
-      <p:grpSpPr>
-        <a:xfrm>
-          <a:off x="0" y="0"/>
-          <a:ext cx="0" cy="0"/>
-          <a:chOff x="0" y="0"/>
-          <a:chExt cx="0" cy="0"/>
-        </a:xfrm>
-      </p:grpSpPr>
-      <p:sp>
-        <p:nvSpPr>
-          <p:cNvPr id="2" name="Текст 1">
-            <a:extLst>
-              <a:ext uri="{FF2B5EF4-FFF2-40B4-BE49-F238E27FC236}">
-                <a16:creationId xmlns:a16="http://schemas.microsoft.com/office/drawing/2014/main" id="{34CF7266-1A7A-9629-D9A6-5784F0346D64}"/>
-              </a:ext>
-            </a:extLst>
-          </p:cNvPr>
-          <p:cNvSpPr>
-            <a:spLocks noGrp="1"/>
-          </p:cNvSpPr>
-          <p:nvPr>
-            <p:ph type="body" sz="half" idx="11"/>
-          </p:nvPr>
-        </p:nvSpPr>
-        <p:spPr>
-          <a:xfrm>
-            <a:off x="442912" y="818710"/>
-            <a:ext cx="9974262" cy="381000"/>
-          </a:xfrm>
-        </p:spPr>
-        <p:txBody>
-          <a:bodyPr/>
-          <a:lstStyle/>
-          <a:p>
-            <a:r>
-              <a:rPr lang="en-US" dirty="0" err="1" smtClean="0"/>
-              <a:t>TriforceAFL</a:t>
-            </a:r>
-            <a:endParaRPr lang="ru-RU" dirty="0"/>
-          </a:p>
-        </p:txBody>
-      </p:sp>
-      <p:sp>
-        <p:nvSpPr>
-          <p:cNvPr id="4" name="Текст 3">
-            <a:extLst>
-              <a:ext uri="{FF2B5EF4-FFF2-40B4-BE49-F238E27FC236}">
-                <a16:creationId xmlns:a16="http://schemas.microsoft.com/office/drawing/2014/main" id="{8A2D0C14-EAD0-9B0E-6354-FD1A4344047A}"/>
-              </a:ext>
-            </a:extLst>
-          </p:cNvPr>
-          <p:cNvSpPr>
-            <a:spLocks noGrp="1"/>
-          </p:cNvSpPr>
-          <p:nvPr>
-            <p:ph type="body" sz="half" idx="14"/>
-          </p:nvPr>
-        </p:nvSpPr>
-        <p:spPr/>
-        <p:txBody>
-          <a:bodyPr/>
-          <a:lstStyle/>
-          <a:p>
-            <a:r>
-              <a:rPr lang="kk-KZ" dirty="0" smtClean="0">
-                <a:solidFill>
-                  <a:sysClr val="windowText" lastClr="000000"/>
-                </a:solidFill>
-              </a:rPr>
-              <a:t>Фаззинг виртуальной машины</a:t>
-            </a:r>
-            <a:r>
-              <a:rPr lang="ru-RU" dirty="0" smtClean="0">
-                <a:solidFill>
-                  <a:sysClr val="windowText" lastClr="000000"/>
-                </a:solidFill>
-              </a:rPr>
-              <a:t>. Типы</a:t>
-            </a:r>
-            <a:endParaRPr lang="ru-RU" dirty="0">
-              <a:solidFill>
-                <a:sysClr val="windowText" lastClr="000000"/>
-              </a:solidFill>
-            </a:endParaRPr>
-          </a:p>
-        </p:txBody>
-      </p:sp>
-      <p:sp>
-        <p:nvSpPr>
-          <p:cNvPr id="5" name="TextBox 4"/>
-          <p:cNvSpPr txBox="1"/>
-          <p:nvPr/>
-        </p:nvSpPr>
-        <p:spPr>
-          <a:xfrm>
-            <a:off x="442912" y="1403775"/>
-            <a:ext cx="8731664" cy="3970318"/>
-          </a:xfrm>
-          <a:prstGeom prst="rect">
-            <a:avLst/>
-          </a:prstGeom>
-          <a:noFill/>
-        </p:spPr>
-        <p:txBody>
-          <a:bodyPr wrap="square" rtlCol="0">
-            <a:spAutoFit/>
-          </a:bodyPr>
-          <a:lstStyle/>
-          <a:p>
-            <a:pPr marL="285750" indent="-285750">
-              <a:buFont typeface="Arial" panose="020B0604020202020204" pitchFamily="34" charset="0"/>
-              <a:buChar char="•"/>
-            </a:pPr>
-            <a:r>
-              <a:rPr lang="ru-RU" dirty="0">
-                <a:solidFill>
-                  <a:sysClr val="windowText" lastClr="000000"/>
-                </a:solidFill>
-              </a:rPr>
-              <a:t>AFL/QEMU </a:t>
-            </a:r>
-            <a:r>
-              <a:rPr lang="ru-RU" dirty="0" err="1">
-                <a:solidFill>
-                  <a:sysClr val="windowText" lastClr="000000"/>
-                </a:solidFill>
-              </a:rPr>
-              <a:t>фаззинг</a:t>
-            </a:r>
-            <a:r>
-              <a:rPr lang="ru-RU" dirty="0">
-                <a:solidFill>
-                  <a:sysClr val="windowText" lastClr="000000"/>
-                </a:solidFill>
-              </a:rPr>
-              <a:t> с полной эмуляцией системы. </a:t>
-            </a:r>
-            <a:r>
-              <a:rPr lang="ru-RU" dirty="0" err="1">
-                <a:solidFill>
-                  <a:sysClr val="windowText" lastClr="000000"/>
-                </a:solidFill>
-              </a:rPr>
-              <a:t>Форк</a:t>
-            </a:r>
-            <a:r>
-              <a:rPr lang="ru-RU" dirty="0">
-                <a:solidFill>
-                  <a:sysClr val="windowText" lastClr="000000"/>
-                </a:solidFill>
-              </a:rPr>
-              <a:t> от </a:t>
-            </a:r>
-            <a:r>
-              <a:rPr lang="ru-RU" dirty="0" err="1">
-                <a:solidFill>
-                  <a:sysClr val="windowText" lastClr="000000"/>
-                </a:solidFill>
-              </a:rPr>
-              <a:t>nccgroup</a:t>
-            </a:r>
-            <a:r>
-              <a:rPr lang="ru-RU" dirty="0">
-                <a:solidFill>
-                  <a:sysClr val="windowText" lastClr="000000"/>
-                </a:solidFill>
-              </a:rPr>
-              <a:t>. Позволяет в </a:t>
-            </a:r>
-            <a:r>
-              <a:rPr lang="ru-RU" dirty="0" err="1">
-                <a:solidFill>
-                  <a:sysClr val="windowText" lastClr="000000"/>
-                </a:solidFill>
-              </a:rPr>
-              <a:t>qemu</a:t>
-            </a:r>
-            <a:r>
-              <a:rPr lang="ru-RU" dirty="0">
-                <a:solidFill>
-                  <a:sysClr val="windowText" lastClr="000000"/>
-                </a:solidFill>
-              </a:rPr>
-              <a:t> режиме </a:t>
-            </a:r>
-            <a:r>
-              <a:rPr lang="ru-RU" dirty="0" err="1">
-                <a:solidFill>
-                  <a:sysClr val="windowText" lastClr="000000"/>
-                </a:solidFill>
-              </a:rPr>
-              <a:t>фаззить</a:t>
-            </a:r>
-            <a:r>
-              <a:rPr lang="ru-RU" dirty="0">
-                <a:solidFill>
-                  <a:sysClr val="windowText" lastClr="000000"/>
-                </a:solidFill>
-              </a:rPr>
-              <a:t> операционную систему целиком. Реализован через специальную инструкцию (</a:t>
-            </a:r>
-            <a:r>
-              <a:rPr lang="ru-RU" dirty="0" err="1">
-                <a:solidFill>
-                  <a:sysClr val="windowText" lastClr="000000"/>
-                </a:solidFill>
-              </a:rPr>
-              <a:t>aflCall</a:t>
-            </a:r>
-            <a:r>
-              <a:rPr lang="ru-RU" dirty="0">
-                <a:solidFill>
-                  <a:sysClr val="windowText" lastClr="000000"/>
-                </a:solidFill>
-              </a:rPr>
-              <a:t> (0f 24)), которая была добавлена в QEMU x64 </a:t>
-            </a:r>
-            <a:r>
-              <a:rPr lang="ru-RU" dirty="0" smtClean="0">
-                <a:solidFill>
-                  <a:sysClr val="windowText" lastClr="000000"/>
-                </a:solidFill>
-              </a:rPr>
-              <a:t>CPU</a:t>
-            </a:r>
-          </a:p>
-          <a:p>
-            <a:pPr marL="285750" indent="-285750">
-              <a:buFont typeface="Arial" panose="020B0604020202020204" pitchFamily="34" charset="0"/>
-              <a:buChar char="•"/>
-            </a:pPr>
-            <a:endParaRPr lang="ru-RU" dirty="0">
-              <a:solidFill>
-                <a:sysClr val="windowText" lastClr="000000"/>
-              </a:solidFill>
-            </a:endParaRPr>
-          </a:p>
-          <a:p>
-            <a:pPr marL="285750" indent="-285750">
-              <a:buFont typeface="Arial" panose="020B0604020202020204" pitchFamily="34" charset="0"/>
-              <a:buChar char="•"/>
-            </a:pPr>
-            <a:r>
-              <a:rPr lang="ru-RU" dirty="0" err="1">
-                <a:solidFill>
-                  <a:sysClr val="windowText" lastClr="000000"/>
-                </a:solidFill>
-              </a:rPr>
-              <a:t>Фаззинг</a:t>
-            </a:r>
-            <a:r>
-              <a:rPr lang="ru-RU" dirty="0">
-                <a:solidFill>
-                  <a:sysClr val="windowText" lastClr="000000"/>
-                </a:solidFill>
-              </a:rPr>
-              <a:t> выполняется в </a:t>
-            </a:r>
-            <a:r>
-              <a:rPr lang="ru-RU" dirty="0" smtClean="0">
-                <a:solidFill>
-                  <a:sysClr val="windowText" lastClr="000000"/>
-                </a:solidFill>
-              </a:rPr>
-              <a:t>RAM-памяти, что позволяет значительно увеличить производительность </a:t>
-            </a:r>
-            <a:r>
-              <a:rPr lang="ru-RU" dirty="0" err="1" smtClean="0">
-                <a:solidFill>
-                  <a:sysClr val="windowText" lastClr="000000"/>
-                </a:solidFill>
-              </a:rPr>
-              <a:t>фаззинга</a:t>
-            </a:r>
-            <a:endParaRPr lang="ru-RU" dirty="0" smtClean="0">
-              <a:solidFill>
-                <a:sysClr val="windowText" lastClr="000000"/>
-              </a:solidFill>
-            </a:endParaRPr>
-          </a:p>
-          <a:p>
-            <a:pPr marL="285750" indent="-285750">
-              <a:buFont typeface="Arial" panose="020B0604020202020204" pitchFamily="34" charset="0"/>
-              <a:buChar char="•"/>
-            </a:pPr>
-            <a:endParaRPr lang="ru-RU" dirty="0">
-              <a:solidFill>
-                <a:sysClr val="windowText" lastClr="000000"/>
-              </a:solidFill>
-            </a:endParaRPr>
-          </a:p>
-          <a:p>
-            <a:pPr marL="285750" indent="-285750">
-              <a:buFont typeface="Arial" panose="020B0604020202020204" pitchFamily="34" charset="0"/>
-              <a:buChar char="•"/>
-            </a:pPr>
-            <a:r>
-              <a:rPr lang="ru-RU" dirty="0" smtClean="0">
-                <a:solidFill>
-                  <a:sysClr val="windowText" lastClr="000000"/>
-                </a:solidFill>
-              </a:rPr>
-              <a:t>Имеет инструмент </a:t>
-            </a:r>
-            <a:r>
-              <a:rPr lang="en-US" dirty="0" err="1" smtClean="0">
-                <a:solidFill>
-                  <a:sysClr val="windowText" lastClr="000000"/>
-                </a:solidFill>
-              </a:rPr>
-              <a:t>TriforceLinuxSyscallFuzzer</a:t>
-            </a:r>
-            <a:r>
-              <a:rPr lang="ru-RU" dirty="0" smtClean="0">
-                <a:solidFill>
-                  <a:sysClr val="windowText" lastClr="000000"/>
-                </a:solidFill>
-              </a:rPr>
-              <a:t>, предназначенный для </a:t>
-            </a:r>
-            <a:r>
-              <a:rPr lang="ru-RU" dirty="0" err="1" smtClean="0">
-                <a:solidFill>
-                  <a:sysClr val="windowText" lastClr="000000"/>
-                </a:solidFill>
-              </a:rPr>
-              <a:t>фаззинга</a:t>
-            </a:r>
-            <a:r>
-              <a:rPr lang="ru-RU" dirty="0" smtClean="0">
-                <a:solidFill>
-                  <a:sysClr val="windowText" lastClr="000000"/>
-                </a:solidFill>
-              </a:rPr>
-              <a:t> системных вызовов ядра </a:t>
-            </a:r>
-            <a:r>
-              <a:rPr lang="en-US" dirty="0" smtClean="0">
-                <a:solidFill>
-                  <a:sysClr val="windowText" lastClr="000000"/>
-                </a:solidFill>
-              </a:rPr>
-              <a:t>Linux, </a:t>
-            </a:r>
-            <a:r>
-              <a:rPr lang="kk-KZ" dirty="0" smtClean="0">
-                <a:solidFill>
-                  <a:sysClr val="windowText" lastClr="000000"/>
-                </a:solidFill>
-              </a:rPr>
-              <a:t>который может быть портирован под </a:t>
-            </a:r>
-            <a:r>
-              <a:rPr lang="en-US" dirty="0" smtClean="0">
-                <a:solidFill>
-                  <a:sysClr val="windowText" lastClr="000000"/>
-                </a:solidFill>
-              </a:rPr>
-              <a:t>QNX</a:t>
-            </a:r>
-            <a:endParaRPr lang="ru-RU" dirty="0" smtClean="0">
-              <a:solidFill>
-                <a:sysClr val="windowText" lastClr="000000"/>
-              </a:solidFill>
-            </a:endParaRPr>
-          </a:p>
-          <a:p>
-            <a:pPr marL="285750" indent="-285750">
-              <a:buFont typeface="Arial" panose="020B0604020202020204" pitchFamily="34" charset="0"/>
-              <a:buChar char="•"/>
-            </a:pPr>
-            <a:endParaRPr lang="ru-RU" dirty="0">
-              <a:solidFill>
-                <a:sysClr val="windowText" lastClr="000000"/>
-              </a:solidFill>
-            </a:endParaRPr>
-          </a:p>
-          <a:p>
-            <a:pPr marL="285750" indent="-285750">
-              <a:buFont typeface="Arial" panose="020B0604020202020204" pitchFamily="34" charset="0"/>
-              <a:buChar char="•"/>
-            </a:pPr>
-            <a:r>
-              <a:rPr lang="ru-RU" dirty="0" smtClean="0">
-                <a:solidFill>
-                  <a:sysClr val="windowText" lastClr="000000"/>
-                </a:solidFill>
-              </a:rPr>
-              <a:t>Позволяет получать отчеты о падении или зависании системы</a:t>
-            </a:r>
-          </a:p>
-          <a:p>
-            <a:pPr marL="285750" indent="-285750">
-              <a:buFont typeface="Arial" panose="020B0604020202020204" pitchFamily="34" charset="0"/>
-              <a:buChar char="•"/>
-            </a:pPr>
-            <a:endParaRPr lang="ru-RU" dirty="0">
-              <a:solidFill>
-                <a:sysClr val="windowText" lastClr="000000"/>
-              </a:solidFill>
-            </a:endParaRPr>
-          </a:p>
-          <a:p>
-            <a:pPr marL="285750" indent="-285750">
-              <a:buFont typeface="Arial" panose="020B0604020202020204" pitchFamily="34" charset="0"/>
-              <a:buChar char="•"/>
-            </a:pPr>
-            <a:endParaRPr lang="ru-RU" dirty="0">
-              <a:solidFill>
-                <a:sysClr val="windowText" lastClr="000000"/>
-              </a:solidFill>
-            </a:endParaRPr>
-          </a:p>
-        </p:txBody>
-      </p:sp>
-    </p:spTree>
-    <p:extLst>
-      <p:ext uri="{BB962C8B-B14F-4D97-AF65-F5344CB8AC3E}">
-        <p14:creationId xmlns:p14="http://schemas.microsoft.com/office/powerpoint/2010/main" val="1693940509"/>
-      </p:ext>
-    </p:extLst>
-  </p:cSld>
-  <p:clrMapOvr>
-    <a:masterClrMapping/>
-  </p:clrMapOvr>
-  <p:timing>
-    <p:tnLst>
-      <p:par>
-        <p:cTn id="1" dur="indefinite" restart="never" nodeType="tmRoot"/>
-      </p:par>
-    </p:tnLst>
-  </p:timing>
-</p:sld>
-</file>
-
 <file path=ppt/slides/slide7.xml><?xml version="1.0" encoding="utf-8"?>
 <p:sld xmlns:a="http://schemas.openxmlformats.org/drawingml/2006/main" xmlns:r="http://schemas.openxmlformats.org/officeDocument/2006/relationships" xmlns:p="http://schemas.openxmlformats.org/presentationml/2006/main">
   <p:cSld>
@@ -18880,10 +21889,6 @@
               <a:rPr lang="en-US" dirty="0" err="1" smtClean="0"/>
               <a:t>TriforceAFL</a:t>
             </a:r>
-            <a:r>
-              <a:rPr lang="en-US" dirty="0" smtClean="0"/>
-              <a:t> – DRIVER (AGENT)</a:t>
-            </a:r>
             <a:endParaRPr lang="ru-RU" dirty="0"/>
           </a:p>
         </p:txBody>
@@ -18933,40 +21938,16 @@
           </a:p>
         </p:txBody>
       </p:sp>
-      <p:pic>
-        <p:nvPicPr>
-          <p:cNvPr id="3" name="Рисунок 2"/>
-          <p:cNvPicPr>
-            <a:picLocks noChangeAspect="1"/>
-          </p:cNvPicPr>
-          <p:nvPr/>
-        </p:nvPicPr>
-        <p:blipFill>
-          <a:blip r:embed="rId2"/>
-          <a:stretch>
-            <a:fillRect/>
-          </a:stretch>
-        </p:blipFill>
-        <p:spPr>
-          <a:xfrm>
-            <a:off x="1959283" y="1402243"/>
-            <a:ext cx="6941520" cy="3178206"/>
-          </a:xfrm>
-          <a:prstGeom prst="rect">
-            <a:avLst/>
-          </a:prstGeom>
-        </p:spPr>
-      </p:pic>
-      <p:sp>
-        <p:nvSpPr>
-          <p:cNvPr id="6" name="TextBox 5"/>
+      <p:sp>
+        <p:nvSpPr>
+          <p:cNvPr id="5" name="TextBox 4"/>
           <p:cNvSpPr txBox="1"/>
           <p:nvPr/>
         </p:nvSpPr>
         <p:spPr>
           <a:xfrm>
-            <a:off x="3224798" y="4782982"/>
-            <a:ext cx="4410490" cy="369332"/>
+            <a:off x="438927" y="1943835"/>
+            <a:ext cx="8731664" cy="3970318"/>
           </a:xfrm>
           <a:prstGeom prst="rect">
             <a:avLst/>
@@ -18979,14 +21960,113 @@
           </a:bodyPr>
           <a:lstStyle/>
           <a:p>
-            <a:pPr algn="ctr"/>
-            <a:r>
-              <a:rPr lang="kk-KZ" dirty="0" smtClean="0">
-                <a:solidFill>
-                  <a:sysClr val="windowText" lastClr="000000"/>
-                </a:solidFill>
-              </a:rPr>
-              <a:t>Рис</a:t>
+            <a:pPr marL="285750" indent="-285750">
+              <a:buFont typeface="Arial" panose="020B0604020202020204" pitchFamily="34" charset="0"/>
+              <a:buChar char="•"/>
+            </a:pPr>
+            <a:r>
+              <a:rPr lang="ru-RU" dirty="0">
+                <a:solidFill>
+                  <a:sysClr val="windowText" lastClr="000000"/>
+                </a:solidFill>
+              </a:rPr>
+              <a:t>AFL/QEMU </a:t>
+            </a:r>
+            <a:r>
+              <a:rPr lang="ru-RU" dirty="0" err="1">
+                <a:solidFill>
+                  <a:sysClr val="windowText" lastClr="000000"/>
+                </a:solidFill>
+              </a:rPr>
+              <a:t>фаззинг</a:t>
+            </a:r>
+            <a:r>
+              <a:rPr lang="ru-RU" dirty="0">
+                <a:solidFill>
+                  <a:sysClr val="windowText" lastClr="000000"/>
+                </a:solidFill>
+              </a:rPr>
+              <a:t> с полной эмуляцией системы. </a:t>
+            </a:r>
+            <a:r>
+              <a:rPr lang="ru-RU" dirty="0" err="1">
+                <a:solidFill>
+                  <a:sysClr val="windowText" lastClr="000000"/>
+                </a:solidFill>
+              </a:rPr>
+              <a:t>Форк</a:t>
+            </a:r>
+            <a:r>
+              <a:rPr lang="ru-RU" dirty="0">
+                <a:solidFill>
+                  <a:sysClr val="windowText" lastClr="000000"/>
+                </a:solidFill>
+              </a:rPr>
+              <a:t> от </a:t>
+            </a:r>
+            <a:r>
+              <a:rPr lang="ru-RU" dirty="0" err="1">
+                <a:solidFill>
+                  <a:sysClr val="windowText" lastClr="000000"/>
+                </a:solidFill>
+              </a:rPr>
+              <a:t>nccgroup</a:t>
+            </a:r>
+            <a:r>
+              <a:rPr lang="ru-RU" dirty="0">
+                <a:solidFill>
+                  <a:sysClr val="windowText" lastClr="000000"/>
+                </a:solidFill>
+              </a:rPr>
+              <a:t>. Позволяет в </a:t>
+            </a:r>
+            <a:r>
+              <a:rPr lang="ru-RU" dirty="0" err="1">
+                <a:solidFill>
+                  <a:sysClr val="windowText" lastClr="000000"/>
+                </a:solidFill>
+              </a:rPr>
+              <a:t>qemu</a:t>
+            </a:r>
+            <a:r>
+              <a:rPr lang="ru-RU" dirty="0">
+                <a:solidFill>
+                  <a:sysClr val="windowText" lastClr="000000"/>
+                </a:solidFill>
+              </a:rPr>
+              <a:t> режиме </a:t>
+            </a:r>
+            <a:r>
+              <a:rPr lang="ru-RU" dirty="0" err="1">
+                <a:solidFill>
+                  <a:sysClr val="windowText" lastClr="000000"/>
+                </a:solidFill>
+              </a:rPr>
+              <a:t>фаззить</a:t>
+            </a:r>
+            <a:r>
+              <a:rPr lang="ru-RU" dirty="0">
+                <a:solidFill>
+                  <a:sysClr val="windowText" lastClr="000000"/>
+                </a:solidFill>
+              </a:rPr>
+              <a:t> операционную систему целиком. Реализован через специальную инструкцию (</a:t>
+            </a:r>
+            <a:r>
+              <a:rPr lang="ru-RU" dirty="0" err="1">
+                <a:solidFill>
+                  <a:sysClr val="windowText" lastClr="000000"/>
+                </a:solidFill>
+              </a:rPr>
+              <a:t>aflCall</a:t>
+            </a:r>
+            <a:r>
+              <a:rPr lang="ru-RU" dirty="0">
+                <a:solidFill>
+                  <a:sysClr val="windowText" lastClr="000000"/>
+                </a:solidFill>
+              </a:rPr>
+              <a:t> (0f 24)), которая была добавлена в QEMU x64 </a:t>
             </a:r>
             <a:r>
               <a:rPr lang="ru-RU" dirty="0" smtClean="0">
@@ -18994,188 +22074,202 @@
                   <a:sysClr val="windowText" lastClr="000000"/>
                 </a:solidFill>
               </a:rPr>
-              <a:t>1. Архитектура </a:t>
-            </a:r>
-            <a:r>
-              <a:rPr lang="en-US" dirty="0" err="1" smtClean="0">
-                <a:solidFill>
-                  <a:sysClr val="windowText" lastClr="000000"/>
-                </a:solidFill>
-              </a:rPr>
-              <a:t>TriforceAFL</a:t>
-            </a:r>
+              <a:t>CPU</a:t>
+            </a:r>
+          </a:p>
+          <a:p>
+            <a:pPr marL="285750" indent="-285750">
+              <a:buFont typeface="Arial" panose="020B0604020202020204" pitchFamily="34" charset="0"/>
+              <a:buChar char="•"/>
+            </a:pPr>
             <a:endParaRPr lang="ru-RU" dirty="0">
               <a:solidFill>
                 <a:sysClr val="windowText" lastClr="000000"/>
               </a:solidFill>
             </a:endParaRPr>
           </a:p>
-        </p:txBody>
-      </p:sp>
-      <p:sp>
-        <p:nvSpPr>
-          <p:cNvPr id="7" name="Овал 6"/>
-          <p:cNvSpPr/>
-          <p:nvPr/>
-        </p:nvSpPr>
-        <p:spPr>
-          <a:xfrm>
-            <a:off x="3224799" y="1808820"/>
-            <a:ext cx="1431042" cy="450050"/>
-          </a:xfrm>
-          <a:prstGeom prst="ellipse">
-            <a:avLst/>
-          </a:prstGeom>
-          <a:noFill/>
-          <a:ln w="57150">
-            <a:solidFill>
-              <a:schemeClr val="accent2">
-                <a:lumMod val="40000"/>
-                <a:lumOff val="60000"/>
-              </a:schemeClr>
-            </a:solidFill>
-          </a:ln>
-        </p:spPr>
-        <p:style>
-          <a:lnRef idx="2">
-            <a:schemeClr val="accent1">
-              <a:shade val="50000"/>
-            </a:schemeClr>
-          </a:lnRef>
-          <a:fillRef idx="1">
-            <a:schemeClr val="accent1"/>
-          </a:fillRef>
-          <a:effectRef idx="0">
-            <a:schemeClr val="accent1"/>
-          </a:effectRef>
-          <a:fontRef idx="minor">
-            <a:schemeClr val="lt1"/>
-          </a:fontRef>
-        </p:style>
-        <p:txBody>
-          <a:bodyPr rtlCol="0" anchor="ctr"/>
-          <a:lstStyle/>
-          <a:p>
-            <a:pPr algn="ctr"/>
-            <a:endParaRPr lang="ru-RU"/>
-          </a:p>
-        </p:txBody>
-      </p:sp>
-      <p:sp>
-        <p:nvSpPr>
-          <p:cNvPr id="8" name="TextBox 7"/>
-          <p:cNvSpPr txBox="1"/>
-          <p:nvPr/>
-        </p:nvSpPr>
-        <p:spPr>
-          <a:xfrm>
-            <a:off x="862035" y="6264315"/>
-            <a:ext cx="9136015" cy="523220"/>
-          </a:xfrm>
-          <a:prstGeom prst="rect">
-            <a:avLst/>
-          </a:prstGeom>
-          <a:noFill/>
-        </p:spPr>
-        <p:txBody>
-          <a:bodyPr wrap="square" rtlCol="0">
-            <a:spAutoFit/>
-          </a:bodyPr>
-          <a:lstStyle/>
-          <a:p>
-            <a:pPr algn="just"/>
-            <a:r>
-              <a:rPr lang="en-US" sz="1400" dirty="0">
-                <a:solidFill>
-                  <a:sysClr val="windowText" lastClr="000000"/>
-                </a:solidFill>
-              </a:rPr>
-              <a:t>P. Pandey, A. Sarkar and A. Banerjee, "</a:t>
-            </a:r>
-            <a:r>
-              <a:rPr lang="en-US" sz="1400" dirty="0" err="1">
-                <a:solidFill>
-                  <a:sysClr val="windowText" lastClr="000000"/>
-                </a:solidFill>
-              </a:rPr>
-              <a:t>Triforce</a:t>
-            </a:r>
-            <a:r>
-              <a:rPr lang="en-US" sz="1400" dirty="0">
-                <a:solidFill>
-                  <a:sysClr val="windowText" lastClr="000000"/>
-                </a:solidFill>
-              </a:rPr>
-              <a:t> QNX </a:t>
-            </a:r>
-            <a:r>
-              <a:rPr lang="en-US" sz="1400" dirty="0" err="1">
-                <a:solidFill>
-                  <a:sysClr val="windowText" lastClr="000000"/>
-                </a:solidFill>
-              </a:rPr>
-              <a:t>Syscall</a:t>
-            </a:r>
-            <a:r>
-              <a:rPr lang="en-US" sz="1400" dirty="0">
-                <a:solidFill>
-                  <a:sysClr val="windowText" lastClr="000000"/>
-                </a:solidFill>
-              </a:rPr>
-              <a:t> </a:t>
-            </a:r>
-            <a:r>
-              <a:rPr lang="en-US" sz="1400" dirty="0" err="1">
-                <a:solidFill>
-                  <a:sysClr val="windowText" lastClr="000000"/>
-                </a:solidFill>
-              </a:rPr>
-              <a:t>Fuzzer</a:t>
-            </a:r>
-            <a:r>
-              <a:rPr lang="en-US" sz="1400" dirty="0">
-                <a:solidFill>
-                  <a:sysClr val="windowText" lastClr="000000"/>
-                </a:solidFill>
-              </a:rPr>
-              <a:t>," 2019 IEEE International Symposium on Software Reliability Engineering Workshops (ISSREW), Berlin, Germany, 2019, pp. 59-60, </a:t>
-            </a:r>
-            <a:r>
-              <a:rPr lang="en-US" sz="1400" dirty="0" err="1">
-                <a:solidFill>
-                  <a:sysClr val="windowText" lastClr="000000"/>
-                </a:solidFill>
-              </a:rPr>
-              <a:t>doi</a:t>
-            </a:r>
-            <a:r>
-              <a:rPr lang="en-US" sz="1400" dirty="0">
-                <a:solidFill>
-                  <a:sysClr val="windowText" lastClr="000000"/>
-                </a:solidFill>
-              </a:rPr>
-              <a:t>: </a:t>
-            </a:r>
-            <a:r>
-              <a:rPr lang="en-US" sz="1400" dirty="0" smtClean="0">
-                <a:solidFill>
-                  <a:sysClr val="windowText" lastClr="000000"/>
-                </a:solidFill>
-              </a:rPr>
-              <a:t>10.1109/ISSREW.2019.00043</a:t>
-            </a:r>
+          <a:p>
+            <a:pPr marL="285750" indent="-285750">
+              <a:buFont typeface="Arial" panose="020B0604020202020204" pitchFamily="34" charset="0"/>
+              <a:buChar char="•"/>
+            </a:pPr>
+            <a:r>
+              <a:rPr lang="ru-RU" dirty="0" err="1">
+                <a:solidFill>
+                  <a:sysClr val="windowText" lastClr="000000"/>
+                </a:solidFill>
+              </a:rPr>
+              <a:t>Фаззинг</a:t>
+            </a:r>
+            <a:r>
+              <a:rPr lang="ru-RU" dirty="0">
+                <a:solidFill>
+                  <a:sysClr val="windowText" lastClr="000000"/>
+                </a:solidFill>
+              </a:rPr>
+              <a:t> выполняется в </a:t>
+            </a:r>
+            <a:r>
+              <a:rPr lang="ru-RU" dirty="0" smtClean="0">
+                <a:solidFill>
+                  <a:sysClr val="windowText" lastClr="000000"/>
+                </a:solidFill>
+              </a:rPr>
+              <a:t>RAM-памяти, что позволяет значительно увеличить производительность </a:t>
+            </a:r>
+            <a:r>
+              <a:rPr lang="ru-RU" dirty="0" err="1" smtClean="0">
+                <a:solidFill>
+                  <a:sysClr val="windowText" lastClr="000000"/>
+                </a:solidFill>
+              </a:rPr>
+              <a:t>фаззинга</a:t>
+            </a:r>
+            <a:endParaRPr lang="ru-RU" dirty="0" smtClean="0">
+              <a:solidFill>
+                <a:sysClr val="windowText" lastClr="000000"/>
+              </a:solidFill>
+            </a:endParaRPr>
+          </a:p>
+          <a:p>
+            <a:pPr marL="285750" indent="-285750">
+              <a:buFont typeface="Arial" panose="020B0604020202020204" pitchFamily="34" charset="0"/>
+              <a:buChar char="•"/>
+            </a:pPr>
             <a:endParaRPr lang="ru-RU" dirty="0">
               <a:solidFill>
                 <a:sysClr val="windowText" lastClr="000000"/>
               </a:solidFill>
             </a:endParaRPr>
           </a:p>
+          <a:p>
+            <a:pPr marL="285750" indent="-285750">
+              <a:buFont typeface="Arial" panose="020B0604020202020204" pitchFamily="34" charset="0"/>
+              <a:buChar char="•"/>
+            </a:pPr>
+            <a:r>
+              <a:rPr lang="ru-RU" dirty="0" smtClean="0">
+                <a:solidFill>
+                  <a:sysClr val="windowText" lastClr="000000"/>
+                </a:solidFill>
+              </a:rPr>
+              <a:t>Имеет инструмент </a:t>
+            </a:r>
+            <a:r>
+              <a:rPr lang="en-US" dirty="0" err="1" smtClean="0">
+                <a:solidFill>
+                  <a:sysClr val="windowText" lastClr="000000"/>
+                </a:solidFill>
+              </a:rPr>
+              <a:t>TriforceLinuxSyscallFuzzer</a:t>
+            </a:r>
+            <a:r>
+              <a:rPr lang="ru-RU" dirty="0" smtClean="0">
+                <a:solidFill>
+                  <a:sysClr val="windowText" lastClr="000000"/>
+                </a:solidFill>
+              </a:rPr>
+              <a:t>, предназначенный для </a:t>
+            </a:r>
+            <a:r>
+              <a:rPr lang="ru-RU" dirty="0" err="1" smtClean="0">
+                <a:solidFill>
+                  <a:sysClr val="windowText" lastClr="000000"/>
+                </a:solidFill>
+              </a:rPr>
+              <a:t>фаззинга</a:t>
+            </a:r>
+            <a:r>
+              <a:rPr lang="ru-RU" dirty="0" smtClean="0">
+                <a:solidFill>
+                  <a:sysClr val="windowText" lastClr="000000"/>
+                </a:solidFill>
+              </a:rPr>
+              <a:t> системных вызовов ядра </a:t>
+            </a:r>
+            <a:r>
+              <a:rPr lang="en-US" dirty="0" smtClean="0">
+                <a:solidFill>
+                  <a:sysClr val="windowText" lastClr="000000"/>
+                </a:solidFill>
+              </a:rPr>
+              <a:t>Linux, </a:t>
+            </a:r>
+            <a:r>
+              <a:rPr lang="kk-KZ" dirty="0" smtClean="0">
+                <a:solidFill>
+                  <a:sysClr val="windowText" lastClr="000000"/>
+                </a:solidFill>
+              </a:rPr>
+              <a:t>который может быть портирован под </a:t>
+            </a:r>
+            <a:r>
+              <a:rPr lang="en-US" dirty="0" smtClean="0">
+                <a:solidFill>
+                  <a:sysClr val="windowText" lastClr="000000"/>
+                </a:solidFill>
+              </a:rPr>
+              <a:t>QNX</a:t>
+            </a:r>
+            <a:endParaRPr lang="ru-RU" dirty="0" smtClean="0">
+              <a:solidFill>
+                <a:sysClr val="windowText" lastClr="000000"/>
+              </a:solidFill>
+            </a:endParaRPr>
+          </a:p>
+          <a:p>
+            <a:pPr marL="285750" indent="-285750">
+              <a:buFont typeface="Arial" panose="020B0604020202020204" pitchFamily="34" charset="0"/>
+              <a:buChar char="•"/>
+            </a:pPr>
+            <a:endParaRPr lang="ru-RU" dirty="0">
+              <a:solidFill>
+                <a:sysClr val="windowText" lastClr="000000"/>
+              </a:solidFill>
+            </a:endParaRPr>
+          </a:p>
+          <a:p>
+            <a:pPr marL="285750" indent="-285750">
+              <a:buFont typeface="Arial" panose="020B0604020202020204" pitchFamily="34" charset="0"/>
+              <a:buChar char="•"/>
+            </a:pPr>
+            <a:r>
+              <a:rPr lang="ru-RU" dirty="0" smtClean="0">
+                <a:solidFill>
+                  <a:sysClr val="windowText" lastClr="000000"/>
+                </a:solidFill>
+              </a:rPr>
+              <a:t>Позволяет получать отчеты о падении или зависании системы</a:t>
+            </a:r>
+          </a:p>
+          <a:p>
+            <a:pPr marL="285750" indent="-285750">
+              <a:buFont typeface="Arial" panose="020B0604020202020204" pitchFamily="34" charset="0"/>
+              <a:buChar char="•"/>
+            </a:pPr>
+            <a:endParaRPr lang="ru-RU" dirty="0">
+              <a:solidFill>
+                <a:sysClr val="windowText" lastClr="000000"/>
+              </a:solidFill>
+            </a:endParaRPr>
+          </a:p>
+          <a:p>
+            <a:pPr marL="285750" indent="-285750">
+              <a:buFont typeface="Arial" panose="020B0604020202020204" pitchFamily="34" charset="0"/>
+              <a:buChar char="•"/>
+            </a:pPr>
+            <a:endParaRPr lang="ru-RU" dirty="0">
+              <a:solidFill>
+                <a:sysClr val="windowText" lastClr="000000"/>
+              </a:solidFill>
+            </a:endParaRPr>
+          </a:p>
         </p:txBody>
       </p:sp>
     </p:spTree>
     <p:extLst>
       <p:ext uri="{BB962C8B-B14F-4D97-AF65-F5344CB8AC3E}">
-        <p14:creationId xmlns:p14="http://schemas.microsoft.com/office/powerpoint/2010/main" val="352092235"/>
+        <p14:creationId xmlns:p14="http://schemas.microsoft.com/office/powerpoint/2010/main" val="1693940509"/>
       </p:ext>
     </p:extLst>
   </p:cSld>
@@ -19240,12 +22334,12 @@
               <a:t>TriforceAFL</a:t>
             </a:r>
             <a:r>
+              <a:rPr lang="en-US" dirty="0"/>
+              <a:t>:</a:t>
+            </a:r>
+            <a:r>
               <a:rPr lang="en-US" dirty="0" smtClean="0"/>
-              <a:t> </a:t>
-            </a:r>
-            <a:r>
-              <a:rPr lang="ru-RU" dirty="0" smtClean="0"/>
-              <a:t>- недостатки</a:t>
+              <a:t> DRIVER (AGENT)</a:t>
             </a:r>
             <a:endParaRPr lang="ru-RU" dirty="0"/>
           </a:p>
@@ -19296,16 +22390,40 @@
           </a:p>
         </p:txBody>
       </p:sp>
-      <p:sp>
-        <p:nvSpPr>
-          <p:cNvPr id="5" name="TextBox 4"/>
+      <p:pic>
+        <p:nvPicPr>
+          <p:cNvPr id="3" name="Рисунок 2"/>
+          <p:cNvPicPr>
+            <a:picLocks noChangeAspect="1"/>
+          </p:cNvPicPr>
+          <p:nvPr/>
+        </p:nvPicPr>
+        <p:blipFill>
+          <a:blip r:embed="rId2"/>
+          <a:stretch>
+            <a:fillRect/>
+          </a:stretch>
+        </p:blipFill>
+        <p:spPr>
+          <a:xfrm>
+            <a:off x="1959283" y="1402243"/>
+            <a:ext cx="6941520" cy="3178206"/>
+          </a:xfrm>
+          <a:prstGeom prst="rect">
+            <a:avLst/>
+          </a:prstGeom>
+        </p:spPr>
+      </p:pic>
+      <p:sp>
+        <p:nvSpPr>
+          <p:cNvPr id="6" name="TextBox 5"/>
           <p:cNvSpPr txBox="1"/>
           <p:nvPr/>
         </p:nvSpPr>
         <p:spPr>
           <a:xfrm>
-            <a:off x="442912" y="1403775"/>
-            <a:ext cx="11323718" cy="3200876"/>
+            <a:off x="3224798" y="4782982"/>
+            <a:ext cx="4410490" cy="369332"/>
           </a:xfrm>
           <a:prstGeom prst="rect">
             <a:avLst/>
@@ -19318,6 +22436,110 @@
           </a:bodyPr>
           <a:lstStyle/>
           <a:p>
+            <a:pPr algn="ctr"/>
+            <a:r>
+              <a:rPr lang="kk-KZ" dirty="0" smtClean="0">
+                <a:solidFill>
+                  <a:sysClr val="windowText" lastClr="000000"/>
+                </a:solidFill>
+              </a:rPr>
+              <a:t>Рис. </a:t>
+            </a:r>
+            <a:r>
+              <a:rPr lang="ru-RU" dirty="0" smtClean="0">
+                <a:solidFill>
+                  <a:sysClr val="windowText" lastClr="000000"/>
+                </a:solidFill>
+              </a:rPr>
+              <a:t>1 - Архитектура </a:t>
+            </a:r>
+            <a:r>
+              <a:rPr lang="en-US" dirty="0" err="1" smtClean="0">
+                <a:solidFill>
+                  <a:sysClr val="windowText" lastClr="000000"/>
+                </a:solidFill>
+              </a:rPr>
+              <a:t>TriforceAFL</a:t>
+            </a:r>
+            <a:endParaRPr lang="ru-RU" dirty="0">
+              <a:solidFill>
+                <a:sysClr val="windowText" lastClr="000000"/>
+              </a:solidFill>
+            </a:endParaRPr>
+          </a:p>
+        </p:txBody>
+      </p:sp>
+      <p:sp>
+        <p:nvSpPr>
+          <p:cNvPr id="7" name="Овал 6"/>
+          <p:cNvSpPr/>
+          <p:nvPr/>
+        </p:nvSpPr>
+        <p:spPr>
+          <a:xfrm>
+            <a:off x="3224799" y="1808820"/>
+            <a:ext cx="1431042" cy="450050"/>
+          </a:xfrm>
+          <a:prstGeom prst="ellipse">
+            <a:avLst/>
+          </a:prstGeom>
+          <a:noFill/>
+          <a:ln w="57150">
+            <a:solidFill>
+              <a:schemeClr val="accent2">
+                <a:lumMod val="40000"/>
+                <a:lumOff val="60000"/>
+              </a:schemeClr>
+            </a:solidFill>
+          </a:ln>
+        </p:spPr>
+        <p:style>
+          <a:lnRef idx="2">
+            <a:schemeClr val="accent1">
+              <a:shade val="50000"/>
+            </a:schemeClr>
+          </a:lnRef>
+          <a:fillRef idx="1">
+            <a:schemeClr val="accent1"/>
+          </a:fillRef>
+          <a:effectRef idx="0">
+            <a:schemeClr val="accent1"/>
+          </a:effectRef>
+          <a:fontRef idx="minor">
+            <a:schemeClr val="lt1"/>
+          </a:fontRef>
+        </p:style>
+        <p:txBody>
+          <a:bodyPr rtlCol="0" anchor="ctr"/>
+          <a:lstStyle/>
+          <a:p>
+            <a:pPr algn="ctr"/>
+            <a:endParaRPr lang="ru-RU"/>
+          </a:p>
+        </p:txBody>
+      </p:sp>
+      <p:sp>
+        <p:nvSpPr>
+          <p:cNvPr id="9" name="TextBox 8"/>
+          <p:cNvSpPr txBox="1"/>
+          <p:nvPr/>
+        </p:nvSpPr>
+        <p:spPr>
+          <a:xfrm>
+            <a:off x="442912" y="5229200"/>
+            <a:ext cx="9676769" cy="1477328"/>
+          </a:xfrm>
+          <a:prstGeom prst="rect">
+            <a:avLst/>
+          </a:prstGeom>
+          <a:noFill/>
+        </p:spPr>
+        <p:txBody>
+          <a:bodyPr wrap="square" rtlCol="0">
+            <a:spAutoFit/>
+          </a:bodyPr>
+          <a:lstStyle/>
+          <a:p>
             <a:pPr marL="285750" indent="-285750">
               <a:buFont typeface="Arial" panose="020B0604020202020204" pitchFamily="34" charset="0"/>
               <a:buChar char="•"/>
@@ -19328,7 +22550,7 @@
                   <a:sysClr val="windowText" lastClr="000000"/>
                 </a:solidFill>
               </a:rPr>
-              <a:t>Предназначен в первую очередь для </a:t>
+              <a:t>Приложение внутри гостевой ОС, которое обеспечивает связь между целевым приложением и </a:t>
             </a:r>
             <a:r>
               <a:rPr lang="ru-RU" dirty="0" err="1" smtClean="0">
@@ -19336,23 +22558,7 @@
                   <a:sysClr val="windowText" lastClr="000000"/>
                 </a:solidFill>
               </a:rPr>
-              <a:t>фаззинга</a:t>
-            </a:r>
-            <a:r>
-              <a:rPr lang="ru-RU" dirty="0" smtClean="0">
-                <a:solidFill>
-                  <a:sysClr val="windowText" lastClr="000000"/>
-                </a:solidFill>
-              </a:rPr>
-              <a:t> системных вызовов ядра </a:t>
-            </a:r>
-            <a:r>
-              <a:rPr lang="en-US" dirty="0" smtClean="0">
-                <a:solidFill>
-                  <a:sysClr val="windowText" lastClr="000000"/>
-                </a:solidFill>
-              </a:rPr>
-              <a:t>Linux</a:t>
+              <a:t>фаззером</a:t>
             </a:r>
             <a:endParaRPr lang="ru-RU" dirty="0" smtClean="0">
               <a:solidFill>
@@ -19382,111 +22588,15 @@
                   <a:sysClr val="windowText" lastClr="000000"/>
                 </a:solidFill>
               </a:rPr>
-              <a:t>Также</a:t>
-            </a:r>
-            <a:r>
-              <a:rPr lang="ru-RU" dirty="0">
-                <a:solidFill>
-                  <a:sysClr val="windowText" lastClr="000000"/>
-                </a:solidFill>
-              </a:rPr>
-              <a:t>, например, если файл собран </a:t>
-            </a:r>
-            <a:r>
-              <a:rPr lang="ru-RU" dirty="0" err="1">
-                <a:solidFill>
-                  <a:sysClr val="windowText" lastClr="000000"/>
-                </a:solidFill>
-              </a:rPr>
-              <a:t>toolchain</a:t>
-            </a:r>
-            <a:r>
-              <a:rPr lang="ru-RU" dirty="0">
-                <a:solidFill>
-                  <a:sysClr val="windowText" lastClr="000000"/>
-                </a:solidFill>
-              </a:rPr>
-              <a:t>, использующим аппаратные </a:t>
-            </a:r>
-            <a:r>
-              <a:rPr lang="ru-RU" dirty="0" err="1">
-                <a:solidFill>
-                  <a:sysClr val="windowText" lastClr="000000"/>
-                </a:solidFill>
-              </a:rPr>
-              <a:t>фичи</a:t>
-            </a:r>
-            <a:r>
-              <a:rPr lang="ru-RU" dirty="0">
-                <a:solidFill>
-                  <a:sysClr val="windowText" lastClr="000000"/>
-                </a:solidFill>
-              </a:rPr>
-              <a:t> </a:t>
-            </a:r>
-            <a:r>
-              <a:rPr lang="ru-RU" dirty="0" err="1">
-                <a:solidFill>
-                  <a:sysClr val="windowText" lastClr="000000"/>
-                </a:solidFill>
-              </a:rPr>
-              <a:t>SoC</a:t>
-            </a:r>
-            <a:r>
-              <a:rPr lang="ru-RU" dirty="0">
-                <a:solidFill>
-                  <a:sysClr val="windowText" lastClr="000000"/>
-                </a:solidFill>
-              </a:rPr>
-              <a:t>, на котором запускается </a:t>
-            </a:r>
-            <a:r>
-              <a:rPr lang="ru-RU" dirty="0" err="1">
-                <a:solidFill>
-                  <a:sysClr val="windowText" lastClr="000000"/>
-                </a:solidFill>
-              </a:rPr>
-              <a:t>бинарь</a:t>
-            </a:r>
-            <a:r>
-              <a:rPr lang="ru-RU" dirty="0">
-                <a:solidFill>
-                  <a:sysClr val="windowText" lastClr="000000"/>
-                </a:solidFill>
-              </a:rPr>
-              <a:t> и который не поддерживается </a:t>
-            </a:r>
-            <a:r>
-              <a:rPr lang="ru-RU" dirty="0" err="1">
-                <a:solidFill>
-                  <a:sysClr val="windowText" lastClr="000000"/>
-                </a:solidFill>
-              </a:rPr>
-              <a:t>qemu</a:t>
-            </a:r>
-            <a:r>
-              <a:rPr lang="ru-RU" dirty="0">
-                <a:solidFill>
-                  <a:sysClr val="windowText" lastClr="000000"/>
-                </a:solidFill>
-              </a:rPr>
-              <a:t>, </a:t>
-            </a:r>
-            <a:r>
-              <a:rPr lang="ru-RU" dirty="0" err="1">
-                <a:solidFill>
-                  <a:sysClr val="windowText" lastClr="000000"/>
-                </a:solidFill>
-              </a:rPr>
-              <a:t>фаззинг</a:t>
-            </a:r>
-            <a:r>
-              <a:rPr lang="ru-RU" dirty="0">
-                <a:solidFill>
-                  <a:sysClr val="windowText" lastClr="000000"/>
-                </a:solidFill>
-              </a:rPr>
-              <a:t> оборвется, как только встретится специфическая инструкция, или, например, будет использован специфический </a:t>
+              <a:t>Должен быть собран под целевую платформу и ОС, и отвечать требованиям </a:t>
+            </a:r>
+            <a:r>
+              <a:rPr lang="ru-RU" dirty="0" err="1" smtClean="0">
+                <a:solidFill>
+                  <a:sysClr val="windowText" lastClr="000000"/>
+                </a:solidFill>
+              </a:rPr>
+              <a:t>фаззера</a:t>
             </a:r>
             <a:r>
               <a:rPr lang="ru-RU" dirty="0" smtClean="0">
@@ -19494,259 +22604,28 @@
                   <a:sysClr val="windowText" lastClr="000000"/>
                 </a:solidFill>
               </a:rPr>
-              <a:t>MMIO</a:t>
-            </a:r>
-          </a:p>
-          <a:p>
-            <a:pPr marL="342900" indent="-342900">
-              <a:buFont typeface="Arial" panose="020B0604020202020204" pitchFamily="34" charset="0"/>
-              <a:buChar char="•"/>
-            </a:pPr>
-            <a:endParaRPr lang="ru-RU" sz="2000" dirty="0">
+              <a:t> для корректной работы </a:t>
+            </a:r>
+            <a:r>
+              <a:rPr lang="en-US" dirty="0" smtClean="0">
+                <a:solidFill>
+                  <a:sysClr val="windowText" lastClr="000000"/>
+                </a:solidFill>
+              </a:rPr>
+              <a:t>[2]</a:t>
+            </a:r>
+            <a:endParaRPr lang="ru-RU" dirty="0">
               <a:solidFill>
                 <a:sysClr val="windowText" lastClr="000000"/>
               </a:solidFill>
             </a:endParaRPr>
           </a:p>
-          <a:p>
-            <a:pPr marL="285750" indent="-285750">
-              <a:buFont typeface="Arial" panose="020B0604020202020204" pitchFamily="34" charset="0"/>
-              <a:buChar char="•"/>
-            </a:pPr>
-            <a:r>
-              <a:rPr lang="ru-RU" dirty="0" smtClean="0">
-                <a:solidFill>
-                  <a:sysClr val="windowText" lastClr="000000"/>
-                </a:solidFill>
-              </a:rPr>
-              <a:t>Больше не </a:t>
-            </a:r>
-            <a:r>
-              <a:rPr lang="ru-RU" dirty="0">
-                <a:solidFill>
-                  <a:sysClr val="windowText" lastClr="000000"/>
-                </a:solidFill>
-              </a:rPr>
-              <a:t>поддерживается, последняя версия </a:t>
-            </a:r>
-            <a:r>
-              <a:rPr lang="ru-RU" dirty="0" err="1">
-                <a:solidFill>
-                  <a:sysClr val="windowText" lastClr="000000"/>
-                </a:solidFill>
-              </a:rPr>
-              <a:t>afl</a:t>
-            </a:r>
-            <a:r>
-              <a:rPr lang="ru-RU" dirty="0">
-                <a:solidFill>
-                  <a:sysClr val="windowText" lastClr="000000"/>
-                </a:solidFill>
-              </a:rPr>
-              <a:t> в нем </a:t>
-            </a:r>
-            <a:r>
-              <a:rPr lang="ru-RU" dirty="0" smtClean="0">
-                <a:solidFill>
-                  <a:sysClr val="windowText" lastClr="000000"/>
-                </a:solidFill>
-              </a:rPr>
-              <a:t>2.06b</a:t>
-            </a:r>
-            <a:r>
-              <a:rPr lang="en-US" dirty="0" smtClean="0">
-                <a:solidFill>
-                  <a:sysClr val="windowText" lastClr="000000"/>
-                </a:solidFill>
-              </a:rPr>
-              <a:t>, </a:t>
-            </a:r>
-            <a:r>
-              <a:rPr lang="en-US" dirty="0" err="1" smtClean="0">
-                <a:solidFill>
-                  <a:sysClr val="windowText" lastClr="000000"/>
-                </a:solidFill>
-              </a:rPr>
-              <a:t>quemu</a:t>
-            </a:r>
-            <a:r>
-              <a:rPr lang="en-US" dirty="0" smtClean="0">
-                <a:solidFill>
-                  <a:sysClr val="windowText" lastClr="000000"/>
-                </a:solidFill>
-              </a:rPr>
-              <a:t> 2.3</a:t>
-            </a:r>
-            <a:endParaRPr lang="ru-RU" dirty="0" smtClean="0">
-              <a:solidFill>
-                <a:sysClr val="windowText" lastClr="000000"/>
-              </a:solidFill>
-            </a:endParaRPr>
-          </a:p>
-          <a:p>
-            <a:pPr marL="342900" indent="-342900">
-              <a:buFont typeface="Arial" panose="020B0604020202020204" pitchFamily="34" charset="0"/>
-              <a:buChar char="•"/>
-            </a:pPr>
-            <a:endParaRPr lang="ru-RU" sz="2000" dirty="0">
-              <a:solidFill>
-                <a:sysClr val="windowText" lastClr="000000"/>
-              </a:solidFill>
-            </a:endParaRPr>
-          </a:p>
-          <a:p>
-            <a:pPr marL="285750" indent="-285750">
-              <a:buFont typeface="Arial" panose="020B0604020202020204" pitchFamily="34" charset="0"/>
-              <a:buChar char="•"/>
-            </a:pPr>
-            <a:r>
-              <a:rPr lang="ru-RU" dirty="0" err="1">
-                <a:solidFill>
-                  <a:sysClr val="windowText" lastClr="000000"/>
-                </a:solidFill>
-              </a:rPr>
-              <a:t>Ф</a:t>
-            </a:r>
-            <a:r>
-              <a:rPr lang="ru-RU" dirty="0" err="1" smtClean="0">
-                <a:solidFill>
-                  <a:sysClr val="windowText" lastClr="000000"/>
-                </a:solidFill>
-              </a:rPr>
-              <a:t>аззинг</a:t>
-            </a:r>
-            <a:r>
-              <a:rPr lang="ru-RU" dirty="0" smtClean="0">
-                <a:solidFill>
-                  <a:sysClr val="windowText" lastClr="000000"/>
-                </a:solidFill>
-              </a:rPr>
-              <a:t> </a:t>
-            </a:r>
-            <a:r>
-              <a:rPr lang="ru-RU" dirty="0">
-                <a:solidFill>
-                  <a:sysClr val="windowText" lastClr="000000"/>
-                </a:solidFill>
-              </a:rPr>
-              <a:t>выполняется </a:t>
-            </a:r>
-            <a:r>
-              <a:rPr lang="ru-RU" dirty="0" smtClean="0">
-                <a:solidFill>
-                  <a:sysClr val="windowText" lastClr="000000"/>
-                </a:solidFill>
-              </a:rPr>
-              <a:t>в RAM-памяти</a:t>
-            </a:r>
-            <a:r>
-              <a:rPr lang="ru-RU" dirty="0">
-                <a:solidFill>
-                  <a:sysClr val="windowText" lastClr="000000"/>
-                </a:solidFill>
-              </a:rPr>
-              <a:t>, на каждом тестовом запуске гостевой системе недоступен жесткий диск, </a:t>
-            </a:r>
-            <a:r>
-              <a:rPr lang="ru-RU" dirty="0" smtClean="0">
-                <a:solidFill>
-                  <a:sysClr val="windowText" lastClr="000000"/>
-                </a:solidFill>
-              </a:rPr>
-              <a:t>что годится </a:t>
-            </a:r>
-            <a:r>
-              <a:rPr lang="ru-RU" dirty="0">
-                <a:solidFill>
-                  <a:sysClr val="windowText" lastClr="000000"/>
-                </a:solidFill>
-              </a:rPr>
-              <a:t>для </a:t>
-            </a:r>
-            <a:r>
-              <a:rPr lang="ru-RU" dirty="0" err="1">
-                <a:solidFill>
-                  <a:sysClr val="windowText" lastClr="000000"/>
-                </a:solidFill>
-              </a:rPr>
-              <a:t>фаззинга</a:t>
-            </a:r>
-            <a:r>
-              <a:rPr lang="ru-RU" dirty="0">
-                <a:solidFill>
-                  <a:sysClr val="windowText" lastClr="000000"/>
-                </a:solidFill>
-              </a:rPr>
-              <a:t> ядра, но может существенно повлиять на достоверность </a:t>
-            </a:r>
-            <a:r>
-              <a:rPr lang="ru-RU" dirty="0" smtClean="0">
-                <a:solidFill>
-                  <a:sysClr val="windowText" lastClr="000000"/>
-                </a:solidFill>
-              </a:rPr>
-              <a:t>результатов </a:t>
-            </a:r>
-            <a:r>
-              <a:rPr lang="ru-RU" dirty="0" err="1" smtClean="0">
-                <a:solidFill>
-                  <a:sysClr val="windowText" lastClr="000000"/>
-                </a:solidFill>
-              </a:rPr>
-              <a:t>фаззинга</a:t>
-            </a:r>
-            <a:r>
-              <a:rPr lang="ru-RU" dirty="0" smtClean="0">
-                <a:solidFill>
-                  <a:sysClr val="windowText" lastClr="000000"/>
-                </a:solidFill>
-              </a:rPr>
-              <a:t> </a:t>
-            </a:r>
-            <a:r>
-              <a:rPr lang="ru-RU" dirty="0">
-                <a:solidFill>
-                  <a:sysClr val="windowText" lastClr="000000"/>
-                </a:solidFill>
-              </a:rPr>
-              <a:t>в случае использования указанного подхода к </a:t>
-            </a:r>
-            <a:r>
-              <a:rPr lang="ru-RU" dirty="0" err="1">
-                <a:solidFill>
-                  <a:sysClr val="windowText" lastClr="000000"/>
-                </a:solidFill>
-              </a:rPr>
-              <a:t>фаззингу</a:t>
-            </a:r>
-            <a:r>
-              <a:rPr lang="ru-RU" dirty="0">
-                <a:solidFill>
-                  <a:sysClr val="windowText" lastClr="000000"/>
-                </a:solidFill>
-              </a:rPr>
-              <a:t> </a:t>
-            </a:r>
-            <a:r>
-              <a:rPr lang="ru-RU" dirty="0" smtClean="0">
-                <a:solidFill>
-                  <a:sysClr val="windowText" lastClr="000000"/>
-                </a:solidFill>
-              </a:rPr>
-              <a:t>пользовательского кода</a:t>
-            </a:r>
-            <a:endParaRPr lang="ru-RU" sz="2000" dirty="0">
-              <a:solidFill>
-                <a:sysClr val="windowText" lastClr="000000"/>
-              </a:solidFill>
-            </a:endParaRPr>
-          </a:p>
         </p:txBody>
       </p:sp>
     </p:spTree>
     <p:extLst>
       <p:ext uri="{BB962C8B-B14F-4D97-AF65-F5344CB8AC3E}">
-        <p14:creationId xmlns:p14="http://schemas.microsoft.com/office/powerpoint/2010/main" val="3644889408"/>
+        <p14:creationId xmlns:p14="http://schemas.microsoft.com/office/powerpoint/2010/main" val="352092235"/>
       </p:ext>
     </p:extLst>
   </p:cSld>
@@ -19796,14 +22675,27 @@
             <p:ph type="body" sz="half" idx="11"/>
           </p:nvPr>
         </p:nvSpPr>
-        <p:spPr/>
+        <p:spPr>
+          <a:xfrm>
+            <a:off x="442912" y="818710"/>
+            <a:ext cx="9974262" cy="381000"/>
+          </a:xfrm>
+        </p:spPr>
         <p:txBody>
           <a:bodyPr/>
           <a:lstStyle/>
           <a:p>
             <a:r>
-              <a:rPr lang="en-US" dirty="0" smtClean="0"/>
-              <a:t>EMBEDDED LINUX FUZZ</a:t>
+              <a:rPr lang="en-US" dirty="0" err="1" smtClean="0"/>
+              <a:t>TriforceAFL</a:t>
+            </a:r>
+            <a:r>
+              <a:rPr lang="en-US" dirty="0"/>
+              <a:t>:</a:t>
+            </a:r>
+            <a:r>
+              <a:rPr lang="ru-RU" dirty="0" smtClean="0"/>
+              <a:t> недостатки</a:t>
             </a:r>
             <a:endParaRPr lang="ru-RU" dirty="0"/>
           </a:p>
@@ -19831,27 +22723,39 @@
           <a:lstStyle/>
           <a:p>
             <a:r>
-              <a:rPr lang="kk-KZ" dirty="0" smtClean="0"/>
+              <a:rPr lang="kk-KZ" dirty="0" smtClean="0">
+                <a:solidFill>
+                  <a:sysClr val="windowText" lastClr="000000"/>
+                </a:solidFill>
+              </a:rPr>
               <a:t>Фаззинг виртуальной машины</a:t>
             </a:r>
             <a:r>
-              <a:rPr lang="ru-RU" dirty="0" smtClean="0"/>
-              <a:t>. Покрытие</a:t>
-            </a:r>
-            <a:endParaRPr lang="ru-RU" dirty="0"/>
-          </a:p>
-        </p:txBody>
-      </p:sp>
-      <p:sp>
-        <p:nvSpPr>
-          <p:cNvPr id="3" name="TextBox 2"/>
+              <a:rPr lang="ru-RU" dirty="0" smtClean="0">
+                <a:solidFill>
+                  <a:sysClr val="windowText" lastClr="000000"/>
+                </a:solidFill>
+              </a:rPr>
+              <a:t>. Типы</a:t>
+            </a:r>
+            <a:endParaRPr lang="ru-RU" dirty="0">
+              <a:solidFill>
+                <a:sysClr val="windowText" lastClr="000000"/>
+              </a:solidFill>
+            </a:endParaRPr>
+          </a:p>
+        </p:txBody>
+      </p:sp>
+      <p:sp>
+        <p:nvSpPr>
+          <p:cNvPr id="5" name="TextBox 4"/>
           <p:cNvSpPr txBox="1"/>
           <p:nvPr/>
         </p:nvSpPr>
         <p:spPr>
           <a:xfrm>
-            <a:off x="1177070" y="6316079"/>
-            <a:ext cx="8505945" cy="523220"/>
+            <a:off x="442912" y="1943835"/>
+            <a:ext cx="11323718" cy="3200876"/>
           </a:xfrm>
           <a:prstGeom prst="rect">
             <a:avLst/>
@@ -19864,237 +22768,58 @@
           </a:bodyPr>
           <a:lstStyle/>
           <a:p>
-            <a:pPr algn="just"/>
-            <a:r>
-              <a:rPr lang="ru-RU" sz="1400" dirty="0">
-                <a:solidFill>
-                  <a:sysClr val="windowText" lastClr="000000"/>
-                </a:solidFill>
-              </a:rPr>
-              <a:t>Коваленко Р.Д., Макаров А.Н. Динамический анализ </a:t>
-            </a:r>
-            <a:r>
-              <a:rPr lang="ru-RU" sz="1400" dirty="0" err="1">
-                <a:solidFill>
-                  <a:sysClr val="windowText" lastClr="000000"/>
-                </a:solidFill>
-              </a:rPr>
-              <a:t>IoT</a:t>
-            </a:r>
-            <a:r>
-              <a:rPr lang="ru-RU" sz="1400" dirty="0">
-                <a:solidFill>
-                  <a:sysClr val="windowText" lastClr="000000"/>
-                </a:solidFill>
-              </a:rPr>
-              <a:t>-систем на </a:t>
-            </a:r>
-            <a:r>
-              <a:rPr lang="ru-RU" sz="1400" dirty="0" smtClean="0">
-                <a:solidFill>
-                  <a:sysClr val="windowText" lastClr="000000"/>
-                </a:solidFill>
-              </a:rPr>
-              <a:t>основе</a:t>
-            </a:r>
-            <a:r>
-              <a:rPr lang="en-US" sz="1400" dirty="0" smtClean="0">
-                <a:solidFill>
-                  <a:sysClr val="windowText" lastClr="000000"/>
-                </a:solidFill>
-              </a:rPr>
-              <a:t> </a:t>
-            </a:r>
-            <a:r>
-              <a:rPr lang="ru-RU" sz="1400" dirty="0" smtClean="0">
-                <a:solidFill>
-                  <a:sysClr val="windowText" lastClr="000000"/>
-                </a:solidFill>
-              </a:rPr>
-              <a:t>полносистемной </a:t>
-            </a:r>
-            <a:r>
-              <a:rPr lang="ru-RU" sz="1400" dirty="0">
-                <a:solidFill>
-                  <a:sysClr val="windowText" lastClr="000000"/>
-                </a:solidFill>
-              </a:rPr>
-              <a:t>эмуляции в QEMU. Труды ИСП РАН, том 33, </a:t>
-            </a:r>
-            <a:r>
-              <a:rPr lang="ru-RU" sz="1400" dirty="0" err="1">
-                <a:solidFill>
-                  <a:sysClr val="windowText" lastClr="000000"/>
-                </a:solidFill>
-              </a:rPr>
-              <a:t>вып</a:t>
-            </a:r>
-            <a:r>
-              <a:rPr lang="ru-RU" sz="1400" dirty="0">
-                <a:solidFill>
-                  <a:sysClr val="windowText" lastClr="000000"/>
-                </a:solidFill>
-              </a:rPr>
-              <a:t>. 5, 2021 г., стр. 155-166. DOI</a:t>
-            </a:r>
-            <a:r>
-              <a:rPr lang="ru-RU" sz="1400" dirty="0" smtClean="0">
-                <a:solidFill>
-                  <a:sysClr val="windowText" lastClr="000000"/>
-                </a:solidFill>
-              </a:rPr>
-              <a:t>:</a:t>
-            </a:r>
-            <a:r>
-              <a:rPr lang="en-US" sz="1400" dirty="0" smtClean="0">
-                <a:solidFill>
-                  <a:sysClr val="windowText" lastClr="000000"/>
-                </a:solidFill>
-              </a:rPr>
-              <a:t> 10.15514/ISPRAS–2021–33(5)–9</a:t>
-            </a:r>
-            <a:endParaRPr lang="ru-RU" sz="1400" dirty="0">
+            <a:pPr marL="285750" indent="-285750">
+              <a:buFont typeface="Arial" panose="020B0604020202020204" pitchFamily="34" charset="0"/>
+              <a:buChar char="•"/>
+            </a:pPr>
+            <a:r>
+              <a:rPr lang="ru-RU" dirty="0" smtClean="0">
+                <a:solidFill>
+                  <a:sysClr val="windowText" lastClr="000000"/>
+                </a:solidFill>
+              </a:rPr>
+              <a:t>Предназначен в первую очередь для </a:t>
+            </a:r>
+            <a:r>
+              <a:rPr lang="ru-RU" dirty="0" err="1" smtClean="0">
+                <a:solidFill>
+                  <a:sysClr val="windowText" lastClr="000000"/>
+                </a:solidFill>
+              </a:rPr>
+              <a:t>фаззинга</a:t>
+            </a:r>
+            <a:r>
+              <a:rPr lang="ru-RU" dirty="0" smtClean="0">
+                <a:solidFill>
+                  <a:sysClr val="windowText" lastClr="000000"/>
+                </a:solidFill>
+              </a:rPr>
+              <a:t> системных вызовов ядра </a:t>
+            </a:r>
+            <a:r>
+              <a:rPr lang="en-US" dirty="0" smtClean="0">
+                <a:solidFill>
+                  <a:sysClr val="windowText" lastClr="000000"/>
+                </a:solidFill>
+              </a:rPr>
+              <a:t>Linux</a:t>
+            </a:r>
+            <a:endParaRPr lang="ru-RU" dirty="0" smtClean="0">
               <a:solidFill>
                 <a:sysClr val="windowText" lastClr="000000"/>
               </a:solidFill>
             </a:endParaRPr>
           </a:p>
-        </p:txBody>
-      </p:sp>
-      <p:sp>
-        <p:nvSpPr>
-          <p:cNvPr id="5" name="TextBox 4"/>
-          <p:cNvSpPr txBox="1"/>
-          <p:nvPr/>
-        </p:nvSpPr>
-        <p:spPr>
-          <a:xfrm>
-            <a:off x="442912" y="1382939"/>
-            <a:ext cx="9478513" cy="4247317"/>
-          </a:xfrm>
-          <a:prstGeom prst="rect">
-            <a:avLst/>
-          </a:prstGeom>
-          <a:noFill/>
-        </p:spPr>
-        <p:txBody>
-          <a:bodyPr wrap="square" rtlCol="0">
-            <a:spAutoFit/>
-          </a:bodyPr>
-          <a:lstStyle/>
-          <a:p>
-            <a:pPr marL="285750" indent="-285750">
-              <a:buFont typeface="Segoe UI" panose="020B0502040204020203" pitchFamily="34" charset="0"/>
-              <a:buChar char="+"/>
+          <a:p>
+            <a:pPr marL="342900" indent="-342900">
+              <a:buFont typeface="Arial" panose="020B0604020202020204" pitchFamily="34" charset="0"/>
+              <a:buChar char="•"/>
             </a:pPr>
-            <a:r>
-              <a:rPr lang="kk-KZ" dirty="0" smtClean="0"/>
-              <a:t>Основан на </a:t>
-            </a:r>
-            <a:r>
-              <a:rPr lang="en-US" dirty="0" err="1" smtClean="0"/>
-              <a:t>TriforceAFL</a:t>
-            </a:r>
-            <a:r>
-              <a:rPr lang="ru-RU" dirty="0" smtClean="0"/>
-              <a:t>, но расширяет тестовое окружение и предоставляет примеры и инструменты для тестирования настроенной системы перед началом </a:t>
-            </a:r>
-            <a:r>
-              <a:rPr lang="ru-RU" dirty="0" err="1" smtClean="0"/>
-              <a:t>фаззинга</a:t>
-            </a:r>
-            <a:endParaRPr lang="en-US" dirty="0" smtClean="0"/>
-          </a:p>
-          <a:p>
-            <a:pPr marL="285750" indent="-285750">
-              <a:buFont typeface="Segoe UI" panose="020B0502040204020203" pitchFamily="34" charset="0"/>
-              <a:buChar char="+"/>
-            </a:pPr>
-            <a:endParaRPr lang="en-US" dirty="0"/>
-          </a:p>
-          <a:p>
-            <a:pPr marL="285750" indent="-285750">
-              <a:buFont typeface="Segoe UI" panose="020B0502040204020203" pitchFamily="34" charset="0"/>
-              <a:buChar char="+"/>
-            </a:pPr>
-            <a:r>
-              <a:rPr lang="ru-RU" dirty="0" smtClean="0"/>
-              <a:t>Добавляет к отчету о </a:t>
-            </a:r>
-            <a:r>
-              <a:rPr lang="ru-RU" dirty="0" err="1" smtClean="0"/>
-              <a:t>фаззинге</a:t>
-            </a:r>
-            <a:r>
-              <a:rPr lang="ru-RU" dirty="0" smtClean="0"/>
-              <a:t> некоторые данные о покрытии</a:t>
-            </a:r>
-          </a:p>
-          <a:p>
-            <a:pPr marL="285750" indent="-285750">
-              <a:buFont typeface="Segoe UI" panose="020B0502040204020203" pitchFamily="34" charset="0"/>
-              <a:buChar char="+"/>
-            </a:pPr>
-            <a:endParaRPr lang="ru-RU" dirty="0"/>
-          </a:p>
-          <a:p>
-            <a:pPr marL="285750" indent="-285750">
-              <a:buFont typeface="Segoe UI" panose="020B0502040204020203" pitchFamily="34" charset="0"/>
-              <a:buChar char="+"/>
-            </a:pPr>
-            <a:r>
-              <a:rPr lang="ru-RU" dirty="0" smtClean="0"/>
-              <a:t>Позволяет </a:t>
-            </a:r>
-            <a:r>
-              <a:rPr lang="ru-RU" dirty="0" err="1" smtClean="0"/>
-              <a:t>фаззить</a:t>
-            </a:r>
-            <a:r>
-              <a:rPr lang="ru-RU" dirty="0" smtClean="0"/>
-              <a:t> любые исполняемые файлы внутри виртуальной машины</a:t>
-            </a:r>
-          </a:p>
-          <a:p>
-            <a:endParaRPr lang="ru-RU" dirty="0"/>
-          </a:p>
-          <a:p>
-            <a:pPr marL="285750" indent="-285750">
-              <a:buFont typeface="Segoe UI" panose="020B0502040204020203" pitchFamily="34" charset="0"/>
-              <a:buChar char="‑"/>
-            </a:pPr>
-            <a:r>
-              <a:rPr lang="ru-RU" dirty="0" smtClean="0"/>
-              <a:t>Все еще привязан к ядру </a:t>
-            </a:r>
-            <a:r>
-              <a:rPr lang="en-US" dirty="0" smtClean="0"/>
-              <a:t>Linux</a:t>
-            </a:r>
-          </a:p>
-          <a:p>
-            <a:pPr marL="285750" indent="-285750">
-              <a:buFont typeface="Segoe UI" panose="020B0502040204020203" pitchFamily="34" charset="0"/>
-              <a:buChar char="‑"/>
-            </a:pPr>
-            <a:endParaRPr lang="en-US" dirty="0"/>
-          </a:p>
-          <a:p>
-            <a:pPr marL="285750" indent="-285750">
-              <a:buFont typeface="Segoe UI" panose="020B0502040204020203" pitchFamily="34" charset="0"/>
-              <a:buChar char="‑"/>
-            </a:pPr>
-            <a:r>
-              <a:rPr lang="ru-RU" dirty="0" err="1" smtClean="0"/>
-              <a:t>Проприетарный</a:t>
-            </a:r>
-            <a:r>
-              <a:rPr lang="ru-RU" dirty="0" smtClean="0"/>
-              <a:t> проект с закрытым исходным кодом</a:t>
-            </a:r>
-          </a:p>
-          <a:p>
-            <a:endParaRPr lang="ru-RU" dirty="0"/>
+            <a:endParaRPr lang="ru-RU" sz="2000" dirty="0">
+              <a:solidFill>
+                <a:sysClr val="windowText" lastClr="000000"/>
+              </a:solidFill>
+            </a:endParaRPr>
           </a:p>
           <a:p>
             <a:pPr marL="285750" indent="-285750">
@@ -20102,24 +22827,85 @@
               <a:buChar char="•"/>
             </a:pPr>
             <a:r>
-              <a:rPr lang="ru-RU" dirty="0" smtClean="0"/>
-              <a:t>Дает понять, что при некоторых усилиях от </a:t>
-            </a:r>
-            <a:r>
-              <a:rPr lang="en-US" dirty="0" err="1" smtClean="0"/>
-              <a:t>TriforceAFL</a:t>
-            </a:r>
-            <a:r>
-              <a:rPr lang="ru-RU" dirty="0" smtClean="0"/>
-              <a:t> можно получить более подробные результаты</a:t>
-            </a:r>
+              <a:rPr lang="ru-RU" dirty="0" err="1">
+                <a:solidFill>
+                  <a:sysClr val="windowText" lastClr="000000"/>
+                </a:solidFill>
+              </a:rPr>
+              <a:t>Фаззинг</a:t>
+            </a:r>
+            <a:r>
+              <a:rPr lang="ru-RU" dirty="0">
+                <a:solidFill>
+                  <a:sysClr val="windowText" lastClr="000000"/>
+                </a:solidFill>
+              </a:rPr>
+              <a:t> выполняется в RAM-памяти, на каждом тестовом запуске гостевой системе недоступен жесткий диск, что годится для </a:t>
+            </a:r>
+            <a:r>
+              <a:rPr lang="ru-RU" dirty="0" err="1">
+                <a:solidFill>
+                  <a:sysClr val="windowText" lastClr="000000"/>
+                </a:solidFill>
+              </a:rPr>
+              <a:t>фаззинга</a:t>
+            </a:r>
+            <a:r>
+              <a:rPr lang="ru-RU" dirty="0">
+                <a:solidFill>
+                  <a:sysClr val="windowText" lastClr="000000"/>
+                </a:solidFill>
+              </a:rPr>
+              <a:t> ядра, но может существенно повлиять на достоверность результатов </a:t>
+            </a:r>
+            <a:r>
+              <a:rPr lang="ru-RU" dirty="0" err="1">
+                <a:solidFill>
+                  <a:sysClr val="windowText" lastClr="000000"/>
+                </a:solidFill>
+              </a:rPr>
+              <a:t>фаззинга</a:t>
+            </a:r>
+            <a:r>
+              <a:rPr lang="ru-RU" dirty="0">
+                <a:solidFill>
+                  <a:sysClr val="windowText" lastClr="000000"/>
+                </a:solidFill>
+              </a:rPr>
+              <a:t> в случае использования указанного подхода к </a:t>
+            </a:r>
+            <a:r>
+              <a:rPr lang="ru-RU" dirty="0" err="1">
+                <a:solidFill>
+                  <a:sysClr val="windowText" lastClr="000000"/>
+                </a:solidFill>
+              </a:rPr>
+              <a:t>фаззингу</a:t>
+            </a:r>
+            <a:r>
+              <a:rPr lang="ru-RU" dirty="0">
+                <a:solidFill>
+                  <a:sysClr val="windowText" lastClr="000000"/>
+                </a:solidFill>
+              </a:rPr>
+              <a:t> пользовательского кода</a:t>
+            </a:r>
+            <a:endParaRPr lang="ru-RU" sz="2000" dirty="0">
+              <a:solidFill>
+                <a:sysClr val="windowText" lastClr="000000"/>
+              </a:solidFill>
+            </a:endParaRPr>
           </a:p>
           <a:p>
             <a:pPr marL="285750" indent="-285750">
               <a:buFont typeface="Arial" panose="020B0604020202020204" pitchFamily="34" charset="0"/>
               <a:buChar char="•"/>
             </a:pPr>
-            <a:endParaRPr lang="ru-RU" dirty="0"/>
+            <a:endParaRPr lang="ru-RU" dirty="0">
+              <a:solidFill>
+                <a:sysClr val="windowText" lastClr="000000"/>
+              </a:solidFill>
+            </a:endParaRPr>
           </a:p>
           <a:p>
             <a:pPr marL="285750" indent="-285750">
@@ -20127,17 +22913,218 @@
               <a:buChar char="•"/>
             </a:pPr>
             <a:r>
-              <a:rPr lang="ru-RU" dirty="0" smtClean="0"/>
-              <a:t>Но можно ли лучше?</a:t>
-            </a:r>
-            <a:endParaRPr lang="en-US" dirty="0"/>
+              <a:rPr lang="ru-RU" dirty="0" smtClean="0">
+                <a:solidFill>
+                  <a:sysClr val="windowText" lastClr="000000"/>
+                </a:solidFill>
+              </a:rPr>
+              <a:t>Также</a:t>
+            </a:r>
+            <a:r>
+              <a:rPr lang="ru-RU" dirty="0">
+                <a:solidFill>
+                  <a:sysClr val="windowText" lastClr="000000"/>
+                </a:solidFill>
+              </a:rPr>
+              <a:t>, например, если файл собран </a:t>
+            </a:r>
+            <a:r>
+              <a:rPr lang="ru-RU" dirty="0" err="1">
+                <a:solidFill>
+                  <a:sysClr val="windowText" lastClr="000000"/>
+                </a:solidFill>
+              </a:rPr>
+              <a:t>toolchain</a:t>
+            </a:r>
+            <a:r>
+              <a:rPr lang="ru-RU" dirty="0">
+                <a:solidFill>
+                  <a:sysClr val="windowText" lastClr="000000"/>
+                </a:solidFill>
+              </a:rPr>
+              <a:t>, использующим аппаратные </a:t>
+            </a:r>
+            <a:r>
+              <a:rPr lang="ru-RU" dirty="0" err="1">
+                <a:solidFill>
+                  <a:sysClr val="windowText" lastClr="000000"/>
+                </a:solidFill>
+              </a:rPr>
+              <a:t>фичи</a:t>
+            </a:r>
+            <a:r>
+              <a:rPr lang="ru-RU" dirty="0">
+                <a:solidFill>
+                  <a:sysClr val="windowText" lastClr="000000"/>
+                </a:solidFill>
+              </a:rPr>
+              <a:t> </a:t>
+            </a:r>
+            <a:r>
+              <a:rPr lang="ru-RU" dirty="0" err="1">
+                <a:solidFill>
+                  <a:sysClr val="windowText" lastClr="000000"/>
+                </a:solidFill>
+              </a:rPr>
+              <a:t>SoC</a:t>
+            </a:r>
+            <a:r>
+              <a:rPr lang="ru-RU" dirty="0">
+                <a:solidFill>
+                  <a:sysClr val="windowText" lastClr="000000"/>
+                </a:solidFill>
+              </a:rPr>
+              <a:t>, на котором запускается </a:t>
+            </a:r>
+            <a:r>
+              <a:rPr lang="ru-RU" dirty="0" err="1">
+                <a:solidFill>
+                  <a:sysClr val="windowText" lastClr="000000"/>
+                </a:solidFill>
+              </a:rPr>
+              <a:t>бинарь</a:t>
+            </a:r>
+            <a:r>
+              <a:rPr lang="ru-RU" dirty="0">
+                <a:solidFill>
+                  <a:sysClr val="windowText" lastClr="000000"/>
+                </a:solidFill>
+              </a:rPr>
+              <a:t> и который не поддерживается </a:t>
+            </a:r>
+            <a:r>
+              <a:rPr lang="ru-RU" dirty="0" err="1">
+                <a:solidFill>
+                  <a:sysClr val="windowText" lastClr="000000"/>
+                </a:solidFill>
+              </a:rPr>
+              <a:t>qemu</a:t>
+            </a:r>
+            <a:r>
+              <a:rPr lang="ru-RU" dirty="0">
+                <a:solidFill>
+                  <a:sysClr val="windowText" lastClr="000000"/>
+                </a:solidFill>
+              </a:rPr>
+              <a:t>, </a:t>
+            </a:r>
+            <a:r>
+              <a:rPr lang="ru-RU" dirty="0" err="1">
+                <a:solidFill>
+                  <a:sysClr val="windowText" lastClr="000000"/>
+                </a:solidFill>
+              </a:rPr>
+              <a:t>фаззинг</a:t>
+            </a:r>
+            <a:r>
+              <a:rPr lang="ru-RU" dirty="0">
+                <a:solidFill>
+                  <a:sysClr val="windowText" lastClr="000000"/>
+                </a:solidFill>
+              </a:rPr>
+              <a:t> оборвется, как только встретится специфическая инструкция, или, например, будет использован специфический </a:t>
+            </a:r>
+            <a:r>
+              <a:rPr lang="ru-RU" dirty="0" smtClean="0">
+                <a:solidFill>
+                  <a:sysClr val="windowText" lastClr="000000"/>
+                </a:solidFill>
+              </a:rPr>
+              <a:t>MMIO</a:t>
+            </a:r>
+          </a:p>
+          <a:p>
+            <a:pPr marL="342900" indent="-342900">
+              <a:buFont typeface="Arial" panose="020B0604020202020204" pitchFamily="34" charset="0"/>
+              <a:buChar char="•"/>
+            </a:pPr>
+            <a:endParaRPr lang="ru-RU" sz="2000" dirty="0">
+              <a:solidFill>
+                <a:sysClr val="windowText" lastClr="000000"/>
+              </a:solidFill>
+            </a:endParaRPr>
+          </a:p>
+          <a:p>
+            <a:pPr marL="285750" indent="-285750">
+              <a:buFont typeface="Arial" panose="020B0604020202020204" pitchFamily="34" charset="0"/>
+              <a:buChar char="•"/>
+            </a:pPr>
+            <a:r>
+              <a:rPr lang="ru-RU" dirty="0" smtClean="0">
+                <a:solidFill>
+                  <a:sysClr val="windowText" lastClr="000000"/>
+                </a:solidFill>
+              </a:rPr>
+              <a:t>Больше не </a:t>
+            </a:r>
+            <a:r>
+              <a:rPr lang="ru-RU" dirty="0">
+                <a:solidFill>
+                  <a:sysClr val="windowText" lastClr="000000"/>
+                </a:solidFill>
+              </a:rPr>
+              <a:t>поддерживается, последняя версия </a:t>
+            </a:r>
+            <a:r>
+              <a:rPr lang="ru-RU" dirty="0" err="1">
+                <a:solidFill>
+                  <a:sysClr val="windowText" lastClr="000000"/>
+                </a:solidFill>
+              </a:rPr>
+              <a:t>afl</a:t>
+            </a:r>
+            <a:r>
+              <a:rPr lang="ru-RU" dirty="0">
+                <a:solidFill>
+                  <a:sysClr val="windowText" lastClr="000000"/>
+                </a:solidFill>
+              </a:rPr>
+              <a:t> в нем </a:t>
+            </a:r>
+            <a:r>
+              <a:rPr lang="ru-RU" dirty="0" smtClean="0">
+                <a:solidFill>
+                  <a:sysClr val="windowText" lastClr="000000"/>
+                </a:solidFill>
+              </a:rPr>
+              <a:t>2.06b</a:t>
+            </a:r>
+            <a:r>
+              <a:rPr lang="en-US" dirty="0" smtClean="0">
+                <a:solidFill>
+                  <a:sysClr val="windowText" lastClr="000000"/>
+                </a:solidFill>
+              </a:rPr>
+              <a:t>, </a:t>
+            </a:r>
+            <a:r>
+              <a:rPr lang="en-US" dirty="0" err="1" smtClean="0">
+                <a:solidFill>
+                  <a:sysClr val="windowText" lastClr="000000"/>
+                </a:solidFill>
+              </a:rPr>
+              <a:t>quemu</a:t>
+            </a:r>
+            <a:r>
+              <a:rPr lang="en-US" dirty="0" smtClean="0">
+                <a:solidFill>
+                  <a:sysClr val="windowText" lastClr="000000"/>
+                </a:solidFill>
+              </a:rPr>
+              <a:t> 2.3</a:t>
+            </a:r>
+            <a:endParaRPr lang="ru-RU" dirty="0" smtClean="0">
+              <a:solidFill>
+                <a:sysClr val="windowText" lastClr="000000"/>
+              </a:solidFill>
+            </a:endParaRPr>
           </a:p>
         </p:txBody>
       </p:sp>
     </p:spTree>
     <p:extLst>
       <p:ext uri="{BB962C8B-B14F-4D97-AF65-F5344CB8AC3E}">
-        <p14:creationId xmlns:p14="http://schemas.microsoft.com/office/powerpoint/2010/main" val="1794853979"/>
+        <p14:creationId xmlns:p14="http://schemas.microsoft.com/office/powerpoint/2010/main" val="3644889408"/>
       </p:ext>
     </p:extLst>
   </p:cSld>
